--- a/Slides/Slides.pptx
+++ b/Slides/Slides.pptx
@@ -9,7 +9,9 @@
     <p:sldId id="257" r:id="rId3"/>
     <p:sldId id="260" r:id="rId4"/>
     <p:sldId id="261" r:id="rId5"/>
-    <p:sldId id="258" r:id="rId6"/>
+    <p:sldId id="264" r:id="rId6"/>
+    <p:sldId id="265" r:id="rId7"/>
+    <p:sldId id="258" r:id="rId8"/>
   </p:sldIdLst>
   <p:sldSz cx="12192000" cy="6858000"/>
   <p:notesSz cx="6858000" cy="9144000"/>
@@ -263,7 +265,7 @@
           <a:p>
             <a:fld id="{F101891F-6021-4547-BABD-76381B614AD1}" type="datetimeFigureOut">
               <a:rPr lang="it-IT" smtClean="0"/>
-              <a:t>21/05/2024</a:t>
+              <a:t>27/05/2024</a:t>
             </a:fld>
             <a:endParaRPr lang="it-IT"/>
           </a:p>
@@ -461,7 +463,7 @@
           <a:p>
             <a:fld id="{F101891F-6021-4547-BABD-76381B614AD1}" type="datetimeFigureOut">
               <a:rPr lang="it-IT" smtClean="0"/>
-              <a:t>21/05/2024</a:t>
+              <a:t>27/05/2024</a:t>
             </a:fld>
             <a:endParaRPr lang="it-IT"/>
           </a:p>
@@ -669,7 +671,7 @@
           <a:p>
             <a:fld id="{F101891F-6021-4547-BABD-76381B614AD1}" type="datetimeFigureOut">
               <a:rPr lang="it-IT" smtClean="0"/>
-              <a:t>21/05/2024</a:t>
+              <a:t>27/05/2024</a:t>
             </a:fld>
             <a:endParaRPr lang="it-IT"/>
           </a:p>
@@ -867,7 +869,7 @@
           <a:p>
             <a:fld id="{F101891F-6021-4547-BABD-76381B614AD1}" type="datetimeFigureOut">
               <a:rPr lang="it-IT" smtClean="0"/>
-              <a:t>21/05/2024</a:t>
+              <a:t>27/05/2024</a:t>
             </a:fld>
             <a:endParaRPr lang="it-IT"/>
           </a:p>
@@ -1142,7 +1144,7 @@
           <a:p>
             <a:fld id="{F101891F-6021-4547-BABD-76381B614AD1}" type="datetimeFigureOut">
               <a:rPr lang="it-IT" smtClean="0"/>
-              <a:t>21/05/2024</a:t>
+              <a:t>27/05/2024</a:t>
             </a:fld>
             <a:endParaRPr lang="it-IT"/>
           </a:p>
@@ -1407,7 +1409,7 @@
           <a:p>
             <a:fld id="{F101891F-6021-4547-BABD-76381B614AD1}" type="datetimeFigureOut">
               <a:rPr lang="it-IT" smtClean="0"/>
-              <a:t>21/05/2024</a:t>
+              <a:t>27/05/2024</a:t>
             </a:fld>
             <a:endParaRPr lang="it-IT"/>
           </a:p>
@@ -1819,7 +1821,7 @@
           <a:p>
             <a:fld id="{F101891F-6021-4547-BABD-76381B614AD1}" type="datetimeFigureOut">
               <a:rPr lang="it-IT" smtClean="0"/>
-              <a:t>21/05/2024</a:t>
+              <a:t>27/05/2024</a:t>
             </a:fld>
             <a:endParaRPr lang="it-IT"/>
           </a:p>
@@ -1960,7 +1962,7 @@
           <a:p>
             <a:fld id="{F101891F-6021-4547-BABD-76381B614AD1}" type="datetimeFigureOut">
               <a:rPr lang="it-IT" smtClean="0"/>
-              <a:t>21/05/2024</a:t>
+              <a:t>27/05/2024</a:t>
             </a:fld>
             <a:endParaRPr lang="it-IT"/>
           </a:p>
@@ -2073,7 +2075,7 @@
           <a:p>
             <a:fld id="{F101891F-6021-4547-BABD-76381B614AD1}" type="datetimeFigureOut">
               <a:rPr lang="it-IT" smtClean="0"/>
-              <a:t>21/05/2024</a:t>
+              <a:t>27/05/2024</a:t>
             </a:fld>
             <a:endParaRPr lang="it-IT"/>
           </a:p>
@@ -2384,7 +2386,7 @@
           <a:p>
             <a:fld id="{F101891F-6021-4547-BABD-76381B614AD1}" type="datetimeFigureOut">
               <a:rPr lang="it-IT" smtClean="0"/>
-              <a:t>21/05/2024</a:t>
+              <a:t>27/05/2024</a:t>
             </a:fld>
             <a:endParaRPr lang="it-IT"/>
           </a:p>
@@ -2672,7 +2674,7 @@
           <a:p>
             <a:fld id="{F101891F-6021-4547-BABD-76381B614AD1}" type="datetimeFigureOut">
               <a:rPr lang="it-IT" smtClean="0"/>
-              <a:t>21/05/2024</a:t>
+              <a:t>27/05/2024</a:t>
             </a:fld>
             <a:endParaRPr lang="it-IT"/>
           </a:p>
@@ -2913,7 +2915,7 @@
           <a:p>
             <a:fld id="{F101891F-6021-4547-BABD-76381B614AD1}" type="datetimeFigureOut">
               <a:rPr lang="it-IT" smtClean="0"/>
-              <a:t>21/05/2024</a:t>
+              <a:t>27/05/2024</a:t>
             </a:fld>
             <a:endParaRPr lang="it-IT"/>
           </a:p>
@@ -8102,7 +8104,7 @@
         </p:blipFill>
         <p:spPr>
           <a:xfrm>
-            <a:off x="1813050" y="1616551"/>
+            <a:off x="2047094" y="1624836"/>
             <a:ext cx="505320" cy="1082829"/>
           </a:xfrm>
           <a:prstGeom prst="rect">
@@ -9238,6 +9240,4951 @@
 </file>
 
 <file path=ppt/slides/slide5.xml><?xml version="1.0" encoding="utf-8"?>
+<p:sld xmlns:a="http://schemas.openxmlformats.org/drawingml/2006/main" xmlns:r="http://schemas.openxmlformats.org/officeDocument/2006/relationships" xmlns:p="http://schemas.openxmlformats.org/presentationml/2006/main">
+  <p:cSld>
+    <p:bg>
+      <p:bgPr>
+        <a:solidFill>
+          <a:srgbClr val="F5F3F4"/>
+        </a:solidFill>
+        <a:effectLst/>
+      </p:bgPr>
+    </p:bg>
+    <p:spTree>
+      <p:nvGrpSpPr>
+        <p:cNvPr id="1" name=""/>
+        <p:cNvGrpSpPr/>
+        <p:nvPr/>
+      </p:nvGrpSpPr>
+      <p:grpSpPr>
+        <a:xfrm>
+          <a:off x="0" y="0"/>
+          <a:ext cx="0" cy="0"/>
+          <a:chOff x="0" y="0"/>
+          <a:chExt cx="0" cy="0"/>
+        </a:xfrm>
+      </p:grpSpPr>
+      <p:sp>
+        <p:nvSpPr>
+          <p:cNvPr id="5" name="Rettangolo con angoli arrotondati 4">
+            <a:extLst>
+              <a:ext uri="{FF2B5EF4-FFF2-40B4-BE49-F238E27FC236}">
+                <a16:creationId xmlns:a16="http://schemas.microsoft.com/office/drawing/2014/main" id="{BC199077-BB0A-CBA7-63B2-5EC3748E4558}"/>
+              </a:ext>
+            </a:extLst>
+          </p:cNvPr>
+          <p:cNvSpPr>
+            <a:spLocks noGrp="1" noRot="1" noMove="1" noResize="1" noEditPoints="1" noAdjustHandles="1" noChangeArrowheads="1" noChangeShapeType="1"/>
+          </p:cNvSpPr>
+          <p:nvPr/>
+        </p:nvSpPr>
+        <p:spPr>
+          <a:xfrm>
+            <a:off x="1648420" y="1335882"/>
+            <a:ext cx="8895159" cy="4186236"/>
+          </a:xfrm>
+          <a:prstGeom prst="roundRect">
+            <a:avLst>
+              <a:gd name="adj" fmla="val 8991"/>
+            </a:avLst>
+          </a:prstGeom>
+          <a:solidFill>
+            <a:srgbClr val="161A1D"/>
+          </a:solidFill>
+          <a:ln>
+            <a:noFill/>
+          </a:ln>
+        </p:spPr>
+        <p:style>
+          <a:lnRef idx="2">
+            <a:schemeClr val="accent1">
+              <a:shade val="15000"/>
+            </a:schemeClr>
+          </a:lnRef>
+          <a:fillRef idx="1">
+            <a:schemeClr val="accent1"/>
+          </a:fillRef>
+          <a:effectRef idx="0">
+            <a:schemeClr val="accent1"/>
+          </a:effectRef>
+          <a:fontRef idx="minor">
+            <a:schemeClr val="lt1"/>
+          </a:fontRef>
+        </p:style>
+        <p:txBody>
+          <a:bodyPr rtlCol="0" anchor="ctr"/>
+          <a:lstStyle/>
+          <a:p>
+            <a:pPr algn="ctr"/>
+            <a:endParaRPr lang="it-IT" dirty="0"/>
+          </a:p>
+        </p:txBody>
+      </p:sp>
+      <p:pic>
+        <p:nvPicPr>
+          <p:cNvPr id="10" name="Elemento grafico 9" descr="Telecamera di sicurezza con riempimento a tinta unita">
+            <a:extLst>
+              <a:ext uri="{FF2B5EF4-FFF2-40B4-BE49-F238E27FC236}">
+                <a16:creationId xmlns:a16="http://schemas.microsoft.com/office/drawing/2014/main" id="{DF156682-6891-A57D-5B21-80A027E79CED}"/>
+              </a:ext>
+            </a:extLst>
+          </p:cNvPr>
+          <p:cNvPicPr>
+            <a:picLocks noChangeAspect="1"/>
+          </p:cNvPicPr>
+          <p:nvPr/>
+        </p:nvPicPr>
+        <p:blipFill rotWithShape="1">
+          <a:blip r:embed="rId2">
+            <a:extLst>
+              <a:ext uri="{28A0092B-C50C-407E-A947-70E740481C1C}">
+                <a14:useLocalDpi xmlns:a14="http://schemas.microsoft.com/office/drawing/2010/main" val="0"/>
+              </a:ext>
+              <a:ext uri="{96DAC541-7B7A-43D3-8B79-37D633B846F1}">
+                <asvg:svgBlip xmlns:asvg="http://schemas.microsoft.com/office/drawing/2016/SVG/main" r:embed="rId3"/>
+              </a:ext>
+            </a:extLst>
+          </a:blip>
+          <a:srcRect l="17451"/>
+          <a:stretch/>
+        </p:blipFill>
+        <p:spPr>
+          <a:xfrm>
+            <a:off x="1648420" y="3401058"/>
+            <a:ext cx="559830" cy="678180"/>
+          </a:xfrm>
+          <a:prstGeom prst="rect">
+            <a:avLst/>
+          </a:prstGeom>
+        </p:spPr>
+      </p:pic>
+      <p:cxnSp>
+        <p:nvCxnSpPr>
+          <p:cNvPr id="14" name="Connettore diritto 13">
+            <a:extLst>
+              <a:ext uri="{FF2B5EF4-FFF2-40B4-BE49-F238E27FC236}">
+                <a16:creationId xmlns:a16="http://schemas.microsoft.com/office/drawing/2014/main" id="{75BA2FA9-6C65-D20D-F931-0C94AD3FE3F3}"/>
+              </a:ext>
+            </a:extLst>
+          </p:cNvPr>
+          <p:cNvCxnSpPr>
+            <a:cxnSpLocks/>
+          </p:cNvCxnSpPr>
+          <p:nvPr/>
+        </p:nvCxnSpPr>
+        <p:spPr>
+          <a:xfrm>
+            <a:off x="2152650" y="3819525"/>
+            <a:ext cx="2456951" cy="1313282"/>
+          </a:xfrm>
+          <a:prstGeom prst="line">
+            <a:avLst/>
+          </a:prstGeom>
+          <a:ln w="12700">
+            <a:solidFill>
+              <a:srgbClr val="660708"/>
+            </a:solidFill>
+            <a:prstDash val="dashDot"/>
+          </a:ln>
+        </p:spPr>
+        <p:style>
+          <a:lnRef idx="2">
+            <a:schemeClr val="accent1"/>
+          </a:lnRef>
+          <a:fillRef idx="0">
+            <a:schemeClr val="accent1"/>
+          </a:fillRef>
+          <a:effectRef idx="1">
+            <a:schemeClr val="accent1"/>
+          </a:effectRef>
+          <a:fontRef idx="minor">
+            <a:schemeClr val="tx1"/>
+          </a:fontRef>
+        </p:style>
+      </p:cxnSp>
+      <p:sp>
+        <p:nvSpPr>
+          <p:cNvPr id="31" name="CasellaDiTesto 30">
+            <a:extLst>
+              <a:ext uri="{FF2B5EF4-FFF2-40B4-BE49-F238E27FC236}">
+                <a16:creationId xmlns:a16="http://schemas.microsoft.com/office/drawing/2014/main" id="{07994B65-FE5B-6D95-19C7-C4694421AF68}"/>
+              </a:ext>
+            </a:extLst>
+          </p:cNvPr>
+          <p:cNvSpPr txBox="1"/>
+          <p:nvPr/>
+        </p:nvSpPr>
+        <p:spPr>
+          <a:xfrm>
+            <a:off x="6177678" y="2397317"/>
+            <a:ext cx="2575560" cy="261610"/>
+          </a:xfrm>
+          <a:prstGeom prst="rect">
+            <a:avLst/>
+          </a:prstGeom>
+          <a:noFill/>
+        </p:spPr>
+        <p:txBody>
+          <a:bodyPr wrap="square" rtlCol="0">
+            <a:spAutoFit/>
+          </a:bodyPr>
+          <a:lstStyle/>
+          <a:p>
+            <a:pPr algn="ctr"/>
+            <a:r>
+              <a:rPr lang="it-IT" sz="1050" b="1" dirty="0">
+                <a:solidFill>
+                  <a:srgbClr val="FCA311"/>
+                </a:solidFill>
+                <a:latin typeface="Calibri" panose="020F0502020204030204" pitchFamily="34" charset="0"/>
+                <a:ea typeface="Calibri" panose="020F0502020204030204" pitchFamily="34" charset="0"/>
+                <a:cs typeface="Calibri" panose="020F0502020204030204" pitchFamily="34" charset="0"/>
+              </a:rPr>
+              <a:t>VAULT</a:t>
+            </a:r>
+          </a:p>
+        </p:txBody>
+      </p:sp>
+      <p:sp>
+        <p:nvSpPr>
+          <p:cNvPr id="33" name="CasellaDiTesto 32">
+            <a:extLst>
+              <a:ext uri="{FF2B5EF4-FFF2-40B4-BE49-F238E27FC236}">
+                <a16:creationId xmlns:a16="http://schemas.microsoft.com/office/drawing/2014/main" id="{EAE226A5-22A3-8D12-7024-656B23C1B5AA}"/>
+              </a:ext>
+            </a:extLst>
+          </p:cNvPr>
+          <p:cNvSpPr txBox="1"/>
+          <p:nvPr/>
+        </p:nvSpPr>
+        <p:spPr>
+          <a:xfrm>
+            <a:off x="1648420" y="3273390"/>
+            <a:ext cx="991214" cy="338554"/>
+          </a:xfrm>
+          <a:prstGeom prst="rect">
+            <a:avLst/>
+          </a:prstGeom>
+          <a:noFill/>
+        </p:spPr>
+        <p:txBody>
+          <a:bodyPr wrap="square" rtlCol="0">
+            <a:spAutoFit/>
+          </a:bodyPr>
+          <a:lstStyle/>
+          <a:p>
+            <a:pPr algn="ctr"/>
+            <a:r>
+              <a:rPr lang="it-IT" sz="800" b="1" dirty="0">
+                <a:solidFill>
+                  <a:schemeClr val="bg1"/>
+                </a:solidFill>
+                <a:latin typeface="Calibri" panose="020F0502020204030204" pitchFamily="34" charset="0"/>
+                <a:ea typeface="Calibri" panose="020F0502020204030204" pitchFamily="34" charset="0"/>
+                <a:cs typeface="Calibri" panose="020F0502020204030204" pitchFamily="34" charset="0"/>
+              </a:rPr>
+              <a:t>MOVEMENT SENSOR</a:t>
+            </a:r>
+          </a:p>
+        </p:txBody>
+      </p:sp>
+      <p:grpSp>
+        <p:nvGrpSpPr>
+          <p:cNvPr id="24" name="Gruppo 23">
+            <a:extLst>
+              <a:ext uri="{FF2B5EF4-FFF2-40B4-BE49-F238E27FC236}">
+                <a16:creationId xmlns:a16="http://schemas.microsoft.com/office/drawing/2014/main" id="{E4CAABF9-7BC6-B6A3-2C23-8226477D3FFE}"/>
+              </a:ext>
+            </a:extLst>
+          </p:cNvPr>
+          <p:cNvGrpSpPr/>
+          <p:nvPr/>
+        </p:nvGrpSpPr>
+        <p:grpSpPr>
+          <a:xfrm>
+            <a:off x="3226827" y="1804558"/>
+            <a:ext cx="544289" cy="1112427"/>
+            <a:chOff x="3226827" y="1804558"/>
+            <a:chExt cx="544289" cy="1112427"/>
+          </a:xfrm>
+        </p:grpSpPr>
+        <p:sp>
+          <p:nvSpPr>
+            <p:cNvPr id="37" name="Rettangolo con angoli arrotondati 36">
+              <a:extLst>
+                <a:ext uri="{FF2B5EF4-FFF2-40B4-BE49-F238E27FC236}">
+                  <a16:creationId xmlns:a16="http://schemas.microsoft.com/office/drawing/2014/main" id="{651B3E8C-4D80-B140-B4D0-3925E001B393}"/>
+                </a:ext>
+              </a:extLst>
+            </p:cNvPr>
+            <p:cNvSpPr/>
+            <p:nvPr/>
+          </p:nvSpPr>
+          <p:spPr>
+            <a:xfrm>
+              <a:off x="3226827" y="1804558"/>
+              <a:ext cx="544289" cy="1112427"/>
+            </a:xfrm>
+            <a:prstGeom prst="roundRect">
+              <a:avLst>
+                <a:gd name="adj" fmla="val 8991"/>
+              </a:avLst>
+            </a:prstGeom>
+            <a:noFill/>
+            <a:ln w="28575">
+              <a:solidFill>
+                <a:srgbClr val="F5F3F4"/>
+              </a:solidFill>
+            </a:ln>
+          </p:spPr>
+          <p:style>
+            <a:lnRef idx="2">
+              <a:schemeClr val="accent1">
+                <a:shade val="15000"/>
+              </a:schemeClr>
+            </a:lnRef>
+            <a:fillRef idx="1">
+              <a:schemeClr val="accent1"/>
+            </a:fillRef>
+            <a:effectRef idx="0">
+              <a:schemeClr val="accent1"/>
+            </a:effectRef>
+            <a:fontRef idx="minor">
+              <a:schemeClr val="lt1"/>
+            </a:fontRef>
+          </p:style>
+          <p:txBody>
+            <a:bodyPr rtlCol="0" anchor="ctr"/>
+            <a:lstStyle/>
+            <a:p>
+              <a:pPr algn="ctr"/>
+              <a:endParaRPr lang="it-IT"/>
+            </a:p>
+          </p:txBody>
+        </p:sp>
+        <p:sp>
+          <p:nvSpPr>
+            <p:cNvPr id="67" name="Ovale 66">
+              <a:extLst>
+                <a:ext uri="{FF2B5EF4-FFF2-40B4-BE49-F238E27FC236}">
+                  <a16:creationId xmlns:a16="http://schemas.microsoft.com/office/drawing/2014/main" id="{FC21D54E-DC18-ADDE-67BC-F851FAD55164}"/>
+                </a:ext>
+              </a:extLst>
+            </p:cNvPr>
+            <p:cNvSpPr/>
+            <p:nvPr/>
+          </p:nvSpPr>
+          <p:spPr>
+            <a:xfrm>
+              <a:off x="3421821" y="1963585"/>
+              <a:ext cx="154300" cy="154300"/>
+            </a:xfrm>
+            <a:prstGeom prst="ellipse">
+              <a:avLst/>
+            </a:prstGeom>
+            <a:solidFill>
+              <a:srgbClr val="BA181B"/>
+            </a:solidFill>
+            <a:ln>
+              <a:noFill/>
+            </a:ln>
+          </p:spPr>
+          <p:style>
+            <a:lnRef idx="2">
+              <a:schemeClr val="accent1">
+                <a:shade val="15000"/>
+              </a:schemeClr>
+            </a:lnRef>
+            <a:fillRef idx="1">
+              <a:schemeClr val="accent1"/>
+            </a:fillRef>
+            <a:effectRef idx="0">
+              <a:schemeClr val="accent1"/>
+            </a:effectRef>
+            <a:fontRef idx="minor">
+              <a:schemeClr val="lt1"/>
+            </a:fontRef>
+          </p:style>
+          <p:txBody>
+            <a:bodyPr rtlCol="0" anchor="ctr"/>
+            <a:lstStyle/>
+            <a:p>
+              <a:pPr algn="ctr"/>
+              <a:endParaRPr lang="it-IT"/>
+            </a:p>
+          </p:txBody>
+        </p:sp>
+        <p:sp>
+          <p:nvSpPr>
+            <p:cNvPr id="68" name="Ovale 67">
+              <a:extLst>
+                <a:ext uri="{FF2B5EF4-FFF2-40B4-BE49-F238E27FC236}">
+                  <a16:creationId xmlns:a16="http://schemas.microsoft.com/office/drawing/2014/main" id="{C138992D-F9D8-AFF8-B7C6-092917F6A15C}"/>
+                </a:ext>
+              </a:extLst>
+            </p:cNvPr>
+            <p:cNvSpPr/>
+            <p:nvPr/>
+          </p:nvSpPr>
+          <p:spPr>
+            <a:xfrm>
+              <a:off x="3421821" y="2286197"/>
+              <a:ext cx="154300" cy="154300"/>
+            </a:xfrm>
+            <a:prstGeom prst="ellipse">
+              <a:avLst/>
+            </a:prstGeom>
+            <a:solidFill>
+              <a:srgbClr val="FCA311"/>
+            </a:solidFill>
+            <a:ln>
+              <a:noFill/>
+            </a:ln>
+          </p:spPr>
+          <p:style>
+            <a:lnRef idx="2">
+              <a:schemeClr val="accent1">
+                <a:shade val="15000"/>
+              </a:schemeClr>
+            </a:lnRef>
+            <a:fillRef idx="1">
+              <a:schemeClr val="accent1"/>
+            </a:fillRef>
+            <a:effectRef idx="0">
+              <a:schemeClr val="accent1"/>
+            </a:effectRef>
+            <a:fontRef idx="minor">
+              <a:schemeClr val="lt1"/>
+            </a:fontRef>
+          </p:style>
+          <p:txBody>
+            <a:bodyPr rtlCol="0" anchor="ctr"/>
+            <a:lstStyle/>
+            <a:p>
+              <a:pPr algn="ctr"/>
+              <a:endParaRPr lang="it-IT"/>
+            </a:p>
+          </p:txBody>
+        </p:sp>
+        <p:sp>
+          <p:nvSpPr>
+            <p:cNvPr id="69" name="Ovale 68">
+              <a:extLst>
+                <a:ext uri="{FF2B5EF4-FFF2-40B4-BE49-F238E27FC236}">
+                  <a16:creationId xmlns:a16="http://schemas.microsoft.com/office/drawing/2014/main" id="{EC727F5B-9E15-D79E-99FC-340E0B75AC55}"/>
+                </a:ext>
+              </a:extLst>
+            </p:cNvPr>
+            <p:cNvSpPr/>
+            <p:nvPr/>
+          </p:nvSpPr>
+          <p:spPr>
+            <a:xfrm>
+              <a:off x="3425238" y="2601591"/>
+              <a:ext cx="154300" cy="154300"/>
+            </a:xfrm>
+            <a:prstGeom prst="ellipse">
+              <a:avLst/>
+            </a:prstGeom>
+            <a:solidFill>
+              <a:srgbClr val="00B050"/>
+            </a:solidFill>
+            <a:ln>
+              <a:noFill/>
+            </a:ln>
+          </p:spPr>
+          <p:style>
+            <a:lnRef idx="2">
+              <a:schemeClr val="accent1">
+                <a:shade val="15000"/>
+              </a:schemeClr>
+            </a:lnRef>
+            <a:fillRef idx="1">
+              <a:schemeClr val="accent1"/>
+            </a:fillRef>
+            <a:effectRef idx="0">
+              <a:schemeClr val="accent1"/>
+            </a:effectRef>
+            <a:fontRef idx="minor">
+              <a:schemeClr val="lt1"/>
+            </a:fontRef>
+          </p:style>
+          <p:txBody>
+            <a:bodyPr rtlCol="0" anchor="ctr"/>
+            <a:lstStyle/>
+            <a:p>
+              <a:pPr algn="ctr"/>
+              <a:endParaRPr lang="it-IT"/>
+            </a:p>
+          </p:txBody>
+        </p:sp>
+      </p:grpSp>
+      <p:cxnSp>
+        <p:nvCxnSpPr>
+          <p:cNvPr id="72" name="Connettore diritto 71">
+            <a:extLst>
+              <a:ext uri="{FF2B5EF4-FFF2-40B4-BE49-F238E27FC236}">
+                <a16:creationId xmlns:a16="http://schemas.microsoft.com/office/drawing/2014/main" id="{77FA27DB-E8EC-5860-2DED-A20EDE640830}"/>
+              </a:ext>
+            </a:extLst>
+          </p:cNvPr>
+          <p:cNvCxnSpPr>
+            <a:cxnSpLocks/>
+            <a:stCxn id="37" idx="3"/>
+          </p:cNvCxnSpPr>
+          <p:nvPr/>
+        </p:nvCxnSpPr>
+        <p:spPr>
+          <a:xfrm>
+            <a:off x="3771116" y="2360772"/>
+            <a:ext cx="1131483" cy="1068228"/>
+          </a:xfrm>
+          <a:prstGeom prst="line">
+            <a:avLst/>
+          </a:prstGeom>
+          <a:ln>
+            <a:solidFill>
+              <a:srgbClr val="F5F3F4"/>
+            </a:solidFill>
+          </a:ln>
+        </p:spPr>
+        <p:style>
+          <a:lnRef idx="2">
+            <a:schemeClr val="accent1"/>
+          </a:lnRef>
+          <a:fillRef idx="0">
+            <a:schemeClr val="accent1"/>
+          </a:fillRef>
+          <a:effectRef idx="1">
+            <a:schemeClr val="accent1"/>
+          </a:effectRef>
+          <a:fontRef idx="minor">
+            <a:schemeClr val="tx1"/>
+          </a:fontRef>
+        </p:style>
+      </p:cxnSp>
+      <p:sp>
+        <p:nvSpPr>
+          <p:cNvPr id="29" name="Rettangolo con angoli arrotondati 28">
+            <a:extLst>
+              <a:ext uri="{FF2B5EF4-FFF2-40B4-BE49-F238E27FC236}">
+                <a16:creationId xmlns:a16="http://schemas.microsoft.com/office/drawing/2014/main" id="{7FFD7DA7-F969-4874-8194-115BC289D30F}"/>
+              </a:ext>
+            </a:extLst>
+          </p:cNvPr>
+          <p:cNvSpPr/>
+          <p:nvPr/>
+        </p:nvSpPr>
+        <p:spPr>
+          <a:xfrm>
+            <a:off x="4902600" y="2360772"/>
+            <a:ext cx="5136750" cy="3069906"/>
+          </a:xfrm>
+          <a:prstGeom prst="roundRect">
+            <a:avLst>
+              <a:gd name="adj" fmla="val 8991"/>
+            </a:avLst>
+          </a:prstGeom>
+          <a:noFill/>
+          <a:ln w="12700">
+            <a:solidFill>
+              <a:srgbClr val="FCA311"/>
+            </a:solidFill>
+          </a:ln>
+        </p:spPr>
+        <p:style>
+          <a:lnRef idx="2">
+            <a:schemeClr val="accent1">
+              <a:shade val="15000"/>
+            </a:schemeClr>
+          </a:lnRef>
+          <a:fillRef idx="1">
+            <a:schemeClr val="accent1"/>
+          </a:fillRef>
+          <a:effectRef idx="0">
+            <a:schemeClr val="accent1"/>
+          </a:effectRef>
+          <a:fontRef idx="minor">
+            <a:schemeClr val="lt1"/>
+          </a:fontRef>
+        </p:style>
+        <p:txBody>
+          <a:bodyPr rtlCol="0" anchor="ctr"/>
+          <a:lstStyle/>
+          <a:p>
+            <a:pPr algn="ctr"/>
+            <a:endParaRPr lang="it-IT"/>
+          </a:p>
+        </p:txBody>
+      </p:sp>
+      <p:sp>
+        <p:nvSpPr>
+          <p:cNvPr id="30" name="Rettangolo 29">
+            <a:extLst>
+              <a:ext uri="{FF2B5EF4-FFF2-40B4-BE49-F238E27FC236}">
+                <a16:creationId xmlns:a16="http://schemas.microsoft.com/office/drawing/2014/main" id="{7885BC51-F122-DA60-7A69-083A5F242E70}"/>
+              </a:ext>
+            </a:extLst>
+          </p:cNvPr>
+          <p:cNvSpPr/>
+          <p:nvPr/>
+        </p:nvSpPr>
+        <p:spPr>
+          <a:xfrm>
+            <a:off x="4707416" y="5194304"/>
+            <a:ext cx="5516084" cy="257171"/>
+          </a:xfrm>
+          <a:prstGeom prst="rect">
+            <a:avLst/>
+          </a:prstGeom>
+          <a:solidFill>
+            <a:srgbClr val="161A1D"/>
+          </a:solidFill>
+          <a:ln>
+            <a:noFill/>
+          </a:ln>
+        </p:spPr>
+        <p:style>
+          <a:lnRef idx="2">
+            <a:schemeClr val="accent1">
+              <a:shade val="15000"/>
+            </a:schemeClr>
+          </a:lnRef>
+          <a:fillRef idx="1">
+            <a:schemeClr val="accent1"/>
+          </a:fillRef>
+          <a:effectRef idx="0">
+            <a:schemeClr val="accent1"/>
+          </a:effectRef>
+          <a:fontRef idx="minor">
+            <a:schemeClr val="lt1"/>
+          </a:fontRef>
+        </p:style>
+        <p:txBody>
+          <a:bodyPr rtlCol="0" anchor="ctr"/>
+          <a:lstStyle/>
+          <a:p>
+            <a:pPr algn="ctr"/>
+            <a:endParaRPr lang="it-IT"/>
+          </a:p>
+        </p:txBody>
+      </p:sp>
+      <p:sp>
+        <p:nvSpPr>
+          <p:cNvPr id="78" name="CasellaDiTesto 77">
+            <a:extLst>
+              <a:ext uri="{FF2B5EF4-FFF2-40B4-BE49-F238E27FC236}">
+                <a16:creationId xmlns:a16="http://schemas.microsoft.com/office/drawing/2014/main" id="{4C2A5C0D-9FBC-AF8D-18CE-E85D311FA681}"/>
+              </a:ext>
+            </a:extLst>
+          </p:cNvPr>
+          <p:cNvSpPr txBox="1"/>
+          <p:nvPr/>
+        </p:nvSpPr>
+        <p:spPr>
+          <a:xfrm>
+            <a:off x="3003364" y="1556263"/>
+            <a:ext cx="991214" cy="215444"/>
+          </a:xfrm>
+          <a:prstGeom prst="rect">
+            <a:avLst/>
+          </a:prstGeom>
+          <a:noFill/>
+        </p:spPr>
+        <p:txBody>
+          <a:bodyPr wrap="square" rtlCol="0">
+            <a:spAutoFit/>
+          </a:bodyPr>
+          <a:lstStyle/>
+          <a:p>
+            <a:pPr algn="ctr"/>
+            <a:r>
+              <a:rPr lang="it-IT" sz="800" b="1" dirty="0">
+                <a:solidFill>
+                  <a:schemeClr val="bg1"/>
+                </a:solidFill>
+                <a:latin typeface="Calibri" panose="020F0502020204030204" pitchFamily="34" charset="0"/>
+                <a:ea typeface="Calibri" panose="020F0502020204030204" pitchFamily="34" charset="0"/>
+                <a:cs typeface="Calibri" panose="020F0502020204030204" pitchFamily="34" charset="0"/>
+              </a:rPr>
+              <a:t>VAULT STATUS</a:t>
+            </a:r>
+          </a:p>
+        </p:txBody>
+      </p:sp>
+      <p:sp>
+        <p:nvSpPr>
+          <p:cNvPr id="79" name="CasellaDiTesto 78">
+            <a:extLst>
+              <a:ext uri="{FF2B5EF4-FFF2-40B4-BE49-F238E27FC236}">
+                <a16:creationId xmlns:a16="http://schemas.microsoft.com/office/drawing/2014/main" id="{C351A0A9-A2DF-48B6-A56C-B4AF7945CCE3}"/>
+              </a:ext>
+            </a:extLst>
+          </p:cNvPr>
+          <p:cNvSpPr txBox="1"/>
+          <p:nvPr/>
+        </p:nvSpPr>
+        <p:spPr>
+          <a:xfrm>
+            <a:off x="3869672" y="4014854"/>
+            <a:ext cx="991214" cy="338554"/>
+          </a:xfrm>
+          <a:prstGeom prst="rect">
+            <a:avLst/>
+          </a:prstGeom>
+          <a:noFill/>
+        </p:spPr>
+        <p:txBody>
+          <a:bodyPr wrap="square" rtlCol="0">
+            <a:spAutoFit/>
+          </a:bodyPr>
+          <a:lstStyle/>
+          <a:p>
+            <a:pPr algn="r"/>
+            <a:r>
+              <a:rPr lang="it-IT" sz="800" b="1" dirty="0">
+                <a:solidFill>
+                  <a:schemeClr val="bg1"/>
+                </a:solidFill>
+                <a:latin typeface="Calibri" panose="020F0502020204030204" pitchFamily="34" charset="0"/>
+                <a:ea typeface="Calibri" panose="020F0502020204030204" pitchFamily="34" charset="0"/>
+                <a:cs typeface="Calibri" panose="020F0502020204030204" pitchFamily="34" charset="0"/>
+              </a:rPr>
+              <a:t>AUTOMATIC DOOR</a:t>
+            </a:r>
+          </a:p>
+        </p:txBody>
+      </p:sp>
+      <p:grpSp>
+        <p:nvGrpSpPr>
+          <p:cNvPr id="18" name="Gruppo 17">
+            <a:extLst>
+              <a:ext uri="{FF2B5EF4-FFF2-40B4-BE49-F238E27FC236}">
+                <a16:creationId xmlns:a16="http://schemas.microsoft.com/office/drawing/2014/main" id="{8EEE76D2-2F19-6887-FA4D-980FA52A41B6}"/>
+              </a:ext>
+            </a:extLst>
+          </p:cNvPr>
+          <p:cNvGrpSpPr/>
+          <p:nvPr/>
+        </p:nvGrpSpPr>
+        <p:grpSpPr>
+          <a:xfrm>
+            <a:off x="4978143" y="4239258"/>
+            <a:ext cx="1225265" cy="835839"/>
+            <a:chOff x="5441410" y="3959948"/>
+            <a:chExt cx="1225265" cy="835839"/>
+          </a:xfrm>
+        </p:grpSpPr>
+        <p:sp>
+          <p:nvSpPr>
+            <p:cNvPr id="85" name="CasellaDiTesto 84">
+              <a:extLst>
+                <a:ext uri="{FF2B5EF4-FFF2-40B4-BE49-F238E27FC236}">
+                  <a16:creationId xmlns:a16="http://schemas.microsoft.com/office/drawing/2014/main" id="{2108DB2D-DCEF-171F-70AB-93C8A98F2CDA}"/>
+                </a:ext>
+              </a:extLst>
+            </p:cNvPr>
+            <p:cNvSpPr txBox="1"/>
+            <p:nvPr/>
+          </p:nvSpPr>
+          <p:spPr>
+            <a:xfrm>
+              <a:off x="5441410" y="4580343"/>
+              <a:ext cx="1225265" cy="215444"/>
+            </a:xfrm>
+            <a:prstGeom prst="rect">
+              <a:avLst/>
+            </a:prstGeom>
+            <a:noFill/>
+          </p:spPr>
+          <p:txBody>
+            <a:bodyPr wrap="square" rtlCol="0">
+              <a:spAutoFit/>
+            </a:bodyPr>
+            <a:lstStyle/>
+            <a:p>
+              <a:pPr algn="ctr"/>
+              <a:r>
+                <a:rPr lang="it-IT" sz="800" b="1" dirty="0">
+                  <a:solidFill>
+                    <a:schemeClr val="bg1"/>
+                  </a:solidFill>
+                  <a:latin typeface="Calibri" panose="020F0502020204030204" pitchFamily="34" charset="0"/>
+                  <a:ea typeface="Calibri" panose="020F0502020204030204" pitchFamily="34" charset="0"/>
+                  <a:cs typeface="Calibri" panose="020F0502020204030204" pitchFamily="34" charset="0"/>
+                </a:rPr>
+                <a:t>MANUAL OPENING</a:t>
+              </a:r>
+            </a:p>
+          </p:txBody>
+        </p:sp>
+        <p:grpSp>
+          <p:nvGrpSpPr>
+            <p:cNvPr id="17" name="Gruppo 16">
+              <a:extLst>
+                <a:ext uri="{FF2B5EF4-FFF2-40B4-BE49-F238E27FC236}">
+                  <a16:creationId xmlns:a16="http://schemas.microsoft.com/office/drawing/2014/main" id="{5124F48C-12FC-6BB8-0FFB-1186166CE593}"/>
+                </a:ext>
+              </a:extLst>
+            </p:cNvPr>
+            <p:cNvGrpSpPr/>
+            <p:nvPr/>
+          </p:nvGrpSpPr>
+          <p:grpSpPr>
+            <a:xfrm>
+              <a:off x="5781899" y="3959948"/>
+              <a:ext cx="544289" cy="595783"/>
+              <a:chOff x="5781899" y="3959948"/>
+              <a:chExt cx="544289" cy="595783"/>
+            </a:xfrm>
+          </p:grpSpPr>
+          <p:sp>
+            <p:nvSpPr>
+              <p:cNvPr id="84" name="Rettangolo con angoli arrotondati 83">
+                <a:extLst>
+                  <a:ext uri="{FF2B5EF4-FFF2-40B4-BE49-F238E27FC236}">
+                    <a16:creationId xmlns:a16="http://schemas.microsoft.com/office/drawing/2014/main" id="{6BF85A10-6A08-A1BD-BD96-8551195189EC}"/>
+                  </a:ext>
+                </a:extLst>
+              </p:cNvPr>
+              <p:cNvSpPr/>
+              <p:nvPr/>
+            </p:nvSpPr>
+            <p:spPr>
+              <a:xfrm>
+                <a:off x="5781899" y="3959948"/>
+                <a:ext cx="544289" cy="595783"/>
+              </a:xfrm>
+              <a:prstGeom prst="roundRect">
+                <a:avLst>
+                  <a:gd name="adj" fmla="val 8991"/>
+                </a:avLst>
+              </a:prstGeom>
+              <a:noFill/>
+              <a:ln w="28575">
+                <a:solidFill>
+                  <a:srgbClr val="F5F3F4"/>
+                </a:solidFill>
+              </a:ln>
+            </p:spPr>
+            <p:style>
+              <a:lnRef idx="2">
+                <a:schemeClr val="accent1">
+                  <a:shade val="15000"/>
+                </a:schemeClr>
+              </a:lnRef>
+              <a:fillRef idx="1">
+                <a:schemeClr val="accent1"/>
+              </a:fillRef>
+              <a:effectRef idx="0">
+                <a:schemeClr val="accent1"/>
+              </a:effectRef>
+              <a:fontRef idx="minor">
+                <a:schemeClr val="lt1"/>
+              </a:fontRef>
+            </p:style>
+            <p:txBody>
+              <a:bodyPr rtlCol="0" anchor="ctr"/>
+              <a:lstStyle/>
+              <a:p>
+                <a:pPr algn="ctr"/>
+                <a:endParaRPr lang="it-IT" dirty="0"/>
+              </a:p>
+            </p:txBody>
+          </p:sp>
+          <p:grpSp>
+            <p:nvGrpSpPr>
+              <p:cNvPr id="88" name="Gruppo 87">
+                <a:extLst>
+                  <a:ext uri="{FF2B5EF4-FFF2-40B4-BE49-F238E27FC236}">
+                    <a16:creationId xmlns:a16="http://schemas.microsoft.com/office/drawing/2014/main" id="{0B4D3C74-B537-F8F7-BD54-874C96CE77DB}"/>
+                  </a:ext>
+                </a:extLst>
+              </p:cNvPr>
+              <p:cNvGrpSpPr/>
+              <p:nvPr/>
+            </p:nvGrpSpPr>
+            <p:grpSpPr>
+              <a:xfrm>
+                <a:off x="5931325" y="4129385"/>
+                <a:ext cx="253764" cy="253764"/>
+                <a:chOff x="5931325" y="4129385"/>
+                <a:chExt cx="253764" cy="253764"/>
+              </a:xfrm>
+            </p:grpSpPr>
+            <p:sp>
+              <p:nvSpPr>
+                <p:cNvPr id="86" name="Ovale 85">
+                  <a:extLst>
+                    <a:ext uri="{FF2B5EF4-FFF2-40B4-BE49-F238E27FC236}">
+                      <a16:creationId xmlns:a16="http://schemas.microsoft.com/office/drawing/2014/main" id="{6DE31C60-E587-B5E6-E783-ED55E9D2126B}"/>
+                    </a:ext>
+                  </a:extLst>
+                </p:cNvPr>
+                <p:cNvSpPr/>
+                <p:nvPr/>
+              </p:nvSpPr>
+              <p:spPr>
+                <a:xfrm>
+                  <a:off x="5931325" y="4129385"/>
+                  <a:ext cx="253764" cy="253764"/>
+                </a:xfrm>
+                <a:prstGeom prst="ellipse">
+                  <a:avLst/>
+                </a:prstGeom>
+                <a:noFill/>
+                <a:ln w="28575">
+                  <a:solidFill>
+                    <a:srgbClr val="B1A7A6"/>
+                  </a:solidFill>
+                </a:ln>
+              </p:spPr>
+              <p:style>
+                <a:lnRef idx="2">
+                  <a:schemeClr val="accent1">
+                    <a:shade val="15000"/>
+                  </a:schemeClr>
+                </a:lnRef>
+                <a:fillRef idx="1">
+                  <a:schemeClr val="accent1"/>
+                </a:fillRef>
+                <a:effectRef idx="0">
+                  <a:schemeClr val="accent1"/>
+                </a:effectRef>
+                <a:fontRef idx="minor">
+                  <a:schemeClr val="lt1"/>
+                </a:fontRef>
+              </p:style>
+              <p:txBody>
+                <a:bodyPr rtlCol="0" anchor="ctr"/>
+                <a:lstStyle/>
+                <a:p>
+                  <a:pPr algn="ctr"/>
+                  <a:endParaRPr lang="it-IT"/>
+                </a:p>
+              </p:txBody>
+            </p:sp>
+            <p:sp>
+              <p:nvSpPr>
+                <p:cNvPr id="87" name="Ovale 86">
+                  <a:extLst>
+                    <a:ext uri="{FF2B5EF4-FFF2-40B4-BE49-F238E27FC236}">
+                      <a16:creationId xmlns:a16="http://schemas.microsoft.com/office/drawing/2014/main" id="{2DAA5A0A-2C51-16A7-916C-3F2C5E38B0CF}"/>
+                    </a:ext>
+                  </a:extLst>
+                </p:cNvPr>
+                <p:cNvSpPr/>
+                <p:nvPr/>
+              </p:nvSpPr>
+              <p:spPr>
+                <a:xfrm>
+                  <a:off x="5983402" y="4178884"/>
+                  <a:ext cx="154300" cy="154300"/>
+                </a:xfrm>
+                <a:prstGeom prst="ellipse">
+                  <a:avLst/>
+                </a:prstGeom>
+                <a:solidFill>
+                  <a:srgbClr val="F5F3F4"/>
+                </a:solidFill>
+                <a:ln>
+                  <a:noFill/>
+                </a:ln>
+              </p:spPr>
+              <p:style>
+                <a:lnRef idx="2">
+                  <a:schemeClr val="accent1">
+                    <a:shade val="15000"/>
+                  </a:schemeClr>
+                </a:lnRef>
+                <a:fillRef idx="1">
+                  <a:schemeClr val="accent1"/>
+                </a:fillRef>
+                <a:effectRef idx="0">
+                  <a:schemeClr val="accent1"/>
+                </a:effectRef>
+                <a:fontRef idx="minor">
+                  <a:schemeClr val="lt1"/>
+                </a:fontRef>
+              </p:style>
+              <p:txBody>
+                <a:bodyPr rtlCol="0" anchor="ctr"/>
+                <a:lstStyle/>
+                <a:p>
+                  <a:pPr algn="ctr"/>
+                  <a:endParaRPr lang="it-IT"/>
+                </a:p>
+              </p:txBody>
+            </p:sp>
+          </p:grpSp>
+        </p:grpSp>
+      </p:grpSp>
+      <p:grpSp>
+        <p:nvGrpSpPr>
+          <p:cNvPr id="54" name="Gruppo 53">
+            <a:extLst>
+              <a:ext uri="{FF2B5EF4-FFF2-40B4-BE49-F238E27FC236}">
+                <a16:creationId xmlns:a16="http://schemas.microsoft.com/office/drawing/2014/main" id="{03B5FD2E-913C-DC09-AAD1-4540A359A459}"/>
+              </a:ext>
+            </a:extLst>
+          </p:cNvPr>
+          <p:cNvGrpSpPr/>
+          <p:nvPr/>
+        </p:nvGrpSpPr>
+        <p:grpSpPr>
+          <a:xfrm>
+            <a:off x="4979027" y="2658927"/>
+            <a:ext cx="1225265" cy="1030663"/>
+            <a:chOff x="8720146" y="2626195"/>
+            <a:chExt cx="1225265" cy="1030663"/>
+          </a:xfrm>
+        </p:grpSpPr>
+        <p:pic>
+          <p:nvPicPr>
+            <p:cNvPr id="90" name="Immagine 89" descr="Immagine che contiene creatività&#10;&#10;Descrizione generata automaticamente con attendibilità bassa">
+              <a:extLst>
+                <a:ext uri="{FF2B5EF4-FFF2-40B4-BE49-F238E27FC236}">
+                  <a16:creationId xmlns:a16="http://schemas.microsoft.com/office/drawing/2014/main" id="{4DA6205B-3587-4851-9C02-32A3B6EE38E4}"/>
+                </a:ext>
+              </a:extLst>
+            </p:cNvPr>
+            <p:cNvPicPr>
+              <a:picLocks noChangeAspect="1"/>
+            </p:cNvPicPr>
+            <p:nvPr/>
+          </p:nvPicPr>
+          <p:blipFill>
+            <a:blip r:embed="rId4">
+              <a:extLst>
+                <a:ext uri="{28A0092B-C50C-407E-A947-70E740481C1C}">
+                  <a14:useLocalDpi xmlns:a14="http://schemas.microsoft.com/office/drawing/2010/main" val="0"/>
+                </a:ext>
+              </a:extLst>
+            </a:blip>
+            <a:stretch>
+              <a:fillRect/>
+            </a:stretch>
+          </p:blipFill>
+          <p:spPr>
+            <a:xfrm>
+              <a:off x="9031392" y="2720004"/>
+              <a:ext cx="602774" cy="602774"/>
+            </a:xfrm>
+            <a:prstGeom prst="rect">
+              <a:avLst/>
+            </a:prstGeom>
+          </p:spPr>
+        </p:pic>
+        <p:sp>
+          <p:nvSpPr>
+            <p:cNvPr id="91" name="Rettangolo con angoli arrotondati 90">
+              <a:extLst>
+                <a:ext uri="{FF2B5EF4-FFF2-40B4-BE49-F238E27FC236}">
+                  <a16:creationId xmlns:a16="http://schemas.microsoft.com/office/drawing/2014/main" id="{8CC67033-76AB-7207-8E9F-ADBB51360A06}"/>
+                </a:ext>
+              </a:extLst>
+            </p:cNvPr>
+            <p:cNvSpPr/>
+            <p:nvPr/>
+          </p:nvSpPr>
+          <p:spPr>
+            <a:xfrm>
+              <a:off x="8948422" y="2626195"/>
+              <a:ext cx="768716" cy="790392"/>
+            </a:xfrm>
+            <a:prstGeom prst="roundRect">
+              <a:avLst>
+                <a:gd name="adj" fmla="val 8991"/>
+              </a:avLst>
+            </a:prstGeom>
+            <a:noFill/>
+            <a:ln w="28575">
+              <a:solidFill>
+                <a:srgbClr val="F5F3F4"/>
+              </a:solidFill>
+            </a:ln>
+          </p:spPr>
+          <p:style>
+            <a:lnRef idx="2">
+              <a:schemeClr val="accent1">
+                <a:shade val="15000"/>
+              </a:schemeClr>
+            </a:lnRef>
+            <a:fillRef idx="1">
+              <a:schemeClr val="accent1"/>
+            </a:fillRef>
+            <a:effectRef idx="0">
+              <a:schemeClr val="accent1"/>
+            </a:effectRef>
+            <a:fontRef idx="minor">
+              <a:schemeClr val="lt1"/>
+            </a:fontRef>
+          </p:style>
+          <p:txBody>
+            <a:bodyPr rtlCol="0" anchor="ctr"/>
+            <a:lstStyle/>
+            <a:p>
+              <a:pPr algn="ctr"/>
+              <a:endParaRPr lang="it-IT" dirty="0"/>
+            </a:p>
+          </p:txBody>
+        </p:sp>
+        <p:sp>
+          <p:nvSpPr>
+            <p:cNvPr id="92" name="CasellaDiTesto 91">
+              <a:extLst>
+                <a:ext uri="{FF2B5EF4-FFF2-40B4-BE49-F238E27FC236}">
+                  <a16:creationId xmlns:a16="http://schemas.microsoft.com/office/drawing/2014/main" id="{2A6B7E67-D8BA-6EDD-1E4B-5EF8FE200F0F}"/>
+                </a:ext>
+              </a:extLst>
+            </p:cNvPr>
+            <p:cNvSpPr txBox="1"/>
+            <p:nvPr/>
+          </p:nvSpPr>
+          <p:spPr>
+            <a:xfrm>
+              <a:off x="8720146" y="3441414"/>
+              <a:ext cx="1225265" cy="215444"/>
+            </a:xfrm>
+            <a:prstGeom prst="rect">
+              <a:avLst/>
+            </a:prstGeom>
+            <a:noFill/>
+          </p:spPr>
+          <p:txBody>
+            <a:bodyPr wrap="square" rtlCol="0">
+              <a:spAutoFit/>
+            </a:bodyPr>
+            <a:lstStyle/>
+            <a:p>
+              <a:pPr algn="ctr"/>
+              <a:r>
+                <a:rPr lang="it-IT" sz="800" b="1" dirty="0">
+                  <a:solidFill>
+                    <a:schemeClr val="bg1"/>
+                  </a:solidFill>
+                  <a:latin typeface="Calibri" panose="020F0502020204030204" pitchFamily="34" charset="0"/>
+                  <a:ea typeface="Calibri" panose="020F0502020204030204" pitchFamily="34" charset="0"/>
+                  <a:cs typeface="Calibri" panose="020F0502020204030204" pitchFamily="34" charset="0"/>
+                </a:rPr>
+                <a:t>HVAC SYSTEM</a:t>
+              </a:r>
+            </a:p>
+          </p:txBody>
+        </p:sp>
+      </p:grpSp>
+      <p:grpSp>
+        <p:nvGrpSpPr>
+          <p:cNvPr id="55" name="Gruppo 54">
+            <a:extLst>
+              <a:ext uri="{FF2B5EF4-FFF2-40B4-BE49-F238E27FC236}">
+                <a16:creationId xmlns:a16="http://schemas.microsoft.com/office/drawing/2014/main" id="{D2AA4590-F347-4838-6145-626425F4587C}"/>
+              </a:ext>
+            </a:extLst>
+          </p:cNvPr>
+          <p:cNvGrpSpPr/>
+          <p:nvPr/>
+        </p:nvGrpSpPr>
+        <p:grpSpPr>
+          <a:xfrm>
+            <a:off x="8675342" y="3950762"/>
+            <a:ext cx="1225265" cy="1156834"/>
+            <a:chOff x="8720146" y="3894571"/>
+            <a:chExt cx="1225265" cy="1156834"/>
+          </a:xfrm>
+        </p:grpSpPr>
+        <p:pic>
+          <p:nvPicPr>
+            <p:cNvPr id="94" name="Elemento grafico 93" descr="Termometro con riempimento a tinta unita">
+              <a:extLst>
+                <a:ext uri="{FF2B5EF4-FFF2-40B4-BE49-F238E27FC236}">
+                  <a16:creationId xmlns:a16="http://schemas.microsoft.com/office/drawing/2014/main" id="{26523283-6B84-0375-9763-31FB0015A164}"/>
+                </a:ext>
+              </a:extLst>
+            </p:cNvPr>
+            <p:cNvPicPr>
+              <a:picLocks noChangeAspect="1"/>
+            </p:cNvPicPr>
+            <p:nvPr/>
+          </p:nvPicPr>
+          <p:blipFill>
+            <a:blip r:embed="rId5">
+              <a:extLst>
+                <a:ext uri="{28A0092B-C50C-407E-A947-70E740481C1C}">
+                  <a14:useLocalDpi xmlns:a14="http://schemas.microsoft.com/office/drawing/2010/main" val="0"/>
+                </a:ext>
+                <a:ext uri="{96DAC541-7B7A-43D3-8B79-37D633B846F1}">
+                  <asvg:svgBlip xmlns:asvg="http://schemas.microsoft.com/office/drawing/2016/SVG/main" r:embed="rId6"/>
+                </a:ext>
+              </a:extLst>
+            </a:blip>
+            <a:stretch>
+              <a:fillRect/>
+            </a:stretch>
+          </p:blipFill>
+          <p:spPr>
+            <a:xfrm>
+              <a:off x="9023477" y="3981822"/>
+              <a:ext cx="615890" cy="615890"/>
+            </a:xfrm>
+            <a:prstGeom prst="rect">
+              <a:avLst/>
+            </a:prstGeom>
+          </p:spPr>
+        </p:pic>
+        <p:sp>
+          <p:nvSpPr>
+            <p:cNvPr id="97" name="Rettangolo con angoli arrotondati 96">
+              <a:extLst>
+                <a:ext uri="{FF2B5EF4-FFF2-40B4-BE49-F238E27FC236}">
+                  <a16:creationId xmlns:a16="http://schemas.microsoft.com/office/drawing/2014/main" id="{BDD29EAC-2154-DBD1-3FC7-2014B0CFE1B4}"/>
+                </a:ext>
+              </a:extLst>
+            </p:cNvPr>
+            <p:cNvSpPr/>
+            <p:nvPr/>
+          </p:nvSpPr>
+          <p:spPr>
+            <a:xfrm>
+              <a:off x="8947064" y="3894571"/>
+              <a:ext cx="768716" cy="790392"/>
+            </a:xfrm>
+            <a:prstGeom prst="roundRect">
+              <a:avLst>
+                <a:gd name="adj" fmla="val 8991"/>
+              </a:avLst>
+            </a:prstGeom>
+            <a:noFill/>
+            <a:ln w="28575">
+              <a:solidFill>
+                <a:srgbClr val="F5F3F4"/>
+              </a:solidFill>
+            </a:ln>
+          </p:spPr>
+          <p:style>
+            <a:lnRef idx="2">
+              <a:schemeClr val="accent1">
+                <a:shade val="15000"/>
+              </a:schemeClr>
+            </a:lnRef>
+            <a:fillRef idx="1">
+              <a:schemeClr val="accent1"/>
+            </a:fillRef>
+            <a:effectRef idx="0">
+              <a:schemeClr val="accent1"/>
+            </a:effectRef>
+            <a:fontRef idx="minor">
+              <a:schemeClr val="lt1"/>
+            </a:fontRef>
+          </p:style>
+          <p:txBody>
+            <a:bodyPr rtlCol="0" anchor="ctr"/>
+            <a:lstStyle/>
+            <a:p>
+              <a:pPr algn="ctr"/>
+              <a:endParaRPr lang="it-IT" dirty="0"/>
+            </a:p>
+          </p:txBody>
+        </p:sp>
+        <p:sp>
+          <p:nvSpPr>
+            <p:cNvPr id="98" name="CasellaDiTesto 97">
+              <a:extLst>
+                <a:ext uri="{FF2B5EF4-FFF2-40B4-BE49-F238E27FC236}">
+                  <a16:creationId xmlns:a16="http://schemas.microsoft.com/office/drawing/2014/main" id="{F4A13957-5E27-3C83-18D1-2186A932A3E9}"/>
+                </a:ext>
+              </a:extLst>
+            </p:cNvPr>
+            <p:cNvSpPr txBox="1"/>
+            <p:nvPr/>
+          </p:nvSpPr>
+          <p:spPr>
+            <a:xfrm>
+              <a:off x="8720146" y="4712851"/>
+              <a:ext cx="1225265" cy="338554"/>
+            </a:xfrm>
+            <a:prstGeom prst="rect">
+              <a:avLst/>
+            </a:prstGeom>
+            <a:noFill/>
+          </p:spPr>
+          <p:txBody>
+            <a:bodyPr wrap="square" rtlCol="0">
+              <a:spAutoFit/>
+            </a:bodyPr>
+            <a:lstStyle/>
+            <a:p>
+              <a:pPr algn="ctr"/>
+              <a:r>
+                <a:rPr lang="it-IT" sz="800" b="1" dirty="0">
+                  <a:solidFill>
+                    <a:schemeClr val="bg1"/>
+                  </a:solidFill>
+                  <a:latin typeface="Calibri" panose="020F0502020204030204" pitchFamily="34" charset="0"/>
+                  <a:ea typeface="Calibri" panose="020F0502020204030204" pitchFamily="34" charset="0"/>
+                  <a:cs typeface="Calibri" panose="020F0502020204030204" pitchFamily="34" charset="0"/>
+                </a:rPr>
+                <a:t>TEMPERATURE </a:t>
+              </a:r>
+              <a:r>
+                <a:rPr lang="it-IT" sz="800" dirty="0">
+                  <a:solidFill>
+                    <a:schemeClr val="bg1"/>
+                  </a:solidFill>
+                  <a:latin typeface="Calibri" panose="020F0502020204030204" pitchFamily="34" charset="0"/>
+                  <a:ea typeface="Calibri" panose="020F0502020204030204" pitchFamily="34" charset="0"/>
+                  <a:cs typeface="Calibri" panose="020F0502020204030204" pitchFamily="34" charset="0"/>
+                </a:rPr>
+                <a:t>and</a:t>
+              </a:r>
+              <a:r>
+                <a:rPr lang="it-IT" sz="800" b="1" dirty="0">
+                  <a:solidFill>
+                    <a:schemeClr val="bg1"/>
+                  </a:solidFill>
+                  <a:latin typeface="Calibri" panose="020F0502020204030204" pitchFamily="34" charset="0"/>
+                  <a:ea typeface="Calibri" panose="020F0502020204030204" pitchFamily="34" charset="0"/>
+                  <a:cs typeface="Calibri" panose="020F0502020204030204" pitchFamily="34" charset="0"/>
+                </a:rPr>
+                <a:t> HUMIDITY SENSOR</a:t>
+              </a:r>
+            </a:p>
+          </p:txBody>
+        </p:sp>
+      </p:grpSp>
+      <p:cxnSp>
+        <p:nvCxnSpPr>
+          <p:cNvPr id="23" name="Connettore diritto 22">
+            <a:extLst>
+              <a:ext uri="{FF2B5EF4-FFF2-40B4-BE49-F238E27FC236}">
+                <a16:creationId xmlns:a16="http://schemas.microsoft.com/office/drawing/2014/main" id="{0ACD8718-E110-7D6B-90A2-3F8CD9ED530E}"/>
+              </a:ext>
+            </a:extLst>
+          </p:cNvPr>
+          <p:cNvCxnSpPr>
+            <a:cxnSpLocks/>
+            <a:endCxn id="84" idx="1"/>
+          </p:cNvCxnSpPr>
+          <p:nvPr/>
+        </p:nvCxnSpPr>
+        <p:spPr>
+          <a:xfrm flipV="1">
+            <a:off x="4915885" y="4537150"/>
+            <a:ext cx="402747" cy="149196"/>
+          </a:xfrm>
+          <a:prstGeom prst="line">
+            <a:avLst/>
+          </a:prstGeom>
+          <a:ln>
+            <a:solidFill>
+              <a:srgbClr val="F5F3F4"/>
+            </a:solidFill>
+          </a:ln>
+        </p:spPr>
+        <p:style>
+          <a:lnRef idx="2">
+            <a:schemeClr val="accent1"/>
+          </a:lnRef>
+          <a:fillRef idx="0">
+            <a:schemeClr val="accent1"/>
+          </a:fillRef>
+          <a:effectRef idx="1">
+            <a:schemeClr val="accent1"/>
+          </a:effectRef>
+          <a:fontRef idx="minor">
+            <a:schemeClr val="tx1"/>
+          </a:fontRef>
+        </p:style>
+      </p:cxnSp>
+      <p:grpSp>
+        <p:nvGrpSpPr>
+          <p:cNvPr id="13" name="Gruppo 12">
+            <a:extLst>
+              <a:ext uri="{FF2B5EF4-FFF2-40B4-BE49-F238E27FC236}">
+                <a16:creationId xmlns:a16="http://schemas.microsoft.com/office/drawing/2014/main" id="{0908F07B-190A-656D-B074-27B444AEDDAA}"/>
+              </a:ext>
+            </a:extLst>
+          </p:cNvPr>
+          <p:cNvGrpSpPr/>
+          <p:nvPr/>
+        </p:nvGrpSpPr>
+        <p:grpSpPr>
+          <a:xfrm>
+            <a:off x="8674677" y="2685993"/>
+            <a:ext cx="1225265" cy="695534"/>
+            <a:chOff x="6852824" y="2753320"/>
+            <a:chExt cx="1225265" cy="695534"/>
+          </a:xfrm>
+        </p:grpSpPr>
+        <p:sp>
+          <p:nvSpPr>
+            <p:cNvPr id="99" name="CasellaDiTesto 98">
+              <a:extLst>
+                <a:ext uri="{FF2B5EF4-FFF2-40B4-BE49-F238E27FC236}">
+                  <a16:creationId xmlns:a16="http://schemas.microsoft.com/office/drawing/2014/main" id="{675C21C0-CE3B-53C0-AA00-D2DB84EC9677}"/>
+                </a:ext>
+              </a:extLst>
+            </p:cNvPr>
+            <p:cNvSpPr txBox="1"/>
+            <p:nvPr/>
+          </p:nvSpPr>
+          <p:spPr>
+            <a:xfrm>
+              <a:off x="6852824" y="3233410"/>
+              <a:ext cx="1225265" cy="215444"/>
+            </a:xfrm>
+            <a:prstGeom prst="rect">
+              <a:avLst/>
+            </a:prstGeom>
+            <a:noFill/>
+          </p:spPr>
+          <p:txBody>
+            <a:bodyPr wrap="square" rtlCol="0">
+              <a:spAutoFit/>
+            </a:bodyPr>
+            <a:lstStyle/>
+            <a:p>
+              <a:pPr algn="ctr"/>
+              <a:r>
+                <a:rPr lang="it-IT" sz="800" b="1" dirty="0">
+                  <a:solidFill>
+                    <a:schemeClr val="bg1"/>
+                  </a:solidFill>
+                  <a:latin typeface="Calibri" panose="020F0502020204030204" pitchFamily="34" charset="0"/>
+                  <a:ea typeface="Calibri" panose="020F0502020204030204" pitchFamily="34" charset="0"/>
+                  <a:cs typeface="Calibri" panose="020F0502020204030204" pitchFamily="34" charset="0"/>
+                </a:rPr>
+                <a:t>CO SENSOR</a:t>
+              </a:r>
+            </a:p>
+          </p:txBody>
+        </p:sp>
+        <p:grpSp>
+          <p:nvGrpSpPr>
+            <p:cNvPr id="12" name="Gruppo 11">
+              <a:extLst>
+                <a:ext uri="{FF2B5EF4-FFF2-40B4-BE49-F238E27FC236}">
+                  <a16:creationId xmlns:a16="http://schemas.microsoft.com/office/drawing/2014/main" id="{F2D4469F-92AF-D3BE-E3D5-C7A5EDDE4128}"/>
+                </a:ext>
+              </a:extLst>
+            </p:cNvPr>
+            <p:cNvGrpSpPr/>
+            <p:nvPr/>
+          </p:nvGrpSpPr>
+          <p:grpSpPr>
+            <a:xfrm>
+              <a:off x="7180728" y="2753320"/>
+              <a:ext cx="569459" cy="510415"/>
+              <a:chOff x="7180728" y="2753320"/>
+              <a:chExt cx="569459" cy="510415"/>
+            </a:xfrm>
+          </p:grpSpPr>
+          <p:pic>
+            <p:nvPicPr>
+              <p:cNvPr id="96" name="Immagine 95" descr="Immagine che contiene Elementi grafici, clipart, simbolo, Carattere&#10;&#10;Descrizione generata automaticamente">
+                <a:extLst>
+                  <a:ext uri="{FF2B5EF4-FFF2-40B4-BE49-F238E27FC236}">
+                    <a16:creationId xmlns:a16="http://schemas.microsoft.com/office/drawing/2014/main" id="{4813EE03-1438-5A06-11DE-5E9513E796BB}"/>
+                  </a:ext>
+                </a:extLst>
+              </p:cNvPr>
+              <p:cNvPicPr>
+                <a:picLocks noChangeAspect="1"/>
+              </p:cNvPicPr>
+              <p:nvPr/>
+            </p:nvPicPr>
+            <p:blipFill rotWithShape="1">
+              <a:blip r:embed="rId7">
+                <a:extLst>
+                  <a:ext uri="{28A0092B-C50C-407E-A947-70E740481C1C}">
+                    <a14:useLocalDpi xmlns:a14="http://schemas.microsoft.com/office/drawing/2010/main" val="0"/>
+                  </a:ext>
+                </a:extLst>
+              </a:blip>
+              <a:srcRect b="71259"/>
+              <a:stretch/>
+            </p:blipFill>
+            <p:spPr>
+              <a:xfrm>
+                <a:off x="7180728" y="2753320"/>
+                <a:ext cx="569459" cy="163666"/>
+              </a:xfrm>
+              <a:prstGeom prst="rect">
+                <a:avLst/>
+              </a:prstGeom>
+            </p:spPr>
+          </p:pic>
+          <p:grpSp>
+            <p:nvGrpSpPr>
+              <p:cNvPr id="11" name="Gruppo 10">
+                <a:extLst>
+                  <a:ext uri="{FF2B5EF4-FFF2-40B4-BE49-F238E27FC236}">
+                    <a16:creationId xmlns:a16="http://schemas.microsoft.com/office/drawing/2014/main" id="{E2CBADB0-D7FF-A3C5-6ABD-86E8479D4B3A}"/>
+                  </a:ext>
+                </a:extLst>
+              </p:cNvPr>
+              <p:cNvGrpSpPr/>
+              <p:nvPr/>
+            </p:nvGrpSpPr>
+            <p:grpSpPr>
+              <a:xfrm>
+                <a:off x="7229252" y="2925181"/>
+                <a:ext cx="473740" cy="338554"/>
+                <a:chOff x="7223287" y="3001547"/>
+                <a:chExt cx="473740" cy="338554"/>
+              </a:xfrm>
+            </p:grpSpPr>
+            <p:sp>
+              <p:nvSpPr>
+                <p:cNvPr id="8" name="Rettangolo con angoli arrotondati 7">
+                  <a:extLst>
+                    <a:ext uri="{FF2B5EF4-FFF2-40B4-BE49-F238E27FC236}">
+                      <a16:creationId xmlns:a16="http://schemas.microsoft.com/office/drawing/2014/main" id="{4B2648D7-A845-53AD-4BFF-A6AFA345A8F0}"/>
+                    </a:ext>
+                  </a:extLst>
+                </p:cNvPr>
+                <p:cNvSpPr/>
+                <p:nvPr/>
+              </p:nvSpPr>
+              <p:spPr>
+                <a:xfrm>
+                  <a:off x="7265922" y="3044949"/>
+                  <a:ext cx="388471" cy="244573"/>
+                </a:xfrm>
+                <a:prstGeom prst="roundRect">
+                  <a:avLst>
+                    <a:gd name="adj" fmla="val 8991"/>
+                  </a:avLst>
+                </a:prstGeom>
+                <a:noFill/>
+                <a:ln w="28575">
+                  <a:solidFill>
+                    <a:srgbClr val="F5F3F4"/>
+                  </a:solidFill>
+                </a:ln>
+              </p:spPr>
+              <p:style>
+                <a:lnRef idx="2">
+                  <a:schemeClr val="accent1">
+                    <a:shade val="15000"/>
+                  </a:schemeClr>
+                </a:lnRef>
+                <a:fillRef idx="1">
+                  <a:schemeClr val="accent1"/>
+                </a:fillRef>
+                <a:effectRef idx="0">
+                  <a:schemeClr val="accent1"/>
+                </a:effectRef>
+                <a:fontRef idx="minor">
+                  <a:schemeClr val="lt1"/>
+                </a:fontRef>
+              </p:style>
+              <p:txBody>
+                <a:bodyPr rtlCol="0" anchor="ctr"/>
+                <a:lstStyle/>
+                <a:p>
+                  <a:pPr algn="ctr"/>
+                  <a:endParaRPr lang="it-IT"/>
+                </a:p>
+              </p:txBody>
+            </p:sp>
+            <p:sp>
+              <p:nvSpPr>
+                <p:cNvPr id="9" name="CasellaDiTesto 8">
+                  <a:extLst>
+                    <a:ext uri="{FF2B5EF4-FFF2-40B4-BE49-F238E27FC236}">
+                      <a16:creationId xmlns:a16="http://schemas.microsoft.com/office/drawing/2014/main" id="{5B2C8563-7513-23DB-CAFB-20C1F902A5DF}"/>
+                    </a:ext>
+                  </a:extLst>
+                </p:cNvPr>
+                <p:cNvSpPr txBox="1"/>
+                <p:nvPr/>
+              </p:nvSpPr>
+              <p:spPr>
+                <a:xfrm>
+                  <a:off x="7223287" y="3001547"/>
+                  <a:ext cx="473740" cy="338554"/>
+                </a:xfrm>
+                <a:prstGeom prst="rect">
+                  <a:avLst/>
+                </a:prstGeom>
+                <a:noFill/>
+              </p:spPr>
+              <p:txBody>
+                <a:bodyPr wrap="square" rtlCol="0">
+                  <a:spAutoFit/>
+                </a:bodyPr>
+                <a:lstStyle/>
+                <a:p>
+                  <a:pPr algn="ctr"/>
+                  <a:r>
+                    <a:rPr lang="it-IT" sz="1600" b="1" dirty="0">
+                      <a:solidFill>
+                        <a:schemeClr val="bg1"/>
+                      </a:solidFill>
+                      <a:latin typeface="Calibri" panose="020F0502020204030204" pitchFamily="34" charset="0"/>
+                      <a:ea typeface="Calibri" panose="020F0502020204030204" pitchFamily="34" charset="0"/>
+                      <a:cs typeface="Calibri" panose="020F0502020204030204" pitchFamily="34" charset="0"/>
+                    </a:rPr>
+                    <a:t>CO</a:t>
+                  </a:r>
+                  <a:endParaRPr lang="it-IT" sz="1000" b="1" dirty="0">
+                    <a:solidFill>
+                      <a:schemeClr val="bg1"/>
+                    </a:solidFill>
+                    <a:latin typeface="Calibri" panose="020F0502020204030204" pitchFamily="34" charset="0"/>
+                    <a:ea typeface="Calibri" panose="020F0502020204030204" pitchFamily="34" charset="0"/>
+                    <a:cs typeface="Calibri" panose="020F0502020204030204" pitchFamily="34" charset="0"/>
+                  </a:endParaRPr>
+                </a:p>
+              </p:txBody>
+            </p:sp>
+          </p:grpSp>
+        </p:grpSp>
+      </p:grpSp>
+      <p:grpSp>
+        <p:nvGrpSpPr>
+          <p:cNvPr id="16" name="Gruppo 15">
+            <a:extLst>
+              <a:ext uri="{FF2B5EF4-FFF2-40B4-BE49-F238E27FC236}">
+                <a16:creationId xmlns:a16="http://schemas.microsoft.com/office/drawing/2014/main" id="{C4E90B8C-D909-EBB1-E817-80BB7DA1B8E2}"/>
+              </a:ext>
+            </a:extLst>
+          </p:cNvPr>
+          <p:cNvGrpSpPr/>
+          <p:nvPr/>
+        </p:nvGrpSpPr>
+        <p:grpSpPr>
+          <a:xfrm>
+            <a:off x="6586162" y="3208650"/>
+            <a:ext cx="1768812" cy="1328486"/>
+            <a:chOff x="6634114" y="3266771"/>
+            <a:chExt cx="1768812" cy="1328486"/>
+          </a:xfrm>
+        </p:grpSpPr>
+        <p:grpSp>
+          <p:nvGrpSpPr>
+            <p:cNvPr id="6" name="Gruppo 5">
+              <a:extLst>
+                <a:ext uri="{FF2B5EF4-FFF2-40B4-BE49-F238E27FC236}">
+                  <a16:creationId xmlns:a16="http://schemas.microsoft.com/office/drawing/2014/main" id="{7BE1DD06-DD4A-C020-045E-931CD65D71C1}"/>
+                </a:ext>
+              </a:extLst>
+            </p:cNvPr>
+            <p:cNvGrpSpPr/>
+            <p:nvPr/>
+          </p:nvGrpSpPr>
+          <p:grpSpPr>
+            <a:xfrm>
+              <a:off x="6634114" y="3266771"/>
+              <a:ext cx="1768812" cy="1071782"/>
+              <a:chOff x="6634114" y="3266771"/>
+              <a:chExt cx="1768812" cy="1071782"/>
+            </a:xfrm>
+          </p:grpSpPr>
+          <p:sp>
+            <p:nvSpPr>
+              <p:cNvPr id="4" name="Rettangolo con angoli arrotondati 3">
+                <a:extLst>
+                  <a:ext uri="{FF2B5EF4-FFF2-40B4-BE49-F238E27FC236}">
+                    <a16:creationId xmlns:a16="http://schemas.microsoft.com/office/drawing/2014/main" id="{709D1C1A-8C49-CBDD-18D7-4D89D6D25A5D}"/>
+                  </a:ext>
+                </a:extLst>
+              </p:cNvPr>
+              <p:cNvSpPr/>
+              <p:nvPr/>
+            </p:nvSpPr>
+            <p:spPr>
+              <a:xfrm>
+                <a:off x="6634114" y="3266771"/>
+                <a:ext cx="1768812" cy="1071782"/>
+              </a:xfrm>
+              <a:prstGeom prst="roundRect">
+                <a:avLst>
+                  <a:gd name="adj" fmla="val 8991"/>
+                </a:avLst>
+              </a:prstGeom>
+              <a:noFill/>
+              <a:ln w="28575">
+                <a:solidFill>
+                  <a:srgbClr val="F5F3F4"/>
+                </a:solidFill>
+              </a:ln>
+            </p:spPr>
+            <p:style>
+              <a:lnRef idx="2">
+                <a:schemeClr val="accent1">
+                  <a:shade val="15000"/>
+                </a:schemeClr>
+              </a:lnRef>
+              <a:fillRef idx="1">
+                <a:schemeClr val="accent1"/>
+              </a:fillRef>
+              <a:effectRef idx="0">
+                <a:schemeClr val="accent1"/>
+              </a:effectRef>
+              <a:fontRef idx="minor">
+                <a:schemeClr val="lt1"/>
+              </a:fontRef>
+            </p:style>
+            <p:txBody>
+              <a:bodyPr rtlCol="0" anchor="ctr"/>
+              <a:lstStyle/>
+              <a:p>
+                <a:pPr algn="ctr"/>
+                <a:endParaRPr lang="it-IT" dirty="0"/>
+              </a:p>
+            </p:txBody>
+          </p:sp>
+          <p:cxnSp>
+            <p:nvCxnSpPr>
+              <p:cNvPr id="15" name="Connettore diritto 14">
+                <a:extLst>
+                  <a:ext uri="{FF2B5EF4-FFF2-40B4-BE49-F238E27FC236}">
+                    <a16:creationId xmlns:a16="http://schemas.microsoft.com/office/drawing/2014/main" id="{5B5868EF-F44C-2ACA-5D72-ADDB155BD0FC}"/>
+                  </a:ext>
+                </a:extLst>
+              </p:cNvPr>
+              <p:cNvCxnSpPr>
+                <a:cxnSpLocks/>
+              </p:cNvCxnSpPr>
+              <p:nvPr/>
+            </p:nvCxnSpPr>
+            <p:spPr>
+              <a:xfrm flipV="1">
+                <a:off x="6870914" y="3740148"/>
+                <a:ext cx="198170" cy="241674"/>
+              </a:xfrm>
+              <a:prstGeom prst="line">
+                <a:avLst/>
+              </a:prstGeom>
+              <a:ln>
+                <a:solidFill>
+                  <a:srgbClr val="F5F3F4"/>
+                </a:solidFill>
+              </a:ln>
+            </p:spPr>
+            <p:style>
+              <a:lnRef idx="2">
+                <a:schemeClr val="accent1"/>
+              </a:lnRef>
+              <a:fillRef idx="0">
+                <a:schemeClr val="accent1"/>
+              </a:fillRef>
+              <a:effectRef idx="1">
+                <a:schemeClr val="accent1"/>
+              </a:effectRef>
+              <a:fontRef idx="minor">
+                <a:schemeClr val="tx1"/>
+              </a:fontRef>
+            </p:style>
+          </p:cxnSp>
+          <p:sp>
+            <p:nvSpPr>
+              <p:cNvPr id="19" name="Ovale 18">
+                <a:extLst>
+                  <a:ext uri="{FF2B5EF4-FFF2-40B4-BE49-F238E27FC236}">
+                    <a16:creationId xmlns:a16="http://schemas.microsoft.com/office/drawing/2014/main" id="{96D8C624-E643-B0BC-1925-20805820ABA8}"/>
+                  </a:ext>
+                </a:extLst>
+              </p:cNvPr>
+              <p:cNvSpPr/>
+              <p:nvPr/>
+            </p:nvSpPr>
+            <p:spPr>
+              <a:xfrm>
+                <a:off x="7034711" y="3705926"/>
+                <a:ext cx="68745" cy="68745"/>
+              </a:xfrm>
+              <a:prstGeom prst="ellipse">
+                <a:avLst/>
+              </a:prstGeom>
+              <a:solidFill>
+                <a:srgbClr val="F5F3F4"/>
+              </a:solidFill>
+              <a:ln>
+                <a:noFill/>
+              </a:ln>
+            </p:spPr>
+            <p:style>
+              <a:lnRef idx="2">
+                <a:schemeClr val="accent1">
+                  <a:shade val="15000"/>
+                </a:schemeClr>
+              </a:lnRef>
+              <a:fillRef idx="1">
+                <a:schemeClr val="accent1"/>
+              </a:fillRef>
+              <a:effectRef idx="0">
+                <a:schemeClr val="accent1"/>
+              </a:effectRef>
+              <a:fontRef idx="minor">
+                <a:schemeClr val="lt1"/>
+              </a:fontRef>
+            </p:style>
+            <p:txBody>
+              <a:bodyPr rtlCol="0" anchor="ctr"/>
+              <a:lstStyle/>
+              <a:p>
+                <a:pPr algn="ctr"/>
+                <a:endParaRPr lang="it-IT"/>
+              </a:p>
+            </p:txBody>
+          </p:sp>
+          <p:sp>
+            <p:nvSpPr>
+              <p:cNvPr id="21" name="Ovale 20">
+                <a:extLst>
+                  <a:ext uri="{FF2B5EF4-FFF2-40B4-BE49-F238E27FC236}">
+                    <a16:creationId xmlns:a16="http://schemas.microsoft.com/office/drawing/2014/main" id="{2CBE3533-321E-7143-E7C5-AB19CD6C5D3E}"/>
+                  </a:ext>
+                </a:extLst>
+              </p:cNvPr>
+              <p:cNvSpPr/>
+              <p:nvPr/>
+            </p:nvSpPr>
+            <p:spPr>
+              <a:xfrm>
+                <a:off x="7365199" y="3828677"/>
+                <a:ext cx="68745" cy="68745"/>
+              </a:xfrm>
+              <a:prstGeom prst="ellipse">
+                <a:avLst/>
+              </a:prstGeom>
+              <a:solidFill>
+                <a:srgbClr val="F5F3F4"/>
+              </a:solidFill>
+              <a:ln>
+                <a:noFill/>
+              </a:ln>
+            </p:spPr>
+            <p:style>
+              <a:lnRef idx="2">
+                <a:schemeClr val="accent1">
+                  <a:shade val="15000"/>
+                </a:schemeClr>
+              </a:lnRef>
+              <a:fillRef idx="1">
+                <a:schemeClr val="accent1"/>
+              </a:fillRef>
+              <a:effectRef idx="0">
+                <a:schemeClr val="accent1"/>
+              </a:effectRef>
+              <a:fontRef idx="minor">
+                <a:schemeClr val="lt1"/>
+              </a:fontRef>
+            </p:style>
+            <p:txBody>
+              <a:bodyPr rtlCol="0" anchor="ctr"/>
+              <a:lstStyle/>
+              <a:p>
+                <a:pPr algn="ctr"/>
+                <a:endParaRPr lang="it-IT"/>
+              </a:p>
+            </p:txBody>
+          </p:sp>
+          <p:cxnSp>
+            <p:nvCxnSpPr>
+              <p:cNvPr id="22" name="Connettore diritto 21">
+                <a:extLst>
+                  <a:ext uri="{FF2B5EF4-FFF2-40B4-BE49-F238E27FC236}">
+                    <a16:creationId xmlns:a16="http://schemas.microsoft.com/office/drawing/2014/main" id="{9017E62C-528E-DF35-F476-BD05C6BD28B3}"/>
+                  </a:ext>
+                </a:extLst>
+              </p:cNvPr>
+              <p:cNvCxnSpPr>
+                <a:cxnSpLocks/>
+              </p:cNvCxnSpPr>
+              <p:nvPr/>
+            </p:nvCxnSpPr>
+            <p:spPr>
+              <a:xfrm flipH="1" flipV="1">
+                <a:off x="7067320" y="3736020"/>
+                <a:ext cx="337126" cy="124965"/>
+              </a:xfrm>
+              <a:prstGeom prst="line">
+                <a:avLst/>
+              </a:prstGeom>
+              <a:ln>
+                <a:solidFill>
+                  <a:srgbClr val="F5F3F4"/>
+                </a:solidFill>
+              </a:ln>
+            </p:spPr>
+            <p:style>
+              <a:lnRef idx="2">
+                <a:schemeClr val="accent1"/>
+              </a:lnRef>
+              <a:fillRef idx="0">
+                <a:schemeClr val="accent1"/>
+              </a:fillRef>
+              <a:effectRef idx="1">
+                <a:schemeClr val="accent1"/>
+              </a:effectRef>
+              <a:fontRef idx="minor">
+                <a:schemeClr val="tx1"/>
+              </a:fontRef>
+            </p:style>
+          </p:cxnSp>
+          <p:cxnSp>
+            <p:nvCxnSpPr>
+              <p:cNvPr id="27" name="Connettore diritto 26">
+                <a:extLst>
+                  <a:ext uri="{FF2B5EF4-FFF2-40B4-BE49-F238E27FC236}">
+                    <a16:creationId xmlns:a16="http://schemas.microsoft.com/office/drawing/2014/main" id="{45D0D576-919E-B1DC-EBA9-E4A437E65040}"/>
+                  </a:ext>
+                </a:extLst>
+              </p:cNvPr>
+              <p:cNvCxnSpPr>
+                <a:cxnSpLocks/>
+              </p:cNvCxnSpPr>
+              <p:nvPr/>
+            </p:nvCxnSpPr>
+            <p:spPr>
+              <a:xfrm flipH="1">
+                <a:off x="7399403" y="3614829"/>
+                <a:ext cx="206976" cy="255227"/>
+              </a:xfrm>
+              <a:prstGeom prst="line">
+                <a:avLst/>
+              </a:prstGeom>
+              <a:ln>
+                <a:solidFill>
+                  <a:srgbClr val="F5F3F4"/>
+                </a:solidFill>
+              </a:ln>
+            </p:spPr>
+            <p:style>
+              <a:lnRef idx="2">
+                <a:schemeClr val="accent1"/>
+              </a:lnRef>
+              <a:fillRef idx="0">
+                <a:schemeClr val="accent1"/>
+              </a:fillRef>
+              <a:effectRef idx="1">
+                <a:schemeClr val="accent1"/>
+              </a:effectRef>
+              <a:fontRef idx="minor">
+                <a:schemeClr val="tx1"/>
+              </a:fontRef>
+            </p:style>
+          </p:cxnSp>
+          <p:sp>
+            <p:nvSpPr>
+              <p:cNvPr id="35" name="Ovale 34">
+                <a:extLst>
+                  <a:ext uri="{FF2B5EF4-FFF2-40B4-BE49-F238E27FC236}">
+                    <a16:creationId xmlns:a16="http://schemas.microsoft.com/office/drawing/2014/main" id="{6E75401C-4E3F-59BF-A627-2B1F28E78B71}"/>
+                  </a:ext>
+                </a:extLst>
+              </p:cNvPr>
+              <p:cNvSpPr/>
+              <p:nvPr/>
+            </p:nvSpPr>
+            <p:spPr>
+              <a:xfrm>
+                <a:off x="6836541" y="3945954"/>
+                <a:ext cx="68745" cy="68745"/>
+              </a:xfrm>
+              <a:prstGeom prst="ellipse">
+                <a:avLst/>
+              </a:prstGeom>
+              <a:solidFill>
+                <a:srgbClr val="F5F3F4"/>
+              </a:solidFill>
+              <a:ln>
+                <a:noFill/>
+              </a:ln>
+            </p:spPr>
+            <p:style>
+              <a:lnRef idx="2">
+                <a:schemeClr val="accent1">
+                  <a:shade val="15000"/>
+                </a:schemeClr>
+              </a:lnRef>
+              <a:fillRef idx="1">
+                <a:schemeClr val="accent1"/>
+              </a:fillRef>
+              <a:effectRef idx="0">
+                <a:schemeClr val="accent1"/>
+              </a:effectRef>
+              <a:fontRef idx="minor">
+                <a:schemeClr val="lt1"/>
+              </a:fontRef>
+            </p:style>
+            <p:txBody>
+              <a:bodyPr rtlCol="0" anchor="ctr"/>
+              <a:lstStyle/>
+              <a:p>
+                <a:pPr algn="ctr"/>
+                <a:endParaRPr lang="it-IT"/>
+              </a:p>
+            </p:txBody>
+          </p:sp>
+          <p:sp>
+            <p:nvSpPr>
+              <p:cNvPr id="36" name="Ovale 35">
+                <a:extLst>
+                  <a:ext uri="{FF2B5EF4-FFF2-40B4-BE49-F238E27FC236}">
+                    <a16:creationId xmlns:a16="http://schemas.microsoft.com/office/drawing/2014/main" id="{2BBC3E77-0F9C-A9C3-C16A-4D65D89EC246}"/>
+                  </a:ext>
+                </a:extLst>
+              </p:cNvPr>
+              <p:cNvSpPr/>
+              <p:nvPr/>
+            </p:nvSpPr>
+            <p:spPr>
+              <a:xfrm>
+                <a:off x="7565257" y="3577571"/>
+                <a:ext cx="68745" cy="68745"/>
+              </a:xfrm>
+              <a:prstGeom prst="ellipse">
+                <a:avLst/>
+              </a:prstGeom>
+              <a:solidFill>
+                <a:srgbClr val="F5F3F4"/>
+              </a:solidFill>
+              <a:ln>
+                <a:noFill/>
+              </a:ln>
+            </p:spPr>
+            <p:style>
+              <a:lnRef idx="2">
+                <a:schemeClr val="accent1">
+                  <a:shade val="15000"/>
+                </a:schemeClr>
+              </a:lnRef>
+              <a:fillRef idx="1">
+                <a:schemeClr val="accent1"/>
+              </a:fillRef>
+              <a:effectRef idx="0">
+                <a:schemeClr val="accent1"/>
+              </a:effectRef>
+              <a:fontRef idx="minor">
+                <a:schemeClr val="lt1"/>
+              </a:fontRef>
+            </p:style>
+            <p:txBody>
+              <a:bodyPr rtlCol="0" anchor="ctr"/>
+              <a:lstStyle/>
+              <a:p>
+                <a:pPr algn="ctr"/>
+                <a:endParaRPr lang="it-IT"/>
+              </a:p>
+            </p:txBody>
+          </p:sp>
+          <p:sp>
+            <p:nvSpPr>
+              <p:cNvPr id="39" name="Ovale 38">
+                <a:extLst>
+                  <a:ext uri="{FF2B5EF4-FFF2-40B4-BE49-F238E27FC236}">
+                    <a16:creationId xmlns:a16="http://schemas.microsoft.com/office/drawing/2014/main" id="{F2A21F4C-09DB-1B1E-F774-CCA2D5481CDB}"/>
+                  </a:ext>
+                </a:extLst>
+              </p:cNvPr>
+              <p:cNvSpPr/>
+              <p:nvPr/>
+            </p:nvSpPr>
+            <p:spPr>
+              <a:xfrm>
+                <a:off x="7890470" y="3708069"/>
+                <a:ext cx="68745" cy="68745"/>
+              </a:xfrm>
+              <a:prstGeom prst="ellipse">
+                <a:avLst/>
+              </a:prstGeom>
+              <a:solidFill>
+                <a:srgbClr val="F5F3F4"/>
+              </a:solidFill>
+              <a:ln>
+                <a:noFill/>
+              </a:ln>
+            </p:spPr>
+            <p:style>
+              <a:lnRef idx="2">
+                <a:schemeClr val="accent1">
+                  <a:shade val="15000"/>
+                </a:schemeClr>
+              </a:lnRef>
+              <a:fillRef idx="1">
+                <a:schemeClr val="accent1"/>
+              </a:fillRef>
+              <a:effectRef idx="0">
+                <a:schemeClr val="accent1"/>
+              </a:effectRef>
+              <a:fontRef idx="minor">
+                <a:schemeClr val="lt1"/>
+              </a:fontRef>
+            </p:style>
+            <p:txBody>
+              <a:bodyPr rtlCol="0" anchor="ctr"/>
+              <a:lstStyle/>
+              <a:p>
+                <a:pPr algn="ctr"/>
+                <a:endParaRPr lang="it-IT"/>
+              </a:p>
+            </p:txBody>
+          </p:sp>
+          <p:cxnSp>
+            <p:nvCxnSpPr>
+              <p:cNvPr id="40" name="Connettore diritto 39">
+                <a:extLst>
+                  <a:ext uri="{FF2B5EF4-FFF2-40B4-BE49-F238E27FC236}">
+                    <a16:creationId xmlns:a16="http://schemas.microsoft.com/office/drawing/2014/main" id="{F821D83A-890E-9B25-FF78-2F4246194B2A}"/>
+                  </a:ext>
+                </a:extLst>
+              </p:cNvPr>
+              <p:cNvCxnSpPr>
+                <a:cxnSpLocks/>
+              </p:cNvCxnSpPr>
+              <p:nvPr/>
+            </p:nvCxnSpPr>
+            <p:spPr>
+              <a:xfrm>
+                <a:off x="7598452" y="3605389"/>
+                <a:ext cx="338246" cy="137053"/>
+              </a:xfrm>
+              <a:prstGeom prst="line">
+                <a:avLst/>
+              </a:prstGeom>
+              <a:ln>
+                <a:solidFill>
+                  <a:srgbClr val="F5F3F4"/>
+                </a:solidFill>
+              </a:ln>
+            </p:spPr>
+            <p:style>
+              <a:lnRef idx="2">
+                <a:schemeClr val="accent1"/>
+              </a:lnRef>
+              <a:fillRef idx="0">
+                <a:schemeClr val="accent1"/>
+              </a:fillRef>
+              <a:effectRef idx="1">
+                <a:schemeClr val="accent1"/>
+              </a:effectRef>
+              <a:fontRef idx="minor">
+                <a:schemeClr val="tx1"/>
+              </a:fontRef>
+            </p:style>
+          </p:cxnSp>
+          <p:cxnSp>
+            <p:nvCxnSpPr>
+              <p:cNvPr id="44" name="Connettore diritto 43">
+                <a:extLst>
+                  <a:ext uri="{FF2B5EF4-FFF2-40B4-BE49-F238E27FC236}">
+                    <a16:creationId xmlns:a16="http://schemas.microsoft.com/office/drawing/2014/main" id="{3A22DAF4-20FA-6DC3-0396-150CA2648433}"/>
+                  </a:ext>
+                </a:extLst>
+              </p:cNvPr>
+              <p:cNvCxnSpPr>
+                <a:cxnSpLocks/>
+              </p:cNvCxnSpPr>
+              <p:nvPr/>
+            </p:nvCxnSpPr>
+            <p:spPr>
+              <a:xfrm>
+                <a:off x="7922904" y="3741722"/>
+                <a:ext cx="263681" cy="208346"/>
+              </a:xfrm>
+              <a:prstGeom prst="line">
+                <a:avLst/>
+              </a:prstGeom>
+              <a:ln>
+                <a:solidFill>
+                  <a:srgbClr val="F5F3F4"/>
+                </a:solidFill>
+              </a:ln>
+            </p:spPr>
+            <p:style>
+              <a:lnRef idx="2">
+                <a:schemeClr val="accent1"/>
+              </a:lnRef>
+              <a:fillRef idx="0">
+                <a:schemeClr val="accent1"/>
+              </a:fillRef>
+              <a:effectRef idx="1">
+                <a:schemeClr val="accent1"/>
+              </a:effectRef>
+              <a:fontRef idx="minor">
+                <a:schemeClr val="tx1"/>
+              </a:fontRef>
+            </p:style>
+          </p:cxnSp>
+          <p:sp>
+            <p:nvSpPr>
+              <p:cNvPr id="47" name="Ovale 46">
+                <a:extLst>
+                  <a:ext uri="{FF2B5EF4-FFF2-40B4-BE49-F238E27FC236}">
+                    <a16:creationId xmlns:a16="http://schemas.microsoft.com/office/drawing/2014/main" id="{D6074D9A-BB44-8873-02FE-5D237412C86F}"/>
+                  </a:ext>
+                </a:extLst>
+              </p:cNvPr>
+              <p:cNvSpPr/>
+              <p:nvPr/>
+            </p:nvSpPr>
+            <p:spPr>
+              <a:xfrm>
+                <a:off x="8150274" y="3921331"/>
+                <a:ext cx="68745" cy="68745"/>
+              </a:xfrm>
+              <a:prstGeom prst="ellipse">
+                <a:avLst/>
+              </a:prstGeom>
+              <a:solidFill>
+                <a:srgbClr val="F5F3F4"/>
+              </a:solidFill>
+              <a:ln>
+                <a:noFill/>
+              </a:ln>
+            </p:spPr>
+            <p:style>
+              <a:lnRef idx="2">
+                <a:schemeClr val="accent1">
+                  <a:shade val="15000"/>
+                </a:schemeClr>
+              </a:lnRef>
+              <a:fillRef idx="1">
+                <a:schemeClr val="accent1"/>
+              </a:fillRef>
+              <a:effectRef idx="0">
+                <a:schemeClr val="accent1"/>
+              </a:effectRef>
+              <a:fontRef idx="minor">
+                <a:schemeClr val="lt1"/>
+              </a:fontRef>
+            </p:style>
+            <p:txBody>
+              <a:bodyPr rtlCol="0" anchor="ctr"/>
+              <a:lstStyle/>
+              <a:p>
+                <a:pPr algn="ctr"/>
+                <a:endParaRPr lang="it-IT"/>
+              </a:p>
+            </p:txBody>
+          </p:sp>
+        </p:grpSp>
+        <p:sp>
+          <p:nvSpPr>
+            <p:cNvPr id="2" name="CasellaDiTesto 1">
+              <a:extLst>
+                <a:ext uri="{FF2B5EF4-FFF2-40B4-BE49-F238E27FC236}">
+                  <a16:creationId xmlns:a16="http://schemas.microsoft.com/office/drawing/2014/main" id="{21FC36D8-3077-84A8-23F5-51D0B070F3DB}"/>
+                </a:ext>
+              </a:extLst>
+            </p:cNvPr>
+            <p:cNvSpPr txBox="1"/>
+            <p:nvPr/>
+          </p:nvSpPr>
+          <p:spPr>
+            <a:xfrm>
+              <a:off x="6896533" y="4379813"/>
+              <a:ext cx="1225265" cy="215444"/>
+            </a:xfrm>
+            <a:prstGeom prst="rect">
+              <a:avLst/>
+            </a:prstGeom>
+            <a:noFill/>
+          </p:spPr>
+          <p:txBody>
+            <a:bodyPr wrap="square" rtlCol="0">
+              <a:spAutoFit/>
+            </a:bodyPr>
+            <a:lstStyle/>
+            <a:p>
+              <a:pPr algn="ctr"/>
+              <a:r>
+                <a:rPr lang="it-IT" sz="800" b="1" dirty="0">
+                  <a:solidFill>
+                    <a:schemeClr val="bg1"/>
+                  </a:solidFill>
+                  <a:latin typeface="Calibri" panose="020F0502020204030204" pitchFamily="34" charset="0"/>
+                  <a:ea typeface="Calibri" panose="020F0502020204030204" pitchFamily="34" charset="0"/>
+                  <a:cs typeface="Calibri" panose="020F0502020204030204" pitchFamily="34" charset="0"/>
+                </a:rPr>
+                <a:t>DASHBOARD</a:t>
+              </a:r>
+            </a:p>
+          </p:txBody>
+        </p:sp>
+      </p:grpSp>
+      <p:sp>
+        <p:nvSpPr>
+          <p:cNvPr id="76" name="Rettangolo con angoli arrotondati 75">
+            <a:extLst>
+              <a:ext uri="{FF2B5EF4-FFF2-40B4-BE49-F238E27FC236}">
+                <a16:creationId xmlns:a16="http://schemas.microsoft.com/office/drawing/2014/main" id="{96BC7815-417A-17D5-2897-A40D63F2FB52}"/>
+              </a:ext>
+            </a:extLst>
+          </p:cNvPr>
+          <p:cNvSpPr/>
+          <p:nvPr/>
+        </p:nvSpPr>
+        <p:spPr>
+          <a:xfrm>
+            <a:off x="4856702" y="4079238"/>
+            <a:ext cx="91794" cy="1115066"/>
+          </a:xfrm>
+          <a:prstGeom prst="roundRect">
+            <a:avLst>
+              <a:gd name="adj" fmla="val 8991"/>
+            </a:avLst>
+          </a:prstGeom>
+          <a:solidFill>
+            <a:srgbClr val="161A1D"/>
+          </a:solidFill>
+          <a:ln w="12700">
+            <a:solidFill>
+              <a:srgbClr val="FCA311"/>
+            </a:solidFill>
+          </a:ln>
+        </p:spPr>
+        <p:style>
+          <a:lnRef idx="2">
+            <a:schemeClr val="accent1">
+              <a:shade val="15000"/>
+            </a:schemeClr>
+          </a:lnRef>
+          <a:fillRef idx="1">
+            <a:schemeClr val="accent1"/>
+          </a:fillRef>
+          <a:effectRef idx="0">
+            <a:schemeClr val="accent1"/>
+          </a:effectRef>
+          <a:fontRef idx="minor">
+            <a:schemeClr val="lt1"/>
+          </a:fontRef>
+        </p:style>
+        <p:txBody>
+          <a:bodyPr rtlCol="0" anchor="ctr"/>
+          <a:lstStyle/>
+          <a:p>
+            <a:pPr algn="ctr"/>
+            <a:endParaRPr lang="it-IT"/>
+          </a:p>
+        </p:txBody>
+      </p:sp>
+      <p:cxnSp>
+        <p:nvCxnSpPr>
+          <p:cNvPr id="3" name="Connettore diritto 2">
+            <a:extLst>
+              <a:ext uri="{FF2B5EF4-FFF2-40B4-BE49-F238E27FC236}">
+                <a16:creationId xmlns:a16="http://schemas.microsoft.com/office/drawing/2014/main" id="{5E025A52-33A0-A970-E923-EAD88F137F19}"/>
+              </a:ext>
+            </a:extLst>
+          </p:cNvPr>
+          <p:cNvCxnSpPr>
+            <a:cxnSpLocks/>
+          </p:cNvCxnSpPr>
+          <p:nvPr/>
+        </p:nvCxnSpPr>
+        <p:spPr>
+          <a:xfrm>
+            <a:off x="1648420" y="5190175"/>
+            <a:ext cx="8895159" cy="0"/>
+          </a:xfrm>
+          <a:prstGeom prst="line">
+            <a:avLst/>
+          </a:prstGeom>
+          <a:ln w="38100">
+            <a:solidFill>
+              <a:srgbClr val="D3D3D3"/>
+            </a:solidFill>
+          </a:ln>
+        </p:spPr>
+        <p:style>
+          <a:lnRef idx="2">
+            <a:schemeClr val="accent1"/>
+          </a:lnRef>
+          <a:fillRef idx="0">
+            <a:schemeClr val="accent1"/>
+          </a:fillRef>
+          <a:effectRef idx="1">
+            <a:schemeClr val="accent1"/>
+          </a:effectRef>
+          <a:fontRef idx="minor">
+            <a:schemeClr val="tx1"/>
+          </a:fontRef>
+        </p:style>
+      </p:cxnSp>
+    </p:spTree>
+    <p:extLst>
+      <p:ext uri="{BB962C8B-B14F-4D97-AF65-F5344CB8AC3E}">
+        <p14:creationId xmlns:p14="http://schemas.microsoft.com/office/powerpoint/2010/main" val="1363808696"/>
+      </p:ext>
+    </p:extLst>
+  </p:cSld>
+  <p:clrMapOvr>
+    <a:masterClrMapping/>
+  </p:clrMapOvr>
+</p:sld>
+</file>
+
+<file path=ppt/slides/slide6.xml><?xml version="1.0" encoding="utf-8"?>
+<p:sld xmlns:a="http://schemas.openxmlformats.org/drawingml/2006/main" xmlns:r="http://schemas.openxmlformats.org/officeDocument/2006/relationships" xmlns:p="http://schemas.openxmlformats.org/presentationml/2006/main">
+  <p:cSld>
+    <p:bg>
+      <p:bgPr>
+        <a:solidFill>
+          <a:srgbClr val="F5F3F4"/>
+        </a:solidFill>
+        <a:effectLst/>
+      </p:bgPr>
+    </p:bg>
+    <p:spTree>
+      <p:nvGrpSpPr>
+        <p:cNvPr id="1" name=""/>
+        <p:cNvGrpSpPr/>
+        <p:nvPr/>
+      </p:nvGrpSpPr>
+      <p:grpSpPr>
+        <a:xfrm>
+          <a:off x="0" y="0"/>
+          <a:ext cx="0" cy="0"/>
+          <a:chOff x="0" y="0"/>
+          <a:chExt cx="0" cy="0"/>
+        </a:xfrm>
+      </p:grpSpPr>
+      <p:sp>
+        <p:nvSpPr>
+          <p:cNvPr id="26" name="Rettangolo con angoli arrotondati 25">
+            <a:extLst>
+              <a:ext uri="{FF2B5EF4-FFF2-40B4-BE49-F238E27FC236}">
+                <a16:creationId xmlns:a16="http://schemas.microsoft.com/office/drawing/2014/main" id="{C1C1E9C8-6B97-B5E3-CAD4-8FFA656C4AD3}"/>
+              </a:ext>
+            </a:extLst>
+          </p:cNvPr>
+          <p:cNvSpPr>
+            <a:spLocks noGrp="1" noRot="1" noMove="1" noResize="1" noEditPoints="1" noAdjustHandles="1" noChangeArrowheads="1" noChangeShapeType="1"/>
+          </p:cNvSpPr>
+          <p:nvPr/>
+        </p:nvSpPr>
+        <p:spPr>
+          <a:xfrm>
+            <a:off x="971355" y="554683"/>
+            <a:ext cx="10249291" cy="5748635"/>
+          </a:xfrm>
+          <a:prstGeom prst="roundRect">
+            <a:avLst>
+              <a:gd name="adj" fmla="val 8991"/>
+            </a:avLst>
+          </a:prstGeom>
+          <a:solidFill>
+            <a:srgbClr val="161A1D"/>
+          </a:solidFill>
+          <a:ln>
+            <a:noFill/>
+          </a:ln>
+        </p:spPr>
+        <p:style>
+          <a:lnRef idx="2">
+            <a:schemeClr val="accent1">
+              <a:shade val="15000"/>
+            </a:schemeClr>
+          </a:lnRef>
+          <a:fillRef idx="1">
+            <a:schemeClr val="accent1"/>
+          </a:fillRef>
+          <a:effectRef idx="0">
+            <a:schemeClr val="accent1"/>
+          </a:effectRef>
+          <a:fontRef idx="minor">
+            <a:schemeClr val="lt1"/>
+          </a:fontRef>
+        </p:style>
+        <p:txBody>
+          <a:bodyPr rtlCol="0" anchor="ctr"/>
+          <a:lstStyle/>
+          <a:p>
+            <a:pPr algn="ctr"/>
+            <a:endParaRPr lang="it-IT" dirty="0"/>
+          </a:p>
+        </p:txBody>
+      </p:sp>
+      <p:grpSp>
+        <p:nvGrpSpPr>
+          <p:cNvPr id="28" name="Gruppo 27">
+            <a:extLst>
+              <a:ext uri="{FF2B5EF4-FFF2-40B4-BE49-F238E27FC236}">
+                <a16:creationId xmlns:a16="http://schemas.microsoft.com/office/drawing/2014/main" id="{94C404AF-DF5F-0461-0C38-036BD0137545}"/>
+              </a:ext>
+            </a:extLst>
+          </p:cNvPr>
+          <p:cNvGrpSpPr/>
+          <p:nvPr/>
+        </p:nvGrpSpPr>
+        <p:grpSpPr>
+          <a:xfrm>
+            <a:off x="960857" y="2402609"/>
+            <a:ext cx="1735074" cy="1792097"/>
+            <a:chOff x="1038676" y="2527965"/>
+            <a:chExt cx="1735074" cy="1792097"/>
+          </a:xfrm>
+        </p:grpSpPr>
+        <p:pic>
+          <p:nvPicPr>
+            <p:cNvPr id="2" name="Immagine 1" descr="Immagine che contiene elettronica, Componente elettrico, Componente di circuito, circuito&#10;&#10;Descrizione generata automaticamente">
+              <a:extLst>
+                <a:ext uri="{FF2B5EF4-FFF2-40B4-BE49-F238E27FC236}">
+                  <a16:creationId xmlns:a16="http://schemas.microsoft.com/office/drawing/2014/main" id="{FAAA7C21-4AB0-A267-FEE3-1B901EB85CED}"/>
+                </a:ext>
+              </a:extLst>
+            </p:cNvPr>
+            <p:cNvPicPr>
+              <a:picLocks noChangeAspect="1"/>
+            </p:cNvPicPr>
+            <p:nvPr/>
+          </p:nvPicPr>
+          <p:blipFill>
+            <a:blip r:embed="rId2">
+              <a:extLst>
+                <a:ext uri="{28A0092B-C50C-407E-A947-70E740481C1C}">
+                  <a14:useLocalDpi xmlns:a14="http://schemas.microsoft.com/office/drawing/2010/main" val="0"/>
+                </a:ext>
+              </a:extLst>
+            </a:blip>
+            <a:stretch>
+              <a:fillRect/>
+            </a:stretch>
+          </p:blipFill>
+          <p:spPr>
+            <a:xfrm>
+              <a:off x="1710755" y="2527965"/>
+              <a:ext cx="505320" cy="1082829"/>
+            </a:xfrm>
+            <a:prstGeom prst="rect">
+              <a:avLst/>
+            </a:prstGeom>
+          </p:spPr>
+        </p:pic>
+        <p:pic>
+          <p:nvPicPr>
+            <p:cNvPr id="3" name="Elemento grafico 2" descr="Telecamera di sicurezza con riempimento a tinta unita">
+              <a:extLst>
+                <a:ext uri="{FF2B5EF4-FFF2-40B4-BE49-F238E27FC236}">
+                  <a16:creationId xmlns:a16="http://schemas.microsoft.com/office/drawing/2014/main" id="{33DFA87F-C345-7F3F-8130-95E26560F137}"/>
+                </a:ext>
+              </a:extLst>
+            </p:cNvPr>
+            <p:cNvPicPr>
+              <a:picLocks noChangeAspect="1"/>
+            </p:cNvPicPr>
+            <p:nvPr/>
+          </p:nvPicPr>
+          <p:blipFill rotWithShape="1">
+            <a:blip r:embed="rId3">
+              <a:extLst>
+                <a:ext uri="{28A0092B-C50C-407E-A947-70E740481C1C}">
+                  <a14:useLocalDpi xmlns:a14="http://schemas.microsoft.com/office/drawing/2010/main" val="0"/>
+                </a:ext>
+                <a:ext uri="{96DAC541-7B7A-43D3-8B79-37D633B846F1}">
+                  <asvg:svgBlip xmlns:asvg="http://schemas.microsoft.com/office/drawing/2016/SVG/main" r:embed="rId4"/>
+                </a:ext>
+              </a:extLst>
+            </a:blip>
+            <a:srcRect l="17451"/>
+            <a:stretch/>
+          </p:blipFill>
+          <p:spPr>
+            <a:xfrm>
+              <a:off x="1370127" y="3562713"/>
+              <a:ext cx="443800" cy="537621"/>
+            </a:xfrm>
+            <a:prstGeom prst="rect">
+              <a:avLst/>
+            </a:prstGeom>
+          </p:spPr>
+        </p:pic>
+        <p:sp>
+          <p:nvSpPr>
+            <p:cNvPr id="5" name="CasellaDiTesto 4">
+              <a:extLst>
+                <a:ext uri="{FF2B5EF4-FFF2-40B4-BE49-F238E27FC236}">
+                  <a16:creationId xmlns:a16="http://schemas.microsoft.com/office/drawing/2014/main" id="{4474D5BC-ADA3-84D8-0B39-948AD6C9725E}"/>
+                </a:ext>
+              </a:extLst>
+            </p:cNvPr>
+            <p:cNvSpPr txBox="1"/>
+            <p:nvPr/>
+          </p:nvSpPr>
+          <p:spPr>
+            <a:xfrm>
+              <a:off x="1879334" y="3981508"/>
+              <a:ext cx="894416" cy="338554"/>
+            </a:xfrm>
+            <a:prstGeom prst="rect">
+              <a:avLst/>
+            </a:prstGeom>
+            <a:noFill/>
+          </p:spPr>
+          <p:txBody>
+            <a:bodyPr wrap="square" rtlCol="0">
+              <a:spAutoFit/>
+            </a:bodyPr>
+            <a:lstStyle/>
+            <a:p>
+              <a:pPr algn="ctr"/>
+              <a:r>
+                <a:rPr lang="it-IT" sz="800" b="1" dirty="0">
+                  <a:solidFill>
+                    <a:schemeClr val="bg1"/>
+                  </a:solidFill>
+                  <a:latin typeface="Calibri" panose="020F0502020204030204" pitchFamily="34" charset="0"/>
+                  <a:ea typeface="Calibri" panose="020F0502020204030204" pitchFamily="34" charset="0"/>
+                  <a:cs typeface="Calibri" panose="020F0502020204030204" pitchFamily="34" charset="0"/>
+                </a:rPr>
+                <a:t>MANUAL OPENING</a:t>
+              </a:r>
+            </a:p>
+          </p:txBody>
+        </p:sp>
+        <p:grpSp>
+          <p:nvGrpSpPr>
+            <p:cNvPr id="8" name="Gruppo 7">
+              <a:extLst>
+                <a:ext uri="{FF2B5EF4-FFF2-40B4-BE49-F238E27FC236}">
+                  <a16:creationId xmlns:a16="http://schemas.microsoft.com/office/drawing/2014/main" id="{2B2B6A34-6689-36BA-EB76-0E16C60CD9C2}"/>
+                </a:ext>
+              </a:extLst>
+            </p:cNvPr>
+            <p:cNvGrpSpPr/>
+            <p:nvPr/>
+          </p:nvGrpSpPr>
+          <p:grpSpPr>
+            <a:xfrm>
+              <a:off x="2216075" y="3721260"/>
+              <a:ext cx="220935" cy="220935"/>
+              <a:chOff x="5931325" y="4129385"/>
+              <a:chExt cx="253764" cy="253764"/>
+            </a:xfrm>
+          </p:grpSpPr>
+          <p:sp>
+            <p:nvSpPr>
+              <p:cNvPr id="9" name="Ovale 8">
+                <a:extLst>
+                  <a:ext uri="{FF2B5EF4-FFF2-40B4-BE49-F238E27FC236}">
+                    <a16:creationId xmlns:a16="http://schemas.microsoft.com/office/drawing/2014/main" id="{6417F3D5-461A-55A5-1B37-E94D185C2ADA}"/>
+                  </a:ext>
+                </a:extLst>
+              </p:cNvPr>
+              <p:cNvSpPr/>
+              <p:nvPr/>
+            </p:nvSpPr>
+            <p:spPr>
+              <a:xfrm>
+                <a:off x="5931325" y="4129385"/>
+                <a:ext cx="253764" cy="253764"/>
+              </a:xfrm>
+              <a:prstGeom prst="ellipse">
+                <a:avLst/>
+              </a:prstGeom>
+              <a:noFill/>
+              <a:ln w="28575">
+                <a:solidFill>
+                  <a:srgbClr val="B1A7A6"/>
+                </a:solidFill>
+              </a:ln>
+            </p:spPr>
+            <p:style>
+              <a:lnRef idx="2">
+                <a:schemeClr val="accent1">
+                  <a:shade val="15000"/>
+                </a:schemeClr>
+              </a:lnRef>
+              <a:fillRef idx="1">
+                <a:schemeClr val="accent1"/>
+              </a:fillRef>
+              <a:effectRef idx="0">
+                <a:schemeClr val="accent1"/>
+              </a:effectRef>
+              <a:fontRef idx="minor">
+                <a:schemeClr val="lt1"/>
+              </a:fontRef>
+            </p:style>
+            <p:txBody>
+              <a:bodyPr rtlCol="0" anchor="ctr"/>
+              <a:lstStyle/>
+              <a:p>
+                <a:pPr algn="ctr"/>
+                <a:endParaRPr lang="it-IT"/>
+              </a:p>
+            </p:txBody>
+          </p:sp>
+          <p:sp>
+            <p:nvSpPr>
+              <p:cNvPr id="10" name="Ovale 9">
+                <a:extLst>
+                  <a:ext uri="{FF2B5EF4-FFF2-40B4-BE49-F238E27FC236}">
+                    <a16:creationId xmlns:a16="http://schemas.microsoft.com/office/drawing/2014/main" id="{0B9B489B-B10E-ABD1-EF3A-866BBC6BA843}"/>
+                  </a:ext>
+                </a:extLst>
+              </p:cNvPr>
+              <p:cNvSpPr/>
+              <p:nvPr/>
+            </p:nvSpPr>
+            <p:spPr>
+              <a:xfrm>
+                <a:off x="5981262" y="4181184"/>
+                <a:ext cx="153888" cy="149695"/>
+              </a:xfrm>
+              <a:prstGeom prst="ellipse">
+                <a:avLst/>
+              </a:prstGeom>
+              <a:solidFill>
+                <a:srgbClr val="F5F3F4"/>
+              </a:solidFill>
+              <a:ln>
+                <a:noFill/>
+              </a:ln>
+            </p:spPr>
+            <p:style>
+              <a:lnRef idx="2">
+                <a:schemeClr val="accent1">
+                  <a:shade val="15000"/>
+                </a:schemeClr>
+              </a:lnRef>
+              <a:fillRef idx="1">
+                <a:schemeClr val="accent1"/>
+              </a:fillRef>
+              <a:effectRef idx="0">
+                <a:schemeClr val="accent1"/>
+              </a:effectRef>
+              <a:fontRef idx="minor">
+                <a:schemeClr val="lt1"/>
+              </a:fontRef>
+            </p:style>
+            <p:txBody>
+              <a:bodyPr rtlCol="0" anchor="ctr"/>
+              <a:lstStyle/>
+              <a:p>
+                <a:pPr algn="ctr"/>
+                <a:endParaRPr lang="it-IT"/>
+              </a:p>
+            </p:txBody>
+          </p:sp>
+        </p:grpSp>
+        <p:sp>
+          <p:nvSpPr>
+            <p:cNvPr id="13" name="CasellaDiTesto 12">
+              <a:extLst>
+                <a:ext uri="{FF2B5EF4-FFF2-40B4-BE49-F238E27FC236}">
+                  <a16:creationId xmlns:a16="http://schemas.microsoft.com/office/drawing/2014/main" id="{EB6ADCF1-1438-D2F8-8F10-4522CB71875C}"/>
+                </a:ext>
+              </a:extLst>
+            </p:cNvPr>
+            <p:cNvSpPr txBox="1"/>
+            <p:nvPr/>
+          </p:nvSpPr>
+          <p:spPr>
+            <a:xfrm>
+              <a:off x="1038676" y="3981508"/>
+              <a:ext cx="991214" cy="338554"/>
+            </a:xfrm>
+            <a:prstGeom prst="rect">
+              <a:avLst/>
+            </a:prstGeom>
+            <a:noFill/>
+          </p:spPr>
+          <p:txBody>
+            <a:bodyPr wrap="square" rtlCol="0">
+              <a:spAutoFit/>
+            </a:bodyPr>
+            <a:lstStyle/>
+            <a:p>
+              <a:pPr algn="ctr"/>
+              <a:r>
+                <a:rPr lang="it-IT" sz="800" b="1" dirty="0">
+                  <a:solidFill>
+                    <a:schemeClr val="bg1"/>
+                  </a:solidFill>
+                  <a:latin typeface="Calibri" panose="020F0502020204030204" pitchFamily="34" charset="0"/>
+                  <a:ea typeface="Calibri" panose="020F0502020204030204" pitchFamily="34" charset="0"/>
+                  <a:cs typeface="Calibri" panose="020F0502020204030204" pitchFamily="34" charset="0"/>
+                </a:rPr>
+                <a:t>MOVEMENT SENSOR</a:t>
+              </a:r>
+            </a:p>
+          </p:txBody>
+        </p:sp>
+        <p:sp>
+          <p:nvSpPr>
+            <p:cNvPr id="14" name="CasellaDiTesto 13">
+              <a:extLst>
+                <a:ext uri="{FF2B5EF4-FFF2-40B4-BE49-F238E27FC236}">
+                  <a16:creationId xmlns:a16="http://schemas.microsoft.com/office/drawing/2014/main" id="{86DC3C02-B76D-3151-CFF1-05DCA07379F6}"/>
+                </a:ext>
+              </a:extLst>
+            </p:cNvPr>
+            <p:cNvSpPr txBox="1"/>
+            <p:nvPr/>
+          </p:nvSpPr>
+          <p:spPr>
+            <a:xfrm>
+              <a:off x="1674987" y="3642954"/>
+              <a:ext cx="576856" cy="338554"/>
+            </a:xfrm>
+            <a:prstGeom prst="rect">
+              <a:avLst/>
+            </a:prstGeom>
+            <a:noFill/>
+          </p:spPr>
+          <p:txBody>
+            <a:bodyPr wrap="square" rtlCol="0">
+              <a:spAutoFit/>
+            </a:bodyPr>
+            <a:lstStyle/>
+            <a:p>
+              <a:pPr algn="ctr"/>
+              <a:r>
+                <a:rPr lang="it-IT" sz="1600" b="1" dirty="0">
+                  <a:solidFill>
+                    <a:schemeClr val="bg1"/>
+                  </a:solidFill>
+                  <a:latin typeface="Calibri" panose="020F0502020204030204" pitchFamily="34" charset="0"/>
+                  <a:ea typeface="Calibri" panose="020F0502020204030204" pitchFamily="34" charset="0"/>
+                  <a:cs typeface="Calibri" panose="020F0502020204030204" pitchFamily="34" charset="0"/>
+                </a:rPr>
+                <a:t>+</a:t>
+              </a:r>
+            </a:p>
+          </p:txBody>
+        </p:sp>
+      </p:grpSp>
+      <p:grpSp>
+        <p:nvGrpSpPr>
+          <p:cNvPr id="27" name="Gruppo 26">
+            <a:extLst>
+              <a:ext uri="{FF2B5EF4-FFF2-40B4-BE49-F238E27FC236}">
+                <a16:creationId xmlns:a16="http://schemas.microsoft.com/office/drawing/2014/main" id="{DC4A03B9-AE93-CE30-1E68-2132D80921B6}"/>
+              </a:ext>
+            </a:extLst>
+          </p:cNvPr>
+          <p:cNvGrpSpPr/>
+          <p:nvPr/>
+        </p:nvGrpSpPr>
+        <p:grpSpPr>
+          <a:xfrm>
+            <a:off x="2866037" y="2392620"/>
+            <a:ext cx="1896678" cy="1472309"/>
+            <a:chOff x="3079930" y="3887376"/>
+            <a:chExt cx="1896678" cy="1472309"/>
+          </a:xfrm>
+        </p:grpSpPr>
+        <p:pic>
+          <p:nvPicPr>
+            <p:cNvPr id="15" name="Immagine 14" descr="Immagine che contiene elettronica, Componente elettrico, Componente di circuito, circuito&#10;&#10;Descrizione generata automaticamente">
+              <a:extLst>
+                <a:ext uri="{FF2B5EF4-FFF2-40B4-BE49-F238E27FC236}">
+                  <a16:creationId xmlns:a16="http://schemas.microsoft.com/office/drawing/2014/main" id="{09E449A4-2463-A629-E4C0-2FDBFF2D4E12}"/>
+                </a:ext>
+              </a:extLst>
+            </p:cNvPr>
+            <p:cNvPicPr>
+              <a:picLocks noChangeAspect="1"/>
+            </p:cNvPicPr>
+            <p:nvPr/>
+          </p:nvPicPr>
+          <p:blipFill>
+            <a:blip r:embed="rId2">
+              <a:extLst>
+                <a:ext uri="{28A0092B-C50C-407E-A947-70E740481C1C}">
+                  <a14:useLocalDpi xmlns:a14="http://schemas.microsoft.com/office/drawing/2010/main" val="0"/>
+                </a:ext>
+              </a:extLst>
+            </a:blip>
+            <a:stretch>
+              <a:fillRect/>
+            </a:stretch>
+          </p:blipFill>
+          <p:spPr>
+            <a:xfrm>
+              <a:off x="3818484" y="3887376"/>
+              <a:ext cx="505320" cy="1082829"/>
+            </a:xfrm>
+            <a:prstGeom prst="rect">
+              <a:avLst/>
+            </a:prstGeom>
+          </p:spPr>
+        </p:pic>
+        <p:grpSp>
+          <p:nvGrpSpPr>
+            <p:cNvPr id="16" name="Gruppo 15">
+              <a:extLst>
+                <a:ext uri="{FF2B5EF4-FFF2-40B4-BE49-F238E27FC236}">
+                  <a16:creationId xmlns:a16="http://schemas.microsoft.com/office/drawing/2014/main" id="{1A282D33-3B50-6574-AB62-AE122C6C00BE}"/>
+                </a:ext>
+              </a:extLst>
+            </p:cNvPr>
+            <p:cNvGrpSpPr/>
+            <p:nvPr/>
+          </p:nvGrpSpPr>
+          <p:grpSpPr>
+            <a:xfrm>
+              <a:off x="4418032" y="4320062"/>
+              <a:ext cx="325556" cy="665377"/>
+              <a:chOff x="3226827" y="1804558"/>
+              <a:chExt cx="544289" cy="1112427"/>
+            </a:xfrm>
+          </p:grpSpPr>
+          <p:sp>
+            <p:nvSpPr>
+              <p:cNvPr id="17" name="Rettangolo con angoli arrotondati 16">
+                <a:extLst>
+                  <a:ext uri="{FF2B5EF4-FFF2-40B4-BE49-F238E27FC236}">
+                    <a16:creationId xmlns:a16="http://schemas.microsoft.com/office/drawing/2014/main" id="{965FB0BF-064C-E119-59E8-10B78B2359A4}"/>
+                  </a:ext>
+                </a:extLst>
+              </p:cNvPr>
+              <p:cNvSpPr/>
+              <p:nvPr/>
+            </p:nvSpPr>
+            <p:spPr>
+              <a:xfrm>
+                <a:off x="3226827" y="1804558"/>
+                <a:ext cx="544289" cy="1112427"/>
+              </a:xfrm>
+              <a:prstGeom prst="roundRect">
+                <a:avLst>
+                  <a:gd name="adj" fmla="val 8991"/>
+                </a:avLst>
+              </a:prstGeom>
+              <a:noFill/>
+              <a:ln w="28575">
+                <a:solidFill>
+                  <a:srgbClr val="F5F3F4"/>
+                </a:solidFill>
+              </a:ln>
+            </p:spPr>
+            <p:style>
+              <a:lnRef idx="2">
+                <a:schemeClr val="accent1">
+                  <a:shade val="15000"/>
+                </a:schemeClr>
+              </a:lnRef>
+              <a:fillRef idx="1">
+                <a:schemeClr val="accent1"/>
+              </a:fillRef>
+              <a:effectRef idx="0">
+                <a:schemeClr val="accent1"/>
+              </a:effectRef>
+              <a:fontRef idx="minor">
+                <a:schemeClr val="lt1"/>
+              </a:fontRef>
+            </p:style>
+            <p:txBody>
+              <a:bodyPr rtlCol="0" anchor="ctr"/>
+              <a:lstStyle/>
+              <a:p>
+                <a:pPr algn="ctr"/>
+                <a:endParaRPr lang="it-IT" dirty="0"/>
+              </a:p>
+            </p:txBody>
+          </p:sp>
+          <p:sp>
+            <p:nvSpPr>
+              <p:cNvPr id="18" name="Ovale 17">
+                <a:extLst>
+                  <a:ext uri="{FF2B5EF4-FFF2-40B4-BE49-F238E27FC236}">
+                    <a16:creationId xmlns:a16="http://schemas.microsoft.com/office/drawing/2014/main" id="{08F73080-8615-475F-E888-B542E8B53147}"/>
+                  </a:ext>
+                </a:extLst>
+              </p:cNvPr>
+              <p:cNvSpPr/>
+              <p:nvPr/>
+            </p:nvSpPr>
+            <p:spPr>
+              <a:xfrm>
+                <a:off x="3421821" y="1963585"/>
+                <a:ext cx="154300" cy="154300"/>
+              </a:xfrm>
+              <a:prstGeom prst="ellipse">
+                <a:avLst/>
+              </a:prstGeom>
+              <a:solidFill>
+                <a:srgbClr val="BA181B"/>
+              </a:solidFill>
+              <a:ln>
+                <a:noFill/>
+              </a:ln>
+            </p:spPr>
+            <p:style>
+              <a:lnRef idx="2">
+                <a:schemeClr val="accent1">
+                  <a:shade val="15000"/>
+                </a:schemeClr>
+              </a:lnRef>
+              <a:fillRef idx="1">
+                <a:schemeClr val="accent1"/>
+              </a:fillRef>
+              <a:effectRef idx="0">
+                <a:schemeClr val="accent1"/>
+              </a:effectRef>
+              <a:fontRef idx="minor">
+                <a:schemeClr val="lt1"/>
+              </a:fontRef>
+            </p:style>
+            <p:txBody>
+              <a:bodyPr rtlCol="0" anchor="ctr"/>
+              <a:lstStyle/>
+              <a:p>
+                <a:pPr algn="ctr"/>
+                <a:endParaRPr lang="it-IT"/>
+              </a:p>
+            </p:txBody>
+          </p:sp>
+          <p:sp>
+            <p:nvSpPr>
+              <p:cNvPr id="19" name="Ovale 18">
+                <a:extLst>
+                  <a:ext uri="{FF2B5EF4-FFF2-40B4-BE49-F238E27FC236}">
+                    <a16:creationId xmlns:a16="http://schemas.microsoft.com/office/drawing/2014/main" id="{BFAC4ED0-E823-0130-1F11-9D7E0CA77123}"/>
+                  </a:ext>
+                </a:extLst>
+              </p:cNvPr>
+              <p:cNvSpPr/>
+              <p:nvPr/>
+            </p:nvSpPr>
+            <p:spPr>
+              <a:xfrm>
+                <a:off x="3421821" y="2286197"/>
+                <a:ext cx="154300" cy="154300"/>
+              </a:xfrm>
+              <a:prstGeom prst="ellipse">
+                <a:avLst/>
+              </a:prstGeom>
+              <a:solidFill>
+                <a:srgbClr val="FCA311"/>
+              </a:solidFill>
+              <a:ln>
+                <a:noFill/>
+              </a:ln>
+            </p:spPr>
+            <p:style>
+              <a:lnRef idx="2">
+                <a:schemeClr val="accent1">
+                  <a:shade val="15000"/>
+                </a:schemeClr>
+              </a:lnRef>
+              <a:fillRef idx="1">
+                <a:schemeClr val="accent1"/>
+              </a:fillRef>
+              <a:effectRef idx="0">
+                <a:schemeClr val="accent1"/>
+              </a:effectRef>
+              <a:fontRef idx="minor">
+                <a:schemeClr val="lt1"/>
+              </a:fontRef>
+            </p:style>
+            <p:txBody>
+              <a:bodyPr rtlCol="0" anchor="ctr"/>
+              <a:lstStyle/>
+              <a:p>
+                <a:pPr algn="ctr"/>
+                <a:endParaRPr lang="it-IT"/>
+              </a:p>
+            </p:txBody>
+          </p:sp>
+          <p:sp>
+            <p:nvSpPr>
+              <p:cNvPr id="20" name="Ovale 19">
+                <a:extLst>
+                  <a:ext uri="{FF2B5EF4-FFF2-40B4-BE49-F238E27FC236}">
+                    <a16:creationId xmlns:a16="http://schemas.microsoft.com/office/drawing/2014/main" id="{2406B2FE-DB14-40F4-0FB4-AFCC0BEBF1C7}"/>
+                  </a:ext>
+                </a:extLst>
+              </p:cNvPr>
+              <p:cNvSpPr/>
+              <p:nvPr/>
+            </p:nvSpPr>
+            <p:spPr>
+              <a:xfrm>
+                <a:off x="3425238" y="2601591"/>
+                <a:ext cx="154300" cy="154300"/>
+              </a:xfrm>
+              <a:prstGeom prst="ellipse">
+                <a:avLst/>
+              </a:prstGeom>
+              <a:solidFill>
+                <a:srgbClr val="00B050"/>
+              </a:solidFill>
+              <a:ln>
+                <a:noFill/>
+              </a:ln>
+            </p:spPr>
+            <p:style>
+              <a:lnRef idx="2">
+                <a:schemeClr val="accent1">
+                  <a:shade val="15000"/>
+                </a:schemeClr>
+              </a:lnRef>
+              <a:fillRef idx="1">
+                <a:schemeClr val="accent1"/>
+              </a:fillRef>
+              <a:effectRef idx="0">
+                <a:schemeClr val="accent1"/>
+              </a:effectRef>
+              <a:fontRef idx="minor">
+                <a:schemeClr val="lt1"/>
+              </a:fontRef>
+            </p:style>
+            <p:txBody>
+              <a:bodyPr rtlCol="0" anchor="ctr"/>
+              <a:lstStyle/>
+              <a:p>
+                <a:pPr algn="ctr"/>
+                <a:endParaRPr lang="it-IT"/>
+              </a:p>
+            </p:txBody>
+          </p:sp>
+        </p:grpSp>
+        <p:sp>
+          <p:nvSpPr>
+            <p:cNvPr id="21" name="CasellaDiTesto 20">
+              <a:extLst>
+                <a:ext uri="{FF2B5EF4-FFF2-40B4-BE49-F238E27FC236}">
+                  <a16:creationId xmlns:a16="http://schemas.microsoft.com/office/drawing/2014/main" id="{08C5B1C1-8EEE-289A-FF54-6B7D8262CE59}"/>
+                </a:ext>
+              </a:extLst>
+            </p:cNvPr>
+            <p:cNvSpPr txBox="1"/>
+            <p:nvPr/>
+          </p:nvSpPr>
+          <p:spPr>
+            <a:xfrm>
+              <a:off x="4185011" y="5021131"/>
+              <a:ext cx="791597" cy="338554"/>
+            </a:xfrm>
+            <a:prstGeom prst="rect">
+              <a:avLst/>
+            </a:prstGeom>
+            <a:noFill/>
+          </p:spPr>
+          <p:txBody>
+            <a:bodyPr wrap="square" rtlCol="0">
+              <a:spAutoFit/>
+            </a:bodyPr>
+            <a:lstStyle/>
+            <a:p>
+              <a:pPr algn="ctr"/>
+              <a:r>
+                <a:rPr lang="it-IT" sz="800" b="1" dirty="0">
+                  <a:solidFill>
+                    <a:schemeClr val="bg1"/>
+                  </a:solidFill>
+                  <a:latin typeface="Calibri" panose="020F0502020204030204" pitchFamily="34" charset="0"/>
+                  <a:ea typeface="Calibri" panose="020F0502020204030204" pitchFamily="34" charset="0"/>
+                  <a:cs typeface="Calibri" panose="020F0502020204030204" pitchFamily="34" charset="0"/>
+                </a:rPr>
+                <a:t>VAULT STATUS</a:t>
+              </a:r>
+            </a:p>
+          </p:txBody>
+        </p:sp>
+        <p:sp>
+          <p:nvSpPr>
+            <p:cNvPr id="22" name="CasellaDiTesto 21">
+              <a:extLst>
+                <a:ext uri="{FF2B5EF4-FFF2-40B4-BE49-F238E27FC236}">
+                  <a16:creationId xmlns:a16="http://schemas.microsoft.com/office/drawing/2014/main" id="{739B0C11-6D48-D188-CD2B-0DF9DAA93CFA}"/>
+                </a:ext>
+              </a:extLst>
+            </p:cNvPr>
+            <p:cNvSpPr txBox="1"/>
+            <p:nvPr/>
+          </p:nvSpPr>
+          <p:spPr>
+            <a:xfrm>
+              <a:off x="3079930" y="5021131"/>
+              <a:ext cx="991214" cy="338554"/>
+            </a:xfrm>
+            <a:prstGeom prst="rect">
+              <a:avLst/>
+            </a:prstGeom>
+            <a:noFill/>
+          </p:spPr>
+          <p:txBody>
+            <a:bodyPr wrap="square" rtlCol="0">
+              <a:spAutoFit/>
+            </a:bodyPr>
+            <a:lstStyle/>
+            <a:p>
+              <a:pPr algn="ctr"/>
+              <a:r>
+                <a:rPr lang="it-IT" sz="800" b="1" dirty="0">
+                  <a:solidFill>
+                    <a:schemeClr val="bg1"/>
+                  </a:solidFill>
+                  <a:latin typeface="Calibri" panose="020F0502020204030204" pitchFamily="34" charset="0"/>
+                  <a:ea typeface="Calibri" panose="020F0502020204030204" pitchFamily="34" charset="0"/>
+                  <a:cs typeface="Calibri" panose="020F0502020204030204" pitchFamily="34" charset="0"/>
+                </a:rPr>
+                <a:t>AUTOMATIC DOOR</a:t>
+              </a:r>
+            </a:p>
+          </p:txBody>
+        </p:sp>
+        <p:sp>
+          <p:nvSpPr>
+            <p:cNvPr id="23" name="Rettangolo con angoli arrotondati 22">
+              <a:extLst>
+                <a:ext uri="{FF2B5EF4-FFF2-40B4-BE49-F238E27FC236}">
+                  <a16:creationId xmlns:a16="http://schemas.microsoft.com/office/drawing/2014/main" id="{1BB22D79-29A9-CD73-5350-9DB009C22952}"/>
+                </a:ext>
+              </a:extLst>
+            </p:cNvPr>
+            <p:cNvSpPr/>
+            <p:nvPr/>
+          </p:nvSpPr>
+          <p:spPr>
+            <a:xfrm>
+              <a:off x="3526682" y="4135613"/>
+              <a:ext cx="97709" cy="849826"/>
+            </a:xfrm>
+            <a:prstGeom prst="roundRect">
+              <a:avLst>
+                <a:gd name="adj" fmla="val 8991"/>
+              </a:avLst>
+            </a:prstGeom>
+            <a:solidFill>
+              <a:srgbClr val="161A1D"/>
+            </a:solidFill>
+            <a:ln w="12700">
+              <a:solidFill>
+                <a:srgbClr val="FCA311"/>
+              </a:solidFill>
+            </a:ln>
+          </p:spPr>
+          <p:style>
+            <a:lnRef idx="2">
+              <a:schemeClr val="accent1">
+                <a:shade val="15000"/>
+              </a:schemeClr>
+            </a:lnRef>
+            <a:fillRef idx="1">
+              <a:schemeClr val="accent1"/>
+            </a:fillRef>
+            <a:effectRef idx="0">
+              <a:schemeClr val="accent1"/>
+            </a:effectRef>
+            <a:fontRef idx="minor">
+              <a:schemeClr val="lt1"/>
+            </a:fontRef>
+          </p:style>
+          <p:txBody>
+            <a:bodyPr rtlCol="0" anchor="ctr"/>
+            <a:lstStyle/>
+            <a:p>
+              <a:pPr algn="ctr"/>
+              <a:endParaRPr lang="it-IT"/>
+            </a:p>
+          </p:txBody>
+        </p:sp>
+        <p:sp>
+          <p:nvSpPr>
+            <p:cNvPr id="24" name="CasellaDiTesto 23">
+              <a:extLst>
+                <a:ext uri="{FF2B5EF4-FFF2-40B4-BE49-F238E27FC236}">
+                  <a16:creationId xmlns:a16="http://schemas.microsoft.com/office/drawing/2014/main" id="{485B4F74-E1CD-1C0F-FFB1-DC695AE5FBFA}"/>
+                </a:ext>
+              </a:extLst>
+            </p:cNvPr>
+            <p:cNvSpPr txBox="1"/>
+            <p:nvPr/>
+          </p:nvSpPr>
+          <p:spPr>
+            <a:xfrm>
+              <a:off x="3782716" y="4970205"/>
+              <a:ext cx="576856" cy="338554"/>
+            </a:xfrm>
+            <a:prstGeom prst="rect">
+              <a:avLst/>
+            </a:prstGeom>
+            <a:noFill/>
+          </p:spPr>
+          <p:txBody>
+            <a:bodyPr wrap="square" rtlCol="0">
+              <a:spAutoFit/>
+            </a:bodyPr>
+            <a:lstStyle/>
+            <a:p>
+              <a:pPr algn="ctr"/>
+              <a:r>
+                <a:rPr lang="it-IT" sz="1600" b="1" dirty="0">
+                  <a:solidFill>
+                    <a:schemeClr val="bg1"/>
+                  </a:solidFill>
+                  <a:latin typeface="Calibri" panose="020F0502020204030204" pitchFamily="34" charset="0"/>
+                  <a:ea typeface="Calibri" panose="020F0502020204030204" pitchFamily="34" charset="0"/>
+                  <a:cs typeface="Calibri" panose="020F0502020204030204" pitchFamily="34" charset="0"/>
+                </a:rPr>
+                <a:t>+</a:t>
+              </a:r>
+            </a:p>
+          </p:txBody>
+        </p:sp>
+      </p:grpSp>
+      <p:pic>
+        <p:nvPicPr>
+          <p:cNvPr id="29" name="Immagine 28" descr="Immagine che contiene elettronica, Componente elettrico, Componente di circuito, circuito&#10;&#10;Descrizione generata automaticamente">
+            <a:extLst>
+              <a:ext uri="{FF2B5EF4-FFF2-40B4-BE49-F238E27FC236}">
+                <a16:creationId xmlns:a16="http://schemas.microsoft.com/office/drawing/2014/main" id="{B8AE6C2C-8296-5ABE-7C62-F89069990ED2}"/>
+              </a:ext>
+            </a:extLst>
+          </p:cNvPr>
+          <p:cNvPicPr>
+            <a:picLocks noChangeAspect="1"/>
+          </p:cNvPicPr>
+          <p:nvPr/>
+        </p:nvPicPr>
+        <p:blipFill>
+          <a:blip r:embed="rId2">
+            <a:extLst>
+              <a:ext uri="{28A0092B-C50C-407E-A947-70E740481C1C}">
+                <a14:useLocalDpi xmlns:a14="http://schemas.microsoft.com/office/drawing/2010/main" val="0"/>
+              </a:ext>
+            </a:extLst>
+          </a:blip>
+          <a:stretch>
+            <a:fillRect/>
+          </a:stretch>
+        </p:blipFill>
+        <p:spPr>
+          <a:xfrm>
+            <a:off x="3609291" y="783727"/>
+            <a:ext cx="505320" cy="1082829"/>
+          </a:xfrm>
+          <a:prstGeom prst="rect">
+            <a:avLst/>
+          </a:prstGeom>
+        </p:spPr>
+      </p:pic>
+      <p:grpSp>
+        <p:nvGrpSpPr>
+          <p:cNvPr id="6" name="Gruppo 5">
+            <a:extLst>
+              <a:ext uri="{FF2B5EF4-FFF2-40B4-BE49-F238E27FC236}">
+                <a16:creationId xmlns:a16="http://schemas.microsoft.com/office/drawing/2014/main" id="{DDFE94FA-7B00-826F-EFD5-F272EF27BF89}"/>
+              </a:ext>
+            </a:extLst>
+          </p:cNvPr>
+          <p:cNvGrpSpPr/>
+          <p:nvPr/>
+        </p:nvGrpSpPr>
+        <p:grpSpPr>
+          <a:xfrm>
+            <a:off x="2700155" y="1296463"/>
+            <a:ext cx="1225265" cy="628353"/>
+            <a:chOff x="2700155" y="1296463"/>
+            <a:chExt cx="1225265" cy="628353"/>
+          </a:xfrm>
+        </p:grpSpPr>
+        <p:pic>
+          <p:nvPicPr>
+            <p:cNvPr id="30" name="Immagine 29" descr="Immagine che contiene creatività&#10;&#10;Descrizione generata automaticamente con attendibilità bassa">
+              <a:extLst>
+                <a:ext uri="{FF2B5EF4-FFF2-40B4-BE49-F238E27FC236}">
+                  <a16:creationId xmlns:a16="http://schemas.microsoft.com/office/drawing/2014/main" id="{9F5F8B77-B8F1-A1AE-B1FB-BBB9EF51432C}"/>
+                </a:ext>
+              </a:extLst>
+            </p:cNvPr>
+            <p:cNvPicPr>
+              <a:picLocks noChangeAspect="1"/>
+            </p:cNvPicPr>
+            <p:nvPr/>
+          </p:nvPicPr>
+          <p:blipFill>
+            <a:blip r:embed="rId5">
+              <a:extLst>
+                <a:ext uri="{28A0092B-C50C-407E-A947-70E740481C1C}">
+                  <a14:useLocalDpi xmlns:a14="http://schemas.microsoft.com/office/drawing/2010/main" val="0"/>
+                </a:ext>
+              </a:extLst>
+            </a:blip>
+            <a:stretch>
+              <a:fillRect/>
+            </a:stretch>
+          </p:blipFill>
+          <p:spPr>
+            <a:xfrm>
+              <a:off x="3094313" y="1296463"/>
+              <a:ext cx="447199" cy="447199"/>
+            </a:xfrm>
+            <a:prstGeom prst="rect">
+              <a:avLst/>
+            </a:prstGeom>
+          </p:spPr>
+        </p:pic>
+        <p:sp>
+          <p:nvSpPr>
+            <p:cNvPr id="31" name="CasellaDiTesto 30">
+              <a:extLst>
+                <a:ext uri="{FF2B5EF4-FFF2-40B4-BE49-F238E27FC236}">
+                  <a16:creationId xmlns:a16="http://schemas.microsoft.com/office/drawing/2014/main" id="{BEABB047-EF0A-7DEF-88B2-AE7016734290}"/>
+                </a:ext>
+              </a:extLst>
+            </p:cNvPr>
+            <p:cNvSpPr txBox="1"/>
+            <p:nvPr/>
+          </p:nvSpPr>
+          <p:spPr>
+            <a:xfrm>
+              <a:off x="2700155" y="1709372"/>
+              <a:ext cx="1225265" cy="215444"/>
+            </a:xfrm>
+            <a:prstGeom prst="rect">
+              <a:avLst/>
+            </a:prstGeom>
+            <a:noFill/>
+          </p:spPr>
+          <p:txBody>
+            <a:bodyPr wrap="square" rtlCol="0">
+              <a:spAutoFit/>
+            </a:bodyPr>
+            <a:lstStyle/>
+            <a:p>
+              <a:pPr algn="ctr"/>
+              <a:r>
+                <a:rPr lang="it-IT" sz="800" b="1" dirty="0">
+                  <a:solidFill>
+                    <a:schemeClr val="bg1"/>
+                  </a:solidFill>
+                  <a:latin typeface="Calibri" panose="020F0502020204030204" pitchFamily="34" charset="0"/>
+                  <a:ea typeface="Calibri" panose="020F0502020204030204" pitchFamily="34" charset="0"/>
+                  <a:cs typeface="Calibri" panose="020F0502020204030204" pitchFamily="34" charset="0"/>
+                </a:rPr>
+                <a:t>HVAC SYSTEM</a:t>
+              </a:r>
+            </a:p>
+          </p:txBody>
+        </p:sp>
+      </p:grpSp>
+      <p:grpSp>
+        <p:nvGrpSpPr>
+          <p:cNvPr id="4" name="Gruppo 3">
+            <a:extLst>
+              <a:ext uri="{FF2B5EF4-FFF2-40B4-BE49-F238E27FC236}">
+                <a16:creationId xmlns:a16="http://schemas.microsoft.com/office/drawing/2014/main" id="{7B49844D-DB83-4DD2-8A22-3DF4DBB68813}"/>
+              </a:ext>
+            </a:extLst>
+          </p:cNvPr>
+          <p:cNvGrpSpPr/>
+          <p:nvPr/>
+        </p:nvGrpSpPr>
+        <p:grpSpPr>
+          <a:xfrm>
+            <a:off x="4099825" y="756393"/>
+            <a:ext cx="1298044" cy="408861"/>
+            <a:chOff x="4099825" y="756393"/>
+            <a:chExt cx="1298044" cy="408861"/>
+          </a:xfrm>
+        </p:grpSpPr>
+        <p:pic>
+          <p:nvPicPr>
+            <p:cNvPr id="35" name="Immagine 34" descr="Immagine che contiene Carattere, Elementi grafici, simbolo, tipografia&#10;&#10;Descrizione generata automaticamente">
+              <a:extLst>
+                <a:ext uri="{FF2B5EF4-FFF2-40B4-BE49-F238E27FC236}">
+                  <a16:creationId xmlns:a16="http://schemas.microsoft.com/office/drawing/2014/main" id="{CCA181E8-5BAC-6A2F-D4FE-37E1F834B3C8}"/>
+                </a:ext>
+              </a:extLst>
+            </p:cNvPr>
+            <p:cNvPicPr>
+              <a:picLocks noChangeAspect="1"/>
+            </p:cNvPicPr>
+            <p:nvPr/>
+          </p:nvPicPr>
+          <p:blipFill>
+            <a:blip r:embed="rId6">
+              <a:extLst>
+                <a:ext uri="{28A0092B-C50C-407E-A947-70E740481C1C}">
+                  <a14:useLocalDpi xmlns:a14="http://schemas.microsoft.com/office/drawing/2010/main" val="0"/>
+                </a:ext>
+              </a:extLst>
+            </a:blip>
+            <a:stretch>
+              <a:fillRect/>
+            </a:stretch>
+          </p:blipFill>
+          <p:spPr>
+            <a:xfrm>
+              <a:off x="4099825" y="756393"/>
+              <a:ext cx="408861" cy="408861"/>
+            </a:xfrm>
+            <a:prstGeom prst="rect">
+              <a:avLst/>
+            </a:prstGeom>
+          </p:spPr>
+        </p:pic>
+        <p:sp>
+          <p:nvSpPr>
+            <p:cNvPr id="36" name="CasellaDiTesto 35">
+              <a:extLst>
+                <a:ext uri="{FF2B5EF4-FFF2-40B4-BE49-F238E27FC236}">
+                  <a16:creationId xmlns:a16="http://schemas.microsoft.com/office/drawing/2014/main" id="{BB3EB2AB-E3A2-AA21-DED9-FD8DEFA9F54F}"/>
+                </a:ext>
+              </a:extLst>
+            </p:cNvPr>
+            <p:cNvSpPr txBox="1"/>
+            <p:nvPr/>
+          </p:nvSpPr>
+          <p:spPr>
+            <a:xfrm>
+              <a:off x="4172604" y="853101"/>
+              <a:ext cx="1225265" cy="215444"/>
+            </a:xfrm>
+            <a:prstGeom prst="rect">
+              <a:avLst/>
+            </a:prstGeom>
+            <a:noFill/>
+          </p:spPr>
+          <p:txBody>
+            <a:bodyPr wrap="square" rtlCol="0">
+              <a:spAutoFit/>
+            </a:bodyPr>
+            <a:lstStyle/>
+            <a:p>
+              <a:pPr algn="ctr"/>
+              <a:r>
+                <a:rPr lang="it-IT" sz="800" b="1" dirty="0">
+                  <a:solidFill>
+                    <a:schemeClr val="bg1"/>
+                  </a:solidFill>
+                  <a:latin typeface="Calibri" panose="020F0502020204030204" pitchFamily="34" charset="0"/>
+                  <a:ea typeface="Calibri" panose="020F0502020204030204" pitchFamily="34" charset="0"/>
+                  <a:cs typeface="Calibri" panose="020F0502020204030204" pitchFamily="34" charset="0"/>
+                </a:rPr>
+                <a:t>ML MODEL</a:t>
+              </a:r>
+            </a:p>
+          </p:txBody>
+        </p:sp>
+      </p:grpSp>
+      <p:grpSp>
+        <p:nvGrpSpPr>
+          <p:cNvPr id="43" name="Gruppo 42">
+            <a:extLst>
+              <a:ext uri="{FF2B5EF4-FFF2-40B4-BE49-F238E27FC236}">
+                <a16:creationId xmlns:a16="http://schemas.microsoft.com/office/drawing/2014/main" id="{5B9AF2CB-F425-A0C3-EFFA-92827F9C7B89}"/>
+              </a:ext>
+            </a:extLst>
+          </p:cNvPr>
+          <p:cNvGrpSpPr/>
+          <p:nvPr/>
+        </p:nvGrpSpPr>
+        <p:grpSpPr>
+          <a:xfrm>
+            <a:off x="4215641" y="4612264"/>
+            <a:ext cx="1448774" cy="1589042"/>
+            <a:chOff x="3919944" y="4602959"/>
+            <a:chExt cx="1448774" cy="1589042"/>
+          </a:xfrm>
+        </p:grpSpPr>
+        <p:grpSp>
+          <p:nvGrpSpPr>
+            <p:cNvPr id="25" name="Gruppo 24">
+              <a:extLst>
+                <a:ext uri="{FF2B5EF4-FFF2-40B4-BE49-F238E27FC236}">
+                  <a16:creationId xmlns:a16="http://schemas.microsoft.com/office/drawing/2014/main" id="{6167C1EE-67B3-E57B-4ADF-810EB5F97E66}"/>
+                </a:ext>
+              </a:extLst>
+            </p:cNvPr>
+            <p:cNvGrpSpPr/>
+            <p:nvPr/>
+          </p:nvGrpSpPr>
+          <p:grpSpPr>
+            <a:xfrm>
+              <a:off x="3952223" y="5742749"/>
+              <a:ext cx="1416495" cy="449252"/>
+              <a:chOff x="2918695" y="6032966"/>
+              <a:chExt cx="1416495" cy="449252"/>
+            </a:xfrm>
+          </p:grpSpPr>
+          <p:pic>
+            <p:nvPicPr>
+              <p:cNvPr id="7" name="Elemento grafico 6" descr="Termometro con riempimento a tinta unita">
+                <a:extLst>
+                  <a:ext uri="{FF2B5EF4-FFF2-40B4-BE49-F238E27FC236}">
+                    <a16:creationId xmlns:a16="http://schemas.microsoft.com/office/drawing/2014/main" id="{5A376F8D-6344-D158-3E22-041AF9AFE8D3}"/>
+                  </a:ext>
+                </a:extLst>
+              </p:cNvPr>
+              <p:cNvPicPr>
+                <a:picLocks noChangeAspect="1"/>
+              </p:cNvPicPr>
+              <p:nvPr/>
+            </p:nvPicPr>
+            <p:blipFill>
+              <a:blip r:embed="rId7">
+                <a:extLst>
+                  <a:ext uri="{28A0092B-C50C-407E-A947-70E740481C1C}">
+                    <a14:useLocalDpi xmlns:a14="http://schemas.microsoft.com/office/drawing/2010/main" val="0"/>
+                  </a:ext>
+                  <a:ext uri="{96DAC541-7B7A-43D3-8B79-37D633B846F1}">
+                    <asvg:svgBlip xmlns:asvg="http://schemas.microsoft.com/office/drawing/2016/SVG/main" r:embed="rId8"/>
+                  </a:ext>
+                </a:extLst>
+              </a:blip>
+              <a:stretch>
+                <a:fillRect/>
+              </a:stretch>
+            </p:blipFill>
+            <p:spPr>
+              <a:xfrm>
+                <a:off x="2918695" y="6032966"/>
+                <a:ext cx="449252" cy="449252"/>
+              </a:xfrm>
+              <a:prstGeom prst="rect">
+                <a:avLst/>
+              </a:prstGeom>
+            </p:spPr>
+          </p:pic>
+          <p:sp>
+            <p:nvSpPr>
+              <p:cNvPr id="11" name="CasellaDiTesto 10">
+                <a:extLst>
+                  <a:ext uri="{FF2B5EF4-FFF2-40B4-BE49-F238E27FC236}">
+                    <a16:creationId xmlns:a16="http://schemas.microsoft.com/office/drawing/2014/main" id="{600BA897-3C7E-B326-F04C-6C7435ACAB9F}"/>
+                  </a:ext>
+                </a:extLst>
+              </p:cNvPr>
+              <p:cNvSpPr txBox="1"/>
+              <p:nvPr/>
+            </p:nvSpPr>
+            <p:spPr>
+              <a:xfrm>
+                <a:off x="3109925" y="6091095"/>
+                <a:ext cx="1225265" cy="338554"/>
+              </a:xfrm>
+              <a:prstGeom prst="rect">
+                <a:avLst/>
+              </a:prstGeom>
+              <a:noFill/>
+            </p:spPr>
+            <p:txBody>
+              <a:bodyPr wrap="square" rtlCol="0">
+                <a:spAutoFit/>
+              </a:bodyPr>
+              <a:lstStyle/>
+              <a:p>
+                <a:pPr algn="ctr"/>
+                <a:r>
+                  <a:rPr lang="it-IT" sz="800" b="1" dirty="0">
+                    <a:solidFill>
+                      <a:schemeClr val="bg1"/>
+                    </a:solidFill>
+                    <a:latin typeface="Calibri" panose="020F0502020204030204" pitchFamily="34" charset="0"/>
+                    <a:ea typeface="Calibri" panose="020F0502020204030204" pitchFamily="34" charset="0"/>
+                    <a:cs typeface="Calibri" panose="020F0502020204030204" pitchFamily="34" charset="0"/>
+                  </a:rPr>
+                  <a:t>TEMPERATURE </a:t>
+                </a:r>
+                <a:r>
+                  <a:rPr lang="it-IT" sz="800" dirty="0">
+                    <a:solidFill>
+                      <a:schemeClr val="bg1"/>
+                    </a:solidFill>
+                    <a:latin typeface="Calibri" panose="020F0502020204030204" pitchFamily="34" charset="0"/>
+                    <a:ea typeface="Calibri" panose="020F0502020204030204" pitchFamily="34" charset="0"/>
+                    <a:cs typeface="Calibri" panose="020F0502020204030204" pitchFamily="34" charset="0"/>
+                  </a:rPr>
+                  <a:t>and</a:t>
+                </a:r>
+                <a:r>
+                  <a:rPr lang="it-IT" sz="800" b="1" dirty="0">
+                    <a:solidFill>
+                      <a:schemeClr val="bg1"/>
+                    </a:solidFill>
+                    <a:latin typeface="Calibri" panose="020F0502020204030204" pitchFamily="34" charset="0"/>
+                    <a:ea typeface="Calibri" panose="020F0502020204030204" pitchFamily="34" charset="0"/>
+                    <a:cs typeface="Calibri" panose="020F0502020204030204" pitchFamily="34" charset="0"/>
+                  </a:rPr>
+                  <a:t> HUMIDITY SENSOR</a:t>
+                </a:r>
+              </a:p>
+            </p:txBody>
+          </p:sp>
+        </p:grpSp>
+        <p:pic>
+          <p:nvPicPr>
+            <p:cNvPr id="12" name="Immagine 11" descr="Immagine che contiene elettronica, Componente elettrico, Componente di circuito, circuito&#10;&#10;Descrizione generata automaticamente">
+              <a:extLst>
+                <a:ext uri="{FF2B5EF4-FFF2-40B4-BE49-F238E27FC236}">
+                  <a16:creationId xmlns:a16="http://schemas.microsoft.com/office/drawing/2014/main" id="{B7D17E1F-B3FB-7679-D68D-31E3FB6881E0}"/>
+                </a:ext>
+              </a:extLst>
+            </p:cNvPr>
+            <p:cNvPicPr>
+              <a:picLocks noChangeAspect="1"/>
+            </p:cNvPicPr>
+            <p:nvPr/>
+          </p:nvPicPr>
+          <p:blipFill>
+            <a:blip r:embed="rId2">
+              <a:extLst>
+                <a:ext uri="{28A0092B-C50C-407E-A947-70E740481C1C}">
+                  <a14:useLocalDpi xmlns:a14="http://schemas.microsoft.com/office/drawing/2010/main" val="0"/>
+                </a:ext>
+              </a:extLst>
+            </a:blip>
+            <a:stretch>
+              <a:fillRect/>
+            </a:stretch>
+          </p:blipFill>
+          <p:spPr>
+            <a:xfrm>
+              <a:off x="3919944" y="4602959"/>
+              <a:ext cx="505320" cy="1082829"/>
+            </a:xfrm>
+            <a:prstGeom prst="rect">
+              <a:avLst/>
+            </a:prstGeom>
+          </p:spPr>
+        </p:pic>
+      </p:grpSp>
+      <p:grpSp>
+        <p:nvGrpSpPr>
+          <p:cNvPr id="42" name="Gruppo 41">
+            <a:extLst>
+              <a:ext uri="{FF2B5EF4-FFF2-40B4-BE49-F238E27FC236}">
+                <a16:creationId xmlns:a16="http://schemas.microsoft.com/office/drawing/2014/main" id="{E34C1E79-EE54-A06D-84AB-B68E9AAD9DDF}"/>
+              </a:ext>
+            </a:extLst>
+          </p:cNvPr>
+          <p:cNvGrpSpPr/>
+          <p:nvPr/>
+        </p:nvGrpSpPr>
+        <p:grpSpPr>
+          <a:xfrm>
+            <a:off x="2181733" y="4612264"/>
+            <a:ext cx="1234807" cy="1527704"/>
+            <a:chOff x="1966182" y="4602960"/>
+            <a:chExt cx="1234807" cy="1527704"/>
+          </a:xfrm>
+        </p:grpSpPr>
+        <p:pic>
+          <p:nvPicPr>
+            <p:cNvPr id="32" name="Immagine 31" descr="Immagine che contiene elettronica, Componente elettrico, Componente di circuito, circuito&#10;&#10;Descrizione generata automaticamente">
+              <a:extLst>
+                <a:ext uri="{FF2B5EF4-FFF2-40B4-BE49-F238E27FC236}">
+                  <a16:creationId xmlns:a16="http://schemas.microsoft.com/office/drawing/2014/main" id="{2285D007-9772-2DA4-81B1-15D870D20819}"/>
+                </a:ext>
+              </a:extLst>
+            </p:cNvPr>
+            <p:cNvPicPr>
+              <a:picLocks noChangeAspect="1"/>
+            </p:cNvPicPr>
+            <p:nvPr/>
+          </p:nvPicPr>
+          <p:blipFill>
+            <a:blip r:embed="rId2">
+              <a:extLst>
+                <a:ext uri="{28A0092B-C50C-407E-A947-70E740481C1C}">
+                  <a14:useLocalDpi xmlns:a14="http://schemas.microsoft.com/office/drawing/2010/main" val="0"/>
+                </a:ext>
+              </a:extLst>
+            </a:blip>
+            <a:stretch>
+              <a:fillRect/>
+            </a:stretch>
+          </p:blipFill>
+          <p:spPr>
+            <a:xfrm>
+              <a:off x="2695669" y="4602960"/>
+              <a:ext cx="505320" cy="1082829"/>
+            </a:xfrm>
+            <a:prstGeom prst="rect">
+              <a:avLst/>
+            </a:prstGeom>
+          </p:spPr>
+        </p:pic>
+        <p:sp>
+          <p:nvSpPr>
+            <p:cNvPr id="34" name="CasellaDiTesto 33">
+              <a:extLst>
+                <a:ext uri="{FF2B5EF4-FFF2-40B4-BE49-F238E27FC236}">
+                  <a16:creationId xmlns:a16="http://schemas.microsoft.com/office/drawing/2014/main" id="{F2FC4558-3878-7660-B10F-32D8730C412E}"/>
+                </a:ext>
+              </a:extLst>
+            </p:cNvPr>
+            <p:cNvSpPr txBox="1"/>
+            <p:nvPr/>
+          </p:nvSpPr>
+          <p:spPr>
+            <a:xfrm>
+              <a:off x="1966182" y="5937372"/>
+              <a:ext cx="991214" cy="173532"/>
+            </a:xfrm>
+            <a:prstGeom prst="rect">
+              <a:avLst/>
+            </a:prstGeom>
+            <a:noFill/>
+          </p:spPr>
+          <p:txBody>
+            <a:bodyPr wrap="square" rtlCol="0">
+              <a:spAutoFit/>
+            </a:bodyPr>
+            <a:lstStyle/>
+            <a:p>
+              <a:pPr algn="ctr"/>
+              <a:r>
+                <a:rPr lang="it-IT" sz="800" b="1" dirty="0">
+                  <a:solidFill>
+                    <a:schemeClr val="bg1"/>
+                  </a:solidFill>
+                  <a:latin typeface="Calibri" panose="020F0502020204030204" pitchFamily="34" charset="0"/>
+                  <a:ea typeface="Calibri" panose="020F0502020204030204" pitchFamily="34" charset="0"/>
+                  <a:cs typeface="Calibri" panose="020F0502020204030204" pitchFamily="34" charset="0"/>
+                </a:rPr>
+                <a:t>CO SENSOR</a:t>
+              </a:r>
+            </a:p>
+          </p:txBody>
+        </p:sp>
+        <p:grpSp>
+          <p:nvGrpSpPr>
+            <p:cNvPr id="37" name="Gruppo 36">
+              <a:extLst>
+                <a:ext uri="{FF2B5EF4-FFF2-40B4-BE49-F238E27FC236}">
+                  <a16:creationId xmlns:a16="http://schemas.microsoft.com/office/drawing/2014/main" id="{D1811109-C5AD-5A04-8EE7-C859675884AA}"/>
+                </a:ext>
+              </a:extLst>
+            </p:cNvPr>
+            <p:cNvGrpSpPr/>
+            <p:nvPr/>
+          </p:nvGrpSpPr>
+          <p:grpSpPr>
+            <a:xfrm>
+              <a:off x="2717988" y="5757012"/>
+              <a:ext cx="460681" cy="373652"/>
+              <a:chOff x="7180728" y="2753320"/>
+              <a:chExt cx="569459" cy="463898"/>
+            </a:xfrm>
+          </p:grpSpPr>
+          <p:pic>
+            <p:nvPicPr>
+              <p:cNvPr id="38" name="Immagine 37" descr="Immagine che contiene Elementi grafici, clipart, simbolo, Carattere&#10;&#10;Descrizione generata automaticamente">
+                <a:extLst>
+                  <a:ext uri="{FF2B5EF4-FFF2-40B4-BE49-F238E27FC236}">
+                    <a16:creationId xmlns:a16="http://schemas.microsoft.com/office/drawing/2014/main" id="{A0C87672-5C70-C5A6-7E6A-D41F22744A00}"/>
+                  </a:ext>
+                </a:extLst>
+              </p:cNvPr>
+              <p:cNvPicPr>
+                <a:picLocks noChangeAspect="1"/>
+              </p:cNvPicPr>
+              <p:nvPr/>
+            </p:nvPicPr>
+            <p:blipFill rotWithShape="1">
+              <a:blip r:embed="rId9">
+                <a:extLst>
+                  <a:ext uri="{28A0092B-C50C-407E-A947-70E740481C1C}">
+                    <a14:useLocalDpi xmlns:a14="http://schemas.microsoft.com/office/drawing/2010/main" val="0"/>
+                  </a:ext>
+                </a:extLst>
+              </a:blip>
+              <a:srcRect b="71259"/>
+              <a:stretch/>
+            </p:blipFill>
+            <p:spPr>
+              <a:xfrm>
+                <a:off x="7180728" y="2753320"/>
+                <a:ext cx="569459" cy="163666"/>
+              </a:xfrm>
+              <a:prstGeom prst="rect">
+                <a:avLst/>
+              </a:prstGeom>
+            </p:spPr>
+          </p:pic>
+          <p:grpSp>
+            <p:nvGrpSpPr>
+              <p:cNvPr id="39" name="Gruppo 38">
+                <a:extLst>
+                  <a:ext uri="{FF2B5EF4-FFF2-40B4-BE49-F238E27FC236}">
+                    <a16:creationId xmlns:a16="http://schemas.microsoft.com/office/drawing/2014/main" id="{DFF64AB2-42A9-5A20-42FF-533A59A3763B}"/>
+                  </a:ext>
+                </a:extLst>
+              </p:cNvPr>
+              <p:cNvGrpSpPr/>
+              <p:nvPr/>
+            </p:nvGrpSpPr>
+            <p:grpSpPr>
+              <a:xfrm>
+                <a:off x="7229252" y="2925181"/>
+                <a:ext cx="473740" cy="292037"/>
+                <a:chOff x="7223287" y="3001547"/>
+                <a:chExt cx="473740" cy="292037"/>
+              </a:xfrm>
+            </p:grpSpPr>
+            <p:sp>
+              <p:nvSpPr>
+                <p:cNvPr id="40" name="Rettangolo con angoli arrotondati 39">
+                  <a:extLst>
+                    <a:ext uri="{FF2B5EF4-FFF2-40B4-BE49-F238E27FC236}">
+                      <a16:creationId xmlns:a16="http://schemas.microsoft.com/office/drawing/2014/main" id="{8C10A6B2-715C-4657-B428-5B85D3800029}"/>
+                    </a:ext>
+                  </a:extLst>
+                </p:cNvPr>
+                <p:cNvSpPr/>
+                <p:nvPr/>
+              </p:nvSpPr>
+              <p:spPr>
+                <a:xfrm>
+                  <a:off x="7265922" y="3044949"/>
+                  <a:ext cx="388471" cy="244573"/>
+                </a:xfrm>
+                <a:prstGeom prst="roundRect">
+                  <a:avLst>
+                    <a:gd name="adj" fmla="val 8991"/>
+                  </a:avLst>
+                </a:prstGeom>
+                <a:noFill/>
+                <a:ln w="28575">
+                  <a:solidFill>
+                    <a:srgbClr val="F5F3F4"/>
+                  </a:solidFill>
+                </a:ln>
+              </p:spPr>
+              <p:style>
+                <a:lnRef idx="2">
+                  <a:schemeClr val="accent1">
+                    <a:shade val="15000"/>
+                  </a:schemeClr>
+                </a:lnRef>
+                <a:fillRef idx="1">
+                  <a:schemeClr val="accent1"/>
+                </a:fillRef>
+                <a:effectRef idx="0">
+                  <a:schemeClr val="accent1"/>
+                </a:effectRef>
+                <a:fontRef idx="minor">
+                  <a:schemeClr val="lt1"/>
+                </a:fontRef>
+              </p:style>
+              <p:txBody>
+                <a:bodyPr rtlCol="0" anchor="ctr"/>
+                <a:lstStyle/>
+                <a:p>
+                  <a:pPr algn="ctr"/>
+                  <a:endParaRPr lang="it-IT"/>
+                </a:p>
+              </p:txBody>
+            </p:sp>
+            <p:sp>
+              <p:nvSpPr>
+                <p:cNvPr id="41" name="CasellaDiTesto 40">
+                  <a:extLst>
+                    <a:ext uri="{FF2B5EF4-FFF2-40B4-BE49-F238E27FC236}">
+                      <a16:creationId xmlns:a16="http://schemas.microsoft.com/office/drawing/2014/main" id="{302BFB5E-9F36-7A4D-A83F-BC0384D52CFC}"/>
+                    </a:ext>
+                  </a:extLst>
+                </p:cNvPr>
+                <p:cNvSpPr txBox="1"/>
+                <p:nvPr/>
+              </p:nvSpPr>
+              <p:spPr>
+                <a:xfrm>
+                  <a:off x="7223287" y="3001547"/>
+                  <a:ext cx="473740" cy="292037"/>
+                </a:xfrm>
+                <a:prstGeom prst="rect">
+                  <a:avLst/>
+                </a:prstGeom>
+                <a:noFill/>
+              </p:spPr>
+              <p:txBody>
+                <a:bodyPr wrap="square" rtlCol="0">
+                  <a:spAutoFit/>
+                </a:bodyPr>
+                <a:lstStyle/>
+                <a:p>
+                  <a:pPr algn="ctr"/>
+                  <a:r>
+                    <a:rPr lang="it-IT" sz="1200" b="1" dirty="0">
+                      <a:solidFill>
+                        <a:schemeClr val="bg1"/>
+                      </a:solidFill>
+                      <a:latin typeface="Calibri" panose="020F0502020204030204" pitchFamily="34" charset="0"/>
+                      <a:ea typeface="Calibri" panose="020F0502020204030204" pitchFamily="34" charset="0"/>
+                      <a:cs typeface="Calibri" panose="020F0502020204030204" pitchFamily="34" charset="0"/>
+                    </a:rPr>
+                    <a:t>CO</a:t>
+                  </a:r>
+                  <a:endParaRPr lang="it-IT" sz="1000" b="1" dirty="0">
+                    <a:solidFill>
+                      <a:schemeClr val="bg1"/>
+                    </a:solidFill>
+                    <a:latin typeface="Calibri" panose="020F0502020204030204" pitchFamily="34" charset="0"/>
+                    <a:ea typeface="Calibri" panose="020F0502020204030204" pitchFamily="34" charset="0"/>
+                    <a:cs typeface="Calibri" panose="020F0502020204030204" pitchFamily="34" charset="0"/>
+                  </a:endParaRPr>
+                </a:p>
+              </p:txBody>
+            </p:sp>
+          </p:grpSp>
+        </p:grpSp>
+      </p:grpSp>
+      <p:grpSp>
+        <p:nvGrpSpPr>
+          <p:cNvPr id="55" name="Gruppo 54">
+            <a:extLst>
+              <a:ext uri="{FF2B5EF4-FFF2-40B4-BE49-F238E27FC236}">
+                <a16:creationId xmlns:a16="http://schemas.microsoft.com/office/drawing/2014/main" id="{F03B61DE-5F9C-4596-0275-973381EFB161}"/>
+              </a:ext>
+            </a:extLst>
+          </p:cNvPr>
+          <p:cNvGrpSpPr/>
+          <p:nvPr/>
+        </p:nvGrpSpPr>
+        <p:grpSpPr>
+          <a:xfrm>
+            <a:off x="5298655" y="2596838"/>
+            <a:ext cx="2410056" cy="1311149"/>
+            <a:chOff x="5291035" y="2596838"/>
+            <a:chExt cx="2410056" cy="1311149"/>
+          </a:xfrm>
+        </p:grpSpPr>
+        <p:grpSp>
+          <p:nvGrpSpPr>
+            <p:cNvPr id="47" name="Gruppo 46">
+              <a:extLst>
+                <a:ext uri="{FF2B5EF4-FFF2-40B4-BE49-F238E27FC236}">
+                  <a16:creationId xmlns:a16="http://schemas.microsoft.com/office/drawing/2014/main" id="{8F46F7D6-4997-88BC-30CD-CB985A1A06AD}"/>
+                </a:ext>
+              </a:extLst>
+            </p:cNvPr>
+            <p:cNvGrpSpPr/>
+            <p:nvPr/>
+          </p:nvGrpSpPr>
+          <p:grpSpPr>
+            <a:xfrm>
+              <a:off x="5542903" y="2596838"/>
+              <a:ext cx="2158188" cy="1311149"/>
+              <a:chOff x="5716982" y="2569020"/>
+              <a:chExt cx="2158188" cy="1311149"/>
+            </a:xfrm>
+          </p:grpSpPr>
+          <p:pic>
+            <p:nvPicPr>
+              <p:cNvPr id="45" name="Immagine 44" descr="Immagine che contiene elettronica, Componente elettrico, Componente di circuito, circuito&#10;&#10;Descrizione generata automaticamente">
+                <a:extLst>
+                  <a:ext uri="{FF2B5EF4-FFF2-40B4-BE49-F238E27FC236}">
+                    <a16:creationId xmlns:a16="http://schemas.microsoft.com/office/drawing/2014/main" id="{430B0EFA-D8B8-5B72-3AD8-AC8E7005AE09}"/>
+                  </a:ext>
+                </a:extLst>
+              </p:cNvPr>
+              <p:cNvPicPr>
+                <a:picLocks noChangeAspect="1"/>
+              </p:cNvPicPr>
+              <p:nvPr/>
+            </p:nvPicPr>
+            <p:blipFill>
+              <a:blip r:embed="rId2">
+                <a:extLst>
+                  <a:ext uri="{28A0092B-C50C-407E-A947-70E740481C1C}">
+                    <a14:useLocalDpi xmlns:a14="http://schemas.microsoft.com/office/drawing/2010/main" val="0"/>
+                  </a:ext>
+                </a:extLst>
+              </a:blip>
+              <a:stretch>
+                <a:fillRect/>
+              </a:stretch>
+            </p:blipFill>
+            <p:spPr>
+              <a:xfrm rot="5400000">
+                <a:off x="6005737" y="2616580"/>
+                <a:ext cx="505320" cy="1082829"/>
+              </a:xfrm>
+              <a:prstGeom prst="rect">
+                <a:avLst/>
+              </a:prstGeom>
+            </p:spPr>
+          </p:pic>
+          <p:pic>
+            <p:nvPicPr>
+              <p:cNvPr id="46" name="Elemento grafico 45" descr="Portatile con riempimento a tinta unita">
+                <a:extLst>
+                  <a:ext uri="{FF2B5EF4-FFF2-40B4-BE49-F238E27FC236}">
+                    <a16:creationId xmlns:a16="http://schemas.microsoft.com/office/drawing/2014/main" id="{BE81BE2D-695F-3F27-2F19-9908C5277CBE}"/>
+                  </a:ext>
+                </a:extLst>
+              </p:cNvPr>
+              <p:cNvPicPr>
+                <a:picLocks noChangeAspect="1"/>
+              </p:cNvPicPr>
+              <p:nvPr/>
+            </p:nvPicPr>
+            <p:blipFill>
+              <a:blip r:embed="rId10">
+                <a:extLst>
+                  <a:ext uri="{28A0092B-C50C-407E-A947-70E740481C1C}">
+                    <a14:useLocalDpi xmlns:a14="http://schemas.microsoft.com/office/drawing/2010/main" val="0"/>
+                  </a:ext>
+                  <a:ext uri="{96DAC541-7B7A-43D3-8B79-37D633B846F1}">
+                    <asvg:svgBlip xmlns:asvg="http://schemas.microsoft.com/office/drawing/2016/SVG/main" r:embed="rId11"/>
+                  </a:ext>
+                </a:extLst>
+              </a:blip>
+              <a:stretch>
+                <a:fillRect/>
+              </a:stretch>
+            </p:blipFill>
+            <p:spPr>
+              <a:xfrm>
+                <a:off x="6564021" y="2569020"/>
+                <a:ext cx="1311149" cy="1311149"/>
+              </a:xfrm>
+              <a:prstGeom prst="rect">
+                <a:avLst/>
+              </a:prstGeom>
+            </p:spPr>
+          </p:pic>
+        </p:grpSp>
+        <p:sp>
+          <p:nvSpPr>
+            <p:cNvPr id="48" name="CasellaDiTesto 47">
+              <a:extLst>
+                <a:ext uri="{FF2B5EF4-FFF2-40B4-BE49-F238E27FC236}">
+                  <a16:creationId xmlns:a16="http://schemas.microsoft.com/office/drawing/2014/main" id="{29E79DE6-7019-2401-6D70-92FF0D7DCD1A}"/>
+                </a:ext>
+              </a:extLst>
+            </p:cNvPr>
+            <p:cNvSpPr txBox="1"/>
+            <p:nvPr/>
+          </p:nvSpPr>
+          <p:spPr>
+            <a:xfrm>
+              <a:off x="5291035" y="3370096"/>
+              <a:ext cx="1225265" cy="215444"/>
+            </a:xfrm>
+            <a:prstGeom prst="rect">
+              <a:avLst/>
+            </a:prstGeom>
+            <a:noFill/>
+          </p:spPr>
+          <p:txBody>
+            <a:bodyPr wrap="square" rtlCol="0">
+              <a:spAutoFit/>
+            </a:bodyPr>
+            <a:lstStyle/>
+            <a:p>
+              <a:pPr algn="ctr"/>
+              <a:r>
+                <a:rPr lang="it-IT" sz="800" b="1" dirty="0">
+                  <a:solidFill>
+                    <a:srgbClr val="F5F3F4"/>
+                  </a:solidFill>
+                  <a:latin typeface="Calibri" panose="020F0502020204030204" pitchFamily="34" charset="0"/>
+                  <a:ea typeface="Calibri" panose="020F0502020204030204" pitchFamily="34" charset="0"/>
+                  <a:cs typeface="Calibri" panose="020F0502020204030204" pitchFamily="34" charset="0"/>
+                </a:rPr>
+                <a:t>BORDER ROUTER</a:t>
+              </a:r>
+            </a:p>
+          </p:txBody>
+        </p:sp>
+      </p:grpSp>
+      <p:grpSp>
+        <p:nvGrpSpPr>
+          <p:cNvPr id="58" name="Gruppo 57">
+            <a:extLst>
+              <a:ext uri="{FF2B5EF4-FFF2-40B4-BE49-F238E27FC236}">
+                <a16:creationId xmlns:a16="http://schemas.microsoft.com/office/drawing/2014/main" id="{8D593234-7F4B-9C85-A3C4-4A02F0087191}"/>
+              </a:ext>
+            </a:extLst>
+          </p:cNvPr>
+          <p:cNvGrpSpPr/>
+          <p:nvPr/>
+        </p:nvGrpSpPr>
+        <p:grpSpPr>
+          <a:xfrm>
+            <a:off x="8566883" y="2551737"/>
+            <a:ext cx="2133979" cy="1431797"/>
+            <a:chOff x="8566883" y="2560126"/>
+            <a:chExt cx="2133979" cy="1431797"/>
+          </a:xfrm>
+        </p:grpSpPr>
+        <p:sp>
+          <p:nvSpPr>
+            <p:cNvPr id="50" name="CasellaDiTesto 49">
+              <a:extLst>
+                <a:ext uri="{FF2B5EF4-FFF2-40B4-BE49-F238E27FC236}">
+                  <a16:creationId xmlns:a16="http://schemas.microsoft.com/office/drawing/2014/main" id="{B935FC14-9E18-A7E7-9F1B-25D4109210A1}"/>
+                </a:ext>
+              </a:extLst>
+            </p:cNvPr>
+            <p:cNvSpPr txBox="1"/>
+            <p:nvPr/>
+          </p:nvSpPr>
+          <p:spPr>
+            <a:xfrm>
+              <a:off x="9826011" y="3477884"/>
+              <a:ext cx="874850" cy="338554"/>
+            </a:xfrm>
+            <a:prstGeom prst="rect">
+              <a:avLst/>
+            </a:prstGeom>
+            <a:noFill/>
+          </p:spPr>
+          <p:txBody>
+            <a:bodyPr wrap="square" rtlCol="0">
+              <a:spAutoFit/>
+            </a:bodyPr>
+            <a:lstStyle/>
+            <a:p>
+              <a:pPr algn="ctr"/>
+              <a:r>
+                <a:rPr lang="it-IT" sz="800" b="1" dirty="0">
+                  <a:solidFill>
+                    <a:srgbClr val="F5F3F4"/>
+                  </a:solidFill>
+                  <a:latin typeface="Calibri" panose="020F0502020204030204" pitchFamily="34" charset="0"/>
+                  <a:ea typeface="Calibri" panose="020F0502020204030204" pitchFamily="34" charset="0"/>
+                  <a:cs typeface="Calibri" panose="020F0502020204030204" pitchFamily="34" charset="0"/>
+                </a:rPr>
+                <a:t>USER APPLICATION</a:t>
+              </a:r>
+            </a:p>
+          </p:txBody>
+        </p:sp>
+        <p:sp>
+          <p:nvSpPr>
+            <p:cNvPr id="53" name="CasellaDiTesto 52">
+              <a:extLst>
+                <a:ext uri="{FF2B5EF4-FFF2-40B4-BE49-F238E27FC236}">
+                  <a16:creationId xmlns:a16="http://schemas.microsoft.com/office/drawing/2014/main" id="{6112E843-2703-A666-062C-52BDC8BB3E82}"/>
+                </a:ext>
+              </a:extLst>
+            </p:cNvPr>
+            <p:cNvSpPr txBox="1"/>
+            <p:nvPr/>
+          </p:nvSpPr>
+          <p:spPr>
+            <a:xfrm>
+              <a:off x="9138987" y="2656222"/>
+              <a:ext cx="1225265" cy="230832"/>
+            </a:xfrm>
+            <a:prstGeom prst="rect">
+              <a:avLst/>
+            </a:prstGeom>
+            <a:noFill/>
+          </p:spPr>
+          <p:txBody>
+            <a:bodyPr wrap="square" rtlCol="0">
+              <a:spAutoFit/>
+            </a:bodyPr>
+            <a:lstStyle/>
+            <a:p>
+              <a:pPr algn="ctr"/>
+              <a:r>
+                <a:rPr lang="it-IT" sz="900" b="1" dirty="0">
+                  <a:solidFill>
+                    <a:srgbClr val="F5F3F4"/>
+                  </a:solidFill>
+                  <a:latin typeface="Calibri" panose="020F0502020204030204" pitchFamily="34" charset="0"/>
+                  <a:ea typeface="Calibri" panose="020F0502020204030204" pitchFamily="34" charset="0"/>
+                  <a:cs typeface="Calibri" panose="020F0502020204030204" pitchFamily="34" charset="0"/>
+                </a:rPr>
+                <a:t>CLOUD APPLICATION</a:t>
+              </a:r>
+            </a:p>
+          </p:txBody>
+        </p:sp>
+        <p:sp>
+          <p:nvSpPr>
+            <p:cNvPr id="54" name="CasellaDiTesto 53">
+              <a:extLst>
+                <a:ext uri="{FF2B5EF4-FFF2-40B4-BE49-F238E27FC236}">
+                  <a16:creationId xmlns:a16="http://schemas.microsoft.com/office/drawing/2014/main" id="{9FF4FEBC-C154-12A1-FD2F-E3B7AF98C0DD}"/>
+                </a:ext>
+              </a:extLst>
+            </p:cNvPr>
+            <p:cNvSpPr txBox="1"/>
+            <p:nvPr/>
+          </p:nvSpPr>
+          <p:spPr>
+            <a:xfrm>
+              <a:off x="8566883" y="3477884"/>
+              <a:ext cx="1225265" cy="338554"/>
+            </a:xfrm>
+            <a:prstGeom prst="rect">
+              <a:avLst/>
+            </a:prstGeom>
+            <a:noFill/>
+          </p:spPr>
+          <p:txBody>
+            <a:bodyPr wrap="square" rtlCol="0">
+              <a:spAutoFit/>
+            </a:bodyPr>
+            <a:lstStyle/>
+            <a:p>
+              <a:pPr algn="ctr"/>
+              <a:r>
+                <a:rPr lang="it-IT" sz="800" b="1" dirty="0" err="1">
+                  <a:solidFill>
+                    <a:srgbClr val="F5F3F4"/>
+                  </a:solidFill>
+                  <a:latin typeface="Calibri" panose="020F0502020204030204" pitchFamily="34" charset="0"/>
+                  <a:ea typeface="Calibri" panose="020F0502020204030204" pitchFamily="34" charset="0"/>
+                  <a:cs typeface="Calibri" panose="020F0502020204030204" pitchFamily="34" charset="0"/>
+                </a:rPr>
+                <a:t>CoAP</a:t>
+              </a:r>
+              <a:r>
+                <a:rPr lang="it-IT" sz="800" b="1" dirty="0">
+                  <a:solidFill>
+                    <a:srgbClr val="F5F3F4"/>
+                  </a:solidFill>
+                  <a:latin typeface="Calibri" panose="020F0502020204030204" pitchFamily="34" charset="0"/>
+                  <a:ea typeface="Calibri" panose="020F0502020204030204" pitchFamily="34" charset="0"/>
+                  <a:cs typeface="Calibri" panose="020F0502020204030204" pitchFamily="34" charset="0"/>
+                </a:rPr>
+                <a:t> SERVER FOR REGISTRATION</a:t>
+              </a:r>
+            </a:p>
+          </p:txBody>
+        </p:sp>
+        <p:pic>
+          <p:nvPicPr>
+            <p:cNvPr id="57" name="Elemento grafico 56" descr="Sincronizzazione cloud con riempimento a tinta unita">
+              <a:extLst>
+                <a:ext uri="{FF2B5EF4-FFF2-40B4-BE49-F238E27FC236}">
+                  <a16:creationId xmlns:a16="http://schemas.microsoft.com/office/drawing/2014/main" id="{FFB7159D-3F79-B0E7-FD95-22E9804DB3B9}"/>
+                </a:ext>
+              </a:extLst>
+            </p:cNvPr>
+            <p:cNvPicPr>
+              <a:picLocks noChangeAspect="1"/>
+            </p:cNvPicPr>
+            <p:nvPr/>
+          </p:nvPicPr>
+          <p:blipFill>
+            <a:blip r:embed="rId12">
+              <a:extLst>
+                <a:ext uri="{28A0092B-C50C-407E-A947-70E740481C1C}">
+                  <a14:useLocalDpi xmlns:a14="http://schemas.microsoft.com/office/drawing/2010/main" val="0"/>
+                </a:ext>
+                <a:ext uri="{96DAC541-7B7A-43D3-8B79-37D633B846F1}">
+                  <asvg:svgBlip xmlns:asvg="http://schemas.microsoft.com/office/drawing/2016/SVG/main" r:embed="rId13"/>
+                </a:ext>
+              </a:extLst>
+            </a:blip>
+            <a:stretch>
+              <a:fillRect/>
+            </a:stretch>
+          </p:blipFill>
+          <p:spPr>
+            <a:xfrm>
+              <a:off x="9355048" y="2765151"/>
+              <a:ext cx="793145" cy="793145"/>
+            </a:xfrm>
+            <a:prstGeom prst="rect">
+              <a:avLst/>
+            </a:prstGeom>
+          </p:spPr>
+        </p:pic>
+        <p:sp>
+          <p:nvSpPr>
+            <p:cNvPr id="64" name="Rettangolo con angoli arrotondati 63">
+              <a:extLst>
+                <a:ext uri="{FF2B5EF4-FFF2-40B4-BE49-F238E27FC236}">
+                  <a16:creationId xmlns:a16="http://schemas.microsoft.com/office/drawing/2014/main" id="{3B69DCC9-8D53-7BA6-329F-6A93AF44F165}"/>
+                </a:ext>
+              </a:extLst>
+            </p:cNvPr>
+            <p:cNvSpPr/>
+            <p:nvPr/>
+          </p:nvSpPr>
+          <p:spPr>
+            <a:xfrm>
+              <a:off x="8653914" y="2560126"/>
+              <a:ext cx="2046948" cy="1431797"/>
+            </a:xfrm>
+            <a:prstGeom prst="roundRect">
+              <a:avLst>
+                <a:gd name="adj" fmla="val 8991"/>
+              </a:avLst>
+            </a:prstGeom>
+            <a:noFill/>
+            <a:ln w="28575">
+              <a:solidFill>
+                <a:srgbClr val="F5F3F4"/>
+              </a:solidFill>
+              <a:prstDash val="dash"/>
+            </a:ln>
+          </p:spPr>
+          <p:style>
+            <a:lnRef idx="2">
+              <a:schemeClr val="accent1">
+                <a:shade val="15000"/>
+              </a:schemeClr>
+            </a:lnRef>
+            <a:fillRef idx="1">
+              <a:schemeClr val="accent1"/>
+            </a:fillRef>
+            <a:effectRef idx="0">
+              <a:schemeClr val="accent1"/>
+            </a:effectRef>
+            <a:fontRef idx="minor">
+              <a:schemeClr val="lt1"/>
+            </a:fontRef>
+          </p:style>
+          <p:txBody>
+            <a:bodyPr rtlCol="0" anchor="ctr"/>
+            <a:lstStyle/>
+            <a:p>
+              <a:pPr algn="ctr"/>
+              <a:endParaRPr lang="it-IT" dirty="0"/>
+            </a:p>
+          </p:txBody>
+        </p:sp>
+        <p:sp>
+          <p:nvSpPr>
+            <p:cNvPr id="65" name="CasellaDiTesto 64">
+              <a:extLst>
+                <a:ext uri="{FF2B5EF4-FFF2-40B4-BE49-F238E27FC236}">
+                  <a16:creationId xmlns:a16="http://schemas.microsoft.com/office/drawing/2014/main" id="{A2E99B1F-4E86-6468-B887-DFA5EFE3594A}"/>
+                </a:ext>
+              </a:extLst>
+            </p:cNvPr>
+            <p:cNvSpPr txBox="1"/>
+            <p:nvPr/>
+          </p:nvSpPr>
+          <p:spPr>
+            <a:xfrm>
+              <a:off x="9463191" y="3477884"/>
+              <a:ext cx="576856" cy="338554"/>
+            </a:xfrm>
+            <a:prstGeom prst="rect">
+              <a:avLst/>
+            </a:prstGeom>
+            <a:noFill/>
+          </p:spPr>
+          <p:txBody>
+            <a:bodyPr wrap="square" rtlCol="0">
+              <a:spAutoFit/>
+            </a:bodyPr>
+            <a:lstStyle/>
+            <a:p>
+              <a:pPr algn="ctr"/>
+              <a:r>
+                <a:rPr lang="it-IT" sz="1600" b="1" dirty="0">
+                  <a:solidFill>
+                    <a:schemeClr val="bg1"/>
+                  </a:solidFill>
+                  <a:latin typeface="Calibri" panose="020F0502020204030204" pitchFamily="34" charset="0"/>
+                  <a:ea typeface="Calibri" panose="020F0502020204030204" pitchFamily="34" charset="0"/>
+                  <a:cs typeface="Calibri" panose="020F0502020204030204" pitchFamily="34" charset="0"/>
+                </a:rPr>
+                <a:t>+</a:t>
+              </a:r>
+            </a:p>
+          </p:txBody>
+        </p:sp>
+      </p:grpSp>
+      <p:grpSp>
+        <p:nvGrpSpPr>
+          <p:cNvPr id="56" name="Gruppo 55">
+            <a:extLst>
+              <a:ext uri="{FF2B5EF4-FFF2-40B4-BE49-F238E27FC236}">
+                <a16:creationId xmlns:a16="http://schemas.microsoft.com/office/drawing/2014/main" id="{56FBD51C-B823-6F78-88D4-019F29EB8FB7}"/>
+              </a:ext>
+            </a:extLst>
+          </p:cNvPr>
+          <p:cNvGrpSpPr/>
+          <p:nvPr/>
+        </p:nvGrpSpPr>
+        <p:grpSpPr>
+          <a:xfrm>
+            <a:off x="9107237" y="4714874"/>
+            <a:ext cx="1225265" cy="928922"/>
+            <a:chOff x="9138987" y="3148662"/>
+            <a:chExt cx="1225265" cy="928922"/>
+          </a:xfrm>
+        </p:grpSpPr>
+        <p:sp>
+          <p:nvSpPr>
+            <p:cNvPr id="51" name="CasellaDiTesto 50">
+              <a:extLst>
+                <a:ext uri="{FF2B5EF4-FFF2-40B4-BE49-F238E27FC236}">
+                  <a16:creationId xmlns:a16="http://schemas.microsoft.com/office/drawing/2014/main" id="{ED49CD7E-4252-7934-5639-5C9AE491E1E2}"/>
+                </a:ext>
+              </a:extLst>
+            </p:cNvPr>
+            <p:cNvSpPr txBox="1"/>
+            <p:nvPr/>
+          </p:nvSpPr>
+          <p:spPr>
+            <a:xfrm>
+              <a:off x="9138987" y="3862140"/>
+              <a:ext cx="1225265" cy="215444"/>
+            </a:xfrm>
+            <a:prstGeom prst="rect">
+              <a:avLst/>
+            </a:prstGeom>
+            <a:noFill/>
+          </p:spPr>
+          <p:txBody>
+            <a:bodyPr wrap="square" rtlCol="0">
+              <a:spAutoFit/>
+            </a:bodyPr>
+            <a:lstStyle/>
+            <a:p>
+              <a:pPr algn="ctr"/>
+              <a:r>
+                <a:rPr lang="it-IT" sz="800" b="1" dirty="0">
+                  <a:solidFill>
+                    <a:srgbClr val="F5F3F4"/>
+                  </a:solidFill>
+                  <a:latin typeface="Calibri" panose="020F0502020204030204" pitchFamily="34" charset="0"/>
+                  <a:ea typeface="Calibri" panose="020F0502020204030204" pitchFamily="34" charset="0"/>
+                  <a:cs typeface="Calibri" panose="020F0502020204030204" pitchFamily="34" charset="0"/>
+                </a:rPr>
+                <a:t>DATABASE</a:t>
+              </a:r>
+            </a:p>
+          </p:txBody>
+        </p:sp>
+        <p:pic>
+          <p:nvPicPr>
+            <p:cNvPr id="67" name="Elemento grafico 66" descr="Database con riempimento a tinta unita">
+              <a:extLst>
+                <a:ext uri="{FF2B5EF4-FFF2-40B4-BE49-F238E27FC236}">
+                  <a16:creationId xmlns:a16="http://schemas.microsoft.com/office/drawing/2014/main" id="{E69EC82C-3946-A23A-4D29-464460B71A8B}"/>
+                </a:ext>
+              </a:extLst>
+            </p:cNvPr>
+            <p:cNvPicPr>
+              <a:picLocks noChangeAspect="1"/>
+            </p:cNvPicPr>
+            <p:nvPr/>
+          </p:nvPicPr>
+          <p:blipFill>
+            <a:blip r:embed="rId14">
+              <a:extLst>
+                <a:ext uri="{28A0092B-C50C-407E-A947-70E740481C1C}">
+                  <a14:useLocalDpi xmlns:a14="http://schemas.microsoft.com/office/drawing/2010/main" val="0"/>
+                </a:ext>
+                <a:ext uri="{96DAC541-7B7A-43D3-8B79-37D633B846F1}">
+                  <asvg:svgBlip xmlns:asvg="http://schemas.microsoft.com/office/drawing/2016/SVG/main" r:embed="rId15"/>
+                </a:ext>
+              </a:extLst>
+            </a:blip>
+            <a:stretch>
+              <a:fillRect/>
+            </a:stretch>
+          </p:blipFill>
+          <p:spPr>
+            <a:xfrm>
+              <a:off x="9371956" y="3148662"/>
+              <a:ext cx="759325" cy="759325"/>
+            </a:xfrm>
+            <a:prstGeom prst="rect">
+              <a:avLst/>
+            </a:prstGeom>
+          </p:spPr>
+        </p:pic>
+      </p:grpSp>
+      <p:grpSp>
+        <p:nvGrpSpPr>
+          <p:cNvPr id="60" name="Gruppo 59">
+            <a:extLst>
+              <a:ext uri="{FF2B5EF4-FFF2-40B4-BE49-F238E27FC236}">
+                <a16:creationId xmlns:a16="http://schemas.microsoft.com/office/drawing/2014/main" id="{D04E47F5-9017-1E08-981A-05C32FD8959F}"/>
+              </a:ext>
+            </a:extLst>
+          </p:cNvPr>
+          <p:cNvGrpSpPr/>
+          <p:nvPr/>
+        </p:nvGrpSpPr>
+        <p:grpSpPr>
+          <a:xfrm>
+            <a:off x="7021466" y="4828581"/>
+            <a:ext cx="1225265" cy="811370"/>
+            <a:chOff x="6787289" y="4705254"/>
+            <a:chExt cx="1225265" cy="811370"/>
+          </a:xfrm>
+        </p:grpSpPr>
+        <p:sp>
+          <p:nvSpPr>
+            <p:cNvPr id="52" name="CasellaDiTesto 51">
+              <a:extLst>
+                <a:ext uri="{FF2B5EF4-FFF2-40B4-BE49-F238E27FC236}">
+                  <a16:creationId xmlns:a16="http://schemas.microsoft.com/office/drawing/2014/main" id="{0242B79F-3506-6A50-D268-54DCCDE77A4E}"/>
+                </a:ext>
+              </a:extLst>
+            </p:cNvPr>
+            <p:cNvSpPr txBox="1"/>
+            <p:nvPr/>
+          </p:nvSpPr>
+          <p:spPr>
+            <a:xfrm>
+              <a:off x="6787289" y="5301180"/>
+              <a:ext cx="1225265" cy="215444"/>
+            </a:xfrm>
+            <a:prstGeom prst="rect">
+              <a:avLst/>
+            </a:prstGeom>
+            <a:noFill/>
+          </p:spPr>
+          <p:txBody>
+            <a:bodyPr wrap="square" rtlCol="0">
+              <a:spAutoFit/>
+            </a:bodyPr>
+            <a:lstStyle/>
+            <a:p>
+              <a:pPr algn="ctr"/>
+              <a:r>
+                <a:rPr lang="it-IT" sz="800" b="1" dirty="0">
+                  <a:solidFill>
+                    <a:srgbClr val="F5F3F4"/>
+                  </a:solidFill>
+                  <a:latin typeface="Calibri" panose="020F0502020204030204" pitchFamily="34" charset="0"/>
+                  <a:ea typeface="Calibri" panose="020F0502020204030204" pitchFamily="34" charset="0"/>
+                  <a:cs typeface="Calibri" panose="020F0502020204030204" pitchFamily="34" charset="0"/>
+                </a:rPr>
+                <a:t>GRAFANA</a:t>
+              </a:r>
+            </a:p>
+          </p:txBody>
+        </p:sp>
+        <p:pic>
+          <p:nvPicPr>
+            <p:cNvPr id="1026" name="Picture 2" descr="Grafana - Wikipedia">
+              <a:extLst>
+                <a:ext uri="{FF2B5EF4-FFF2-40B4-BE49-F238E27FC236}">
+                  <a16:creationId xmlns:a16="http://schemas.microsoft.com/office/drawing/2014/main" id="{C3B7E1BD-BAC8-A846-9919-0B0901900A01}"/>
+                </a:ext>
+              </a:extLst>
+            </p:cNvPr>
+            <p:cNvPicPr>
+              <a:picLocks noChangeAspect="1" noChangeArrowheads="1"/>
+            </p:cNvPicPr>
+            <p:nvPr/>
+          </p:nvPicPr>
+          <p:blipFill rotWithShape="1">
+            <a:blip r:embed="rId16">
+              <a:extLst>
+                <a:ext uri="{28A0092B-C50C-407E-A947-70E740481C1C}">
+                  <a14:useLocalDpi xmlns:a14="http://schemas.microsoft.com/office/drawing/2010/main" val="0"/>
+                </a:ext>
+              </a:extLst>
+            </a:blip>
+            <a:srcRect b="21250"/>
+            <a:stretch/>
+          </p:blipFill>
+          <p:spPr bwMode="auto">
+            <a:xfrm>
+              <a:off x="6997330" y="4705254"/>
+              <a:ext cx="726090" cy="583688"/>
+            </a:xfrm>
+            <a:prstGeom prst="rect">
+              <a:avLst/>
+            </a:prstGeom>
+            <a:noFill/>
+            <a:extLst>
+              <a:ext uri="{909E8E84-426E-40DD-AFC4-6F175D3DCCD1}">
+                <a14:hiddenFill xmlns:a14="http://schemas.microsoft.com/office/drawing/2010/main">
+                  <a:solidFill>
+                    <a:srgbClr val="FFFFFF"/>
+                  </a:solidFill>
+                </a14:hiddenFill>
+              </a:ext>
+            </a:extLst>
+          </p:spPr>
+        </p:pic>
+      </p:grpSp>
+      <p:grpSp>
+        <p:nvGrpSpPr>
+          <p:cNvPr id="59" name="Gruppo 58">
+            <a:extLst>
+              <a:ext uri="{FF2B5EF4-FFF2-40B4-BE49-F238E27FC236}">
+                <a16:creationId xmlns:a16="http://schemas.microsoft.com/office/drawing/2014/main" id="{B7C8C9F9-8401-28EB-2087-DECE3BD72994}"/>
+              </a:ext>
+            </a:extLst>
+          </p:cNvPr>
+          <p:cNvGrpSpPr/>
+          <p:nvPr/>
+        </p:nvGrpSpPr>
+        <p:grpSpPr>
+          <a:xfrm>
+            <a:off x="9095166" y="1042913"/>
+            <a:ext cx="1225265" cy="810327"/>
+            <a:chOff x="6387824" y="1338754"/>
+            <a:chExt cx="1225265" cy="810327"/>
+          </a:xfrm>
+        </p:grpSpPr>
+        <p:sp>
+          <p:nvSpPr>
+            <p:cNvPr id="49" name="CasellaDiTesto 48">
+              <a:extLst>
+                <a:ext uri="{FF2B5EF4-FFF2-40B4-BE49-F238E27FC236}">
+                  <a16:creationId xmlns:a16="http://schemas.microsoft.com/office/drawing/2014/main" id="{C8F9C340-64C9-5F9D-9B36-67160DE3CB1E}"/>
+                </a:ext>
+              </a:extLst>
+            </p:cNvPr>
+            <p:cNvSpPr txBox="1"/>
+            <p:nvPr/>
+          </p:nvSpPr>
+          <p:spPr>
+            <a:xfrm>
+              <a:off x="6387824" y="1933637"/>
+              <a:ext cx="1225265" cy="215444"/>
+            </a:xfrm>
+            <a:prstGeom prst="rect">
+              <a:avLst/>
+            </a:prstGeom>
+            <a:noFill/>
+          </p:spPr>
+          <p:txBody>
+            <a:bodyPr wrap="square" rtlCol="0">
+              <a:spAutoFit/>
+            </a:bodyPr>
+            <a:lstStyle/>
+            <a:p>
+              <a:pPr algn="ctr"/>
+              <a:r>
+                <a:rPr lang="it-IT" sz="800" b="1" dirty="0">
+                  <a:solidFill>
+                    <a:srgbClr val="F5F3F4"/>
+                  </a:solidFill>
+                  <a:latin typeface="Calibri" panose="020F0502020204030204" pitchFamily="34" charset="0"/>
+                  <a:ea typeface="Calibri" panose="020F0502020204030204" pitchFamily="34" charset="0"/>
+                  <a:cs typeface="Calibri" panose="020F0502020204030204" pitchFamily="34" charset="0"/>
+                </a:rPr>
+                <a:t>USER INPUT</a:t>
+              </a:r>
+            </a:p>
+          </p:txBody>
+        </p:sp>
+        <p:pic>
+          <p:nvPicPr>
+            <p:cNvPr id="44" name="Elemento grafico 43" descr="Utente con riempimento a tinta unita">
+              <a:extLst>
+                <a:ext uri="{FF2B5EF4-FFF2-40B4-BE49-F238E27FC236}">
+                  <a16:creationId xmlns:a16="http://schemas.microsoft.com/office/drawing/2014/main" id="{E00DDC94-FFA7-7DC1-11A4-F4EA431E4E21}"/>
+                </a:ext>
+              </a:extLst>
+            </p:cNvPr>
+            <p:cNvPicPr>
+              <a:picLocks noChangeAspect="1"/>
+            </p:cNvPicPr>
+            <p:nvPr/>
+          </p:nvPicPr>
+          <p:blipFill>
+            <a:blip r:embed="rId17">
+              <a:extLst>
+                <a:ext uri="{28A0092B-C50C-407E-A947-70E740481C1C}">
+                  <a14:useLocalDpi xmlns:a14="http://schemas.microsoft.com/office/drawing/2010/main" val="0"/>
+                </a:ext>
+                <a:ext uri="{96DAC541-7B7A-43D3-8B79-37D633B846F1}">
+                  <asvg:svgBlip xmlns:asvg="http://schemas.microsoft.com/office/drawing/2016/SVG/main" r:embed="rId18"/>
+                </a:ext>
+              </a:extLst>
+            </a:blip>
+            <a:stretch>
+              <a:fillRect/>
+            </a:stretch>
+          </p:blipFill>
+          <p:spPr>
+            <a:xfrm>
+              <a:off x="6650239" y="1338754"/>
+              <a:ext cx="700434" cy="700434"/>
+            </a:xfrm>
+            <a:prstGeom prst="rect">
+              <a:avLst/>
+            </a:prstGeom>
+          </p:spPr>
+        </p:pic>
+      </p:grpSp>
+      <p:cxnSp>
+        <p:nvCxnSpPr>
+          <p:cNvPr id="62" name="Connettore 2 61">
+            <a:extLst>
+              <a:ext uri="{FF2B5EF4-FFF2-40B4-BE49-F238E27FC236}">
+                <a16:creationId xmlns:a16="http://schemas.microsoft.com/office/drawing/2014/main" id="{8683C2DF-0627-7ACE-607B-8AA39B9AE593}"/>
+              </a:ext>
+            </a:extLst>
+          </p:cNvPr>
+          <p:cNvCxnSpPr>
+            <a:cxnSpLocks/>
+          </p:cNvCxnSpPr>
+          <p:nvPr/>
+        </p:nvCxnSpPr>
+        <p:spPr>
+          <a:xfrm>
+            <a:off x="9707798" y="1886712"/>
+            <a:ext cx="0" cy="532634"/>
+          </a:xfrm>
+          <a:prstGeom prst="straightConnector1">
+            <a:avLst/>
+          </a:prstGeom>
+          <a:ln w="38100">
+            <a:solidFill>
+              <a:srgbClr val="F5F3F4"/>
+            </a:solidFill>
+            <a:tailEnd type="triangle"/>
+          </a:ln>
+        </p:spPr>
+        <p:style>
+          <a:lnRef idx="2">
+            <a:schemeClr val="accent1"/>
+          </a:lnRef>
+          <a:fillRef idx="0">
+            <a:schemeClr val="accent1"/>
+          </a:fillRef>
+          <a:effectRef idx="1">
+            <a:schemeClr val="accent1"/>
+          </a:effectRef>
+          <a:fontRef idx="minor">
+            <a:schemeClr val="tx1"/>
+          </a:fontRef>
+        </p:style>
+      </p:cxnSp>
+      <p:cxnSp>
+        <p:nvCxnSpPr>
+          <p:cNvPr id="71" name="Connettore 2 70">
+            <a:extLst>
+              <a:ext uri="{FF2B5EF4-FFF2-40B4-BE49-F238E27FC236}">
+                <a16:creationId xmlns:a16="http://schemas.microsoft.com/office/drawing/2014/main" id="{34B6406F-B177-4EFF-8A4B-8E88828A24C5}"/>
+              </a:ext>
+            </a:extLst>
+          </p:cNvPr>
+          <p:cNvCxnSpPr>
+            <a:cxnSpLocks/>
+          </p:cNvCxnSpPr>
+          <p:nvPr/>
+        </p:nvCxnSpPr>
+        <p:spPr>
+          <a:xfrm>
+            <a:off x="9719868" y="4108450"/>
+            <a:ext cx="0" cy="603015"/>
+          </a:xfrm>
+          <a:prstGeom prst="straightConnector1">
+            <a:avLst/>
+          </a:prstGeom>
+          <a:ln w="38100">
+            <a:solidFill>
+              <a:srgbClr val="F5F3F4"/>
+            </a:solidFill>
+            <a:tailEnd type="triangle"/>
+          </a:ln>
+        </p:spPr>
+        <p:style>
+          <a:lnRef idx="2">
+            <a:schemeClr val="accent1"/>
+          </a:lnRef>
+          <a:fillRef idx="0">
+            <a:schemeClr val="accent1"/>
+          </a:fillRef>
+          <a:effectRef idx="1">
+            <a:schemeClr val="accent1"/>
+          </a:effectRef>
+          <a:fontRef idx="minor">
+            <a:schemeClr val="tx1"/>
+          </a:fontRef>
+        </p:style>
+      </p:cxnSp>
+      <p:cxnSp>
+        <p:nvCxnSpPr>
+          <p:cNvPr id="74" name="Connettore 2 73">
+            <a:extLst>
+              <a:ext uri="{FF2B5EF4-FFF2-40B4-BE49-F238E27FC236}">
+                <a16:creationId xmlns:a16="http://schemas.microsoft.com/office/drawing/2014/main" id="{FD2B712C-23A2-849D-A0D5-EFC9095C25F1}"/>
+              </a:ext>
+            </a:extLst>
+          </p:cNvPr>
+          <p:cNvCxnSpPr>
+            <a:cxnSpLocks/>
+          </p:cNvCxnSpPr>
+          <p:nvPr/>
+        </p:nvCxnSpPr>
+        <p:spPr>
+          <a:xfrm flipH="1">
+            <a:off x="8068877" y="5138919"/>
+            <a:ext cx="1254744" cy="0"/>
+          </a:xfrm>
+          <a:prstGeom prst="straightConnector1">
+            <a:avLst/>
+          </a:prstGeom>
+          <a:ln w="38100">
+            <a:solidFill>
+              <a:srgbClr val="F5F3F4"/>
+            </a:solidFill>
+            <a:tailEnd type="triangle"/>
+          </a:ln>
+        </p:spPr>
+        <p:style>
+          <a:lnRef idx="2">
+            <a:schemeClr val="accent1"/>
+          </a:lnRef>
+          <a:fillRef idx="0">
+            <a:schemeClr val="accent1"/>
+          </a:fillRef>
+          <a:effectRef idx="1">
+            <a:schemeClr val="accent1"/>
+          </a:effectRef>
+          <a:fontRef idx="minor">
+            <a:schemeClr val="tx1"/>
+          </a:fontRef>
+        </p:style>
+      </p:cxnSp>
+      <p:cxnSp>
+        <p:nvCxnSpPr>
+          <p:cNvPr id="78" name="Connettore 2 77">
+            <a:extLst>
+              <a:ext uri="{FF2B5EF4-FFF2-40B4-BE49-F238E27FC236}">
+                <a16:creationId xmlns:a16="http://schemas.microsoft.com/office/drawing/2014/main" id="{E756DA40-0BEC-9978-0CB9-69A3B2FDF567}"/>
+              </a:ext>
+            </a:extLst>
+          </p:cNvPr>
+          <p:cNvCxnSpPr/>
+          <p:nvPr/>
+        </p:nvCxnSpPr>
+        <p:spPr>
+          <a:xfrm>
+            <a:off x="7656500" y="3205681"/>
+            <a:ext cx="824753" cy="0"/>
+          </a:xfrm>
+          <a:prstGeom prst="straightConnector1">
+            <a:avLst/>
+          </a:prstGeom>
+          <a:ln w="38100">
+            <a:solidFill>
+              <a:srgbClr val="F5F3F4"/>
+            </a:solidFill>
+            <a:headEnd type="triangle"/>
+            <a:tailEnd type="triangle"/>
+          </a:ln>
+        </p:spPr>
+        <p:style>
+          <a:lnRef idx="2">
+            <a:schemeClr val="accent1"/>
+          </a:lnRef>
+          <a:fillRef idx="0">
+            <a:schemeClr val="accent1"/>
+          </a:fillRef>
+          <a:effectRef idx="1">
+            <a:schemeClr val="accent1"/>
+          </a:effectRef>
+          <a:fontRef idx="minor">
+            <a:schemeClr val="tx1"/>
+          </a:fontRef>
+        </p:style>
+      </p:cxnSp>
+    </p:spTree>
+    <p:extLst>
+      <p:ext uri="{BB962C8B-B14F-4D97-AF65-F5344CB8AC3E}">
+        <p14:creationId xmlns:p14="http://schemas.microsoft.com/office/powerpoint/2010/main" val="36422499"/>
+      </p:ext>
+    </p:extLst>
+  </p:cSld>
+  <p:clrMapOvr>
+    <a:masterClrMapping/>
+  </p:clrMapOvr>
+</p:sld>
+</file>
+
+<file path=ppt/slides/slide7.xml><?xml version="1.0" encoding="utf-8"?>
 <p:sld xmlns:a="http://schemas.openxmlformats.org/drawingml/2006/main" xmlns:r="http://schemas.openxmlformats.org/officeDocument/2006/relationships" xmlns:p="http://schemas.openxmlformats.org/presentationml/2006/main">
   <p:cSld>
     <p:spTree>

--- a/Slides/Slides.pptx
+++ b/Slides/Slides.pptx
@@ -6,12 +6,8 @@
   </p:sldMasterIdLst>
   <p:sldIdLst>
     <p:sldId id="256" r:id="rId2"/>
-    <p:sldId id="257" r:id="rId3"/>
-    <p:sldId id="260" r:id="rId4"/>
-    <p:sldId id="261" r:id="rId5"/>
-    <p:sldId id="264" r:id="rId6"/>
-    <p:sldId id="265" r:id="rId7"/>
-    <p:sldId id="258" r:id="rId8"/>
+    <p:sldId id="260" r:id="rId3"/>
+    <p:sldId id="265" r:id="rId4"/>
   </p:sldIdLst>
   <p:sldSz cx="12192000" cy="6858000"/>
   <p:notesSz cx="6858000" cy="9144000"/>
@@ -265,7 +261,7 @@
           <a:p>
             <a:fld id="{F101891F-6021-4547-BABD-76381B614AD1}" type="datetimeFigureOut">
               <a:rPr lang="it-IT" smtClean="0"/>
-              <a:t>27/05/2024</a:t>
+              <a:t>04/06/2024</a:t>
             </a:fld>
             <a:endParaRPr lang="it-IT"/>
           </a:p>
@@ -463,7 +459,7 @@
           <a:p>
             <a:fld id="{F101891F-6021-4547-BABD-76381B614AD1}" type="datetimeFigureOut">
               <a:rPr lang="it-IT" smtClean="0"/>
-              <a:t>27/05/2024</a:t>
+              <a:t>04/06/2024</a:t>
             </a:fld>
             <a:endParaRPr lang="it-IT"/>
           </a:p>
@@ -671,7 +667,7 @@
           <a:p>
             <a:fld id="{F101891F-6021-4547-BABD-76381B614AD1}" type="datetimeFigureOut">
               <a:rPr lang="it-IT" smtClean="0"/>
-              <a:t>27/05/2024</a:t>
+              <a:t>04/06/2024</a:t>
             </a:fld>
             <a:endParaRPr lang="it-IT"/>
           </a:p>
@@ -869,7 +865,7 @@
           <a:p>
             <a:fld id="{F101891F-6021-4547-BABD-76381B614AD1}" type="datetimeFigureOut">
               <a:rPr lang="it-IT" smtClean="0"/>
-              <a:t>27/05/2024</a:t>
+              <a:t>04/06/2024</a:t>
             </a:fld>
             <a:endParaRPr lang="it-IT"/>
           </a:p>
@@ -1144,7 +1140,7 @@
           <a:p>
             <a:fld id="{F101891F-6021-4547-BABD-76381B614AD1}" type="datetimeFigureOut">
               <a:rPr lang="it-IT" smtClean="0"/>
-              <a:t>27/05/2024</a:t>
+              <a:t>04/06/2024</a:t>
             </a:fld>
             <a:endParaRPr lang="it-IT"/>
           </a:p>
@@ -1409,7 +1405,7 @@
           <a:p>
             <a:fld id="{F101891F-6021-4547-BABD-76381B614AD1}" type="datetimeFigureOut">
               <a:rPr lang="it-IT" smtClean="0"/>
-              <a:t>27/05/2024</a:t>
+              <a:t>04/06/2024</a:t>
             </a:fld>
             <a:endParaRPr lang="it-IT"/>
           </a:p>
@@ -1821,7 +1817,7 @@
           <a:p>
             <a:fld id="{F101891F-6021-4547-BABD-76381B614AD1}" type="datetimeFigureOut">
               <a:rPr lang="it-IT" smtClean="0"/>
-              <a:t>27/05/2024</a:t>
+              <a:t>04/06/2024</a:t>
             </a:fld>
             <a:endParaRPr lang="it-IT"/>
           </a:p>
@@ -1962,7 +1958,7 @@
           <a:p>
             <a:fld id="{F101891F-6021-4547-BABD-76381B614AD1}" type="datetimeFigureOut">
               <a:rPr lang="it-IT" smtClean="0"/>
-              <a:t>27/05/2024</a:t>
+              <a:t>04/06/2024</a:t>
             </a:fld>
             <a:endParaRPr lang="it-IT"/>
           </a:p>
@@ -2075,7 +2071,7 @@
           <a:p>
             <a:fld id="{F101891F-6021-4547-BABD-76381B614AD1}" type="datetimeFigureOut">
               <a:rPr lang="it-IT" smtClean="0"/>
-              <a:t>27/05/2024</a:t>
+              <a:t>04/06/2024</a:t>
             </a:fld>
             <a:endParaRPr lang="it-IT"/>
           </a:p>
@@ -2386,7 +2382,7 @@
           <a:p>
             <a:fld id="{F101891F-6021-4547-BABD-76381B614AD1}" type="datetimeFigureOut">
               <a:rPr lang="it-IT" smtClean="0"/>
-              <a:t>27/05/2024</a:t>
+              <a:t>04/06/2024</a:t>
             </a:fld>
             <a:endParaRPr lang="it-IT"/>
           </a:p>
@@ -2674,7 +2670,7 @@
           <a:p>
             <a:fld id="{F101891F-6021-4547-BABD-76381B614AD1}" type="datetimeFigureOut">
               <a:rPr lang="it-IT" smtClean="0"/>
-              <a:t>27/05/2024</a:t>
+              <a:t>04/06/2024</a:t>
             </a:fld>
             <a:endParaRPr lang="it-IT"/>
           </a:p>
@@ -2915,7 +2911,7 @@
           <a:p>
             <a:fld id="{F101891F-6021-4547-BABD-76381B614AD1}" type="datetimeFigureOut">
               <a:rPr lang="it-IT" smtClean="0"/>
-              <a:t>27/05/2024</a:t>
+              <a:t>04/06/2024</a:t>
             </a:fld>
             <a:endParaRPr lang="it-IT"/>
           </a:p>
@@ -3416,8 +3412,8 @@
         </p:nvSpPr>
         <p:spPr>
           <a:xfrm>
-            <a:off x="3518138" y="752535"/>
-            <a:ext cx="5155721" cy="369332"/>
+            <a:off x="3518138" y="770465"/>
+            <a:ext cx="5155721" cy="400110"/>
           </a:xfrm>
           <a:prstGeom prst="rect">
             <a:avLst/>
@@ -3432,7 +3428,7 @@
           <a:p>
             <a:pPr algn="ctr"/>
             <a:r>
-              <a:rPr lang="it-IT" dirty="0">
+              <a:rPr lang="it-IT" sz="2000" dirty="0">
                 <a:solidFill>
                   <a:schemeClr val="bg1"/>
                 </a:solidFill>
@@ -3661,7 +3657,7 @@
                   <a:ea typeface="Calibri" panose="020F0502020204030204" pitchFamily="34" charset="0"/>
                   <a:cs typeface="Calibri" panose="020F0502020204030204" pitchFamily="34" charset="0"/>
                 </a:rPr>
-                <a:t>CARLO VALLATI</a:t>
+                <a:t>FRANCESCA RIGHETTI</a:t>
               </a:r>
             </a:p>
             <a:p>
@@ -3674,7 +3670,7 @@
                   <a:ea typeface="Calibri" panose="020F0502020204030204" pitchFamily="34" charset="0"/>
                   <a:cs typeface="Calibri" panose="020F0502020204030204" pitchFamily="34" charset="0"/>
                 </a:rPr>
-                <a:t>FRANCESCA RIGHETTI</a:t>
+                <a:t>CARLO VALLATI</a:t>
               </a:r>
             </a:p>
           </p:txBody>
@@ -3800,7 +3796,7 @@
         </p:nvSpPr>
         <p:spPr>
           <a:xfrm>
-            <a:off x="3518140" y="498929"/>
+            <a:off x="3518140" y="454104"/>
             <a:ext cx="5155721" cy="292388"/>
           </a:xfrm>
           <a:prstGeom prst="rect">
@@ -3816,7 +3812,7 @@
           <a:p>
             <a:pPr algn="ctr"/>
             <a:r>
-              <a:rPr lang="it-IT" sz="1300" dirty="0">
+              <a:rPr lang="en-US" sz="1300" dirty="0">
                 <a:solidFill>
                   <a:schemeClr val="bg1"/>
                 </a:solidFill>
@@ -3824,8 +3820,16 @@
                 <a:ea typeface="Calibri" panose="020F0502020204030204" pitchFamily="34" charset="0"/>
                 <a:cs typeface="Calibri" panose="020F0502020204030204" pitchFamily="34" charset="0"/>
               </a:rPr>
-              <a:t>COMPUTER ENGINEERING MASTER DEGREE</a:t>
+              <a:t>MASTER'S DEGREE IN COMPUTER ENGINEERING</a:t>
             </a:r>
+            <a:endParaRPr lang="it-IT" sz="1300" dirty="0">
+              <a:solidFill>
+                <a:schemeClr val="bg1"/>
+              </a:solidFill>
+              <a:latin typeface="Calibri" panose="020F0502020204030204" pitchFamily="34" charset="0"/>
+              <a:ea typeface="Calibri" panose="020F0502020204030204" pitchFamily="34" charset="0"/>
+              <a:cs typeface="Calibri" panose="020F0502020204030204" pitchFamily="34" charset="0"/>
+            </a:endParaRPr>
           </a:p>
         </p:txBody>
       </p:sp>
@@ -4073,1530 +4077,6 @@
 </file>
 
 <file path=ppt/slides/slide2.xml><?xml version="1.0" encoding="utf-8"?>
-<p:sld xmlns:a="http://schemas.openxmlformats.org/drawingml/2006/main" xmlns:r="http://schemas.openxmlformats.org/officeDocument/2006/relationships" xmlns:p="http://schemas.openxmlformats.org/presentationml/2006/main">
-  <p:cSld>
-    <p:bg>
-      <p:bgPr>
-        <a:solidFill>
-          <a:srgbClr val="F5F3F4"/>
-        </a:solidFill>
-        <a:effectLst/>
-      </p:bgPr>
-    </p:bg>
-    <p:spTree>
-      <p:nvGrpSpPr>
-        <p:cNvPr id="1" name=""/>
-        <p:cNvGrpSpPr/>
-        <p:nvPr/>
-      </p:nvGrpSpPr>
-      <p:grpSpPr>
-        <a:xfrm>
-          <a:off x="0" y="0"/>
-          <a:ext cx="0" cy="0"/>
-          <a:chOff x="0" y="0"/>
-          <a:chExt cx="0" cy="0"/>
-        </a:xfrm>
-      </p:grpSpPr>
-      <p:sp>
-        <p:nvSpPr>
-          <p:cNvPr id="5" name="Rettangolo con angoli arrotondati 4">
-            <a:extLst>
-              <a:ext uri="{FF2B5EF4-FFF2-40B4-BE49-F238E27FC236}">
-                <a16:creationId xmlns:a16="http://schemas.microsoft.com/office/drawing/2014/main" id="{BC199077-BB0A-CBA7-63B2-5EC3748E4558}"/>
-              </a:ext>
-            </a:extLst>
-          </p:cNvPr>
-          <p:cNvSpPr>
-            <a:spLocks noGrp="1" noRot="1" noMove="1" noResize="1" noEditPoints="1" noAdjustHandles="1" noChangeArrowheads="1" noChangeShapeType="1"/>
-          </p:cNvSpPr>
-          <p:nvPr/>
-        </p:nvSpPr>
-        <p:spPr>
-          <a:xfrm>
-            <a:off x="1648420" y="1335882"/>
-            <a:ext cx="8895159" cy="4186236"/>
-          </a:xfrm>
-          <a:prstGeom prst="roundRect">
-            <a:avLst>
-              <a:gd name="adj" fmla="val 8991"/>
-            </a:avLst>
-          </a:prstGeom>
-          <a:solidFill>
-            <a:srgbClr val="161A1D"/>
-          </a:solidFill>
-          <a:ln>
-            <a:noFill/>
-          </a:ln>
-        </p:spPr>
-        <p:style>
-          <a:lnRef idx="2">
-            <a:schemeClr val="accent1">
-              <a:shade val="15000"/>
-            </a:schemeClr>
-          </a:lnRef>
-          <a:fillRef idx="1">
-            <a:schemeClr val="accent1"/>
-          </a:fillRef>
-          <a:effectRef idx="0">
-            <a:schemeClr val="accent1"/>
-          </a:effectRef>
-          <a:fontRef idx="minor">
-            <a:schemeClr val="lt1"/>
-          </a:fontRef>
-        </p:style>
-        <p:txBody>
-          <a:bodyPr rtlCol="0" anchor="ctr"/>
-          <a:lstStyle/>
-          <a:p>
-            <a:pPr algn="ctr"/>
-            <a:endParaRPr lang="it-IT" dirty="0"/>
-          </a:p>
-        </p:txBody>
-      </p:sp>
-      <p:pic>
-        <p:nvPicPr>
-          <p:cNvPr id="10" name="Elemento grafico 9" descr="Telecamera di sicurezza con riempimento a tinta unita">
-            <a:extLst>
-              <a:ext uri="{FF2B5EF4-FFF2-40B4-BE49-F238E27FC236}">
-                <a16:creationId xmlns:a16="http://schemas.microsoft.com/office/drawing/2014/main" id="{DF156682-6891-A57D-5B21-80A027E79CED}"/>
-              </a:ext>
-            </a:extLst>
-          </p:cNvPr>
-          <p:cNvPicPr>
-            <a:picLocks noChangeAspect="1"/>
-          </p:cNvPicPr>
-          <p:nvPr/>
-        </p:nvPicPr>
-        <p:blipFill rotWithShape="1">
-          <a:blip r:embed="rId2">
-            <a:extLst>
-              <a:ext uri="{28A0092B-C50C-407E-A947-70E740481C1C}">
-                <a14:useLocalDpi xmlns:a14="http://schemas.microsoft.com/office/drawing/2010/main" val="0"/>
-              </a:ext>
-              <a:ext uri="{96DAC541-7B7A-43D3-8B79-37D633B846F1}">
-                <asvg:svgBlip xmlns:asvg="http://schemas.microsoft.com/office/drawing/2016/SVG/main" r:embed="rId3"/>
-              </a:ext>
-            </a:extLst>
-          </a:blip>
-          <a:srcRect l="17451"/>
-          <a:stretch/>
-        </p:blipFill>
-        <p:spPr>
-          <a:xfrm>
-            <a:off x="1648420" y="3401058"/>
-            <a:ext cx="559830" cy="678180"/>
-          </a:xfrm>
-          <a:prstGeom prst="rect">
-            <a:avLst/>
-          </a:prstGeom>
-        </p:spPr>
-      </p:pic>
-      <p:pic>
-        <p:nvPicPr>
-          <p:cNvPr id="7" name="Elemento grafico 6" descr="Camminare con riempimento a tinta unita">
-            <a:extLst>
-              <a:ext uri="{FF2B5EF4-FFF2-40B4-BE49-F238E27FC236}">
-                <a16:creationId xmlns:a16="http://schemas.microsoft.com/office/drawing/2014/main" id="{61526699-E6E5-EE91-FEF7-CB2C8DA3ADEE}"/>
-              </a:ext>
-            </a:extLst>
-          </p:cNvPr>
-          <p:cNvPicPr>
-            <a:picLocks noChangeAspect="1"/>
-          </p:cNvPicPr>
-          <p:nvPr/>
-        </p:nvPicPr>
-        <p:blipFill>
-          <a:blip r:embed="rId4">
-            <a:extLst>
-              <a:ext uri="{28A0092B-C50C-407E-A947-70E740481C1C}">
-                <a14:useLocalDpi xmlns:a14="http://schemas.microsoft.com/office/drawing/2010/main" val="0"/>
-              </a:ext>
-              <a:ext uri="{96DAC541-7B7A-43D3-8B79-37D633B846F1}">
-                <asvg:svgBlip xmlns:asvg="http://schemas.microsoft.com/office/drawing/2016/SVG/main" r:embed="rId5"/>
-              </a:ext>
-            </a:extLst>
-          </a:blip>
-          <a:stretch>
-            <a:fillRect/>
-          </a:stretch>
-        </p:blipFill>
-        <p:spPr>
-          <a:xfrm>
-            <a:off x="1648420" y="4261968"/>
-            <a:ext cx="922971" cy="922971"/>
-          </a:xfrm>
-          <a:prstGeom prst="rect">
-            <a:avLst/>
-          </a:prstGeom>
-        </p:spPr>
-      </p:pic>
-      <p:cxnSp>
-        <p:nvCxnSpPr>
-          <p:cNvPr id="14" name="Connettore diritto 13">
-            <a:extLst>
-              <a:ext uri="{FF2B5EF4-FFF2-40B4-BE49-F238E27FC236}">
-                <a16:creationId xmlns:a16="http://schemas.microsoft.com/office/drawing/2014/main" id="{75BA2FA9-6C65-D20D-F931-0C94AD3FE3F3}"/>
-              </a:ext>
-            </a:extLst>
-          </p:cNvPr>
-          <p:cNvCxnSpPr>
-            <a:cxnSpLocks/>
-          </p:cNvCxnSpPr>
-          <p:nvPr/>
-        </p:nvCxnSpPr>
-        <p:spPr>
-          <a:xfrm>
-            <a:off x="2152650" y="3819525"/>
-            <a:ext cx="2414588" cy="1290638"/>
-          </a:xfrm>
-          <a:prstGeom prst="line">
-            <a:avLst/>
-          </a:prstGeom>
-          <a:ln w="12700">
-            <a:solidFill>
-              <a:srgbClr val="660708"/>
-            </a:solidFill>
-            <a:prstDash val="dashDot"/>
-          </a:ln>
-        </p:spPr>
-        <p:style>
-          <a:lnRef idx="2">
-            <a:schemeClr val="accent1"/>
-          </a:lnRef>
-          <a:fillRef idx="0">
-            <a:schemeClr val="accent1"/>
-          </a:fillRef>
-          <a:effectRef idx="1">
-            <a:schemeClr val="accent1"/>
-          </a:effectRef>
-          <a:fontRef idx="minor">
-            <a:schemeClr val="tx1"/>
-          </a:fontRef>
-        </p:style>
-      </p:cxnSp>
-      <p:sp>
-        <p:nvSpPr>
-          <p:cNvPr id="31" name="CasellaDiTesto 30">
-            <a:extLst>
-              <a:ext uri="{FF2B5EF4-FFF2-40B4-BE49-F238E27FC236}">
-                <a16:creationId xmlns:a16="http://schemas.microsoft.com/office/drawing/2014/main" id="{07994B65-FE5B-6D95-19C7-C4694421AF68}"/>
-              </a:ext>
-            </a:extLst>
-          </p:cNvPr>
-          <p:cNvSpPr txBox="1"/>
-          <p:nvPr/>
-        </p:nvSpPr>
-        <p:spPr>
-          <a:xfrm>
-            <a:off x="6177678" y="2440497"/>
-            <a:ext cx="2575560" cy="261610"/>
-          </a:xfrm>
-          <a:prstGeom prst="rect">
-            <a:avLst/>
-          </a:prstGeom>
-          <a:noFill/>
-        </p:spPr>
-        <p:txBody>
-          <a:bodyPr wrap="square" rtlCol="0">
-            <a:spAutoFit/>
-          </a:bodyPr>
-          <a:lstStyle/>
-          <a:p>
-            <a:pPr algn="ctr"/>
-            <a:r>
-              <a:rPr lang="it-IT" sz="1050" b="1" dirty="0">
-                <a:solidFill>
-                  <a:srgbClr val="FCA311"/>
-                </a:solidFill>
-                <a:latin typeface="Calibri" panose="020F0502020204030204" pitchFamily="34" charset="0"/>
-                <a:ea typeface="Calibri" panose="020F0502020204030204" pitchFamily="34" charset="0"/>
-                <a:cs typeface="Calibri" panose="020F0502020204030204" pitchFamily="34" charset="0"/>
-              </a:rPr>
-              <a:t>CRITICAL ROOM</a:t>
-            </a:r>
-          </a:p>
-        </p:txBody>
-      </p:sp>
-      <p:sp>
-        <p:nvSpPr>
-          <p:cNvPr id="33" name="CasellaDiTesto 32">
-            <a:extLst>
-              <a:ext uri="{FF2B5EF4-FFF2-40B4-BE49-F238E27FC236}">
-                <a16:creationId xmlns:a16="http://schemas.microsoft.com/office/drawing/2014/main" id="{EAE226A5-22A3-8D12-7024-656B23C1B5AA}"/>
-              </a:ext>
-            </a:extLst>
-          </p:cNvPr>
-          <p:cNvSpPr txBox="1"/>
-          <p:nvPr/>
-        </p:nvSpPr>
-        <p:spPr>
-          <a:xfrm>
-            <a:off x="1648420" y="3273390"/>
-            <a:ext cx="991214" cy="338554"/>
-          </a:xfrm>
-          <a:prstGeom prst="rect">
-            <a:avLst/>
-          </a:prstGeom>
-          <a:noFill/>
-        </p:spPr>
-        <p:txBody>
-          <a:bodyPr wrap="square" rtlCol="0">
-            <a:spAutoFit/>
-          </a:bodyPr>
-          <a:lstStyle/>
-          <a:p>
-            <a:pPr algn="ctr"/>
-            <a:r>
-              <a:rPr lang="it-IT" sz="800" b="1" dirty="0">
-                <a:solidFill>
-                  <a:schemeClr val="bg1"/>
-                </a:solidFill>
-                <a:latin typeface="Calibri" panose="020F0502020204030204" pitchFamily="34" charset="0"/>
-                <a:ea typeface="Calibri" panose="020F0502020204030204" pitchFamily="34" charset="0"/>
-                <a:cs typeface="Calibri" panose="020F0502020204030204" pitchFamily="34" charset="0"/>
-              </a:rPr>
-              <a:t>MOVEMENT SENSOR</a:t>
-            </a:r>
-          </a:p>
-        </p:txBody>
-      </p:sp>
-      <p:sp>
-        <p:nvSpPr>
-          <p:cNvPr id="37" name="Rettangolo con angoli arrotondati 36">
-            <a:extLst>
-              <a:ext uri="{FF2B5EF4-FFF2-40B4-BE49-F238E27FC236}">
-                <a16:creationId xmlns:a16="http://schemas.microsoft.com/office/drawing/2014/main" id="{651B3E8C-4D80-B140-B4D0-3925E001B393}"/>
-              </a:ext>
-            </a:extLst>
-          </p:cNvPr>
-          <p:cNvSpPr/>
-          <p:nvPr/>
-        </p:nvSpPr>
-        <p:spPr>
-          <a:xfrm>
-            <a:off x="3226827" y="1804558"/>
-            <a:ext cx="544289" cy="1112427"/>
-          </a:xfrm>
-          <a:prstGeom prst="roundRect">
-            <a:avLst>
-              <a:gd name="adj" fmla="val 8991"/>
-            </a:avLst>
-          </a:prstGeom>
-          <a:noFill/>
-          <a:ln w="28575">
-            <a:solidFill>
-              <a:srgbClr val="F5F3F4"/>
-            </a:solidFill>
-          </a:ln>
-        </p:spPr>
-        <p:style>
-          <a:lnRef idx="2">
-            <a:schemeClr val="accent1">
-              <a:shade val="15000"/>
-            </a:schemeClr>
-          </a:lnRef>
-          <a:fillRef idx="1">
-            <a:schemeClr val="accent1"/>
-          </a:fillRef>
-          <a:effectRef idx="0">
-            <a:schemeClr val="accent1"/>
-          </a:effectRef>
-          <a:fontRef idx="minor">
-            <a:schemeClr val="lt1"/>
-          </a:fontRef>
-        </p:style>
-        <p:txBody>
-          <a:bodyPr rtlCol="0" anchor="ctr"/>
-          <a:lstStyle/>
-          <a:p>
-            <a:pPr algn="ctr"/>
-            <a:endParaRPr lang="it-IT"/>
-          </a:p>
-        </p:txBody>
-      </p:sp>
-      <p:sp>
-        <p:nvSpPr>
-          <p:cNvPr id="67" name="Ovale 66">
-            <a:extLst>
-              <a:ext uri="{FF2B5EF4-FFF2-40B4-BE49-F238E27FC236}">
-                <a16:creationId xmlns:a16="http://schemas.microsoft.com/office/drawing/2014/main" id="{FC21D54E-DC18-ADDE-67BC-F851FAD55164}"/>
-              </a:ext>
-            </a:extLst>
-          </p:cNvPr>
-          <p:cNvSpPr/>
-          <p:nvPr/>
-        </p:nvSpPr>
-        <p:spPr>
-          <a:xfrm>
-            <a:off x="3421821" y="1963585"/>
-            <a:ext cx="154300" cy="154300"/>
-          </a:xfrm>
-          <a:prstGeom prst="ellipse">
-            <a:avLst/>
-          </a:prstGeom>
-          <a:solidFill>
-            <a:srgbClr val="BA181B"/>
-          </a:solidFill>
-          <a:ln>
-            <a:noFill/>
-          </a:ln>
-        </p:spPr>
-        <p:style>
-          <a:lnRef idx="2">
-            <a:schemeClr val="accent1">
-              <a:shade val="15000"/>
-            </a:schemeClr>
-          </a:lnRef>
-          <a:fillRef idx="1">
-            <a:schemeClr val="accent1"/>
-          </a:fillRef>
-          <a:effectRef idx="0">
-            <a:schemeClr val="accent1"/>
-          </a:effectRef>
-          <a:fontRef idx="minor">
-            <a:schemeClr val="lt1"/>
-          </a:fontRef>
-        </p:style>
-        <p:txBody>
-          <a:bodyPr rtlCol="0" anchor="ctr"/>
-          <a:lstStyle/>
-          <a:p>
-            <a:pPr algn="ctr"/>
-            <a:endParaRPr lang="it-IT"/>
-          </a:p>
-        </p:txBody>
-      </p:sp>
-      <p:sp>
-        <p:nvSpPr>
-          <p:cNvPr id="68" name="Ovale 67">
-            <a:extLst>
-              <a:ext uri="{FF2B5EF4-FFF2-40B4-BE49-F238E27FC236}">
-                <a16:creationId xmlns:a16="http://schemas.microsoft.com/office/drawing/2014/main" id="{C138992D-F9D8-AFF8-B7C6-092917F6A15C}"/>
-              </a:ext>
-            </a:extLst>
-          </p:cNvPr>
-          <p:cNvSpPr/>
-          <p:nvPr/>
-        </p:nvSpPr>
-        <p:spPr>
-          <a:xfrm>
-            <a:off x="3421821" y="2286197"/>
-            <a:ext cx="154300" cy="154300"/>
-          </a:xfrm>
-          <a:prstGeom prst="ellipse">
-            <a:avLst/>
-          </a:prstGeom>
-          <a:solidFill>
-            <a:srgbClr val="FCA311"/>
-          </a:solidFill>
-          <a:ln>
-            <a:noFill/>
-          </a:ln>
-        </p:spPr>
-        <p:style>
-          <a:lnRef idx="2">
-            <a:schemeClr val="accent1">
-              <a:shade val="15000"/>
-            </a:schemeClr>
-          </a:lnRef>
-          <a:fillRef idx="1">
-            <a:schemeClr val="accent1"/>
-          </a:fillRef>
-          <a:effectRef idx="0">
-            <a:schemeClr val="accent1"/>
-          </a:effectRef>
-          <a:fontRef idx="minor">
-            <a:schemeClr val="lt1"/>
-          </a:fontRef>
-        </p:style>
-        <p:txBody>
-          <a:bodyPr rtlCol="0" anchor="ctr"/>
-          <a:lstStyle/>
-          <a:p>
-            <a:pPr algn="ctr"/>
-            <a:endParaRPr lang="it-IT"/>
-          </a:p>
-        </p:txBody>
-      </p:sp>
-      <p:sp>
-        <p:nvSpPr>
-          <p:cNvPr id="69" name="Ovale 68">
-            <a:extLst>
-              <a:ext uri="{FF2B5EF4-FFF2-40B4-BE49-F238E27FC236}">
-                <a16:creationId xmlns:a16="http://schemas.microsoft.com/office/drawing/2014/main" id="{EC727F5B-9E15-D79E-99FC-340E0B75AC55}"/>
-              </a:ext>
-            </a:extLst>
-          </p:cNvPr>
-          <p:cNvSpPr/>
-          <p:nvPr/>
-        </p:nvSpPr>
-        <p:spPr>
-          <a:xfrm>
-            <a:off x="3425238" y="2601591"/>
-            <a:ext cx="154300" cy="154300"/>
-          </a:xfrm>
-          <a:prstGeom prst="ellipse">
-            <a:avLst/>
-          </a:prstGeom>
-          <a:solidFill>
-            <a:srgbClr val="00B050"/>
-          </a:solidFill>
-          <a:ln>
-            <a:noFill/>
-          </a:ln>
-        </p:spPr>
-        <p:style>
-          <a:lnRef idx="2">
-            <a:schemeClr val="accent1">
-              <a:shade val="15000"/>
-            </a:schemeClr>
-          </a:lnRef>
-          <a:fillRef idx="1">
-            <a:schemeClr val="accent1"/>
-          </a:fillRef>
-          <a:effectRef idx="0">
-            <a:schemeClr val="accent1"/>
-          </a:effectRef>
-          <a:fontRef idx="minor">
-            <a:schemeClr val="lt1"/>
-          </a:fontRef>
-        </p:style>
-        <p:txBody>
-          <a:bodyPr rtlCol="0" anchor="ctr"/>
-          <a:lstStyle/>
-          <a:p>
-            <a:pPr algn="ctr"/>
-            <a:endParaRPr lang="it-IT"/>
-          </a:p>
-        </p:txBody>
-      </p:sp>
-      <p:cxnSp>
-        <p:nvCxnSpPr>
-          <p:cNvPr id="72" name="Connettore diritto 71">
-            <a:extLst>
-              <a:ext uri="{FF2B5EF4-FFF2-40B4-BE49-F238E27FC236}">
-                <a16:creationId xmlns:a16="http://schemas.microsoft.com/office/drawing/2014/main" id="{77FA27DB-E8EC-5860-2DED-A20EDE640830}"/>
-              </a:ext>
-            </a:extLst>
-          </p:cNvPr>
-          <p:cNvCxnSpPr>
-            <a:cxnSpLocks/>
-            <a:stCxn id="37" idx="3"/>
-          </p:cNvCxnSpPr>
-          <p:nvPr/>
-        </p:nvCxnSpPr>
-        <p:spPr>
-          <a:xfrm>
-            <a:off x="3771116" y="2360772"/>
-            <a:ext cx="1131483" cy="1068228"/>
-          </a:xfrm>
-          <a:prstGeom prst="line">
-            <a:avLst/>
-          </a:prstGeom>
-          <a:ln>
-            <a:solidFill>
-              <a:srgbClr val="F5F3F4"/>
-            </a:solidFill>
-          </a:ln>
-        </p:spPr>
-        <p:style>
-          <a:lnRef idx="2">
-            <a:schemeClr val="accent1"/>
-          </a:lnRef>
-          <a:fillRef idx="0">
-            <a:schemeClr val="accent1"/>
-          </a:fillRef>
-          <a:effectRef idx="1">
-            <a:schemeClr val="accent1"/>
-          </a:effectRef>
-          <a:fontRef idx="minor">
-            <a:schemeClr val="tx1"/>
-          </a:fontRef>
-        </p:style>
-      </p:cxnSp>
-      <p:sp>
-        <p:nvSpPr>
-          <p:cNvPr id="29" name="Rettangolo con angoli arrotondati 28">
-            <a:extLst>
-              <a:ext uri="{FF2B5EF4-FFF2-40B4-BE49-F238E27FC236}">
-                <a16:creationId xmlns:a16="http://schemas.microsoft.com/office/drawing/2014/main" id="{7FFD7DA7-F969-4874-8194-115BC289D30F}"/>
-              </a:ext>
-            </a:extLst>
-          </p:cNvPr>
-          <p:cNvSpPr/>
-          <p:nvPr/>
-        </p:nvSpPr>
-        <p:spPr>
-          <a:xfrm>
-            <a:off x="4902600" y="2360772"/>
-            <a:ext cx="5136750" cy="3069906"/>
-          </a:xfrm>
-          <a:prstGeom prst="roundRect">
-            <a:avLst>
-              <a:gd name="adj" fmla="val 8991"/>
-            </a:avLst>
-          </a:prstGeom>
-          <a:noFill/>
-          <a:ln w="12700">
-            <a:solidFill>
-              <a:srgbClr val="FCA311"/>
-            </a:solidFill>
-          </a:ln>
-        </p:spPr>
-        <p:style>
-          <a:lnRef idx="2">
-            <a:schemeClr val="accent1">
-              <a:shade val="15000"/>
-            </a:schemeClr>
-          </a:lnRef>
-          <a:fillRef idx="1">
-            <a:schemeClr val="accent1"/>
-          </a:fillRef>
-          <a:effectRef idx="0">
-            <a:schemeClr val="accent1"/>
-          </a:effectRef>
-          <a:fontRef idx="minor">
-            <a:schemeClr val="lt1"/>
-          </a:fontRef>
-        </p:style>
-        <p:txBody>
-          <a:bodyPr rtlCol="0" anchor="ctr"/>
-          <a:lstStyle/>
-          <a:p>
-            <a:pPr algn="ctr"/>
-            <a:endParaRPr lang="it-IT"/>
-          </a:p>
-        </p:txBody>
-      </p:sp>
-      <p:sp>
-        <p:nvSpPr>
-          <p:cNvPr id="30" name="Rettangolo 29">
-            <a:extLst>
-              <a:ext uri="{FF2B5EF4-FFF2-40B4-BE49-F238E27FC236}">
-                <a16:creationId xmlns:a16="http://schemas.microsoft.com/office/drawing/2014/main" id="{7885BC51-F122-DA60-7A69-083A5F242E70}"/>
-              </a:ext>
-            </a:extLst>
-          </p:cNvPr>
-          <p:cNvSpPr/>
-          <p:nvPr/>
-        </p:nvSpPr>
-        <p:spPr>
-          <a:xfrm>
-            <a:off x="4707416" y="5194304"/>
-            <a:ext cx="5516084" cy="257171"/>
-          </a:xfrm>
-          <a:prstGeom prst="rect">
-            <a:avLst/>
-          </a:prstGeom>
-          <a:solidFill>
-            <a:srgbClr val="161A1D"/>
-          </a:solidFill>
-          <a:ln>
-            <a:noFill/>
-          </a:ln>
-        </p:spPr>
-        <p:style>
-          <a:lnRef idx="2">
-            <a:schemeClr val="accent1">
-              <a:shade val="15000"/>
-            </a:schemeClr>
-          </a:lnRef>
-          <a:fillRef idx="1">
-            <a:schemeClr val="accent1"/>
-          </a:fillRef>
-          <a:effectRef idx="0">
-            <a:schemeClr val="accent1"/>
-          </a:effectRef>
-          <a:fontRef idx="minor">
-            <a:schemeClr val="lt1"/>
-          </a:fontRef>
-        </p:style>
-        <p:txBody>
-          <a:bodyPr rtlCol="0" anchor="ctr"/>
-          <a:lstStyle/>
-          <a:p>
-            <a:pPr algn="ctr"/>
-            <a:endParaRPr lang="it-IT"/>
-          </a:p>
-        </p:txBody>
-      </p:sp>
-      <p:sp>
-        <p:nvSpPr>
-          <p:cNvPr id="78" name="CasellaDiTesto 77">
-            <a:extLst>
-              <a:ext uri="{FF2B5EF4-FFF2-40B4-BE49-F238E27FC236}">
-                <a16:creationId xmlns:a16="http://schemas.microsoft.com/office/drawing/2014/main" id="{4C2A5C0D-9FBC-AF8D-18CE-E85D311FA681}"/>
-              </a:ext>
-            </a:extLst>
-          </p:cNvPr>
-          <p:cNvSpPr txBox="1"/>
-          <p:nvPr/>
-        </p:nvSpPr>
-        <p:spPr>
-          <a:xfrm>
-            <a:off x="3003364" y="1556263"/>
-            <a:ext cx="991214" cy="215444"/>
-          </a:xfrm>
-          <a:prstGeom prst="rect">
-            <a:avLst/>
-          </a:prstGeom>
-          <a:noFill/>
-        </p:spPr>
-        <p:txBody>
-          <a:bodyPr wrap="square" rtlCol="0">
-            <a:spAutoFit/>
-          </a:bodyPr>
-          <a:lstStyle/>
-          <a:p>
-            <a:pPr algn="ctr"/>
-            <a:r>
-              <a:rPr lang="it-IT" sz="800" b="1" dirty="0">
-                <a:solidFill>
-                  <a:schemeClr val="bg1"/>
-                </a:solidFill>
-                <a:latin typeface="Calibri" panose="020F0502020204030204" pitchFamily="34" charset="0"/>
-                <a:ea typeface="Calibri" panose="020F0502020204030204" pitchFamily="34" charset="0"/>
-                <a:cs typeface="Calibri" panose="020F0502020204030204" pitchFamily="34" charset="0"/>
-              </a:rPr>
-              <a:t>ROOM STATUS</a:t>
-            </a:r>
-          </a:p>
-        </p:txBody>
-      </p:sp>
-      <p:sp>
-        <p:nvSpPr>
-          <p:cNvPr id="79" name="CasellaDiTesto 78">
-            <a:extLst>
-              <a:ext uri="{FF2B5EF4-FFF2-40B4-BE49-F238E27FC236}">
-                <a16:creationId xmlns:a16="http://schemas.microsoft.com/office/drawing/2014/main" id="{C351A0A9-A2DF-48B6-A56C-B4AF7945CCE3}"/>
-              </a:ext>
-            </a:extLst>
-          </p:cNvPr>
-          <p:cNvSpPr txBox="1"/>
-          <p:nvPr/>
-        </p:nvSpPr>
-        <p:spPr>
-          <a:xfrm>
-            <a:off x="3869672" y="4014854"/>
-            <a:ext cx="991214" cy="338554"/>
-          </a:xfrm>
-          <a:prstGeom prst="rect">
-            <a:avLst/>
-          </a:prstGeom>
-          <a:noFill/>
-        </p:spPr>
-        <p:txBody>
-          <a:bodyPr wrap="square" rtlCol="0">
-            <a:spAutoFit/>
-          </a:bodyPr>
-          <a:lstStyle/>
-          <a:p>
-            <a:pPr algn="r"/>
-            <a:r>
-              <a:rPr lang="it-IT" sz="800" b="1" dirty="0">
-                <a:solidFill>
-                  <a:schemeClr val="bg1"/>
-                </a:solidFill>
-                <a:latin typeface="Calibri" panose="020F0502020204030204" pitchFamily="34" charset="0"/>
-                <a:ea typeface="Calibri" panose="020F0502020204030204" pitchFamily="34" charset="0"/>
-                <a:cs typeface="Calibri" panose="020F0502020204030204" pitchFamily="34" charset="0"/>
-              </a:rPr>
-              <a:t>AUTOMATIC DOOR</a:t>
-            </a:r>
-          </a:p>
-        </p:txBody>
-      </p:sp>
-      <p:cxnSp>
-        <p:nvCxnSpPr>
-          <p:cNvPr id="80" name="Connettore diritto 79">
-            <a:extLst>
-              <a:ext uri="{FF2B5EF4-FFF2-40B4-BE49-F238E27FC236}">
-                <a16:creationId xmlns:a16="http://schemas.microsoft.com/office/drawing/2014/main" id="{11A574D6-8C72-7DD5-CFA3-2201C6744CFF}"/>
-              </a:ext>
-            </a:extLst>
-          </p:cNvPr>
-          <p:cNvCxnSpPr>
-            <a:cxnSpLocks/>
-          </p:cNvCxnSpPr>
-          <p:nvPr/>
-        </p:nvCxnSpPr>
-        <p:spPr>
-          <a:xfrm flipV="1">
-            <a:off x="4918398" y="4261968"/>
-            <a:ext cx="861275" cy="470807"/>
-          </a:xfrm>
-          <a:prstGeom prst="line">
-            <a:avLst/>
-          </a:prstGeom>
-          <a:ln>
-            <a:solidFill>
-              <a:srgbClr val="F5F3F4"/>
-            </a:solidFill>
-          </a:ln>
-        </p:spPr>
-        <p:style>
-          <a:lnRef idx="2">
-            <a:schemeClr val="accent1"/>
-          </a:lnRef>
-          <a:fillRef idx="0">
-            <a:schemeClr val="accent1"/>
-          </a:fillRef>
-          <a:effectRef idx="1">
-            <a:schemeClr val="accent1"/>
-          </a:effectRef>
-          <a:fontRef idx="minor">
-            <a:schemeClr val="tx1"/>
-          </a:fontRef>
-        </p:style>
-      </p:cxnSp>
-      <p:sp>
-        <p:nvSpPr>
-          <p:cNvPr id="76" name="Rettangolo con angoli arrotondati 75">
-            <a:extLst>
-              <a:ext uri="{FF2B5EF4-FFF2-40B4-BE49-F238E27FC236}">
-                <a16:creationId xmlns:a16="http://schemas.microsoft.com/office/drawing/2014/main" id="{96BC7815-417A-17D5-2897-A40D63F2FB52}"/>
-              </a:ext>
-            </a:extLst>
-          </p:cNvPr>
-          <p:cNvSpPr/>
-          <p:nvPr/>
-        </p:nvSpPr>
-        <p:spPr>
-          <a:xfrm>
-            <a:off x="4856702" y="4079238"/>
-            <a:ext cx="91794" cy="1115066"/>
-          </a:xfrm>
-          <a:prstGeom prst="roundRect">
-            <a:avLst>
-              <a:gd name="adj" fmla="val 8991"/>
-            </a:avLst>
-          </a:prstGeom>
-          <a:solidFill>
-            <a:srgbClr val="161A1D"/>
-          </a:solidFill>
-          <a:ln w="12700">
-            <a:solidFill>
-              <a:srgbClr val="FCA311"/>
-            </a:solidFill>
-          </a:ln>
-        </p:spPr>
-        <p:style>
-          <a:lnRef idx="2">
-            <a:schemeClr val="accent1">
-              <a:shade val="15000"/>
-            </a:schemeClr>
-          </a:lnRef>
-          <a:fillRef idx="1">
-            <a:schemeClr val="accent1"/>
-          </a:fillRef>
-          <a:effectRef idx="0">
-            <a:schemeClr val="accent1"/>
-          </a:effectRef>
-          <a:fontRef idx="minor">
-            <a:schemeClr val="lt1"/>
-          </a:fontRef>
-        </p:style>
-        <p:txBody>
-          <a:bodyPr rtlCol="0" anchor="ctr"/>
-          <a:lstStyle/>
-          <a:p>
-            <a:pPr algn="ctr"/>
-            <a:endParaRPr lang="it-IT"/>
-          </a:p>
-        </p:txBody>
-      </p:sp>
-      <p:cxnSp>
-        <p:nvCxnSpPr>
-          <p:cNvPr id="3" name="Connettore diritto 2">
-            <a:extLst>
-              <a:ext uri="{FF2B5EF4-FFF2-40B4-BE49-F238E27FC236}">
-                <a16:creationId xmlns:a16="http://schemas.microsoft.com/office/drawing/2014/main" id="{5E025A52-33A0-A970-E923-EAD88F137F19}"/>
-              </a:ext>
-            </a:extLst>
-          </p:cNvPr>
-          <p:cNvCxnSpPr>
-            <a:cxnSpLocks/>
-          </p:cNvCxnSpPr>
-          <p:nvPr/>
-        </p:nvCxnSpPr>
-        <p:spPr>
-          <a:xfrm>
-            <a:off x="1648420" y="5190175"/>
-            <a:ext cx="8895159" cy="0"/>
-          </a:xfrm>
-          <a:prstGeom prst="line">
-            <a:avLst/>
-          </a:prstGeom>
-          <a:ln w="38100">
-            <a:solidFill>
-              <a:srgbClr val="D3D3D3"/>
-            </a:solidFill>
-          </a:ln>
-        </p:spPr>
-        <p:style>
-          <a:lnRef idx="2">
-            <a:schemeClr val="accent1"/>
-          </a:lnRef>
-          <a:fillRef idx="0">
-            <a:schemeClr val="accent1"/>
-          </a:fillRef>
-          <a:effectRef idx="1">
-            <a:schemeClr val="accent1"/>
-          </a:effectRef>
-          <a:fontRef idx="minor">
-            <a:schemeClr val="tx1"/>
-          </a:fontRef>
-        </p:style>
-      </p:cxnSp>
-      <p:sp>
-        <p:nvSpPr>
-          <p:cNvPr id="84" name="Rettangolo con angoli arrotondati 83">
-            <a:extLst>
-              <a:ext uri="{FF2B5EF4-FFF2-40B4-BE49-F238E27FC236}">
-                <a16:creationId xmlns:a16="http://schemas.microsoft.com/office/drawing/2014/main" id="{6BF85A10-6A08-A1BD-BD96-8551195189EC}"/>
-              </a:ext>
-            </a:extLst>
-          </p:cNvPr>
-          <p:cNvSpPr/>
-          <p:nvPr/>
-        </p:nvSpPr>
-        <p:spPr>
-          <a:xfrm>
-            <a:off x="5781899" y="3959948"/>
-            <a:ext cx="544289" cy="595783"/>
-          </a:xfrm>
-          <a:prstGeom prst="roundRect">
-            <a:avLst>
-              <a:gd name="adj" fmla="val 8991"/>
-            </a:avLst>
-          </a:prstGeom>
-          <a:noFill/>
-          <a:ln w="28575">
-            <a:solidFill>
-              <a:srgbClr val="F5F3F4"/>
-            </a:solidFill>
-          </a:ln>
-        </p:spPr>
-        <p:style>
-          <a:lnRef idx="2">
-            <a:schemeClr val="accent1">
-              <a:shade val="15000"/>
-            </a:schemeClr>
-          </a:lnRef>
-          <a:fillRef idx="1">
-            <a:schemeClr val="accent1"/>
-          </a:fillRef>
-          <a:effectRef idx="0">
-            <a:schemeClr val="accent1"/>
-          </a:effectRef>
-          <a:fontRef idx="minor">
-            <a:schemeClr val="lt1"/>
-          </a:fontRef>
-        </p:style>
-        <p:txBody>
-          <a:bodyPr rtlCol="0" anchor="ctr"/>
-          <a:lstStyle/>
-          <a:p>
-            <a:pPr algn="ctr"/>
-            <a:endParaRPr lang="it-IT"/>
-          </a:p>
-        </p:txBody>
-      </p:sp>
-      <p:sp>
-        <p:nvSpPr>
-          <p:cNvPr id="85" name="CasellaDiTesto 84">
-            <a:extLst>
-              <a:ext uri="{FF2B5EF4-FFF2-40B4-BE49-F238E27FC236}">
-                <a16:creationId xmlns:a16="http://schemas.microsoft.com/office/drawing/2014/main" id="{2108DB2D-DCEF-171F-70AB-93C8A98F2CDA}"/>
-              </a:ext>
-            </a:extLst>
-          </p:cNvPr>
-          <p:cNvSpPr txBox="1"/>
-          <p:nvPr/>
-        </p:nvSpPr>
-        <p:spPr>
-          <a:xfrm>
-            <a:off x="5441410" y="4580343"/>
-            <a:ext cx="1225265" cy="215444"/>
-          </a:xfrm>
-          <a:prstGeom prst="rect">
-            <a:avLst/>
-          </a:prstGeom>
-          <a:noFill/>
-        </p:spPr>
-        <p:txBody>
-          <a:bodyPr wrap="square" rtlCol="0">
-            <a:spAutoFit/>
-          </a:bodyPr>
-          <a:lstStyle/>
-          <a:p>
-            <a:pPr algn="ctr"/>
-            <a:r>
-              <a:rPr lang="it-IT" sz="800" b="1" dirty="0">
-                <a:solidFill>
-                  <a:schemeClr val="bg1"/>
-                </a:solidFill>
-                <a:latin typeface="Calibri" panose="020F0502020204030204" pitchFamily="34" charset="0"/>
-                <a:ea typeface="Calibri" panose="020F0502020204030204" pitchFamily="34" charset="0"/>
-                <a:cs typeface="Calibri" panose="020F0502020204030204" pitchFamily="34" charset="0"/>
-              </a:rPr>
-              <a:t>MANUAL OPENING</a:t>
-            </a:r>
-          </a:p>
-        </p:txBody>
-      </p:sp>
-      <p:grpSp>
-        <p:nvGrpSpPr>
-          <p:cNvPr id="88" name="Gruppo 87">
-            <a:extLst>
-              <a:ext uri="{FF2B5EF4-FFF2-40B4-BE49-F238E27FC236}">
-                <a16:creationId xmlns:a16="http://schemas.microsoft.com/office/drawing/2014/main" id="{0B4D3C74-B537-F8F7-BD54-874C96CE77DB}"/>
-              </a:ext>
-            </a:extLst>
-          </p:cNvPr>
-          <p:cNvGrpSpPr/>
-          <p:nvPr/>
-        </p:nvGrpSpPr>
-        <p:grpSpPr>
-          <a:xfrm>
-            <a:off x="5931325" y="4129385"/>
-            <a:ext cx="253764" cy="253764"/>
-            <a:chOff x="5931325" y="4129385"/>
-            <a:chExt cx="253764" cy="253764"/>
-          </a:xfrm>
-        </p:grpSpPr>
-        <p:sp>
-          <p:nvSpPr>
-            <p:cNvPr id="86" name="Ovale 85">
-              <a:extLst>
-                <a:ext uri="{FF2B5EF4-FFF2-40B4-BE49-F238E27FC236}">
-                  <a16:creationId xmlns:a16="http://schemas.microsoft.com/office/drawing/2014/main" id="{6DE31C60-E587-B5E6-E783-ED55E9D2126B}"/>
-                </a:ext>
-              </a:extLst>
-            </p:cNvPr>
-            <p:cNvSpPr/>
-            <p:nvPr/>
-          </p:nvSpPr>
-          <p:spPr>
-            <a:xfrm>
-              <a:off x="5931325" y="4129385"/>
-              <a:ext cx="253764" cy="253764"/>
-            </a:xfrm>
-            <a:prstGeom prst="ellipse">
-              <a:avLst/>
-            </a:prstGeom>
-            <a:noFill/>
-            <a:ln w="28575">
-              <a:solidFill>
-                <a:srgbClr val="B1A7A6"/>
-              </a:solidFill>
-            </a:ln>
-          </p:spPr>
-          <p:style>
-            <a:lnRef idx="2">
-              <a:schemeClr val="accent1">
-                <a:shade val="15000"/>
-              </a:schemeClr>
-            </a:lnRef>
-            <a:fillRef idx="1">
-              <a:schemeClr val="accent1"/>
-            </a:fillRef>
-            <a:effectRef idx="0">
-              <a:schemeClr val="accent1"/>
-            </a:effectRef>
-            <a:fontRef idx="minor">
-              <a:schemeClr val="lt1"/>
-            </a:fontRef>
-          </p:style>
-          <p:txBody>
-            <a:bodyPr rtlCol="0" anchor="ctr"/>
-            <a:lstStyle/>
-            <a:p>
-              <a:pPr algn="ctr"/>
-              <a:endParaRPr lang="it-IT"/>
-            </a:p>
-          </p:txBody>
-        </p:sp>
-        <p:sp>
-          <p:nvSpPr>
-            <p:cNvPr id="87" name="Ovale 86">
-              <a:extLst>
-                <a:ext uri="{FF2B5EF4-FFF2-40B4-BE49-F238E27FC236}">
-                  <a16:creationId xmlns:a16="http://schemas.microsoft.com/office/drawing/2014/main" id="{2DAA5A0A-2C51-16A7-916C-3F2C5E38B0CF}"/>
-                </a:ext>
-              </a:extLst>
-            </p:cNvPr>
-            <p:cNvSpPr/>
-            <p:nvPr/>
-          </p:nvSpPr>
-          <p:spPr>
-            <a:xfrm>
-              <a:off x="5983402" y="4178884"/>
-              <a:ext cx="154300" cy="154300"/>
-            </a:xfrm>
-            <a:prstGeom prst="ellipse">
-              <a:avLst/>
-            </a:prstGeom>
-            <a:solidFill>
-              <a:srgbClr val="F5F3F4"/>
-            </a:solidFill>
-            <a:ln>
-              <a:noFill/>
-            </a:ln>
-          </p:spPr>
-          <p:style>
-            <a:lnRef idx="2">
-              <a:schemeClr val="accent1">
-                <a:shade val="15000"/>
-              </a:schemeClr>
-            </a:lnRef>
-            <a:fillRef idx="1">
-              <a:schemeClr val="accent1"/>
-            </a:fillRef>
-            <a:effectRef idx="0">
-              <a:schemeClr val="accent1"/>
-            </a:effectRef>
-            <a:fontRef idx="minor">
-              <a:schemeClr val="lt1"/>
-            </a:fontRef>
-          </p:style>
-          <p:txBody>
-            <a:bodyPr rtlCol="0" anchor="ctr"/>
-            <a:lstStyle/>
-            <a:p>
-              <a:pPr algn="ctr"/>
-              <a:endParaRPr lang="it-IT"/>
-            </a:p>
-          </p:txBody>
-        </p:sp>
-      </p:grpSp>
-      <p:pic>
-        <p:nvPicPr>
-          <p:cNvPr id="90" name="Immagine 89" descr="Immagine che contiene creatività&#10;&#10;Descrizione generata automaticamente con attendibilità bassa">
-            <a:extLst>
-              <a:ext uri="{FF2B5EF4-FFF2-40B4-BE49-F238E27FC236}">
-                <a16:creationId xmlns:a16="http://schemas.microsoft.com/office/drawing/2014/main" id="{4DA6205B-3587-4851-9C02-32A3B6EE38E4}"/>
-              </a:ext>
-            </a:extLst>
-          </p:cNvPr>
-          <p:cNvPicPr>
-            <a:picLocks noChangeAspect="1"/>
-          </p:cNvPicPr>
-          <p:nvPr/>
-        </p:nvPicPr>
-        <p:blipFill>
-          <a:blip r:embed="rId6">
-            <a:extLst>
-              <a:ext uri="{28A0092B-C50C-407E-A947-70E740481C1C}">
-                <a14:useLocalDpi xmlns:a14="http://schemas.microsoft.com/office/drawing/2010/main" val="0"/>
-              </a:ext>
-            </a:extLst>
-          </a:blip>
-          <a:stretch>
-            <a:fillRect/>
-          </a:stretch>
-        </p:blipFill>
-        <p:spPr>
-          <a:xfrm>
-            <a:off x="9031392" y="2720004"/>
-            <a:ext cx="602774" cy="602774"/>
-          </a:xfrm>
-          <a:prstGeom prst="rect">
-            <a:avLst/>
-          </a:prstGeom>
-        </p:spPr>
-      </p:pic>
-      <p:sp>
-        <p:nvSpPr>
-          <p:cNvPr id="91" name="Rettangolo con angoli arrotondati 90">
-            <a:extLst>
-              <a:ext uri="{FF2B5EF4-FFF2-40B4-BE49-F238E27FC236}">
-                <a16:creationId xmlns:a16="http://schemas.microsoft.com/office/drawing/2014/main" id="{8CC67033-76AB-7207-8E9F-ADBB51360A06}"/>
-              </a:ext>
-            </a:extLst>
-          </p:cNvPr>
-          <p:cNvSpPr/>
-          <p:nvPr/>
-        </p:nvSpPr>
-        <p:spPr>
-          <a:xfrm>
-            <a:off x="8948422" y="2626195"/>
-            <a:ext cx="768716" cy="790392"/>
-          </a:xfrm>
-          <a:prstGeom prst="roundRect">
-            <a:avLst>
-              <a:gd name="adj" fmla="val 8991"/>
-            </a:avLst>
-          </a:prstGeom>
-          <a:noFill/>
-          <a:ln w="28575">
-            <a:solidFill>
-              <a:srgbClr val="F5F3F4"/>
-            </a:solidFill>
-          </a:ln>
-        </p:spPr>
-        <p:style>
-          <a:lnRef idx="2">
-            <a:schemeClr val="accent1">
-              <a:shade val="15000"/>
-            </a:schemeClr>
-          </a:lnRef>
-          <a:fillRef idx="1">
-            <a:schemeClr val="accent1"/>
-          </a:fillRef>
-          <a:effectRef idx="0">
-            <a:schemeClr val="accent1"/>
-          </a:effectRef>
-          <a:fontRef idx="minor">
-            <a:schemeClr val="lt1"/>
-          </a:fontRef>
-        </p:style>
-        <p:txBody>
-          <a:bodyPr rtlCol="0" anchor="ctr"/>
-          <a:lstStyle/>
-          <a:p>
-            <a:pPr algn="ctr"/>
-            <a:endParaRPr lang="it-IT"/>
-          </a:p>
-        </p:txBody>
-      </p:sp>
-      <p:sp>
-        <p:nvSpPr>
-          <p:cNvPr id="92" name="CasellaDiTesto 91">
-            <a:extLst>
-              <a:ext uri="{FF2B5EF4-FFF2-40B4-BE49-F238E27FC236}">
-                <a16:creationId xmlns:a16="http://schemas.microsoft.com/office/drawing/2014/main" id="{2A6B7E67-D8BA-6EDD-1E4B-5EF8FE200F0F}"/>
-              </a:ext>
-            </a:extLst>
-          </p:cNvPr>
-          <p:cNvSpPr txBox="1"/>
-          <p:nvPr/>
-        </p:nvSpPr>
-        <p:spPr>
-          <a:xfrm>
-            <a:off x="8720146" y="3441414"/>
-            <a:ext cx="1225265" cy="215444"/>
-          </a:xfrm>
-          <a:prstGeom prst="rect">
-            <a:avLst/>
-          </a:prstGeom>
-          <a:noFill/>
-        </p:spPr>
-        <p:txBody>
-          <a:bodyPr wrap="square" rtlCol="0">
-            <a:spAutoFit/>
-          </a:bodyPr>
-          <a:lstStyle/>
-          <a:p>
-            <a:pPr algn="ctr"/>
-            <a:r>
-              <a:rPr lang="it-IT" sz="800" b="1" dirty="0">
-                <a:solidFill>
-                  <a:schemeClr val="bg1"/>
-                </a:solidFill>
-                <a:latin typeface="Calibri" panose="020F0502020204030204" pitchFamily="34" charset="0"/>
-                <a:ea typeface="Calibri" panose="020F0502020204030204" pitchFamily="34" charset="0"/>
-                <a:cs typeface="Calibri" panose="020F0502020204030204" pitchFamily="34" charset="0"/>
-              </a:rPr>
-              <a:t>HVAC SYSTEM</a:t>
-            </a:r>
-          </a:p>
-        </p:txBody>
-      </p:sp>
-      <p:pic>
-        <p:nvPicPr>
-          <p:cNvPr id="94" name="Elemento grafico 93" descr="Termometro con riempimento a tinta unita">
-            <a:extLst>
-              <a:ext uri="{FF2B5EF4-FFF2-40B4-BE49-F238E27FC236}">
-                <a16:creationId xmlns:a16="http://schemas.microsoft.com/office/drawing/2014/main" id="{26523283-6B84-0375-9763-31FB0015A164}"/>
-              </a:ext>
-            </a:extLst>
-          </p:cNvPr>
-          <p:cNvPicPr>
-            <a:picLocks noChangeAspect="1"/>
-          </p:cNvPicPr>
-          <p:nvPr/>
-        </p:nvPicPr>
-        <p:blipFill>
-          <a:blip r:embed="rId7">
-            <a:extLst>
-              <a:ext uri="{28A0092B-C50C-407E-A947-70E740481C1C}">
-                <a14:useLocalDpi xmlns:a14="http://schemas.microsoft.com/office/drawing/2010/main" val="0"/>
-              </a:ext>
-              <a:ext uri="{96DAC541-7B7A-43D3-8B79-37D633B846F1}">
-                <asvg:svgBlip xmlns:asvg="http://schemas.microsoft.com/office/drawing/2016/SVG/main" r:embed="rId8"/>
-              </a:ext>
-            </a:extLst>
-          </a:blip>
-          <a:stretch>
-            <a:fillRect/>
-          </a:stretch>
-        </p:blipFill>
-        <p:spPr>
-          <a:xfrm>
-            <a:off x="9023477" y="3981822"/>
-            <a:ext cx="615890" cy="615890"/>
-          </a:xfrm>
-          <a:prstGeom prst="rect">
-            <a:avLst/>
-          </a:prstGeom>
-        </p:spPr>
-      </p:pic>
-      <p:pic>
-        <p:nvPicPr>
-          <p:cNvPr id="96" name="Immagine 95" descr="Immagine che contiene Elementi grafici, clipart, simbolo, Carattere&#10;&#10;Descrizione generata automaticamente">
-            <a:extLst>
-              <a:ext uri="{FF2B5EF4-FFF2-40B4-BE49-F238E27FC236}">
-                <a16:creationId xmlns:a16="http://schemas.microsoft.com/office/drawing/2014/main" id="{4813EE03-1438-5A06-11DE-5E9513E796BB}"/>
-              </a:ext>
-            </a:extLst>
-          </p:cNvPr>
-          <p:cNvPicPr>
-            <a:picLocks noChangeAspect="1"/>
-          </p:cNvPicPr>
-          <p:nvPr/>
-        </p:nvPicPr>
-        <p:blipFill>
-          <a:blip r:embed="rId9">
-            <a:extLst>
-              <a:ext uri="{28A0092B-C50C-407E-A947-70E740481C1C}">
-                <a14:useLocalDpi xmlns:a14="http://schemas.microsoft.com/office/drawing/2010/main" val="0"/>
-              </a:ext>
-            </a:extLst>
-          </a:blip>
-          <a:stretch>
-            <a:fillRect/>
-          </a:stretch>
-        </p:blipFill>
-        <p:spPr>
-          <a:xfrm>
-            <a:off x="7180728" y="2753319"/>
-            <a:ext cx="569459" cy="569459"/>
-          </a:xfrm>
-          <a:prstGeom prst="rect">
-            <a:avLst/>
-          </a:prstGeom>
-        </p:spPr>
-      </p:pic>
-      <p:sp>
-        <p:nvSpPr>
-          <p:cNvPr id="97" name="Rettangolo con angoli arrotondati 96">
-            <a:extLst>
-              <a:ext uri="{FF2B5EF4-FFF2-40B4-BE49-F238E27FC236}">
-                <a16:creationId xmlns:a16="http://schemas.microsoft.com/office/drawing/2014/main" id="{BDD29EAC-2154-DBD1-3FC7-2014B0CFE1B4}"/>
-              </a:ext>
-            </a:extLst>
-          </p:cNvPr>
-          <p:cNvSpPr/>
-          <p:nvPr/>
-        </p:nvSpPr>
-        <p:spPr>
-          <a:xfrm>
-            <a:off x="8947064" y="3894571"/>
-            <a:ext cx="768716" cy="790392"/>
-          </a:xfrm>
-          <a:prstGeom prst="roundRect">
-            <a:avLst>
-              <a:gd name="adj" fmla="val 8991"/>
-            </a:avLst>
-          </a:prstGeom>
-          <a:noFill/>
-          <a:ln w="28575">
-            <a:solidFill>
-              <a:srgbClr val="F5F3F4"/>
-            </a:solidFill>
-          </a:ln>
-        </p:spPr>
-        <p:style>
-          <a:lnRef idx="2">
-            <a:schemeClr val="accent1">
-              <a:shade val="15000"/>
-            </a:schemeClr>
-          </a:lnRef>
-          <a:fillRef idx="1">
-            <a:schemeClr val="accent1"/>
-          </a:fillRef>
-          <a:effectRef idx="0">
-            <a:schemeClr val="accent1"/>
-          </a:effectRef>
-          <a:fontRef idx="minor">
-            <a:schemeClr val="lt1"/>
-          </a:fontRef>
-        </p:style>
-        <p:txBody>
-          <a:bodyPr rtlCol="0" anchor="ctr"/>
-          <a:lstStyle/>
-          <a:p>
-            <a:pPr algn="ctr"/>
-            <a:endParaRPr lang="it-IT"/>
-          </a:p>
-        </p:txBody>
-      </p:sp>
-      <p:sp>
-        <p:nvSpPr>
-          <p:cNvPr id="98" name="CasellaDiTesto 97">
-            <a:extLst>
-              <a:ext uri="{FF2B5EF4-FFF2-40B4-BE49-F238E27FC236}">
-                <a16:creationId xmlns:a16="http://schemas.microsoft.com/office/drawing/2014/main" id="{F4A13957-5E27-3C83-18D1-2186A932A3E9}"/>
-              </a:ext>
-            </a:extLst>
-          </p:cNvPr>
-          <p:cNvSpPr txBox="1"/>
-          <p:nvPr/>
-        </p:nvSpPr>
-        <p:spPr>
-          <a:xfrm>
-            <a:off x="8720146" y="4712851"/>
-            <a:ext cx="1225265" cy="338554"/>
-          </a:xfrm>
-          <a:prstGeom prst="rect">
-            <a:avLst/>
-          </a:prstGeom>
-          <a:noFill/>
-        </p:spPr>
-        <p:txBody>
-          <a:bodyPr wrap="square" rtlCol="0">
-            <a:spAutoFit/>
-          </a:bodyPr>
-          <a:lstStyle/>
-          <a:p>
-            <a:pPr algn="ctr"/>
-            <a:r>
-              <a:rPr lang="it-IT" sz="800" b="1" dirty="0">
-                <a:solidFill>
-                  <a:schemeClr val="bg1"/>
-                </a:solidFill>
-                <a:latin typeface="Calibri" panose="020F0502020204030204" pitchFamily="34" charset="0"/>
-                <a:ea typeface="Calibri" panose="020F0502020204030204" pitchFamily="34" charset="0"/>
-                <a:cs typeface="Calibri" panose="020F0502020204030204" pitchFamily="34" charset="0"/>
-              </a:rPr>
-              <a:t>TEMPERATURE </a:t>
-            </a:r>
-            <a:r>
-              <a:rPr lang="it-IT" sz="800" dirty="0">
-                <a:solidFill>
-                  <a:schemeClr val="bg1"/>
-                </a:solidFill>
-                <a:latin typeface="Calibri" panose="020F0502020204030204" pitchFamily="34" charset="0"/>
-                <a:ea typeface="Calibri" panose="020F0502020204030204" pitchFamily="34" charset="0"/>
-                <a:cs typeface="Calibri" panose="020F0502020204030204" pitchFamily="34" charset="0"/>
-              </a:rPr>
-              <a:t>and</a:t>
-            </a:r>
-            <a:r>
-              <a:rPr lang="it-IT" sz="800" b="1" dirty="0">
-                <a:solidFill>
-                  <a:schemeClr val="bg1"/>
-                </a:solidFill>
-                <a:latin typeface="Calibri" panose="020F0502020204030204" pitchFamily="34" charset="0"/>
-                <a:ea typeface="Calibri" panose="020F0502020204030204" pitchFamily="34" charset="0"/>
-                <a:cs typeface="Calibri" panose="020F0502020204030204" pitchFamily="34" charset="0"/>
-              </a:rPr>
-              <a:t> HUMIDITY SENSOR</a:t>
-            </a:r>
-          </a:p>
-        </p:txBody>
-      </p:sp>
-      <p:sp>
-        <p:nvSpPr>
-          <p:cNvPr id="99" name="CasellaDiTesto 98">
-            <a:extLst>
-              <a:ext uri="{FF2B5EF4-FFF2-40B4-BE49-F238E27FC236}">
-                <a16:creationId xmlns:a16="http://schemas.microsoft.com/office/drawing/2014/main" id="{675C21C0-CE3B-53C0-AA00-D2DB84EC9677}"/>
-              </a:ext>
-            </a:extLst>
-          </p:cNvPr>
-          <p:cNvSpPr txBox="1"/>
-          <p:nvPr/>
-        </p:nvSpPr>
-        <p:spPr>
-          <a:xfrm>
-            <a:off x="6852824" y="3337346"/>
-            <a:ext cx="1225265" cy="215444"/>
-          </a:xfrm>
-          <a:prstGeom prst="rect">
-            <a:avLst/>
-          </a:prstGeom>
-          <a:noFill/>
-        </p:spPr>
-        <p:txBody>
-          <a:bodyPr wrap="square" rtlCol="0">
-            <a:spAutoFit/>
-          </a:bodyPr>
-          <a:lstStyle/>
-          <a:p>
-            <a:pPr algn="ctr"/>
-            <a:r>
-              <a:rPr lang="it-IT" sz="800" b="1" dirty="0">
-                <a:solidFill>
-                  <a:schemeClr val="bg1"/>
-                </a:solidFill>
-                <a:latin typeface="Calibri" panose="020F0502020204030204" pitchFamily="34" charset="0"/>
-                <a:ea typeface="Calibri" panose="020F0502020204030204" pitchFamily="34" charset="0"/>
-                <a:cs typeface="Calibri" panose="020F0502020204030204" pitchFamily="34" charset="0"/>
-              </a:rPr>
-              <a:t>CO2 SENSOR</a:t>
-            </a:r>
-          </a:p>
-        </p:txBody>
-      </p:sp>
-      <p:sp>
-        <p:nvSpPr>
-          <p:cNvPr id="2" name="CasellaDiTesto 1">
-            <a:extLst>
-              <a:ext uri="{FF2B5EF4-FFF2-40B4-BE49-F238E27FC236}">
-                <a16:creationId xmlns:a16="http://schemas.microsoft.com/office/drawing/2014/main" id="{7B312FCC-1772-8EC2-3FC0-D779F0C33214}"/>
-              </a:ext>
-            </a:extLst>
-          </p:cNvPr>
-          <p:cNvSpPr txBox="1"/>
-          <p:nvPr/>
-        </p:nvSpPr>
-        <p:spPr>
-          <a:xfrm>
-            <a:off x="6095999" y="3071937"/>
-            <a:ext cx="1225265" cy="215444"/>
-          </a:xfrm>
-          <a:prstGeom prst="rect">
-            <a:avLst/>
-          </a:prstGeom>
-          <a:noFill/>
-        </p:spPr>
-        <p:txBody>
-          <a:bodyPr wrap="square" rtlCol="0">
-            <a:spAutoFit/>
-          </a:bodyPr>
-          <a:lstStyle/>
-          <a:p>
-            <a:pPr algn="ctr"/>
-            <a:r>
-              <a:rPr lang="it-IT" sz="800" b="1" dirty="0">
-                <a:solidFill>
-                  <a:srgbClr val="FCA311"/>
-                </a:solidFill>
-                <a:latin typeface="Calibri" panose="020F0502020204030204" pitchFamily="34" charset="0"/>
-                <a:ea typeface="Calibri" panose="020F0502020204030204" pitchFamily="34" charset="0"/>
-                <a:cs typeface="Calibri" panose="020F0502020204030204" pitchFamily="34" charset="0"/>
-              </a:rPr>
-              <a:t>CAMBIARE IN CO</a:t>
-            </a:r>
-          </a:p>
-        </p:txBody>
-      </p:sp>
-    </p:spTree>
-    <p:extLst>
-      <p:ext uri="{BB962C8B-B14F-4D97-AF65-F5344CB8AC3E}">
-        <p14:creationId xmlns:p14="http://schemas.microsoft.com/office/powerpoint/2010/main" val="43995529"/>
-      </p:ext>
-    </p:extLst>
-  </p:cSld>
-  <p:clrMapOvr>
-    <a:masterClrMapping/>
-  </p:clrMapOvr>
-</p:sld>
-</file>
-
-<file path=ppt/slides/slide3.xml><?xml version="1.0" encoding="utf-8"?>
 <p:sld xmlns:a="http://schemas.openxmlformats.org/drawingml/2006/main" xmlns:r="http://schemas.openxmlformats.org/officeDocument/2006/relationships" xmlns:p="http://schemas.openxmlformats.org/presentationml/2006/main">
   <p:cSld>
     <p:bg>
@@ -7995,3632 +6475,7 @@
 </p:sld>
 </file>
 
-<file path=ppt/slides/slide4.xml><?xml version="1.0" encoding="utf-8"?>
-<p:sld xmlns:a="http://schemas.openxmlformats.org/drawingml/2006/main" xmlns:r="http://schemas.openxmlformats.org/officeDocument/2006/relationships" xmlns:p="http://schemas.openxmlformats.org/presentationml/2006/main">
-  <p:cSld>
-    <p:bg>
-      <p:bgPr>
-        <a:solidFill>
-          <a:schemeClr val="bg1"/>
-        </a:solidFill>
-        <a:effectLst/>
-      </p:bgPr>
-    </p:bg>
-    <p:spTree>
-      <p:nvGrpSpPr>
-        <p:cNvPr id="1" name=""/>
-        <p:cNvGrpSpPr/>
-        <p:nvPr/>
-      </p:nvGrpSpPr>
-      <p:grpSpPr>
-        <a:xfrm>
-          <a:off x="0" y="0"/>
-          <a:ext cx="0" cy="0"/>
-          <a:chOff x="0" y="0"/>
-          <a:chExt cx="0" cy="0"/>
-        </a:xfrm>
-      </p:grpSpPr>
-      <p:sp>
-        <p:nvSpPr>
-          <p:cNvPr id="26" name="Rettangolo con angoli arrotondati 25">
-            <a:extLst>
-              <a:ext uri="{FF2B5EF4-FFF2-40B4-BE49-F238E27FC236}">
-                <a16:creationId xmlns:a16="http://schemas.microsoft.com/office/drawing/2014/main" id="{C1C1E9C8-6B97-B5E3-CAD4-8FFA656C4AD3}"/>
-              </a:ext>
-            </a:extLst>
-          </p:cNvPr>
-          <p:cNvSpPr>
-            <a:spLocks noGrp="1" noRot="1" noMove="1" noResize="1" noEditPoints="1" noAdjustHandles="1" noChangeArrowheads="1" noChangeShapeType="1"/>
-          </p:cNvSpPr>
-          <p:nvPr/>
-        </p:nvSpPr>
-        <p:spPr>
-          <a:xfrm>
-            <a:off x="971355" y="785515"/>
-            <a:ext cx="10249291" cy="5286970"/>
-          </a:xfrm>
-          <a:prstGeom prst="roundRect">
-            <a:avLst>
-              <a:gd name="adj" fmla="val 8991"/>
-            </a:avLst>
-          </a:prstGeom>
-          <a:solidFill>
-            <a:srgbClr val="F5F3F4"/>
-          </a:solidFill>
-          <a:ln>
-            <a:noFill/>
-          </a:ln>
-        </p:spPr>
-        <p:style>
-          <a:lnRef idx="2">
-            <a:schemeClr val="accent1">
-              <a:shade val="15000"/>
-            </a:schemeClr>
-          </a:lnRef>
-          <a:fillRef idx="1">
-            <a:schemeClr val="accent1"/>
-          </a:fillRef>
-          <a:effectRef idx="0">
-            <a:schemeClr val="accent1"/>
-          </a:effectRef>
-          <a:fontRef idx="minor">
-            <a:schemeClr val="lt1"/>
-          </a:fontRef>
-        </p:style>
-        <p:txBody>
-          <a:bodyPr rtlCol="0" anchor="ctr"/>
-          <a:lstStyle/>
-          <a:p>
-            <a:pPr algn="ctr"/>
-            <a:endParaRPr lang="it-IT" dirty="0"/>
-          </a:p>
-        </p:txBody>
-      </p:sp>
-      <p:pic>
-        <p:nvPicPr>
-          <p:cNvPr id="25" name="Immagine 24" descr="Immagine che contiene elettronica, Componente elettrico, Componente di circuito, circuito&#10;&#10;Descrizione generata automaticamente">
-            <a:extLst>
-              <a:ext uri="{FF2B5EF4-FFF2-40B4-BE49-F238E27FC236}">
-                <a16:creationId xmlns:a16="http://schemas.microsoft.com/office/drawing/2014/main" id="{F131E02B-6B2C-235E-4F51-8935736D6BA9}"/>
-              </a:ext>
-            </a:extLst>
-          </p:cNvPr>
-          <p:cNvPicPr>
-            <a:picLocks noChangeAspect="1"/>
-          </p:cNvPicPr>
-          <p:nvPr/>
-        </p:nvPicPr>
-        <p:blipFill>
-          <a:blip r:embed="rId2">
-            <a:extLst>
-              <a:ext uri="{28A0092B-C50C-407E-A947-70E740481C1C}">
-                <a14:useLocalDpi xmlns:a14="http://schemas.microsoft.com/office/drawing/2010/main" val="0"/>
-              </a:ext>
-            </a:extLst>
-          </a:blip>
-          <a:stretch>
-            <a:fillRect/>
-          </a:stretch>
-        </p:blipFill>
-        <p:spPr>
-          <a:xfrm>
-            <a:off x="2047094" y="1624836"/>
-            <a:ext cx="505320" cy="1082829"/>
-          </a:xfrm>
-          <a:prstGeom prst="rect">
-            <a:avLst/>
-          </a:prstGeom>
-        </p:spPr>
-      </p:pic>
-      <p:pic>
-        <p:nvPicPr>
-          <p:cNvPr id="77" name="Elemento grafico 76" descr="Portatile con riempimento a tinta unita">
-            <a:extLst>
-              <a:ext uri="{FF2B5EF4-FFF2-40B4-BE49-F238E27FC236}">
-                <a16:creationId xmlns:a16="http://schemas.microsoft.com/office/drawing/2014/main" id="{6701FC26-05B8-AE52-4496-319BBA99635D}"/>
-              </a:ext>
-            </a:extLst>
-          </p:cNvPr>
-          <p:cNvPicPr>
-            <a:picLocks noChangeAspect="1"/>
-          </p:cNvPicPr>
-          <p:nvPr/>
-        </p:nvPicPr>
-        <p:blipFill>
-          <a:blip r:embed="rId3">
-            <a:extLst>
-              <a:ext uri="{28A0092B-C50C-407E-A947-70E740481C1C}">
-                <a14:useLocalDpi xmlns:a14="http://schemas.microsoft.com/office/drawing/2010/main" val="0"/>
-              </a:ext>
-              <a:ext uri="{96DAC541-7B7A-43D3-8B79-37D633B846F1}">
-                <asvg:svgBlip xmlns:asvg="http://schemas.microsoft.com/office/drawing/2016/SVG/main" r:embed="rId4"/>
-              </a:ext>
-            </a:extLst>
-          </a:blip>
-          <a:stretch>
-            <a:fillRect/>
-          </a:stretch>
-        </p:blipFill>
-        <p:spPr>
-          <a:xfrm>
-            <a:off x="6164326" y="2773426"/>
-            <a:ext cx="1311149" cy="1311149"/>
-          </a:xfrm>
-          <a:prstGeom prst="rect">
-            <a:avLst/>
-          </a:prstGeom>
-        </p:spPr>
-      </p:pic>
-      <p:grpSp>
-        <p:nvGrpSpPr>
-          <p:cNvPr id="95" name="Gruppo 94">
-            <a:extLst>
-              <a:ext uri="{FF2B5EF4-FFF2-40B4-BE49-F238E27FC236}">
-                <a16:creationId xmlns:a16="http://schemas.microsoft.com/office/drawing/2014/main" id="{D19579E9-3990-7722-0F9E-0683BF718B41}"/>
-              </a:ext>
-            </a:extLst>
-          </p:cNvPr>
-          <p:cNvGrpSpPr/>
-          <p:nvPr/>
-        </p:nvGrpSpPr>
-        <p:grpSpPr>
-          <a:xfrm>
-            <a:off x="-196045" y="2835762"/>
-            <a:ext cx="1348298" cy="1348298"/>
-            <a:chOff x="2772622" y="1857493"/>
-            <a:chExt cx="1348298" cy="1348298"/>
-          </a:xfrm>
-        </p:grpSpPr>
-        <p:pic>
-          <p:nvPicPr>
-            <p:cNvPr id="81" name="Elemento grafico 80" descr="Chiavetta USB con riempimento a tinta unita">
-              <a:extLst>
-                <a:ext uri="{FF2B5EF4-FFF2-40B4-BE49-F238E27FC236}">
-                  <a16:creationId xmlns:a16="http://schemas.microsoft.com/office/drawing/2014/main" id="{21729A59-7C80-B10F-C527-2F44CE90FF07}"/>
-                </a:ext>
-              </a:extLst>
-            </p:cNvPr>
-            <p:cNvPicPr>
-              <a:picLocks noChangeAspect="1"/>
-            </p:cNvPicPr>
-            <p:nvPr/>
-          </p:nvPicPr>
-          <p:blipFill>
-            <a:blip r:embed="rId5">
-              <a:extLst>
-                <a:ext uri="{28A0092B-C50C-407E-A947-70E740481C1C}">
-                  <a14:useLocalDpi xmlns:a14="http://schemas.microsoft.com/office/drawing/2010/main" val="0"/>
-                </a:ext>
-                <a:ext uri="{96DAC541-7B7A-43D3-8B79-37D633B846F1}">
-                  <asvg:svgBlip xmlns:asvg="http://schemas.microsoft.com/office/drawing/2016/SVG/main" r:embed="rId6"/>
-                </a:ext>
-              </a:extLst>
-            </a:blip>
-            <a:stretch>
-              <a:fillRect/>
-            </a:stretch>
-          </p:blipFill>
-          <p:spPr>
-            <a:xfrm rot="-2700000">
-              <a:off x="2772622" y="1857493"/>
-              <a:ext cx="1348298" cy="1348298"/>
-            </a:xfrm>
-            <a:prstGeom prst="rect">
-              <a:avLst/>
-            </a:prstGeom>
-          </p:spPr>
-        </p:pic>
-        <p:sp>
-          <p:nvSpPr>
-            <p:cNvPr id="89" name="CasellaDiTesto 88">
-              <a:extLst>
-                <a:ext uri="{FF2B5EF4-FFF2-40B4-BE49-F238E27FC236}">
-                  <a16:creationId xmlns:a16="http://schemas.microsoft.com/office/drawing/2014/main" id="{DD4A2177-3F82-212B-B58A-C76CC479BE22}"/>
-                </a:ext>
-              </a:extLst>
-            </p:cNvPr>
-            <p:cNvSpPr txBox="1"/>
-            <p:nvPr/>
-          </p:nvSpPr>
-          <p:spPr>
-            <a:xfrm>
-              <a:off x="2834138" y="2441558"/>
-              <a:ext cx="1225265" cy="307777"/>
-            </a:xfrm>
-            <a:prstGeom prst="rect">
-              <a:avLst/>
-            </a:prstGeom>
-            <a:noFill/>
-          </p:spPr>
-          <p:txBody>
-            <a:bodyPr wrap="square" rtlCol="0">
-              <a:spAutoFit/>
-            </a:bodyPr>
-            <a:lstStyle/>
-            <a:p>
-              <a:pPr algn="ctr"/>
-              <a:r>
-                <a:rPr lang="it-IT" sz="700" b="1" dirty="0">
-                  <a:solidFill>
-                    <a:schemeClr val="bg1"/>
-                  </a:solidFill>
-                  <a:latin typeface="Calibri" panose="020F0502020204030204" pitchFamily="34" charset="0"/>
-                  <a:ea typeface="Calibri" panose="020F0502020204030204" pitchFamily="34" charset="0"/>
-                  <a:cs typeface="Calibri" panose="020F0502020204030204" pitchFamily="34" charset="0"/>
-                </a:rPr>
-                <a:t>nRF52840 </a:t>
-              </a:r>
-            </a:p>
-            <a:p>
-              <a:pPr algn="ctr"/>
-              <a:r>
-                <a:rPr lang="it-IT" sz="700" b="1" dirty="0">
-                  <a:solidFill>
-                    <a:schemeClr val="bg1"/>
-                  </a:solidFill>
-                  <a:latin typeface="Calibri" panose="020F0502020204030204" pitchFamily="34" charset="0"/>
-                  <a:ea typeface="Calibri" panose="020F0502020204030204" pitchFamily="34" charset="0"/>
-                  <a:cs typeface="Calibri" panose="020F0502020204030204" pitchFamily="34" charset="0"/>
-                </a:rPr>
-                <a:t>Dongle</a:t>
-              </a:r>
-            </a:p>
-          </p:txBody>
-        </p:sp>
-        <p:sp>
-          <p:nvSpPr>
-            <p:cNvPr id="93" name="CasellaDiTesto 92">
-              <a:extLst>
-                <a:ext uri="{FF2B5EF4-FFF2-40B4-BE49-F238E27FC236}">
-                  <a16:creationId xmlns:a16="http://schemas.microsoft.com/office/drawing/2014/main" id="{782A6014-EA8B-16CE-5808-F67E943A1E71}"/>
-                </a:ext>
-              </a:extLst>
-            </p:cNvPr>
-            <p:cNvSpPr txBox="1"/>
-            <p:nvPr/>
-          </p:nvSpPr>
-          <p:spPr>
-            <a:xfrm>
-              <a:off x="3050530" y="2833671"/>
-              <a:ext cx="792480" cy="200055"/>
-            </a:xfrm>
-            <a:prstGeom prst="rect">
-              <a:avLst/>
-            </a:prstGeom>
-            <a:noFill/>
-          </p:spPr>
-          <p:txBody>
-            <a:bodyPr wrap="square" rtlCol="0">
-              <a:spAutoFit/>
-            </a:bodyPr>
-            <a:lstStyle/>
-            <a:p>
-              <a:pPr algn="ctr"/>
-              <a:r>
-                <a:rPr lang="it-IT" sz="700" dirty="0">
-                  <a:solidFill>
-                    <a:schemeClr val="bg1"/>
-                  </a:solidFill>
-                  <a:latin typeface="Calibri" panose="020F0502020204030204" pitchFamily="34" charset="0"/>
-                  <a:ea typeface="Calibri" panose="020F0502020204030204" pitchFamily="34" charset="0"/>
-                  <a:cs typeface="Calibri" panose="020F0502020204030204" pitchFamily="34" charset="0"/>
-                </a:rPr>
-                <a:t>NORDIC</a:t>
-              </a:r>
-              <a:endParaRPr lang="it-IT" sz="800" dirty="0">
-                <a:solidFill>
-                  <a:schemeClr val="bg1"/>
-                </a:solidFill>
-                <a:latin typeface="Calibri" panose="020F0502020204030204" pitchFamily="34" charset="0"/>
-                <a:ea typeface="Calibri" panose="020F0502020204030204" pitchFamily="34" charset="0"/>
-                <a:cs typeface="Calibri" panose="020F0502020204030204" pitchFamily="34" charset="0"/>
-              </a:endParaRPr>
-            </a:p>
-          </p:txBody>
-        </p:sp>
-      </p:grpSp>
-      <p:pic>
-        <p:nvPicPr>
-          <p:cNvPr id="100" name="Immagine 99" descr="Immagine che contiene elettronica, Componente elettrico, Componente di circuito, circuito&#10;&#10;Descrizione generata automaticamente">
-            <a:extLst>
-              <a:ext uri="{FF2B5EF4-FFF2-40B4-BE49-F238E27FC236}">
-                <a16:creationId xmlns:a16="http://schemas.microsoft.com/office/drawing/2014/main" id="{2A5D2475-B4C4-B446-80CD-9692B2358CC8}"/>
-              </a:ext>
-            </a:extLst>
-          </p:cNvPr>
-          <p:cNvPicPr>
-            <a:picLocks noChangeAspect="1"/>
-          </p:cNvPicPr>
-          <p:nvPr/>
-        </p:nvPicPr>
-        <p:blipFill>
-          <a:blip r:embed="rId2">
-            <a:extLst>
-              <a:ext uri="{28A0092B-C50C-407E-A947-70E740481C1C}">
-                <a14:useLocalDpi xmlns:a14="http://schemas.microsoft.com/office/drawing/2010/main" val="0"/>
-              </a:ext>
-            </a:extLst>
-          </a:blip>
-          <a:stretch>
-            <a:fillRect/>
-          </a:stretch>
-        </p:blipFill>
-        <p:spPr>
-          <a:xfrm>
-            <a:off x="1773042" y="4063985"/>
-            <a:ext cx="505320" cy="1082829"/>
-          </a:xfrm>
-          <a:prstGeom prst="rect">
-            <a:avLst/>
-          </a:prstGeom>
-        </p:spPr>
-      </p:pic>
-      <p:pic>
-        <p:nvPicPr>
-          <p:cNvPr id="101" name="Immagine 100" descr="Immagine che contiene elettronica, Componente elettrico, Componente di circuito, circuito&#10;&#10;Descrizione generata automaticamente">
-            <a:extLst>
-              <a:ext uri="{FF2B5EF4-FFF2-40B4-BE49-F238E27FC236}">
-                <a16:creationId xmlns:a16="http://schemas.microsoft.com/office/drawing/2014/main" id="{716C0E0A-41ED-23CC-0910-45385EC6DE54}"/>
-              </a:ext>
-            </a:extLst>
-          </p:cNvPr>
-          <p:cNvPicPr>
-            <a:picLocks noChangeAspect="1"/>
-          </p:cNvPicPr>
-          <p:nvPr/>
-        </p:nvPicPr>
-        <p:blipFill>
-          <a:blip r:embed="rId2">
-            <a:extLst>
-              <a:ext uri="{28A0092B-C50C-407E-A947-70E740481C1C}">
-                <a14:useLocalDpi xmlns:a14="http://schemas.microsoft.com/office/drawing/2010/main" val="0"/>
-              </a:ext>
-            </a:extLst>
-          </a:blip>
-          <a:stretch>
-            <a:fillRect/>
-          </a:stretch>
-        </p:blipFill>
-        <p:spPr>
-          <a:xfrm>
-            <a:off x="3031359" y="3183940"/>
-            <a:ext cx="505320" cy="1082829"/>
-          </a:xfrm>
-          <a:prstGeom prst="rect">
-            <a:avLst/>
-          </a:prstGeom>
-        </p:spPr>
-      </p:pic>
-      <p:pic>
-        <p:nvPicPr>
-          <p:cNvPr id="102" name="Immagine 101" descr="Immagine che contiene elettronica, Componente elettrico, Componente di circuito, circuito&#10;&#10;Descrizione generata automaticamente">
-            <a:extLst>
-              <a:ext uri="{FF2B5EF4-FFF2-40B4-BE49-F238E27FC236}">
-                <a16:creationId xmlns:a16="http://schemas.microsoft.com/office/drawing/2014/main" id="{8EB82765-2006-FAC6-31EB-C960485863F3}"/>
-              </a:ext>
-            </a:extLst>
-          </p:cNvPr>
-          <p:cNvPicPr>
-            <a:picLocks noChangeAspect="1"/>
-          </p:cNvPicPr>
-          <p:nvPr/>
-        </p:nvPicPr>
-        <p:blipFill>
-          <a:blip r:embed="rId2">
-            <a:extLst>
-              <a:ext uri="{28A0092B-C50C-407E-A947-70E740481C1C}">
-                <a14:useLocalDpi xmlns:a14="http://schemas.microsoft.com/office/drawing/2010/main" val="0"/>
-              </a:ext>
-            </a:extLst>
-          </a:blip>
-          <a:stretch>
-            <a:fillRect/>
-          </a:stretch>
-        </p:blipFill>
-        <p:spPr>
-          <a:xfrm>
-            <a:off x="3628153" y="1142157"/>
-            <a:ext cx="505320" cy="1082829"/>
-          </a:xfrm>
-          <a:prstGeom prst="rect">
-            <a:avLst/>
-          </a:prstGeom>
-        </p:spPr>
-      </p:pic>
-      <p:pic>
-        <p:nvPicPr>
-          <p:cNvPr id="103" name="Immagine 102" descr="Immagine che contiene elettronica, Componente elettrico, Componente di circuito, circuito&#10;&#10;Descrizione generata automaticamente">
-            <a:extLst>
-              <a:ext uri="{FF2B5EF4-FFF2-40B4-BE49-F238E27FC236}">
-                <a16:creationId xmlns:a16="http://schemas.microsoft.com/office/drawing/2014/main" id="{E4800053-3309-B051-4651-98A413940809}"/>
-              </a:ext>
-            </a:extLst>
-          </p:cNvPr>
-          <p:cNvPicPr>
-            <a:picLocks noChangeAspect="1"/>
-          </p:cNvPicPr>
-          <p:nvPr/>
-        </p:nvPicPr>
-        <p:blipFill>
-          <a:blip r:embed="rId2">
-            <a:extLst>
-              <a:ext uri="{28A0092B-C50C-407E-A947-70E740481C1C}">
-                <a14:useLocalDpi xmlns:a14="http://schemas.microsoft.com/office/drawing/2010/main" val="0"/>
-              </a:ext>
-            </a:extLst>
-          </a:blip>
-          <a:stretch>
-            <a:fillRect/>
-          </a:stretch>
-        </p:blipFill>
-        <p:spPr>
-          <a:xfrm rot="5400000">
-            <a:off x="5568426" y="2809941"/>
-            <a:ext cx="505320" cy="1082829"/>
-          </a:xfrm>
-          <a:prstGeom prst="rect">
-            <a:avLst/>
-          </a:prstGeom>
-        </p:spPr>
-      </p:pic>
-      <p:pic>
-        <p:nvPicPr>
-          <p:cNvPr id="105" name="Immagine 104" descr="Immagine che contiene elettronica, Componente elettrico, Componente di circuito, circuito&#10;&#10;Descrizione generata automaticamente">
-            <a:extLst>
-              <a:ext uri="{FF2B5EF4-FFF2-40B4-BE49-F238E27FC236}">
-                <a16:creationId xmlns:a16="http://schemas.microsoft.com/office/drawing/2014/main" id="{358C158C-D9B7-FA5A-E190-1630F4B240A8}"/>
-              </a:ext>
-            </a:extLst>
-          </p:cNvPr>
-          <p:cNvPicPr>
-            <a:picLocks noChangeAspect="1"/>
-          </p:cNvPicPr>
-          <p:nvPr/>
-        </p:nvPicPr>
-        <p:blipFill>
-          <a:blip r:embed="rId2">
-            <a:extLst>
-              <a:ext uri="{28A0092B-C50C-407E-A947-70E740481C1C}">
-                <a14:useLocalDpi xmlns:a14="http://schemas.microsoft.com/office/drawing/2010/main" val="0"/>
-              </a:ext>
-            </a:extLst>
-          </a:blip>
-          <a:stretch>
-            <a:fillRect/>
-          </a:stretch>
-        </p:blipFill>
-        <p:spPr>
-          <a:xfrm>
-            <a:off x="4352898" y="4360416"/>
-            <a:ext cx="505320" cy="1082829"/>
-          </a:xfrm>
-          <a:prstGeom prst="rect">
-            <a:avLst/>
-          </a:prstGeom>
-        </p:spPr>
-      </p:pic>
-      <p:sp>
-        <p:nvSpPr>
-          <p:cNvPr id="106" name="CasellaDiTesto 105">
-            <a:extLst>
-              <a:ext uri="{FF2B5EF4-FFF2-40B4-BE49-F238E27FC236}">
-                <a16:creationId xmlns:a16="http://schemas.microsoft.com/office/drawing/2014/main" id="{1F3F0F9F-191E-0344-3F8F-96426D34AAEC}"/>
-              </a:ext>
-            </a:extLst>
-          </p:cNvPr>
-          <p:cNvSpPr txBox="1"/>
-          <p:nvPr/>
-        </p:nvSpPr>
-        <p:spPr>
-          <a:xfrm>
-            <a:off x="5034845" y="3509911"/>
-            <a:ext cx="1225265" cy="215444"/>
-          </a:xfrm>
-          <a:prstGeom prst="rect">
-            <a:avLst/>
-          </a:prstGeom>
-          <a:noFill/>
-        </p:spPr>
-        <p:txBody>
-          <a:bodyPr wrap="square" rtlCol="0">
-            <a:spAutoFit/>
-          </a:bodyPr>
-          <a:lstStyle/>
-          <a:p>
-            <a:pPr algn="ctr"/>
-            <a:r>
-              <a:rPr lang="it-IT" sz="800" b="1" dirty="0">
-                <a:solidFill>
-                  <a:srgbClr val="161A1D"/>
-                </a:solidFill>
-                <a:latin typeface="Calibri" panose="020F0502020204030204" pitchFamily="34" charset="0"/>
-                <a:ea typeface="Calibri" panose="020F0502020204030204" pitchFamily="34" charset="0"/>
-                <a:cs typeface="Calibri" panose="020F0502020204030204" pitchFamily="34" charset="0"/>
-              </a:rPr>
-              <a:t>BORDER ROUTER</a:t>
-            </a:r>
-          </a:p>
-        </p:txBody>
-      </p:sp>
-      <p:sp>
-        <p:nvSpPr>
-          <p:cNvPr id="107" name="CasellaDiTesto 106">
-            <a:extLst>
-              <a:ext uri="{FF2B5EF4-FFF2-40B4-BE49-F238E27FC236}">
-                <a16:creationId xmlns:a16="http://schemas.microsoft.com/office/drawing/2014/main" id="{F6E6D82A-F17D-1597-529A-5C7A58AC14CF}"/>
-              </a:ext>
-            </a:extLst>
-          </p:cNvPr>
-          <p:cNvSpPr txBox="1"/>
-          <p:nvPr/>
-        </p:nvSpPr>
-        <p:spPr>
-          <a:xfrm>
-            <a:off x="1453077" y="2707665"/>
-            <a:ext cx="1225265" cy="461665"/>
-          </a:xfrm>
-          <a:prstGeom prst="rect">
-            <a:avLst/>
-          </a:prstGeom>
-          <a:noFill/>
-        </p:spPr>
-        <p:txBody>
-          <a:bodyPr wrap="square" rtlCol="0">
-            <a:spAutoFit/>
-          </a:bodyPr>
-          <a:lstStyle/>
-          <a:p>
-            <a:pPr algn="ctr"/>
-            <a:r>
-              <a:rPr lang="it-IT" sz="800" b="1" dirty="0">
-                <a:solidFill>
-                  <a:srgbClr val="161A1D"/>
-                </a:solidFill>
-                <a:latin typeface="Calibri" panose="020F0502020204030204" pitchFamily="34" charset="0"/>
-                <a:ea typeface="Calibri" panose="020F0502020204030204" pitchFamily="34" charset="0"/>
-                <a:cs typeface="Calibri" panose="020F0502020204030204" pitchFamily="34" charset="0"/>
-              </a:rPr>
-              <a:t>MOVEMENT SENSOR </a:t>
-            </a:r>
-          </a:p>
-          <a:p>
-            <a:pPr algn="ctr"/>
-            <a:r>
-              <a:rPr lang="it-IT" sz="800" b="1" dirty="0">
-                <a:solidFill>
-                  <a:srgbClr val="161A1D"/>
-                </a:solidFill>
-                <a:latin typeface="Calibri" panose="020F0502020204030204" pitchFamily="34" charset="0"/>
-                <a:ea typeface="Calibri" panose="020F0502020204030204" pitchFamily="34" charset="0"/>
-                <a:cs typeface="Calibri" panose="020F0502020204030204" pitchFamily="34" charset="0"/>
-              </a:rPr>
-              <a:t>+</a:t>
-            </a:r>
-          </a:p>
-          <a:p>
-            <a:pPr algn="ctr"/>
-            <a:r>
-              <a:rPr lang="it-IT" sz="800" b="1" dirty="0">
-                <a:solidFill>
-                  <a:srgbClr val="161A1D"/>
-                </a:solidFill>
-                <a:latin typeface="Calibri" panose="020F0502020204030204" pitchFamily="34" charset="0"/>
-                <a:ea typeface="Calibri" panose="020F0502020204030204" pitchFamily="34" charset="0"/>
-                <a:cs typeface="Calibri" panose="020F0502020204030204" pitchFamily="34" charset="0"/>
-              </a:rPr>
-              <a:t>MANUAL OPENING</a:t>
-            </a:r>
-          </a:p>
-        </p:txBody>
-      </p:sp>
-      <p:sp>
-        <p:nvSpPr>
-          <p:cNvPr id="108" name="CasellaDiTesto 107">
-            <a:extLst>
-              <a:ext uri="{FF2B5EF4-FFF2-40B4-BE49-F238E27FC236}">
-                <a16:creationId xmlns:a16="http://schemas.microsoft.com/office/drawing/2014/main" id="{17354EC0-F4D2-94A6-E93E-7BA602EBA75C}"/>
-              </a:ext>
-            </a:extLst>
-          </p:cNvPr>
-          <p:cNvSpPr txBox="1"/>
-          <p:nvPr/>
-        </p:nvSpPr>
-        <p:spPr>
-          <a:xfrm>
-            <a:off x="3268180" y="2247592"/>
-            <a:ext cx="1225265" cy="461665"/>
-          </a:xfrm>
-          <a:prstGeom prst="rect">
-            <a:avLst/>
-          </a:prstGeom>
-          <a:noFill/>
-        </p:spPr>
-        <p:txBody>
-          <a:bodyPr wrap="square" rtlCol="0">
-            <a:spAutoFit/>
-          </a:bodyPr>
-          <a:lstStyle/>
-          <a:p>
-            <a:pPr algn="ctr"/>
-            <a:r>
-              <a:rPr lang="it-IT" sz="800" b="1" dirty="0">
-                <a:solidFill>
-                  <a:srgbClr val="161A1D"/>
-                </a:solidFill>
-                <a:latin typeface="Calibri" panose="020F0502020204030204" pitchFamily="34" charset="0"/>
-                <a:ea typeface="Calibri" panose="020F0502020204030204" pitchFamily="34" charset="0"/>
-                <a:cs typeface="Calibri" panose="020F0502020204030204" pitchFamily="34" charset="0"/>
-              </a:rPr>
-              <a:t>VAULT STATUS </a:t>
-            </a:r>
-          </a:p>
-          <a:p>
-            <a:pPr algn="ctr"/>
-            <a:r>
-              <a:rPr lang="it-IT" sz="800" b="1" dirty="0">
-                <a:solidFill>
-                  <a:srgbClr val="161A1D"/>
-                </a:solidFill>
-                <a:latin typeface="Calibri" panose="020F0502020204030204" pitchFamily="34" charset="0"/>
-                <a:ea typeface="Calibri" panose="020F0502020204030204" pitchFamily="34" charset="0"/>
-                <a:cs typeface="Calibri" panose="020F0502020204030204" pitchFamily="34" charset="0"/>
-              </a:rPr>
-              <a:t>+</a:t>
-            </a:r>
-          </a:p>
-          <a:p>
-            <a:pPr algn="ctr"/>
-            <a:r>
-              <a:rPr lang="it-IT" sz="800" b="1" dirty="0">
-                <a:solidFill>
-                  <a:srgbClr val="161A1D"/>
-                </a:solidFill>
-                <a:latin typeface="Calibri" panose="020F0502020204030204" pitchFamily="34" charset="0"/>
-                <a:ea typeface="Calibri" panose="020F0502020204030204" pitchFamily="34" charset="0"/>
-                <a:cs typeface="Calibri" panose="020F0502020204030204" pitchFamily="34" charset="0"/>
-              </a:rPr>
-              <a:t>AUTOMATIC DOOR</a:t>
-            </a:r>
-          </a:p>
-        </p:txBody>
-      </p:sp>
-      <p:sp>
-        <p:nvSpPr>
-          <p:cNvPr id="110" name="CasellaDiTesto 109">
-            <a:extLst>
-              <a:ext uri="{FF2B5EF4-FFF2-40B4-BE49-F238E27FC236}">
-                <a16:creationId xmlns:a16="http://schemas.microsoft.com/office/drawing/2014/main" id="{43F7E30A-1D94-423D-1FBA-689BAC0D89A8}"/>
-              </a:ext>
-            </a:extLst>
-          </p:cNvPr>
-          <p:cNvSpPr txBox="1"/>
-          <p:nvPr/>
-        </p:nvSpPr>
-        <p:spPr>
-          <a:xfrm>
-            <a:off x="1413069" y="5133727"/>
-            <a:ext cx="1225265" cy="215444"/>
-          </a:xfrm>
-          <a:prstGeom prst="rect">
-            <a:avLst/>
-          </a:prstGeom>
-          <a:noFill/>
-        </p:spPr>
-        <p:txBody>
-          <a:bodyPr wrap="square" rtlCol="0">
-            <a:spAutoFit/>
-          </a:bodyPr>
-          <a:lstStyle/>
-          <a:p>
-            <a:pPr algn="ctr"/>
-            <a:r>
-              <a:rPr lang="it-IT" sz="800" b="1" dirty="0">
-                <a:solidFill>
-                  <a:srgbClr val="161A1D"/>
-                </a:solidFill>
-                <a:latin typeface="Calibri" panose="020F0502020204030204" pitchFamily="34" charset="0"/>
-                <a:ea typeface="Calibri" panose="020F0502020204030204" pitchFamily="34" charset="0"/>
-                <a:cs typeface="Calibri" panose="020F0502020204030204" pitchFamily="34" charset="0"/>
-              </a:rPr>
-              <a:t>CO SENSOR</a:t>
-            </a:r>
-          </a:p>
-        </p:txBody>
-      </p:sp>
-      <p:sp>
-        <p:nvSpPr>
-          <p:cNvPr id="111" name="CasellaDiTesto 110">
-            <a:extLst>
-              <a:ext uri="{FF2B5EF4-FFF2-40B4-BE49-F238E27FC236}">
-                <a16:creationId xmlns:a16="http://schemas.microsoft.com/office/drawing/2014/main" id="{925C0A13-3F85-5CFD-3717-736DD31EBD5F}"/>
-              </a:ext>
-            </a:extLst>
-          </p:cNvPr>
-          <p:cNvSpPr txBox="1"/>
-          <p:nvPr/>
-        </p:nvSpPr>
-        <p:spPr>
-          <a:xfrm>
-            <a:off x="2671386" y="4262144"/>
-            <a:ext cx="1225265" cy="338554"/>
-          </a:xfrm>
-          <a:prstGeom prst="rect">
-            <a:avLst/>
-          </a:prstGeom>
-          <a:noFill/>
-        </p:spPr>
-        <p:txBody>
-          <a:bodyPr wrap="square" rtlCol="0">
-            <a:spAutoFit/>
-          </a:bodyPr>
-          <a:lstStyle/>
-          <a:p>
-            <a:pPr algn="ctr"/>
-            <a:r>
-              <a:rPr lang="it-IT" sz="800" b="1" dirty="0">
-                <a:solidFill>
-                  <a:srgbClr val="161A1D"/>
-                </a:solidFill>
-                <a:latin typeface="Calibri" panose="020F0502020204030204" pitchFamily="34" charset="0"/>
-                <a:ea typeface="Calibri" panose="020F0502020204030204" pitchFamily="34" charset="0"/>
-                <a:cs typeface="Calibri" panose="020F0502020204030204" pitchFamily="34" charset="0"/>
-              </a:rPr>
-              <a:t>TEMPERATURE </a:t>
-            </a:r>
-            <a:r>
-              <a:rPr lang="it-IT" sz="800" dirty="0">
-                <a:solidFill>
-                  <a:srgbClr val="161A1D"/>
-                </a:solidFill>
-                <a:latin typeface="Calibri" panose="020F0502020204030204" pitchFamily="34" charset="0"/>
-                <a:ea typeface="Calibri" panose="020F0502020204030204" pitchFamily="34" charset="0"/>
-                <a:cs typeface="Calibri" panose="020F0502020204030204" pitchFamily="34" charset="0"/>
-              </a:rPr>
-              <a:t>and </a:t>
-            </a:r>
-            <a:r>
-              <a:rPr lang="it-IT" sz="800" b="1" dirty="0">
-                <a:solidFill>
-                  <a:srgbClr val="161A1D"/>
-                </a:solidFill>
-                <a:latin typeface="Calibri" panose="020F0502020204030204" pitchFamily="34" charset="0"/>
-                <a:ea typeface="Calibri" panose="020F0502020204030204" pitchFamily="34" charset="0"/>
-                <a:cs typeface="Calibri" panose="020F0502020204030204" pitchFamily="34" charset="0"/>
-              </a:rPr>
-              <a:t>HUMIDITY SENSOR</a:t>
-            </a:r>
-          </a:p>
-        </p:txBody>
-      </p:sp>
-      <p:sp>
-        <p:nvSpPr>
-          <p:cNvPr id="112" name="CasellaDiTesto 111">
-            <a:extLst>
-              <a:ext uri="{FF2B5EF4-FFF2-40B4-BE49-F238E27FC236}">
-                <a16:creationId xmlns:a16="http://schemas.microsoft.com/office/drawing/2014/main" id="{60A66EEC-2E6F-ED1C-6A09-6C7DC03B481D}"/>
-              </a:ext>
-            </a:extLst>
-          </p:cNvPr>
-          <p:cNvSpPr txBox="1"/>
-          <p:nvPr/>
-        </p:nvSpPr>
-        <p:spPr>
-          <a:xfrm>
-            <a:off x="3992925" y="5443245"/>
-            <a:ext cx="1225265" cy="215444"/>
-          </a:xfrm>
-          <a:prstGeom prst="rect">
-            <a:avLst/>
-          </a:prstGeom>
-          <a:noFill/>
-        </p:spPr>
-        <p:txBody>
-          <a:bodyPr wrap="square" rtlCol="0">
-            <a:spAutoFit/>
-          </a:bodyPr>
-          <a:lstStyle/>
-          <a:p>
-            <a:pPr algn="ctr"/>
-            <a:r>
-              <a:rPr lang="it-IT" sz="800" b="1" dirty="0">
-                <a:solidFill>
-                  <a:srgbClr val="161A1D"/>
-                </a:solidFill>
-                <a:latin typeface="Calibri" panose="020F0502020204030204" pitchFamily="34" charset="0"/>
-                <a:ea typeface="Calibri" panose="020F0502020204030204" pitchFamily="34" charset="0"/>
-                <a:cs typeface="Calibri" panose="020F0502020204030204" pitchFamily="34" charset="0"/>
-              </a:rPr>
-              <a:t>HVAC SYSTEM</a:t>
-            </a:r>
-          </a:p>
-        </p:txBody>
-      </p:sp>
-      <p:sp>
-        <p:nvSpPr>
-          <p:cNvPr id="113" name="CasellaDiTesto 112">
-            <a:extLst>
-              <a:ext uri="{FF2B5EF4-FFF2-40B4-BE49-F238E27FC236}">
-                <a16:creationId xmlns:a16="http://schemas.microsoft.com/office/drawing/2014/main" id="{3AC4E04F-33B4-99B4-C169-088A2BD96647}"/>
-              </a:ext>
-            </a:extLst>
-          </p:cNvPr>
-          <p:cNvSpPr txBox="1"/>
-          <p:nvPr/>
-        </p:nvSpPr>
-        <p:spPr>
-          <a:xfrm>
-            <a:off x="6207267" y="3825052"/>
-            <a:ext cx="1225265" cy="215444"/>
-          </a:xfrm>
-          <a:prstGeom prst="rect">
-            <a:avLst/>
-          </a:prstGeom>
-          <a:noFill/>
-        </p:spPr>
-        <p:txBody>
-          <a:bodyPr wrap="square" rtlCol="0">
-            <a:spAutoFit/>
-          </a:bodyPr>
-          <a:lstStyle/>
-          <a:p>
-            <a:pPr algn="ctr"/>
-            <a:r>
-              <a:rPr lang="it-IT" sz="800" b="1" dirty="0">
-                <a:solidFill>
-                  <a:srgbClr val="161A1D"/>
-                </a:solidFill>
-                <a:latin typeface="Calibri" panose="020F0502020204030204" pitchFamily="34" charset="0"/>
-                <a:ea typeface="Calibri" panose="020F0502020204030204" pitchFamily="34" charset="0"/>
-                <a:cs typeface="Calibri" panose="020F0502020204030204" pitchFamily="34" charset="0"/>
-              </a:rPr>
-              <a:t>LAPTOP</a:t>
-            </a:r>
-          </a:p>
-        </p:txBody>
-      </p:sp>
-      <p:sp>
-        <p:nvSpPr>
-          <p:cNvPr id="114" name="CasellaDiTesto 113">
-            <a:extLst>
-              <a:ext uri="{FF2B5EF4-FFF2-40B4-BE49-F238E27FC236}">
-                <a16:creationId xmlns:a16="http://schemas.microsoft.com/office/drawing/2014/main" id="{D9B7673F-9C54-76C4-6B38-6367D60DEA68}"/>
-              </a:ext>
-            </a:extLst>
-          </p:cNvPr>
-          <p:cNvSpPr txBox="1"/>
-          <p:nvPr/>
-        </p:nvSpPr>
-        <p:spPr>
-          <a:xfrm>
-            <a:off x="7749197" y="4262144"/>
-            <a:ext cx="1225265" cy="215444"/>
-          </a:xfrm>
-          <a:prstGeom prst="rect">
-            <a:avLst/>
-          </a:prstGeom>
-          <a:noFill/>
-        </p:spPr>
-        <p:txBody>
-          <a:bodyPr wrap="square" rtlCol="0">
-            <a:spAutoFit/>
-          </a:bodyPr>
-          <a:lstStyle/>
-          <a:p>
-            <a:pPr algn="ctr"/>
-            <a:r>
-              <a:rPr lang="it-IT" sz="800" b="1" dirty="0">
-                <a:solidFill>
-                  <a:srgbClr val="161A1D"/>
-                </a:solidFill>
-                <a:latin typeface="Calibri" panose="020F0502020204030204" pitchFamily="34" charset="0"/>
-                <a:ea typeface="Calibri" panose="020F0502020204030204" pitchFamily="34" charset="0"/>
-                <a:cs typeface="Calibri" panose="020F0502020204030204" pitchFamily="34" charset="0"/>
-              </a:rPr>
-              <a:t>USER INPUT</a:t>
-            </a:r>
-          </a:p>
-        </p:txBody>
-      </p:sp>
-      <p:sp>
-        <p:nvSpPr>
-          <p:cNvPr id="115" name="CasellaDiTesto 114">
-            <a:extLst>
-              <a:ext uri="{FF2B5EF4-FFF2-40B4-BE49-F238E27FC236}">
-                <a16:creationId xmlns:a16="http://schemas.microsoft.com/office/drawing/2014/main" id="{09574418-BF8F-9C85-268A-E3AE9776585E}"/>
-              </a:ext>
-            </a:extLst>
-          </p:cNvPr>
-          <p:cNvSpPr txBox="1"/>
-          <p:nvPr/>
-        </p:nvSpPr>
-        <p:spPr>
-          <a:xfrm>
-            <a:off x="7811950" y="4634402"/>
-            <a:ext cx="1225265" cy="215444"/>
-          </a:xfrm>
-          <a:prstGeom prst="rect">
-            <a:avLst/>
-          </a:prstGeom>
-          <a:noFill/>
-        </p:spPr>
-        <p:txBody>
-          <a:bodyPr wrap="square" rtlCol="0">
-            <a:spAutoFit/>
-          </a:bodyPr>
-          <a:lstStyle/>
-          <a:p>
-            <a:pPr algn="ctr"/>
-            <a:r>
-              <a:rPr lang="it-IT" sz="800" b="1" dirty="0">
-                <a:solidFill>
-                  <a:srgbClr val="161A1D"/>
-                </a:solidFill>
-                <a:latin typeface="Calibri" panose="020F0502020204030204" pitchFamily="34" charset="0"/>
-                <a:ea typeface="Calibri" panose="020F0502020204030204" pitchFamily="34" charset="0"/>
-                <a:cs typeface="Calibri" panose="020F0502020204030204" pitchFamily="34" charset="0"/>
-              </a:rPr>
-              <a:t>USER APPLICATION</a:t>
-            </a:r>
-          </a:p>
-        </p:txBody>
-      </p:sp>
-      <p:sp>
-        <p:nvSpPr>
-          <p:cNvPr id="116" name="CasellaDiTesto 115">
-            <a:extLst>
-              <a:ext uri="{FF2B5EF4-FFF2-40B4-BE49-F238E27FC236}">
-                <a16:creationId xmlns:a16="http://schemas.microsoft.com/office/drawing/2014/main" id="{014B5909-FCA6-2978-B3F2-941405E3CE4A}"/>
-              </a:ext>
-            </a:extLst>
-          </p:cNvPr>
-          <p:cNvSpPr txBox="1"/>
-          <p:nvPr/>
-        </p:nvSpPr>
-        <p:spPr>
-          <a:xfrm>
-            <a:off x="7919527" y="4976574"/>
-            <a:ext cx="1225265" cy="215444"/>
-          </a:xfrm>
-          <a:prstGeom prst="rect">
-            <a:avLst/>
-          </a:prstGeom>
-          <a:noFill/>
-        </p:spPr>
-        <p:txBody>
-          <a:bodyPr wrap="square" rtlCol="0">
-            <a:spAutoFit/>
-          </a:bodyPr>
-          <a:lstStyle/>
-          <a:p>
-            <a:pPr algn="ctr"/>
-            <a:r>
-              <a:rPr lang="it-IT" sz="800" b="1" dirty="0">
-                <a:solidFill>
-                  <a:srgbClr val="161A1D"/>
-                </a:solidFill>
-                <a:latin typeface="Calibri" panose="020F0502020204030204" pitchFamily="34" charset="0"/>
-                <a:ea typeface="Calibri" panose="020F0502020204030204" pitchFamily="34" charset="0"/>
-                <a:cs typeface="Calibri" panose="020F0502020204030204" pitchFamily="34" charset="0"/>
-              </a:rPr>
-              <a:t>DATABASE</a:t>
-            </a:r>
-          </a:p>
-        </p:txBody>
-      </p:sp>
-      <p:sp>
-        <p:nvSpPr>
-          <p:cNvPr id="117" name="CasellaDiTesto 116">
-            <a:extLst>
-              <a:ext uri="{FF2B5EF4-FFF2-40B4-BE49-F238E27FC236}">
-                <a16:creationId xmlns:a16="http://schemas.microsoft.com/office/drawing/2014/main" id="{0AA2F4A7-AFE5-EE21-8AEB-91B6A05AA8ED}"/>
-              </a:ext>
-            </a:extLst>
-          </p:cNvPr>
-          <p:cNvSpPr txBox="1"/>
-          <p:nvPr/>
-        </p:nvSpPr>
-        <p:spPr>
-          <a:xfrm>
-            <a:off x="7987100" y="5309085"/>
-            <a:ext cx="1225265" cy="215444"/>
-          </a:xfrm>
-          <a:prstGeom prst="rect">
-            <a:avLst/>
-          </a:prstGeom>
-          <a:noFill/>
-        </p:spPr>
-        <p:txBody>
-          <a:bodyPr wrap="square" rtlCol="0">
-            <a:spAutoFit/>
-          </a:bodyPr>
-          <a:lstStyle/>
-          <a:p>
-            <a:pPr algn="ctr"/>
-            <a:r>
-              <a:rPr lang="it-IT" sz="800" b="1" dirty="0">
-                <a:solidFill>
-                  <a:srgbClr val="161A1D"/>
-                </a:solidFill>
-                <a:latin typeface="Calibri" panose="020F0502020204030204" pitchFamily="34" charset="0"/>
-                <a:ea typeface="Calibri" panose="020F0502020204030204" pitchFamily="34" charset="0"/>
-                <a:cs typeface="Calibri" panose="020F0502020204030204" pitchFamily="34" charset="0"/>
-              </a:rPr>
-              <a:t>GRAFANA</a:t>
-            </a:r>
-          </a:p>
-        </p:txBody>
-      </p:sp>
-      <p:sp>
-        <p:nvSpPr>
-          <p:cNvPr id="118" name="CasellaDiTesto 117">
-            <a:extLst>
-              <a:ext uri="{FF2B5EF4-FFF2-40B4-BE49-F238E27FC236}">
-                <a16:creationId xmlns:a16="http://schemas.microsoft.com/office/drawing/2014/main" id="{11AD13C2-E518-C4F4-B99A-0AB8849C846B}"/>
-              </a:ext>
-            </a:extLst>
-          </p:cNvPr>
-          <p:cNvSpPr txBox="1"/>
-          <p:nvPr/>
-        </p:nvSpPr>
-        <p:spPr>
-          <a:xfrm>
-            <a:off x="8974462" y="3538491"/>
-            <a:ext cx="1225265" cy="215444"/>
-          </a:xfrm>
-          <a:prstGeom prst="rect">
-            <a:avLst/>
-          </a:prstGeom>
-          <a:noFill/>
-        </p:spPr>
-        <p:txBody>
-          <a:bodyPr wrap="square" rtlCol="0">
-            <a:spAutoFit/>
-          </a:bodyPr>
-          <a:lstStyle/>
-          <a:p>
-            <a:pPr algn="ctr"/>
-            <a:r>
-              <a:rPr lang="it-IT" sz="800" b="1" dirty="0">
-                <a:solidFill>
-                  <a:srgbClr val="161A1D"/>
-                </a:solidFill>
-                <a:latin typeface="Calibri" panose="020F0502020204030204" pitchFamily="34" charset="0"/>
-                <a:ea typeface="Calibri" panose="020F0502020204030204" pitchFamily="34" charset="0"/>
-                <a:cs typeface="Calibri" panose="020F0502020204030204" pitchFamily="34" charset="0"/>
-              </a:rPr>
-              <a:t>CLOUD APPLICATION</a:t>
-            </a:r>
-          </a:p>
-        </p:txBody>
-      </p:sp>
-      <p:sp>
-        <p:nvSpPr>
-          <p:cNvPr id="119" name="CasellaDiTesto 118">
-            <a:extLst>
-              <a:ext uri="{FF2B5EF4-FFF2-40B4-BE49-F238E27FC236}">
-                <a16:creationId xmlns:a16="http://schemas.microsoft.com/office/drawing/2014/main" id="{995FC932-260D-8B07-A046-74B5D5AFA492}"/>
-              </a:ext>
-            </a:extLst>
-          </p:cNvPr>
-          <p:cNvSpPr txBox="1"/>
-          <p:nvPr/>
-        </p:nvSpPr>
-        <p:spPr>
-          <a:xfrm>
-            <a:off x="9144792" y="3869131"/>
-            <a:ext cx="1225265" cy="338554"/>
-          </a:xfrm>
-          <a:prstGeom prst="rect">
-            <a:avLst/>
-          </a:prstGeom>
-          <a:noFill/>
-        </p:spPr>
-        <p:txBody>
-          <a:bodyPr wrap="square" rtlCol="0">
-            <a:spAutoFit/>
-          </a:bodyPr>
-          <a:lstStyle/>
-          <a:p>
-            <a:pPr algn="ctr"/>
-            <a:r>
-              <a:rPr lang="it-IT" sz="800" b="1" dirty="0" err="1">
-                <a:solidFill>
-                  <a:srgbClr val="161A1D"/>
-                </a:solidFill>
-                <a:latin typeface="Calibri" panose="020F0502020204030204" pitchFamily="34" charset="0"/>
-                <a:ea typeface="Calibri" panose="020F0502020204030204" pitchFamily="34" charset="0"/>
-                <a:cs typeface="Calibri" panose="020F0502020204030204" pitchFamily="34" charset="0"/>
-              </a:rPr>
-              <a:t>CoAP</a:t>
-            </a:r>
-            <a:r>
-              <a:rPr lang="it-IT" sz="800" b="1" dirty="0">
-                <a:solidFill>
-                  <a:srgbClr val="161A1D"/>
-                </a:solidFill>
-                <a:latin typeface="Calibri" panose="020F0502020204030204" pitchFamily="34" charset="0"/>
-                <a:ea typeface="Calibri" panose="020F0502020204030204" pitchFamily="34" charset="0"/>
-                <a:cs typeface="Calibri" panose="020F0502020204030204" pitchFamily="34" charset="0"/>
-              </a:rPr>
-              <a:t> SERVER FOR REGISTRATION</a:t>
-            </a:r>
-          </a:p>
-        </p:txBody>
-      </p:sp>
-      <p:pic>
-        <p:nvPicPr>
-          <p:cNvPr id="121" name="Immagine 120" descr="Immagine che contiene Elementi grafici, schermata, Carattere, simbolo&#10;&#10;Descrizione generata automaticamente">
-            <a:extLst>
-              <a:ext uri="{FF2B5EF4-FFF2-40B4-BE49-F238E27FC236}">
-                <a16:creationId xmlns:a16="http://schemas.microsoft.com/office/drawing/2014/main" id="{9305B6F1-40DF-C77E-71F4-DD33F3994D3E}"/>
-              </a:ext>
-            </a:extLst>
-          </p:cNvPr>
-          <p:cNvPicPr>
-            <a:picLocks noChangeAspect="1"/>
-          </p:cNvPicPr>
-          <p:nvPr/>
-        </p:nvPicPr>
-        <p:blipFill>
-          <a:blip r:embed="rId7">
-            <a:extLst>
-              <a:ext uri="{28A0092B-C50C-407E-A947-70E740481C1C}">
-                <a14:useLocalDpi xmlns:a14="http://schemas.microsoft.com/office/drawing/2010/main" val="0"/>
-              </a:ext>
-            </a:extLst>
-          </a:blip>
-          <a:stretch>
-            <a:fillRect/>
-          </a:stretch>
-        </p:blipFill>
-        <p:spPr>
-          <a:xfrm>
-            <a:off x="4809185" y="4362262"/>
-            <a:ext cx="404690" cy="404690"/>
-          </a:xfrm>
-          <a:prstGeom prst="rect">
-            <a:avLst/>
-          </a:prstGeom>
-        </p:spPr>
-      </p:pic>
-      <p:sp>
-        <p:nvSpPr>
-          <p:cNvPr id="122" name="CasellaDiTesto 121">
-            <a:extLst>
-              <a:ext uri="{FF2B5EF4-FFF2-40B4-BE49-F238E27FC236}">
-                <a16:creationId xmlns:a16="http://schemas.microsoft.com/office/drawing/2014/main" id="{A5DC1042-6F2B-3451-A746-8B5BAF6C3C55}"/>
-              </a:ext>
-            </a:extLst>
-          </p:cNvPr>
-          <p:cNvSpPr txBox="1"/>
-          <p:nvPr/>
-        </p:nvSpPr>
-        <p:spPr>
-          <a:xfrm>
-            <a:off x="4477000" y="4742124"/>
-            <a:ext cx="1225265" cy="215444"/>
-          </a:xfrm>
-          <a:prstGeom prst="rect">
-            <a:avLst/>
-          </a:prstGeom>
-          <a:noFill/>
-        </p:spPr>
-        <p:txBody>
-          <a:bodyPr wrap="square" rtlCol="0">
-            <a:spAutoFit/>
-          </a:bodyPr>
-          <a:lstStyle/>
-          <a:p>
-            <a:pPr algn="ctr"/>
-            <a:r>
-              <a:rPr lang="it-IT" sz="800" b="1" dirty="0">
-                <a:solidFill>
-                  <a:srgbClr val="161A1D"/>
-                </a:solidFill>
-                <a:latin typeface="Calibri" panose="020F0502020204030204" pitchFamily="34" charset="0"/>
-                <a:ea typeface="Calibri" panose="020F0502020204030204" pitchFamily="34" charset="0"/>
-                <a:cs typeface="Calibri" panose="020F0502020204030204" pitchFamily="34" charset="0"/>
-              </a:rPr>
-              <a:t>ML MODEL</a:t>
-            </a:r>
-          </a:p>
-        </p:txBody>
-      </p:sp>
-    </p:spTree>
-    <p:extLst>
-      <p:ext uri="{BB962C8B-B14F-4D97-AF65-F5344CB8AC3E}">
-        <p14:creationId xmlns:p14="http://schemas.microsoft.com/office/powerpoint/2010/main" val="2903836164"/>
-      </p:ext>
-    </p:extLst>
-  </p:cSld>
-  <p:clrMapOvr>
-    <a:masterClrMapping/>
-  </p:clrMapOvr>
-</p:sld>
-</file>
-
-<file path=ppt/slides/slide5.xml><?xml version="1.0" encoding="utf-8"?>
-<p:sld xmlns:a="http://schemas.openxmlformats.org/drawingml/2006/main" xmlns:r="http://schemas.openxmlformats.org/officeDocument/2006/relationships" xmlns:p="http://schemas.openxmlformats.org/presentationml/2006/main">
-  <p:cSld>
-    <p:bg>
-      <p:bgPr>
-        <a:solidFill>
-          <a:srgbClr val="F5F3F4"/>
-        </a:solidFill>
-        <a:effectLst/>
-      </p:bgPr>
-    </p:bg>
-    <p:spTree>
-      <p:nvGrpSpPr>
-        <p:cNvPr id="1" name=""/>
-        <p:cNvGrpSpPr/>
-        <p:nvPr/>
-      </p:nvGrpSpPr>
-      <p:grpSpPr>
-        <a:xfrm>
-          <a:off x="0" y="0"/>
-          <a:ext cx="0" cy="0"/>
-          <a:chOff x="0" y="0"/>
-          <a:chExt cx="0" cy="0"/>
-        </a:xfrm>
-      </p:grpSpPr>
-      <p:sp>
-        <p:nvSpPr>
-          <p:cNvPr id="5" name="Rettangolo con angoli arrotondati 4">
-            <a:extLst>
-              <a:ext uri="{FF2B5EF4-FFF2-40B4-BE49-F238E27FC236}">
-                <a16:creationId xmlns:a16="http://schemas.microsoft.com/office/drawing/2014/main" id="{BC199077-BB0A-CBA7-63B2-5EC3748E4558}"/>
-              </a:ext>
-            </a:extLst>
-          </p:cNvPr>
-          <p:cNvSpPr>
-            <a:spLocks noGrp="1" noRot="1" noMove="1" noResize="1" noEditPoints="1" noAdjustHandles="1" noChangeArrowheads="1" noChangeShapeType="1"/>
-          </p:cNvSpPr>
-          <p:nvPr/>
-        </p:nvSpPr>
-        <p:spPr>
-          <a:xfrm>
-            <a:off x="1648420" y="1335882"/>
-            <a:ext cx="8895159" cy="4186236"/>
-          </a:xfrm>
-          <a:prstGeom prst="roundRect">
-            <a:avLst>
-              <a:gd name="adj" fmla="val 8991"/>
-            </a:avLst>
-          </a:prstGeom>
-          <a:solidFill>
-            <a:srgbClr val="161A1D"/>
-          </a:solidFill>
-          <a:ln>
-            <a:noFill/>
-          </a:ln>
-        </p:spPr>
-        <p:style>
-          <a:lnRef idx="2">
-            <a:schemeClr val="accent1">
-              <a:shade val="15000"/>
-            </a:schemeClr>
-          </a:lnRef>
-          <a:fillRef idx="1">
-            <a:schemeClr val="accent1"/>
-          </a:fillRef>
-          <a:effectRef idx="0">
-            <a:schemeClr val="accent1"/>
-          </a:effectRef>
-          <a:fontRef idx="minor">
-            <a:schemeClr val="lt1"/>
-          </a:fontRef>
-        </p:style>
-        <p:txBody>
-          <a:bodyPr rtlCol="0" anchor="ctr"/>
-          <a:lstStyle/>
-          <a:p>
-            <a:pPr algn="ctr"/>
-            <a:endParaRPr lang="it-IT" dirty="0"/>
-          </a:p>
-        </p:txBody>
-      </p:sp>
-      <p:pic>
-        <p:nvPicPr>
-          <p:cNvPr id="10" name="Elemento grafico 9" descr="Telecamera di sicurezza con riempimento a tinta unita">
-            <a:extLst>
-              <a:ext uri="{FF2B5EF4-FFF2-40B4-BE49-F238E27FC236}">
-                <a16:creationId xmlns:a16="http://schemas.microsoft.com/office/drawing/2014/main" id="{DF156682-6891-A57D-5B21-80A027E79CED}"/>
-              </a:ext>
-            </a:extLst>
-          </p:cNvPr>
-          <p:cNvPicPr>
-            <a:picLocks noChangeAspect="1"/>
-          </p:cNvPicPr>
-          <p:nvPr/>
-        </p:nvPicPr>
-        <p:blipFill rotWithShape="1">
-          <a:blip r:embed="rId2">
-            <a:extLst>
-              <a:ext uri="{28A0092B-C50C-407E-A947-70E740481C1C}">
-                <a14:useLocalDpi xmlns:a14="http://schemas.microsoft.com/office/drawing/2010/main" val="0"/>
-              </a:ext>
-              <a:ext uri="{96DAC541-7B7A-43D3-8B79-37D633B846F1}">
-                <asvg:svgBlip xmlns:asvg="http://schemas.microsoft.com/office/drawing/2016/SVG/main" r:embed="rId3"/>
-              </a:ext>
-            </a:extLst>
-          </a:blip>
-          <a:srcRect l="17451"/>
-          <a:stretch/>
-        </p:blipFill>
-        <p:spPr>
-          <a:xfrm>
-            <a:off x="1648420" y="3401058"/>
-            <a:ext cx="559830" cy="678180"/>
-          </a:xfrm>
-          <a:prstGeom prst="rect">
-            <a:avLst/>
-          </a:prstGeom>
-        </p:spPr>
-      </p:pic>
-      <p:cxnSp>
-        <p:nvCxnSpPr>
-          <p:cNvPr id="14" name="Connettore diritto 13">
-            <a:extLst>
-              <a:ext uri="{FF2B5EF4-FFF2-40B4-BE49-F238E27FC236}">
-                <a16:creationId xmlns:a16="http://schemas.microsoft.com/office/drawing/2014/main" id="{75BA2FA9-6C65-D20D-F931-0C94AD3FE3F3}"/>
-              </a:ext>
-            </a:extLst>
-          </p:cNvPr>
-          <p:cNvCxnSpPr>
-            <a:cxnSpLocks/>
-          </p:cNvCxnSpPr>
-          <p:nvPr/>
-        </p:nvCxnSpPr>
-        <p:spPr>
-          <a:xfrm>
-            <a:off x="2152650" y="3819525"/>
-            <a:ext cx="2456951" cy="1313282"/>
-          </a:xfrm>
-          <a:prstGeom prst="line">
-            <a:avLst/>
-          </a:prstGeom>
-          <a:ln w="12700">
-            <a:solidFill>
-              <a:srgbClr val="660708"/>
-            </a:solidFill>
-            <a:prstDash val="dashDot"/>
-          </a:ln>
-        </p:spPr>
-        <p:style>
-          <a:lnRef idx="2">
-            <a:schemeClr val="accent1"/>
-          </a:lnRef>
-          <a:fillRef idx="0">
-            <a:schemeClr val="accent1"/>
-          </a:fillRef>
-          <a:effectRef idx="1">
-            <a:schemeClr val="accent1"/>
-          </a:effectRef>
-          <a:fontRef idx="minor">
-            <a:schemeClr val="tx1"/>
-          </a:fontRef>
-        </p:style>
-      </p:cxnSp>
-      <p:sp>
-        <p:nvSpPr>
-          <p:cNvPr id="31" name="CasellaDiTesto 30">
-            <a:extLst>
-              <a:ext uri="{FF2B5EF4-FFF2-40B4-BE49-F238E27FC236}">
-                <a16:creationId xmlns:a16="http://schemas.microsoft.com/office/drawing/2014/main" id="{07994B65-FE5B-6D95-19C7-C4694421AF68}"/>
-              </a:ext>
-            </a:extLst>
-          </p:cNvPr>
-          <p:cNvSpPr txBox="1"/>
-          <p:nvPr/>
-        </p:nvSpPr>
-        <p:spPr>
-          <a:xfrm>
-            <a:off x="6177678" y="2397317"/>
-            <a:ext cx="2575560" cy="261610"/>
-          </a:xfrm>
-          <a:prstGeom prst="rect">
-            <a:avLst/>
-          </a:prstGeom>
-          <a:noFill/>
-        </p:spPr>
-        <p:txBody>
-          <a:bodyPr wrap="square" rtlCol="0">
-            <a:spAutoFit/>
-          </a:bodyPr>
-          <a:lstStyle/>
-          <a:p>
-            <a:pPr algn="ctr"/>
-            <a:r>
-              <a:rPr lang="it-IT" sz="1050" b="1" dirty="0">
-                <a:solidFill>
-                  <a:srgbClr val="FCA311"/>
-                </a:solidFill>
-                <a:latin typeface="Calibri" panose="020F0502020204030204" pitchFamily="34" charset="0"/>
-                <a:ea typeface="Calibri" panose="020F0502020204030204" pitchFamily="34" charset="0"/>
-                <a:cs typeface="Calibri" panose="020F0502020204030204" pitchFamily="34" charset="0"/>
-              </a:rPr>
-              <a:t>VAULT</a:t>
-            </a:r>
-          </a:p>
-        </p:txBody>
-      </p:sp>
-      <p:sp>
-        <p:nvSpPr>
-          <p:cNvPr id="33" name="CasellaDiTesto 32">
-            <a:extLst>
-              <a:ext uri="{FF2B5EF4-FFF2-40B4-BE49-F238E27FC236}">
-                <a16:creationId xmlns:a16="http://schemas.microsoft.com/office/drawing/2014/main" id="{EAE226A5-22A3-8D12-7024-656B23C1B5AA}"/>
-              </a:ext>
-            </a:extLst>
-          </p:cNvPr>
-          <p:cNvSpPr txBox="1"/>
-          <p:nvPr/>
-        </p:nvSpPr>
-        <p:spPr>
-          <a:xfrm>
-            <a:off x="1648420" y="3273390"/>
-            <a:ext cx="991214" cy="338554"/>
-          </a:xfrm>
-          <a:prstGeom prst="rect">
-            <a:avLst/>
-          </a:prstGeom>
-          <a:noFill/>
-        </p:spPr>
-        <p:txBody>
-          <a:bodyPr wrap="square" rtlCol="0">
-            <a:spAutoFit/>
-          </a:bodyPr>
-          <a:lstStyle/>
-          <a:p>
-            <a:pPr algn="ctr"/>
-            <a:r>
-              <a:rPr lang="it-IT" sz="800" b="1" dirty="0">
-                <a:solidFill>
-                  <a:schemeClr val="bg1"/>
-                </a:solidFill>
-                <a:latin typeface="Calibri" panose="020F0502020204030204" pitchFamily="34" charset="0"/>
-                <a:ea typeface="Calibri" panose="020F0502020204030204" pitchFamily="34" charset="0"/>
-                <a:cs typeface="Calibri" panose="020F0502020204030204" pitchFamily="34" charset="0"/>
-              </a:rPr>
-              <a:t>MOVEMENT SENSOR</a:t>
-            </a:r>
-          </a:p>
-        </p:txBody>
-      </p:sp>
-      <p:grpSp>
-        <p:nvGrpSpPr>
-          <p:cNvPr id="24" name="Gruppo 23">
-            <a:extLst>
-              <a:ext uri="{FF2B5EF4-FFF2-40B4-BE49-F238E27FC236}">
-                <a16:creationId xmlns:a16="http://schemas.microsoft.com/office/drawing/2014/main" id="{E4CAABF9-7BC6-B6A3-2C23-8226477D3FFE}"/>
-              </a:ext>
-            </a:extLst>
-          </p:cNvPr>
-          <p:cNvGrpSpPr/>
-          <p:nvPr/>
-        </p:nvGrpSpPr>
-        <p:grpSpPr>
-          <a:xfrm>
-            <a:off x="3226827" y="1804558"/>
-            <a:ext cx="544289" cy="1112427"/>
-            <a:chOff x="3226827" y="1804558"/>
-            <a:chExt cx="544289" cy="1112427"/>
-          </a:xfrm>
-        </p:grpSpPr>
-        <p:sp>
-          <p:nvSpPr>
-            <p:cNvPr id="37" name="Rettangolo con angoli arrotondati 36">
-              <a:extLst>
-                <a:ext uri="{FF2B5EF4-FFF2-40B4-BE49-F238E27FC236}">
-                  <a16:creationId xmlns:a16="http://schemas.microsoft.com/office/drawing/2014/main" id="{651B3E8C-4D80-B140-B4D0-3925E001B393}"/>
-                </a:ext>
-              </a:extLst>
-            </p:cNvPr>
-            <p:cNvSpPr/>
-            <p:nvPr/>
-          </p:nvSpPr>
-          <p:spPr>
-            <a:xfrm>
-              <a:off x="3226827" y="1804558"/>
-              <a:ext cx="544289" cy="1112427"/>
-            </a:xfrm>
-            <a:prstGeom prst="roundRect">
-              <a:avLst>
-                <a:gd name="adj" fmla="val 8991"/>
-              </a:avLst>
-            </a:prstGeom>
-            <a:noFill/>
-            <a:ln w="28575">
-              <a:solidFill>
-                <a:srgbClr val="F5F3F4"/>
-              </a:solidFill>
-            </a:ln>
-          </p:spPr>
-          <p:style>
-            <a:lnRef idx="2">
-              <a:schemeClr val="accent1">
-                <a:shade val="15000"/>
-              </a:schemeClr>
-            </a:lnRef>
-            <a:fillRef idx="1">
-              <a:schemeClr val="accent1"/>
-            </a:fillRef>
-            <a:effectRef idx="0">
-              <a:schemeClr val="accent1"/>
-            </a:effectRef>
-            <a:fontRef idx="minor">
-              <a:schemeClr val="lt1"/>
-            </a:fontRef>
-          </p:style>
-          <p:txBody>
-            <a:bodyPr rtlCol="0" anchor="ctr"/>
-            <a:lstStyle/>
-            <a:p>
-              <a:pPr algn="ctr"/>
-              <a:endParaRPr lang="it-IT"/>
-            </a:p>
-          </p:txBody>
-        </p:sp>
-        <p:sp>
-          <p:nvSpPr>
-            <p:cNvPr id="67" name="Ovale 66">
-              <a:extLst>
-                <a:ext uri="{FF2B5EF4-FFF2-40B4-BE49-F238E27FC236}">
-                  <a16:creationId xmlns:a16="http://schemas.microsoft.com/office/drawing/2014/main" id="{FC21D54E-DC18-ADDE-67BC-F851FAD55164}"/>
-                </a:ext>
-              </a:extLst>
-            </p:cNvPr>
-            <p:cNvSpPr/>
-            <p:nvPr/>
-          </p:nvSpPr>
-          <p:spPr>
-            <a:xfrm>
-              <a:off x="3421821" y="1963585"/>
-              <a:ext cx="154300" cy="154300"/>
-            </a:xfrm>
-            <a:prstGeom prst="ellipse">
-              <a:avLst/>
-            </a:prstGeom>
-            <a:solidFill>
-              <a:srgbClr val="BA181B"/>
-            </a:solidFill>
-            <a:ln>
-              <a:noFill/>
-            </a:ln>
-          </p:spPr>
-          <p:style>
-            <a:lnRef idx="2">
-              <a:schemeClr val="accent1">
-                <a:shade val="15000"/>
-              </a:schemeClr>
-            </a:lnRef>
-            <a:fillRef idx="1">
-              <a:schemeClr val="accent1"/>
-            </a:fillRef>
-            <a:effectRef idx="0">
-              <a:schemeClr val="accent1"/>
-            </a:effectRef>
-            <a:fontRef idx="minor">
-              <a:schemeClr val="lt1"/>
-            </a:fontRef>
-          </p:style>
-          <p:txBody>
-            <a:bodyPr rtlCol="0" anchor="ctr"/>
-            <a:lstStyle/>
-            <a:p>
-              <a:pPr algn="ctr"/>
-              <a:endParaRPr lang="it-IT"/>
-            </a:p>
-          </p:txBody>
-        </p:sp>
-        <p:sp>
-          <p:nvSpPr>
-            <p:cNvPr id="68" name="Ovale 67">
-              <a:extLst>
-                <a:ext uri="{FF2B5EF4-FFF2-40B4-BE49-F238E27FC236}">
-                  <a16:creationId xmlns:a16="http://schemas.microsoft.com/office/drawing/2014/main" id="{C138992D-F9D8-AFF8-B7C6-092917F6A15C}"/>
-                </a:ext>
-              </a:extLst>
-            </p:cNvPr>
-            <p:cNvSpPr/>
-            <p:nvPr/>
-          </p:nvSpPr>
-          <p:spPr>
-            <a:xfrm>
-              <a:off x="3421821" y="2286197"/>
-              <a:ext cx="154300" cy="154300"/>
-            </a:xfrm>
-            <a:prstGeom prst="ellipse">
-              <a:avLst/>
-            </a:prstGeom>
-            <a:solidFill>
-              <a:srgbClr val="FCA311"/>
-            </a:solidFill>
-            <a:ln>
-              <a:noFill/>
-            </a:ln>
-          </p:spPr>
-          <p:style>
-            <a:lnRef idx="2">
-              <a:schemeClr val="accent1">
-                <a:shade val="15000"/>
-              </a:schemeClr>
-            </a:lnRef>
-            <a:fillRef idx="1">
-              <a:schemeClr val="accent1"/>
-            </a:fillRef>
-            <a:effectRef idx="0">
-              <a:schemeClr val="accent1"/>
-            </a:effectRef>
-            <a:fontRef idx="minor">
-              <a:schemeClr val="lt1"/>
-            </a:fontRef>
-          </p:style>
-          <p:txBody>
-            <a:bodyPr rtlCol="0" anchor="ctr"/>
-            <a:lstStyle/>
-            <a:p>
-              <a:pPr algn="ctr"/>
-              <a:endParaRPr lang="it-IT"/>
-            </a:p>
-          </p:txBody>
-        </p:sp>
-        <p:sp>
-          <p:nvSpPr>
-            <p:cNvPr id="69" name="Ovale 68">
-              <a:extLst>
-                <a:ext uri="{FF2B5EF4-FFF2-40B4-BE49-F238E27FC236}">
-                  <a16:creationId xmlns:a16="http://schemas.microsoft.com/office/drawing/2014/main" id="{EC727F5B-9E15-D79E-99FC-340E0B75AC55}"/>
-                </a:ext>
-              </a:extLst>
-            </p:cNvPr>
-            <p:cNvSpPr/>
-            <p:nvPr/>
-          </p:nvSpPr>
-          <p:spPr>
-            <a:xfrm>
-              <a:off x="3425238" y="2601591"/>
-              <a:ext cx="154300" cy="154300"/>
-            </a:xfrm>
-            <a:prstGeom prst="ellipse">
-              <a:avLst/>
-            </a:prstGeom>
-            <a:solidFill>
-              <a:srgbClr val="00B050"/>
-            </a:solidFill>
-            <a:ln>
-              <a:noFill/>
-            </a:ln>
-          </p:spPr>
-          <p:style>
-            <a:lnRef idx="2">
-              <a:schemeClr val="accent1">
-                <a:shade val="15000"/>
-              </a:schemeClr>
-            </a:lnRef>
-            <a:fillRef idx="1">
-              <a:schemeClr val="accent1"/>
-            </a:fillRef>
-            <a:effectRef idx="0">
-              <a:schemeClr val="accent1"/>
-            </a:effectRef>
-            <a:fontRef idx="minor">
-              <a:schemeClr val="lt1"/>
-            </a:fontRef>
-          </p:style>
-          <p:txBody>
-            <a:bodyPr rtlCol="0" anchor="ctr"/>
-            <a:lstStyle/>
-            <a:p>
-              <a:pPr algn="ctr"/>
-              <a:endParaRPr lang="it-IT"/>
-            </a:p>
-          </p:txBody>
-        </p:sp>
-      </p:grpSp>
-      <p:cxnSp>
-        <p:nvCxnSpPr>
-          <p:cNvPr id="72" name="Connettore diritto 71">
-            <a:extLst>
-              <a:ext uri="{FF2B5EF4-FFF2-40B4-BE49-F238E27FC236}">
-                <a16:creationId xmlns:a16="http://schemas.microsoft.com/office/drawing/2014/main" id="{77FA27DB-E8EC-5860-2DED-A20EDE640830}"/>
-              </a:ext>
-            </a:extLst>
-          </p:cNvPr>
-          <p:cNvCxnSpPr>
-            <a:cxnSpLocks/>
-            <a:stCxn id="37" idx="3"/>
-          </p:cNvCxnSpPr>
-          <p:nvPr/>
-        </p:nvCxnSpPr>
-        <p:spPr>
-          <a:xfrm>
-            <a:off x="3771116" y="2360772"/>
-            <a:ext cx="1131483" cy="1068228"/>
-          </a:xfrm>
-          <a:prstGeom prst="line">
-            <a:avLst/>
-          </a:prstGeom>
-          <a:ln>
-            <a:solidFill>
-              <a:srgbClr val="F5F3F4"/>
-            </a:solidFill>
-          </a:ln>
-        </p:spPr>
-        <p:style>
-          <a:lnRef idx="2">
-            <a:schemeClr val="accent1"/>
-          </a:lnRef>
-          <a:fillRef idx="0">
-            <a:schemeClr val="accent1"/>
-          </a:fillRef>
-          <a:effectRef idx="1">
-            <a:schemeClr val="accent1"/>
-          </a:effectRef>
-          <a:fontRef idx="minor">
-            <a:schemeClr val="tx1"/>
-          </a:fontRef>
-        </p:style>
-      </p:cxnSp>
-      <p:sp>
-        <p:nvSpPr>
-          <p:cNvPr id="29" name="Rettangolo con angoli arrotondati 28">
-            <a:extLst>
-              <a:ext uri="{FF2B5EF4-FFF2-40B4-BE49-F238E27FC236}">
-                <a16:creationId xmlns:a16="http://schemas.microsoft.com/office/drawing/2014/main" id="{7FFD7DA7-F969-4874-8194-115BC289D30F}"/>
-              </a:ext>
-            </a:extLst>
-          </p:cNvPr>
-          <p:cNvSpPr/>
-          <p:nvPr/>
-        </p:nvSpPr>
-        <p:spPr>
-          <a:xfrm>
-            <a:off x="4902600" y="2360772"/>
-            <a:ext cx="5136750" cy="3069906"/>
-          </a:xfrm>
-          <a:prstGeom prst="roundRect">
-            <a:avLst>
-              <a:gd name="adj" fmla="val 8991"/>
-            </a:avLst>
-          </a:prstGeom>
-          <a:noFill/>
-          <a:ln w="12700">
-            <a:solidFill>
-              <a:srgbClr val="FCA311"/>
-            </a:solidFill>
-          </a:ln>
-        </p:spPr>
-        <p:style>
-          <a:lnRef idx="2">
-            <a:schemeClr val="accent1">
-              <a:shade val="15000"/>
-            </a:schemeClr>
-          </a:lnRef>
-          <a:fillRef idx="1">
-            <a:schemeClr val="accent1"/>
-          </a:fillRef>
-          <a:effectRef idx="0">
-            <a:schemeClr val="accent1"/>
-          </a:effectRef>
-          <a:fontRef idx="minor">
-            <a:schemeClr val="lt1"/>
-          </a:fontRef>
-        </p:style>
-        <p:txBody>
-          <a:bodyPr rtlCol="0" anchor="ctr"/>
-          <a:lstStyle/>
-          <a:p>
-            <a:pPr algn="ctr"/>
-            <a:endParaRPr lang="it-IT"/>
-          </a:p>
-        </p:txBody>
-      </p:sp>
-      <p:sp>
-        <p:nvSpPr>
-          <p:cNvPr id="30" name="Rettangolo 29">
-            <a:extLst>
-              <a:ext uri="{FF2B5EF4-FFF2-40B4-BE49-F238E27FC236}">
-                <a16:creationId xmlns:a16="http://schemas.microsoft.com/office/drawing/2014/main" id="{7885BC51-F122-DA60-7A69-083A5F242E70}"/>
-              </a:ext>
-            </a:extLst>
-          </p:cNvPr>
-          <p:cNvSpPr/>
-          <p:nvPr/>
-        </p:nvSpPr>
-        <p:spPr>
-          <a:xfrm>
-            <a:off x="4707416" y="5194304"/>
-            <a:ext cx="5516084" cy="257171"/>
-          </a:xfrm>
-          <a:prstGeom prst="rect">
-            <a:avLst/>
-          </a:prstGeom>
-          <a:solidFill>
-            <a:srgbClr val="161A1D"/>
-          </a:solidFill>
-          <a:ln>
-            <a:noFill/>
-          </a:ln>
-        </p:spPr>
-        <p:style>
-          <a:lnRef idx="2">
-            <a:schemeClr val="accent1">
-              <a:shade val="15000"/>
-            </a:schemeClr>
-          </a:lnRef>
-          <a:fillRef idx="1">
-            <a:schemeClr val="accent1"/>
-          </a:fillRef>
-          <a:effectRef idx="0">
-            <a:schemeClr val="accent1"/>
-          </a:effectRef>
-          <a:fontRef idx="minor">
-            <a:schemeClr val="lt1"/>
-          </a:fontRef>
-        </p:style>
-        <p:txBody>
-          <a:bodyPr rtlCol="0" anchor="ctr"/>
-          <a:lstStyle/>
-          <a:p>
-            <a:pPr algn="ctr"/>
-            <a:endParaRPr lang="it-IT"/>
-          </a:p>
-        </p:txBody>
-      </p:sp>
-      <p:sp>
-        <p:nvSpPr>
-          <p:cNvPr id="78" name="CasellaDiTesto 77">
-            <a:extLst>
-              <a:ext uri="{FF2B5EF4-FFF2-40B4-BE49-F238E27FC236}">
-                <a16:creationId xmlns:a16="http://schemas.microsoft.com/office/drawing/2014/main" id="{4C2A5C0D-9FBC-AF8D-18CE-E85D311FA681}"/>
-              </a:ext>
-            </a:extLst>
-          </p:cNvPr>
-          <p:cNvSpPr txBox="1"/>
-          <p:nvPr/>
-        </p:nvSpPr>
-        <p:spPr>
-          <a:xfrm>
-            <a:off x="3003364" y="1556263"/>
-            <a:ext cx="991214" cy="215444"/>
-          </a:xfrm>
-          <a:prstGeom prst="rect">
-            <a:avLst/>
-          </a:prstGeom>
-          <a:noFill/>
-        </p:spPr>
-        <p:txBody>
-          <a:bodyPr wrap="square" rtlCol="0">
-            <a:spAutoFit/>
-          </a:bodyPr>
-          <a:lstStyle/>
-          <a:p>
-            <a:pPr algn="ctr"/>
-            <a:r>
-              <a:rPr lang="it-IT" sz="800" b="1" dirty="0">
-                <a:solidFill>
-                  <a:schemeClr val="bg1"/>
-                </a:solidFill>
-                <a:latin typeface="Calibri" panose="020F0502020204030204" pitchFamily="34" charset="0"/>
-                <a:ea typeface="Calibri" panose="020F0502020204030204" pitchFamily="34" charset="0"/>
-                <a:cs typeface="Calibri" panose="020F0502020204030204" pitchFamily="34" charset="0"/>
-              </a:rPr>
-              <a:t>VAULT STATUS</a:t>
-            </a:r>
-          </a:p>
-        </p:txBody>
-      </p:sp>
-      <p:sp>
-        <p:nvSpPr>
-          <p:cNvPr id="79" name="CasellaDiTesto 78">
-            <a:extLst>
-              <a:ext uri="{FF2B5EF4-FFF2-40B4-BE49-F238E27FC236}">
-                <a16:creationId xmlns:a16="http://schemas.microsoft.com/office/drawing/2014/main" id="{C351A0A9-A2DF-48B6-A56C-B4AF7945CCE3}"/>
-              </a:ext>
-            </a:extLst>
-          </p:cNvPr>
-          <p:cNvSpPr txBox="1"/>
-          <p:nvPr/>
-        </p:nvSpPr>
-        <p:spPr>
-          <a:xfrm>
-            <a:off x="3869672" y="4014854"/>
-            <a:ext cx="991214" cy="338554"/>
-          </a:xfrm>
-          <a:prstGeom prst="rect">
-            <a:avLst/>
-          </a:prstGeom>
-          <a:noFill/>
-        </p:spPr>
-        <p:txBody>
-          <a:bodyPr wrap="square" rtlCol="0">
-            <a:spAutoFit/>
-          </a:bodyPr>
-          <a:lstStyle/>
-          <a:p>
-            <a:pPr algn="r"/>
-            <a:r>
-              <a:rPr lang="it-IT" sz="800" b="1" dirty="0">
-                <a:solidFill>
-                  <a:schemeClr val="bg1"/>
-                </a:solidFill>
-                <a:latin typeface="Calibri" panose="020F0502020204030204" pitchFamily="34" charset="0"/>
-                <a:ea typeface="Calibri" panose="020F0502020204030204" pitchFamily="34" charset="0"/>
-                <a:cs typeface="Calibri" panose="020F0502020204030204" pitchFamily="34" charset="0"/>
-              </a:rPr>
-              <a:t>AUTOMATIC DOOR</a:t>
-            </a:r>
-          </a:p>
-        </p:txBody>
-      </p:sp>
-      <p:grpSp>
-        <p:nvGrpSpPr>
-          <p:cNvPr id="18" name="Gruppo 17">
-            <a:extLst>
-              <a:ext uri="{FF2B5EF4-FFF2-40B4-BE49-F238E27FC236}">
-                <a16:creationId xmlns:a16="http://schemas.microsoft.com/office/drawing/2014/main" id="{8EEE76D2-2F19-6887-FA4D-980FA52A41B6}"/>
-              </a:ext>
-            </a:extLst>
-          </p:cNvPr>
-          <p:cNvGrpSpPr/>
-          <p:nvPr/>
-        </p:nvGrpSpPr>
-        <p:grpSpPr>
-          <a:xfrm>
-            <a:off x="4978143" y="4239258"/>
-            <a:ext cx="1225265" cy="835839"/>
-            <a:chOff x="5441410" y="3959948"/>
-            <a:chExt cx="1225265" cy="835839"/>
-          </a:xfrm>
-        </p:grpSpPr>
-        <p:sp>
-          <p:nvSpPr>
-            <p:cNvPr id="85" name="CasellaDiTesto 84">
-              <a:extLst>
-                <a:ext uri="{FF2B5EF4-FFF2-40B4-BE49-F238E27FC236}">
-                  <a16:creationId xmlns:a16="http://schemas.microsoft.com/office/drawing/2014/main" id="{2108DB2D-DCEF-171F-70AB-93C8A98F2CDA}"/>
-                </a:ext>
-              </a:extLst>
-            </p:cNvPr>
-            <p:cNvSpPr txBox="1"/>
-            <p:nvPr/>
-          </p:nvSpPr>
-          <p:spPr>
-            <a:xfrm>
-              <a:off x="5441410" y="4580343"/>
-              <a:ext cx="1225265" cy="215444"/>
-            </a:xfrm>
-            <a:prstGeom prst="rect">
-              <a:avLst/>
-            </a:prstGeom>
-            <a:noFill/>
-          </p:spPr>
-          <p:txBody>
-            <a:bodyPr wrap="square" rtlCol="0">
-              <a:spAutoFit/>
-            </a:bodyPr>
-            <a:lstStyle/>
-            <a:p>
-              <a:pPr algn="ctr"/>
-              <a:r>
-                <a:rPr lang="it-IT" sz="800" b="1" dirty="0">
-                  <a:solidFill>
-                    <a:schemeClr val="bg1"/>
-                  </a:solidFill>
-                  <a:latin typeface="Calibri" panose="020F0502020204030204" pitchFamily="34" charset="0"/>
-                  <a:ea typeface="Calibri" panose="020F0502020204030204" pitchFamily="34" charset="0"/>
-                  <a:cs typeface="Calibri" panose="020F0502020204030204" pitchFamily="34" charset="0"/>
-                </a:rPr>
-                <a:t>MANUAL OPENING</a:t>
-              </a:r>
-            </a:p>
-          </p:txBody>
-        </p:sp>
-        <p:grpSp>
-          <p:nvGrpSpPr>
-            <p:cNvPr id="17" name="Gruppo 16">
-              <a:extLst>
-                <a:ext uri="{FF2B5EF4-FFF2-40B4-BE49-F238E27FC236}">
-                  <a16:creationId xmlns:a16="http://schemas.microsoft.com/office/drawing/2014/main" id="{5124F48C-12FC-6BB8-0FFB-1186166CE593}"/>
-                </a:ext>
-              </a:extLst>
-            </p:cNvPr>
-            <p:cNvGrpSpPr/>
-            <p:nvPr/>
-          </p:nvGrpSpPr>
-          <p:grpSpPr>
-            <a:xfrm>
-              <a:off x="5781899" y="3959948"/>
-              <a:ext cx="544289" cy="595783"/>
-              <a:chOff x="5781899" y="3959948"/>
-              <a:chExt cx="544289" cy="595783"/>
-            </a:xfrm>
-          </p:grpSpPr>
-          <p:sp>
-            <p:nvSpPr>
-              <p:cNvPr id="84" name="Rettangolo con angoli arrotondati 83">
-                <a:extLst>
-                  <a:ext uri="{FF2B5EF4-FFF2-40B4-BE49-F238E27FC236}">
-                    <a16:creationId xmlns:a16="http://schemas.microsoft.com/office/drawing/2014/main" id="{6BF85A10-6A08-A1BD-BD96-8551195189EC}"/>
-                  </a:ext>
-                </a:extLst>
-              </p:cNvPr>
-              <p:cNvSpPr/>
-              <p:nvPr/>
-            </p:nvSpPr>
-            <p:spPr>
-              <a:xfrm>
-                <a:off x="5781899" y="3959948"/>
-                <a:ext cx="544289" cy="595783"/>
-              </a:xfrm>
-              <a:prstGeom prst="roundRect">
-                <a:avLst>
-                  <a:gd name="adj" fmla="val 8991"/>
-                </a:avLst>
-              </a:prstGeom>
-              <a:noFill/>
-              <a:ln w="28575">
-                <a:solidFill>
-                  <a:srgbClr val="F5F3F4"/>
-                </a:solidFill>
-              </a:ln>
-            </p:spPr>
-            <p:style>
-              <a:lnRef idx="2">
-                <a:schemeClr val="accent1">
-                  <a:shade val="15000"/>
-                </a:schemeClr>
-              </a:lnRef>
-              <a:fillRef idx="1">
-                <a:schemeClr val="accent1"/>
-              </a:fillRef>
-              <a:effectRef idx="0">
-                <a:schemeClr val="accent1"/>
-              </a:effectRef>
-              <a:fontRef idx="minor">
-                <a:schemeClr val="lt1"/>
-              </a:fontRef>
-            </p:style>
-            <p:txBody>
-              <a:bodyPr rtlCol="0" anchor="ctr"/>
-              <a:lstStyle/>
-              <a:p>
-                <a:pPr algn="ctr"/>
-                <a:endParaRPr lang="it-IT" dirty="0"/>
-              </a:p>
-            </p:txBody>
-          </p:sp>
-          <p:grpSp>
-            <p:nvGrpSpPr>
-              <p:cNvPr id="88" name="Gruppo 87">
-                <a:extLst>
-                  <a:ext uri="{FF2B5EF4-FFF2-40B4-BE49-F238E27FC236}">
-                    <a16:creationId xmlns:a16="http://schemas.microsoft.com/office/drawing/2014/main" id="{0B4D3C74-B537-F8F7-BD54-874C96CE77DB}"/>
-                  </a:ext>
-                </a:extLst>
-              </p:cNvPr>
-              <p:cNvGrpSpPr/>
-              <p:nvPr/>
-            </p:nvGrpSpPr>
-            <p:grpSpPr>
-              <a:xfrm>
-                <a:off x="5931325" y="4129385"/>
-                <a:ext cx="253764" cy="253764"/>
-                <a:chOff x="5931325" y="4129385"/>
-                <a:chExt cx="253764" cy="253764"/>
-              </a:xfrm>
-            </p:grpSpPr>
-            <p:sp>
-              <p:nvSpPr>
-                <p:cNvPr id="86" name="Ovale 85">
-                  <a:extLst>
-                    <a:ext uri="{FF2B5EF4-FFF2-40B4-BE49-F238E27FC236}">
-                      <a16:creationId xmlns:a16="http://schemas.microsoft.com/office/drawing/2014/main" id="{6DE31C60-E587-B5E6-E783-ED55E9D2126B}"/>
-                    </a:ext>
-                  </a:extLst>
-                </p:cNvPr>
-                <p:cNvSpPr/>
-                <p:nvPr/>
-              </p:nvSpPr>
-              <p:spPr>
-                <a:xfrm>
-                  <a:off x="5931325" y="4129385"/>
-                  <a:ext cx="253764" cy="253764"/>
-                </a:xfrm>
-                <a:prstGeom prst="ellipse">
-                  <a:avLst/>
-                </a:prstGeom>
-                <a:noFill/>
-                <a:ln w="28575">
-                  <a:solidFill>
-                    <a:srgbClr val="B1A7A6"/>
-                  </a:solidFill>
-                </a:ln>
-              </p:spPr>
-              <p:style>
-                <a:lnRef idx="2">
-                  <a:schemeClr val="accent1">
-                    <a:shade val="15000"/>
-                  </a:schemeClr>
-                </a:lnRef>
-                <a:fillRef idx="1">
-                  <a:schemeClr val="accent1"/>
-                </a:fillRef>
-                <a:effectRef idx="0">
-                  <a:schemeClr val="accent1"/>
-                </a:effectRef>
-                <a:fontRef idx="minor">
-                  <a:schemeClr val="lt1"/>
-                </a:fontRef>
-              </p:style>
-              <p:txBody>
-                <a:bodyPr rtlCol="0" anchor="ctr"/>
-                <a:lstStyle/>
-                <a:p>
-                  <a:pPr algn="ctr"/>
-                  <a:endParaRPr lang="it-IT"/>
-                </a:p>
-              </p:txBody>
-            </p:sp>
-            <p:sp>
-              <p:nvSpPr>
-                <p:cNvPr id="87" name="Ovale 86">
-                  <a:extLst>
-                    <a:ext uri="{FF2B5EF4-FFF2-40B4-BE49-F238E27FC236}">
-                      <a16:creationId xmlns:a16="http://schemas.microsoft.com/office/drawing/2014/main" id="{2DAA5A0A-2C51-16A7-916C-3F2C5E38B0CF}"/>
-                    </a:ext>
-                  </a:extLst>
-                </p:cNvPr>
-                <p:cNvSpPr/>
-                <p:nvPr/>
-              </p:nvSpPr>
-              <p:spPr>
-                <a:xfrm>
-                  <a:off x="5983402" y="4178884"/>
-                  <a:ext cx="154300" cy="154300"/>
-                </a:xfrm>
-                <a:prstGeom prst="ellipse">
-                  <a:avLst/>
-                </a:prstGeom>
-                <a:solidFill>
-                  <a:srgbClr val="F5F3F4"/>
-                </a:solidFill>
-                <a:ln>
-                  <a:noFill/>
-                </a:ln>
-              </p:spPr>
-              <p:style>
-                <a:lnRef idx="2">
-                  <a:schemeClr val="accent1">
-                    <a:shade val="15000"/>
-                  </a:schemeClr>
-                </a:lnRef>
-                <a:fillRef idx="1">
-                  <a:schemeClr val="accent1"/>
-                </a:fillRef>
-                <a:effectRef idx="0">
-                  <a:schemeClr val="accent1"/>
-                </a:effectRef>
-                <a:fontRef idx="minor">
-                  <a:schemeClr val="lt1"/>
-                </a:fontRef>
-              </p:style>
-              <p:txBody>
-                <a:bodyPr rtlCol="0" anchor="ctr"/>
-                <a:lstStyle/>
-                <a:p>
-                  <a:pPr algn="ctr"/>
-                  <a:endParaRPr lang="it-IT"/>
-                </a:p>
-              </p:txBody>
-            </p:sp>
-          </p:grpSp>
-        </p:grpSp>
-      </p:grpSp>
-      <p:grpSp>
-        <p:nvGrpSpPr>
-          <p:cNvPr id="54" name="Gruppo 53">
-            <a:extLst>
-              <a:ext uri="{FF2B5EF4-FFF2-40B4-BE49-F238E27FC236}">
-                <a16:creationId xmlns:a16="http://schemas.microsoft.com/office/drawing/2014/main" id="{03B5FD2E-913C-DC09-AAD1-4540A359A459}"/>
-              </a:ext>
-            </a:extLst>
-          </p:cNvPr>
-          <p:cNvGrpSpPr/>
-          <p:nvPr/>
-        </p:nvGrpSpPr>
-        <p:grpSpPr>
-          <a:xfrm>
-            <a:off x="4979027" y="2658927"/>
-            <a:ext cx="1225265" cy="1030663"/>
-            <a:chOff x="8720146" y="2626195"/>
-            <a:chExt cx="1225265" cy="1030663"/>
-          </a:xfrm>
-        </p:grpSpPr>
-        <p:pic>
-          <p:nvPicPr>
-            <p:cNvPr id="90" name="Immagine 89" descr="Immagine che contiene creatività&#10;&#10;Descrizione generata automaticamente con attendibilità bassa">
-              <a:extLst>
-                <a:ext uri="{FF2B5EF4-FFF2-40B4-BE49-F238E27FC236}">
-                  <a16:creationId xmlns:a16="http://schemas.microsoft.com/office/drawing/2014/main" id="{4DA6205B-3587-4851-9C02-32A3B6EE38E4}"/>
-                </a:ext>
-              </a:extLst>
-            </p:cNvPr>
-            <p:cNvPicPr>
-              <a:picLocks noChangeAspect="1"/>
-            </p:cNvPicPr>
-            <p:nvPr/>
-          </p:nvPicPr>
-          <p:blipFill>
-            <a:blip r:embed="rId4">
-              <a:extLst>
-                <a:ext uri="{28A0092B-C50C-407E-A947-70E740481C1C}">
-                  <a14:useLocalDpi xmlns:a14="http://schemas.microsoft.com/office/drawing/2010/main" val="0"/>
-                </a:ext>
-              </a:extLst>
-            </a:blip>
-            <a:stretch>
-              <a:fillRect/>
-            </a:stretch>
-          </p:blipFill>
-          <p:spPr>
-            <a:xfrm>
-              <a:off x="9031392" y="2720004"/>
-              <a:ext cx="602774" cy="602774"/>
-            </a:xfrm>
-            <a:prstGeom prst="rect">
-              <a:avLst/>
-            </a:prstGeom>
-          </p:spPr>
-        </p:pic>
-        <p:sp>
-          <p:nvSpPr>
-            <p:cNvPr id="91" name="Rettangolo con angoli arrotondati 90">
-              <a:extLst>
-                <a:ext uri="{FF2B5EF4-FFF2-40B4-BE49-F238E27FC236}">
-                  <a16:creationId xmlns:a16="http://schemas.microsoft.com/office/drawing/2014/main" id="{8CC67033-76AB-7207-8E9F-ADBB51360A06}"/>
-                </a:ext>
-              </a:extLst>
-            </p:cNvPr>
-            <p:cNvSpPr/>
-            <p:nvPr/>
-          </p:nvSpPr>
-          <p:spPr>
-            <a:xfrm>
-              <a:off x="8948422" y="2626195"/>
-              <a:ext cx="768716" cy="790392"/>
-            </a:xfrm>
-            <a:prstGeom prst="roundRect">
-              <a:avLst>
-                <a:gd name="adj" fmla="val 8991"/>
-              </a:avLst>
-            </a:prstGeom>
-            <a:noFill/>
-            <a:ln w="28575">
-              <a:solidFill>
-                <a:srgbClr val="F5F3F4"/>
-              </a:solidFill>
-            </a:ln>
-          </p:spPr>
-          <p:style>
-            <a:lnRef idx="2">
-              <a:schemeClr val="accent1">
-                <a:shade val="15000"/>
-              </a:schemeClr>
-            </a:lnRef>
-            <a:fillRef idx="1">
-              <a:schemeClr val="accent1"/>
-            </a:fillRef>
-            <a:effectRef idx="0">
-              <a:schemeClr val="accent1"/>
-            </a:effectRef>
-            <a:fontRef idx="minor">
-              <a:schemeClr val="lt1"/>
-            </a:fontRef>
-          </p:style>
-          <p:txBody>
-            <a:bodyPr rtlCol="0" anchor="ctr"/>
-            <a:lstStyle/>
-            <a:p>
-              <a:pPr algn="ctr"/>
-              <a:endParaRPr lang="it-IT" dirty="0"/>
-            </a:p>
-          </p:txBody>
-        </p:sp>
-        <p:sp>
-          <p:nvSpPr>
-            <p:cNvPr id="92" name="CasellaDiTesto 91">
-              <a:extLst>
-                <a:ext uri="{FF2B5EF4-FFF2-40B4-BE49-F238E27FC236}">
-                  <a16:creationId xmlns:a16="http://schemas.microsoft.com/office/drawing/2014/main" id="{2A6B7E67-D8BA-6EDD-1E4B-5EF8FE200F0F}"/>
-                </a:ext>
-              </a:extLst>
-            </p:cNvPr>
-            <p:cNvSpPr txBox="1"/>
-            <p:nvPr/>
-          </p:nvSpPr>
-          <p:spPr>
-            <a:xfrm>
-              <a:off x="8720146" y="3441414"/>
-              <a:ext cx="1225265" cy="215444"/>
-            </a:xfrm>
-            <a:prstGeom prst="rect">
-              <a:avLst/>
-            </a:prstGeom>
-            <a:noFill/>
-          </p:spPr>
-          <p:txBody>
-            <a:bodyPr wrap="square" rtlCol="0">
-              <a:spAutoFit/>
-            </a:bodyPr>
-            <a:lstStyle/>
-            <a:p>
-              <a:pPr algn="ctr"/>
-              <a:r>
-                <a:rPr lang="it-IT" sz="800" b="1" dirty="0">
-                  <a:solidFill>
-                    <a:schemeClr val="bg1"/>
-                  </a:solidFill>
-                  <a:latin typeface="Calibri" panose="020F0502020204030204" pitchFamily="34" charset="0"/>
-                  <a:ea typeface="Calibri" panose="020F0502020204030204" pitchFamily="34" charset="0"/>
-                  <a:cs typeface="Calibri" panose="020F0502020204030204" pitchFamily="34" charset="0"/>
-                </a:rPr>
-                <a:t>HVAC SYSTEM</a:t>
-              </a:r>
-            </a:p>
-          </p:txBody>
-        </p:sp>
-      </p:grpSp>
-      <p:grpSp>
-        <p:nvGrpSpPr>
-          <p:cNvPr id="55" name="Gruppo 54">
-            <a:extLst>
-              <a:ext uri="{FF2B5EF4-FFF2-40B4-BE49-F238E27FC236}">
-                <a16:creationId xmlns:a16="http://schemas.microsoft.com/office/drawing/2014/main" id="{D2AA4590-F347-4838-6145-626425F4587C}"/>
-              </a:ext>
-            </a:extLst>
-          </p:cNvPr>
-          <p:cNvGrpSpPr/>
-          <p:nvPr/>
-        </p:nvGrpSpPr>
-        <p:grpSpPr>
-          <a:xfrm>
-            <a:off x="8675342" y="3950762"/>
-            <a:ext cx="1225265" cy="1156834"/>
-            <a:chOff x="8720146" y="3894571"/>
-            <a:chExt cx="1225265" cy="1156834"/>
-          </a:xfrm>
-        </p:grpSpPr>
-        <p:pic>
-          <p:nvPicPr>
-            <p:cNvPr id="94" name="Elemento grafico 93" descr="Termometro con riempimento a tinta unita">
-              <a:extLst>
-                <a:ext uri="{FF2B5EF4-FFF2-40B4-BE49-F238E27FC236}">
-                  <a16:creationId xmlns:a16="http://schemas.microsoft.com/office/drawing/2014/main" id="{26523283-6B84-0375-9763-31FB0015A164}"/>
-                </a:ext>
-              </a:extLst>
-            </p:cNvPr>
-            <p:cNvPicPr>
-              <a:picLocks noChangeAspect="1"/>
-            </p:cNvPicPr>
-            <p:nvPr/>
-          </p:nvPicPr>
-          <p:blipFill>
-            <a:blip r:embed="rId5">
-              <a:extLst>
-                <a:ext uri="{28A0092B-C50C-407E-A947-70E740481C1C}">
-                  <a14:useLocalDpi xmlns:a14="http://schemas.microsoft.com/office/drawing/2010/main" val="0"/>
-                </a:ext>
-                <a:ext uri="{96DAC541-7B7A-43D3-8B79-37D633B846F1}">
-                  <asvg:svgBlip xmlns:asvg="http://schemas.microsoft.com/office/drawing/2016/SVG/main" r:embed="rId6"/>
-                </a:ext>
-              </a:extLst>
-            </a:blip>
-            <a:stretch>
-              <a:fillRect/>
-            </a:stretch>
-          </p:blipFill>
-          <p:spPr>
-            <a:xfrm>
-              <a:off x="9023477" y="3981822"/>
-              <a:ext cx="615890" cy="615890"/>
-            </a:xfrm>
-            <a:prstGeom prst="rect">
-              <a:avLst/>
-            </a:prstGeom>
-          </p:spPr>
-        </p:pic>
-        <p:sp>
-          <p:nvSpPr>
-            <p:cNvPr id="97" name="Rettangolo con angoli arrotondati 96">
-              <a:extLst>
-                <a:ext uri="{FF2B5EF4-FFF2-40B4-BE49-F238E27FC236}">
-                  <a16:creationId xmlns:a16="http://schemas.microsoft.com/office/drawing/2014/main" id="{BDD29EAC-2154-DBD1-3FC7-2014B0CFE1B4}"/>
-                </a:ext>
-              </a:extLst>
-            </p:cNvPr>
-            <p:cNvSpPr/>
-            <p:nvPr/>
-          </p:nvSpPr>
-          <p:spPr>
-            <a:xfrm>
-              <a:off x="8947064" y="3894571"/>
-              <a:ext cx="768716" cy="790392"/>
-            </a:xfrm>
-            <a:prstGeom prst="roundRect">
-              <a:avLst>
-                <a:gd name="adj" fmla="val 8991"/>
-              </a:avLst>
-            </a:prstGeom>
-            <a:noFill/>
-            <a:ln w="28575">
-              <a:solidFill>
-                <a:srgbClr val="F5F3F4"/>
-              </a:solidFill>
-            </a:ln>
-          </p:spPr>
-          <p:style>
-            <a:lnRef idx="2">
-              <a:schemeClr val="accent1">
-                <a:shade val="15000"/>
-              </a:schemeClr>
-            </a:lnRef>
-            <a:fillRef idx="1">
-              <a:schemeClr val="accent1"/>
-            </a:fillRef>
-            <a:effectRef idx="0">
-              <a:schemeClr val="accent1"/>
-            </a:effectRef>
-            <a:fontRef idx="minor">
-              <a:schemeClr val="lt1"/>
-            </a:fontRef>
-          </p:style>
-          <p:txBody>
-            <a:bodyPr rtlCol="0" anchor="ctr"/>
-            <a:lstStyle/>
-            <a:p>
-              <a:pPr algn="ctr"/>
-              <a:endParaRPr lang="it-IT" dirty="0"/>
-            </a:p>
-          </p:txBody>
-        </p:sp>
-        <p:sp>
-          <p:nvSpPr>
-            <p:cNvPr id="98" name="CasellaDiTesto 97">
-              <a:extLst>
-                <a:ext uri="{FF2B5EF4-FFF2-40B4-BE49-F238E27FC236}">
-                  <a16:creationId xmlns:a16="http://schemas.microsoft.com/office/drawing/2014/main" id="{F4A13957-5E27-3C83-18D1-2186A932A3E9}"/>
-                </a:ext>
-              </a:extLst>
-            </p:cNvPr>
-            <p:cNvSpPr txBox="1"/>
-            <p:nvPr/>
-          </p:nvSpPr>
-          <p:spPr>
-            <a:xfrm>
-              <a:off x="8720146" y="4712851"/>
-              <a:ext cx="1225265" cy="338554"/>
-            </a:xfrm>
-            <a:prstGeom prst="rect">
-              <a:avLst/>
-            </a:prstGeom>
-            <a:noFill/>
-          </p:spPr>
-          <p:txBody>
-            <a:bodyPr wrap="square" rtlCol="0">
-              <a:spAutoFit/>
-            </a:bodyPr>
-            <a:lstStyle/>
-            <a:p>
-              <a:pPr algn="ctr"/>
-              <a:r>
-                <a:rPr lang="it-IT" sz="800" b="1" dirty="0">
-                  <a:solidFill>
-                    <a:schemeClr val="bg1"/>
-                  </a:solidFill>
-                  <a:latin typeface="Calibri" panose="020F0502020204030204" pitchFamily="34" charset="0"/>
-                  <a:ea typeface="Calibri" panose="020F0502020204030204" pitchFamily="34" charset="0"/>
-                  <a:cs typeface="Calibri" panose="020F0502020204030204" pitchFamily="34" charset="0"/>
-                </a:rPr>
-                <a:t>TEMPERATURE </a:t>
-              </a:r>
-              <a:r>
-                <a:rPr lang="it-IT" sz="800" dirty="0">
-                  <a:solidFill>
-                    <a:schemeClr val="bg1"/>
-                  </a:solidFill>
-                  <a:latin typeface="Calibri" panose="020F0502020204030204" pitchFamily="34" charset="0"/>
-                  <a:ea typeface="Calibri" panose="020F0502020204030204" pitchFamily="34" charset="0"/>
-                  <a:cs typeface="Calibri" panose="020F0502020204030204" pitchFamily="34" charset="0"/>
-                </a:rPr>
-                <a:t>and</a:t>
-              </a:r>
-              <a:r>
-                <a:rPr lang="it-IT" sz="800" b="1" dirty="0">
-                  <a:solidFill>
-                    <a:schemeClr val="bg1"/>
-                  </a:solidFill>
-                  <a:latin typeface="Calibri" panose="020F0502020204030204" pitchFamily="34" charset="0"/>
-                  <a:ea typeface="Calibri" panose="020F0502020204030204" pitchFamily="34" charset="0"/>
-                  <a:cs typeface="Calibri" panose="020F0502020204030204" pitchFamily="34" charset="0"/>
-                </a:rPr>
-                <a:t> HUMIDITY SENSOR</a:t>
-              </a:r>
-            </a:p>
-          </p:txBody>
-        </p:sp>
-      </p:grpSp>
-      <p:cxnSp>
-        <p:nvCxnSpPr>
-          <p:cNvPr id="23" name="Connettore diritto 22">
-            <a:extLst>
-              <a:ext uri="{FF2B5EF4-FFF2-40B4-BE49-F238E27FC236}">
-                <a16:creationId xmlns:a16="http://schemas.microsoft.com/office/drawing/2014/main" id="{0ACD8718-E110-7D6B-90A2-3F8CD9ED530E}"/>
-              </a:ext>
-            </a:extLst>
-          </p:cNvPr>
-          <p:cNvCxnSpPr>
-            <a:cxnSpLocks/>
-            <a:endCxn id="84" idx="1"/>
-          </p:cNvCxnSpPr>
-          <p:nvPr/>
-        </p:nvCxnSpPr>
-        <p:spPr>
-          <a:xfrm flipV="1">
-            <a:off x="4915885" y="4537150"/>
-            <a:ext cx="402747" cy="149196"/>
-          </a:xfrm>
-          <a:prstGeom prst="line">
-            <a:avLst/>
-          </a:prstGeom>
-          <a:ln>
-            <a:solidFill>
-              <a:srgbClr val="F5F3F4"/>
-            </a:solidFill>
-          </a:ln>
-        </p:spPr>
-        <p:style>
-          <a:lnRef idx="2">
-            <a:schemeClr val="accent1"/>
-          </a:lnRef>
-          <a:fillRef idx="0">
-            <a:schemeClr val="accent1"/>
-          </a:fillRef>
-          <a:effectRef idx="1">
-            <a:schemeClr val="accent1"/>
-          </a:effectRef>
-          <a:fontRef idx="minor">
-            <a:schemeClr val="tx1"/>
-          </a:fontRef>
-        </p:style>
-      </p:cxnSp>
-      <p:grpSp>
-        <p:nvGrpSpPr>
-          <p:cNvPr id="13" name="Gruppo 12">
-            <a:extLst>
-              <a:ext uri="{FF2B5EF4-FFF2-40B4-BE49-F238E27FC236}">
-                <a16:creationId xmlns:a16="http://schemas.microsoft.com/office/drawing/2014/main" id="{0908F07B-190A-656D-B074-27B444AEDDAA}"/>
-              </a:ext>
-            </a:extLst>
-          </p:cNvPr>
-          <p:cNvGrpSpPr/>
-          <p:nvPr/>
-        </p:nvGrpSpPr>
-        <p:grpSpPr>
-          <a:xfrm>
-            <a:off x="8674677" y="2685993"/>
-            <a:ext cx="1225265" cy="695534"/>
-            <a:chOff x="6852824" y="2753320"/>
-            <a:chExt cx="1225265" cy="695534"/>
-          </a:xfrm>
-        </p:grpSpPr>
-        <p:sp>
-          <p:nvSpPr>
-            <p:cNvPr id="99" name="CasellaDiTesto 98">
-              <a:extLst>
-                <a:ext uri="{FF2B5EF4-FFF2-40B4-BE49-F238E27FC236}">
-                  <a16:creationId xmlns:a16="http://schemas.microsoft.com/office/drawing/2014/main" id="{675C21C0-CE3B-53C0-AA00-D2DB84EC9677}"/>
-                </a:ext>
-              </a:extLst>
-            </p:cNvPr>
-            <p:cNvSpPr txBox="1"/>
-            <p:nvPr/>
-          </p:nvSpPr>
-          <p:spPr>
-            <a:xfrm>
-              <a:off x="6852824" y="3233410"/>
-              <a:ext cx="1225265" cy="215444"/>
-            </a:xfrm>
-            <a:prstGeom prst="rect">
-              <a:avLst/>
-            </a:prstGeom>
-            <a:noFill/>
-          </p:spPr>
-          <p:txBody>
-            <a:bodyPr wrap="square" rtlCol="0">
-              <a:spAutoFit/>
-            </a:bodyPr>
-            <a:lstStyle/>
-            <a:p>
-              <a:pPr algn="ctr"/>
-              <a:r>
-                <a:rPr lang="it-IT" sz="800" b="1" dirty="0">
-                  <a:solidFill>
-                    <a:schemeClr val="bg1"/>
-                  </a:solidFill>
-                  <a:latin typeface="Calibri" panose="020F0502020204030204" pitchFamily="34" charset="0"/>
-                  <a:ea typeface="Calibri" panose="020F0502020204030204" pitchFamily="34" charset="0"/>
-                  <a:cs typeface="Calibri" panose="020F0502020204030204" pitchFamily="34" charset="0"/>
-                </a:rPr>
-                <a:t>CO SENSOR</a:t>
-              </a:r>
-            </a:p>
-          </p:txBody>
-        </p:sp>
-        <p:grpSp>
-          <p:nvGrpSpPr>
-            <p:cNvPr id="12" name="Gruppo 11">
-              <a:extLst>
-                <a:ext uri="{FF2B5EF4-FFF2-40B4-BE49-F238E27FC236}">
-                  <a16:creationId xmlns:a16="http://schemas.microsoft.com/office/drawing/2014/main" id="{F2D4469F-92AF-D3BE-E3D5-C7A5EDDE4128}"/>
-                </a:ext>
-              </a:extLst>
-            </p:cNvPr>
-            <p:cNvGrpSpPr/>
-            <p:nvPr/>
-          </p:nvGrpSpPr>
-          <p:grpSpPr>
-            <a:xfrm>
-              <a:off x="7180728" y="2753320"/>
-              <a:ext cx="569459" cy="510415"/>
-              <a:chOff x="7180728" y="2753320"/>
-              <a:chExt cx="569459" cy="510415"/>
-            </a:xfrm>
-          </p:grpSpPr>
-          <p:pic>
-            <p:nvPicPr>
-              <p:cNvPr id="96" name="Immagine 95" descr="Immagine che contiene Elementi grafici, clipart, simbolo, Carattere&#10;&#10;Descrizione generata automaticamente">
-                <a:extLst>
-                  <a:ext uri="{FF2B5EF4-FFF2-40B4-BE49-F238E27FC236}">
-                    <a16:creationId xmlns:a16="http://schemas.microsoft.com/office/drawing/2014/main" id="{4813EE03-1438-5A06-11DE-5E9513E796BB}"/>
-                  </a:ext>
-                </a:extLst>
-              </p:cNvPr>
-              <p:cNvPicPr>
-                <a:picLocks noChangeAspect="1"/>
-              </p:cNvPicPr>
-              <p:nvPr/>
-            </p:nvPicPr>
-            <p:blipFill rotWithShape="1">
-              <a:blip r:embed="rId7">
-                <a:extLst>
-                  <a:ext uri="{28A0092B-C50C-407E-A947-70E740481C1C}">
-                    <a14:useLocalDpi xmlns:a14="http://schemas.microsoft.com/office/drawing/2010/main" val="0"/>
-                  </a:ext>
-                </a:extLst>
-              </a:blip>
-              <a:srcRect b="71259"/>
-              <a:stretch/>
-            </p:blipFill>
-            <p:spPr>
-              <a:xfrm>
-                <a:off x="7180728" y="2753320"/>
-                <a:ext cx="569459" cy="163666"/>
-              </a:xfrm>
-              <a:prstGeom prst="rect">
-                <a:avLst/>
-              </a:prstGeom>
-            </p:spPr>
-          </p:pic>
-          <p:grpSp>
-            <p:nvGrpSpPr>
-              <p:cNvPr id="11" name="Gruppo 10">
-                <a:extLst>
-                  <a:ext uri="{FF2B5EF4-FFF2-40B4-BE49-F238E27FC236}">
-                    <a16:creationId xmlns:a16="http://schemas.microsoft.com/office/drawing/2014/main" id="{E2CBADB0-D7FF-A3C5-6ABD-86E8479D4B3A}"/>
-                  </a:ext>
-                </a:extLst>
-              </p:cNvPr>
-              <p:cNvGrpSpPr/>
-              <p:nvPr/>
-            </p:nvGrpSpPr>
-            <p:grpSpPr>
-              <a:xfrm>
-                <a:off x="7229252" y="2925181"/>
-                <a:ext cx="473740" cy="338554"/>
-                <a:chOff x="7223287" y="3001547"/>
-                <a:chExt cx="473740" cy="338554"/>
-              </a:xfrm>
-            </p:grpSpPr>
-            <p:sp>
-              <p:nvSpPr>
-                <p:cNvPr id="8" name="Rettangolo con angoli arrotondati 7">
-                  <a:extLst>
-                    <a:ext uri="{FF2B5EF4-FFF2-40B4-BE49-F238E27FC236}">
-                      <a16:creationId xmlns:a16="http://schemas.microsoft.com/office/drawing/2014/main" id="{4B2648D7-A845-53AD-4BFF-A6AFA345A8F0}"/>
-                    </a:ext>
-                  </a:extLst>
-                </p:cNvPr>
-                <p:cNvSpPr/>
-                <p:nvPr/>
-              </p:nvSpPr>
-              <p:spPr>
-                <a:xfrm>
-                  <a:off x="7265922" y="3044949"/>
-                  <a:ext cx="388471" cy="244573"/>
-                </a:xfrm>
-                <a:prstGeom prst="roundRect">
-                  <a:avLst>
-                    <a:gd name="adj" fmla="val 8991"/>
-                  </a:avLst>
-                </a:prstGeom>
-                <a:noFill/>
-                <a:ln w="28575">
-                  <a:solidFill>
-                    <a:srgbClr val="F5F3F4"/>
-                  </a:solidFill>
-                </a:ln>
-              </p:spPr>
-              <p:style>
-                <a:lnRef idx="2">
-                  <a:schemeClr val="accent1">
-                    <a:shade val="15000"/>
-                  </a:schemeClr>
-                </a:lnRef>
-                <a:fillRef idx="1">
-                  <a:schemeClr val="accent1"/>
-                </a:fillRef>
-                <a:effectRef idx="0">
-                  <a:schemeClr val="accent1"/>
-                </a:effectRef>
-                <a:fontRef idx="minor">
-                  <a:schemeClr val="lt1"/>
-                </a:fontRef>
-              </p:style>
-              <p:txBody>
-                <a:bodyPr rtlCol="0" anchor="ctr"/>
-                <a:lstStyle/>
-                <a:p>
-                  <a:pPr algn="ctr"/>
-                  <a:endParaRPr lang="it-IT"/>
-                </a:p>
-              </p:txBody>
-            </p:sp>
-            <p:sp>
-              <p:nvSpPr>
-                <p:cNvPr id="9" name="CasellaDiTesto 8">
-                  <a:extLst>
-                    <a:ext uri="{FF2B5EF4-FFF2-40B4-BE49-F238E27FC236}">
-                      <a16:creationId xmlns:a16="http://schemas.microsoft.com/office/drawing/2014/main" id="{5B2C8563-7513-23DB-CAFB-20C1F902A5DF}"/>
-                    </a:ext>
-                  </a:extLst>
-                </p:cNvPr>
-                <p:cNvSpPr txBox="1"/>
-                <p:nvPr/>
-              </p:nvSpPr>
-              <p:spPr>
-                <a:xfrm>
-                  <a:off x="7223287" y="3001547"/>
-                  <a:ext cx="473740" cy="338554"/>
-                </a:xfrm>
-                <a:prstGeom prst="rect">
-                  <a:avLst/>
-                </a:prstGeom>
-                <a:noFill/>
-              </p:spPr>
-              <p:txBody>
-                <a:bodyPr wrap="square" rtlCol="0">
-                  <a:spAutoFit/>
-                </a:bodyPr>
-                <a:lstStyle/>
-                <a:p>
-                  <a:pPr algn="ctr"/>
-                  <a:r>
-                    <a:rPr lang="it-IT" sz="1600" b="1" dirty="0">
-                      <a:solidFill>
-                        <a:schemeClr val="bg1"/>
-                      </a:solidFill>
-                      <a:latin typeface="Calibri" panose="020F0502020204030204" pitchFamily="34" charset="0"/>
-                      <a:ea typeface="Calibri" panose="020F0502020204030204" pitchFamily="34" charset="0"/>
-                      <a:cs typeface="Calibri" panose="020F0502020204030204" pitchFamily="34" charset="0"/>
-                    </a:rPr>
-                    <a:t>CO</a:t>
-                  </a:r>
-                  <a:endParaRPr lang="it-IT" sz="1000" b="1" dirty="0">
-                    <a:solidFill>
-                      <a:schemeClr val="bg1"/>
-                    </a:solidFill>
-                    <a:latin typeface="Calibri" panose="020F0502020204030204" pitchFamily="34" charset="0"/>
-                    <a:ea typeface="Calibri" panose="020F0502020204030204" pitchFamily="34" charset="0"/>
-                    <a:cs typeface="Calibri" panose="020F0502020204030204" pitchFamily="34" charset="0"/>
-                  </a:endParaRPr>
-                </a:p>
-              </p:txBody>
-            </p:sp>
-          </p:grpSp>
-        </p:grpSp>
-      </p:grpSp>
-      <p:grpSp>
-        <p:nvGrpSpPr>
-          <p:cNvPr id="16" name="Gruppo 15">
-            <a:extLst>
-              <a:ext uri="{FF2B5EF4-FFF2-40B4-BE49-F238E27FC236}">
-                <a16:creationId xmlns:a16="http://schemas.microsoft.com/office/drawing/2014/main" id="{C4E90B8C-D909-EBB1-E817-80BB7DA1B8E2}"/>
-              </a:ext>
-            </a:extLst>
-          </p:cNvPr>
-          <p:cNvGrpSpPr/>
-          <p:nvPr/>
-        </p:nvGrpSpPr>
-        <p:grpSpPr>
-          <a:xfrm>
-            <a:off x="6586162" y="3208650"/>
-            <a:ext cx="1768812" cy="1328486"/>
-            <a:chOff x="6634114" y="3266771"/>
-            <a:chExt cx="1768812" cy="1328486"/>
-          </a:xfrm>
-        </p:grpSpPr>
-        <p:grpSp>
-          <p:nvGrpSpPr>
-            <p:cNvPr id="6" name="Gruppo 5">
-              <a:extLst>
-                <a:ext uri="{FF2B5EF4-FFF2-40B4-BE49-F238E27FC236}">
-                  <a16:creationId xmlns:a16="http://schemas.microsoft.com/office/drawing/2014/main" id="{7BE1DD06-DD4A-C020-045E-931CD65D71C1}"/>
-                </a:ext>
-              </a:extLst>
-            </p:cNvPr>
-            <p:cNvGrpSpPr/>
-            <p:nvPr/>
-          </p:nvGrpSpPr>
-          <p:grpSpPr>
-            <a:xfrm>
-              <a:off x="6634114" y="3266771"/>
-              <a:ext cx="1768812" cy="1071782"/>
-              <a:chOff x="6634114" y="3266771"/>
-              <a:chExt cx="1768812" cy="1071782"/>
-            </a:xfrm>
-          </p:grpSpPr>
-          <p:sp>
-            <p:nvSpPr>
-              <p:cNvPr id="4" name="Rettangolo con angoli arrotondati 3">
-                <a:extLst>
-                  <a:ext uri="{FF2B5EF4-FFF2-40B4-BE49-F238E27FC236}">
-                    <a16:creationId xmlns:a16="http://schemas.microsoft.com/office/drawing/2014/main" id="{709D1C1A-8C49-CBDD-18D7-4D89D6D25A5D}"/>
-                  </a:ext>
-                </a:extLst>
-              </p:cNvPr>
-              <p:cNvSpPr/>
-              <p:nvPr/>
-            </p:nvSpPr>
-            <p:spPr>
-              <a:xfrm>
-                <a:off x="6634114" y="3266771"/>
-                <a:ext cx="1768812" cy="1071782"/>
-              </a:xfrm>
-              <a:prstGeom prst="roundRect">
-                <a:avLst>
-                  <a:gd name="adj" fmla="val 8991"/>
-                </a:avLst>
-              </a:prstGeom>
-              <a:noFill/>
-              <a:ln w="28575">
-                <a:solidFill>
-                  <a:srgbClr val="F5F3F4"/>
-                </a:solidFill>
-              </a:ln>
-            </p:spPr>
-            <p:style>
-              <a:lnRef idx="2">
-                <a:schemeClr val="accent1">
-                  <a:shade val="15000"/>
-                </a:schemeClr>
-              </a:lnRef>
-              <a:fillRef idx="1">
-                <a:schemeClr val="accent1"/>
-              </a:fillRef>
-              <a:effectRef idx="0">
-                <a:schemeClr val="accent1"/>
-              </a:effectRef>
-              <a:fontRef idx="minor">
-                <a:schemeClr val="lt1"/>
-              </a:fontRef>
-            </p:style>
-            <p:txBody>
-              <a:bodyPr rtlCol="0" anchor="ctr"/>
-              <a:lstStyle/>
-              <a:p>
-                <a:pPr algn="ctr"/>
-                <a:endParaRPr lang="it-IT" dirty="0"/>
-              </a:p>
-            </p:txBody>
-          </p:sp>
-          <p:cxnSp>
-            <p:nvCxnSpPr>
-              <p:cNvPr id="15" name="Connettore diritto 14">
-                <a:extLst>
-                  <a:ext uri="{FF2B5EF4-FFF2-40B4-BE49-F238E27FC236}">
-                    <a16:creationId xmlns:a16="http://schemas.microsoft.com/office/drawing/2014/main" id="{5B5868EF-F44C-2ACA-5D72-ADDB155BD0FC}"/>
-                  </a:ext>
-                </a:extLst>
-              </p:cNvPr>
-              <p:cNvCxnSpPr>
-                <a:cxnSpLocks/>
-              </p:cNvCxnSpPr>
-              <p:nvPr/>
-            </p:nvCxnSpPr>
-            <p:spPr>
-              <a:xfrm flipV="1">
-                <a:off x="6870914" y="3740148"/>
-                <a:ext cx="198170" cy="241674"/>
-              </a:xfrm>
-              <a:prstGeom prst="line">
-                <a:avLst/>
-              </a:prstGeom>
-              <a:ln>
-                <a:solidFill>
-                  <a:srgbClr val="F5F3F4"/>
-                </a:solidFill>
-              </a:ln>
-            </p:spPr>
-            <p:style>
-              <a:lnRef idx="2">
-                <a:schemeClr val="accent1"/>
-              </a:lnRef>
-              <a:fillRef idx="0">
-                <a:schemeClr val="accent1"/>
-              </a:fillRef>
-              <a:effectRef idx="1">
-                <a:schemeClr val="accent1"/>
-              </a:effectRef>
-              <a:fontRef idx="minor">
-                <a:schemeClr val="tx1"/>
-              </a:fontRef>
-            </p:style>
-          </p:cxnSp>
-          <p:sp>
-            <p:nvSpPr>
-              <p:cNvPr id="19" name="Ovale 18">
-                <a:extLst>
-                  <a:ext uri="{FF2B5EF4-FFF2-40B4-BE49-F238E27FC236}">
-                    <a16:creationId xmlns:a16="http://schemas.microsoft.com/office/drawing/2014/main" id="{96D8C624-E643-B0BC-1925-20805820ABA8}"/>
-                  </a:ext>
-                </a:extLst>
-              </p:cNvPr>
-              <p:cNvSpPr/>
-              <p:nvPr/>
-            </p:nvSpPr>
-            <p:spPr>
-              <a:xfrm>
-                <a:off x="7034711" y="3705926"/>
-                <a:ext cx="68745" cy="68745"/>
-              </a:xfrm>
-              <a:prstGeom prst="ellipse">
-                <a:avLst/>
-              </a:prstGeom>
-              <a:solidFill>
-                <a:srgbClr val="F5F3F4"/>
-              </a:solidFill>
-              <a:ln>
-                <a:noFill/>
-              </a:ln>
-            </p:spPr>
-            <p:style>
-              <a:lnRef idx="2">
-                <a:schemeClr val="accent1">
-                  <a:shade val="15000"/>
-                </a:schemeClr>
-              </a:lnRef>
-              <a:fillRef idx="1">
-                <a:schemeClr val="accent1"/>
-              </a:fillRef>
-              <a:effectRef idx="0">
-                <a:schemeClr val="accent1"/>
-              </a:effectRef>
-              <a:fontRef idx="minor">
-                <a:schemeClr val="lt1"/>
-              </a:fontRef>
-            </p:style>
-            <p:txBody>
-              <a:bodyPr rtlCol="0" anchor="ctr"/>
-              <a:lstStyle/>
-              <a:p>
-                <a:pPr algn="ctr"/>
-                <a:endParaRPr lang="it-IT"/>
-              </a:p>
-            </p:txBody>
-          </p:sp>
-          <p:sp>
-            <p:nvSpPr>
-              <p:cNvPr id="21" name="Ovale 20">
-                <a:extLst>
-                  <a:ext uri="{FF2B5EF4-FFF2-40B4-BE49-F238E27FC236}">
-                    <a16:creationId xmlns:a16="http://schemas.microsoft.com/office/drawing/2014/main" id="{2CBE3533-321E-7143-E7C5-AB19CD6C5D3E}"/>
-                  </a:ext>
-                </a:extLst>
-              </p:cNvPr>
-              <p:cNvSpPr/>
-              <p:nvPr/>
-            </p:nvSpPr>
-            <p:spPr>
-              <a:xfrm>
-                <a:off x="7365199" y="3828677"/>
-                <a:ext cx="68745" cy="68745"/>
-              </a:xfrm>
-              <a:prstGeom prst="ellipse">
-                <a:avLst/>
-              </a:prstGeom>
-              <a:solidFill>
-                <a:srgbClr val="F5F3F4"/>
-              </a:solidFill>
-              <a:ln>
-                <a:noFill/>
-              </a:ln>
-            </p:spPr>
-            <p:style>
-              <a:lnRef idx="2">
-                <a:schemeClr val="accent1">
-                  <a:shade val="15000"/>
-                </a:schemeClr>
-              </a:lnRef>
-              <a:fillRef idx="1">
-                <a:schemeClr val="accent1"/>
-              </a:fillRef>
-              <a:effectRef idx="0">
-                <a:schemeClr val="accent1"/>
-              </a:effectRef>
-              <a:fontRef idx="minor">
-                <a:schemeClr val="lt1"/>
-              </a:fontRef>
-            </p:style>
-            <p:txBody>
-              <a:bodyPr rtlCol="0" anchor="ctr"/>
-              <a:lstStyle/>
-              <a:p>
-                <a:pPr algn="ctr"/>
-                <a:endParaRPr lang="it-IT"/>
-              </a:p>
-            </p:txBody>
-          </p:sp>
-          <p:cxnSp>
-            <p:nvCxnSpPr>
-              <p:cNvPr id="22" name="Connettore diritto 21">
-                <a:extLst>
-                  <a:ext uri="{FF2B5EF4-FFF2-40B4-BE49-F238E27FC236}">
-                    <a16:creationId xmlns:a16="http://schemas.microsoft.com/office/drawing/2014/main" id="{9017E62C-528E-DF35-F476-BD05C6BD28B3}"/>
-                  </a:ext>
-                </a:extLst>
-              </p:cNvPr>
-              <p:cNvCxnSpPr>
-                <a:cxnSpLocks/>
-              </p:cNvCxnSpPr>
-              <p:nvPr/>
-            </p:nvCxnSpPr>
-            <p:spPr>
-              <a:xfrm flipH="1" flipV="1">
-                <a:off x="7067320" y="3736020"/>
-                <a:ext cx="337126" cy="124965"/>
-              </a:xfrm>
-              <a:prstGeom prst="line">
-                <a:avLst/>
-              </a:prstGeom>
-              <a:ln>
-                <a:solidFill>
-                  <a:srgbClr val="F5F3F4"/>
-                </a:solidFill>
-              </a:ln>
-            </p:spPr>
-            <p:style>
-              <a:lnRef idx="2">
-                <a:schemeClr val="accent1"/>
-              </a:lnRef>
-              <a:fillRef idx="0">
-                <a:schemeClr val="accent1"/>
-              </a:fillRef>
-              <a:effectRef idx="1">
-                <a:schemeClr val="accent1"/>
-              </a:effectRef>
-              <a:fontRef idx="minor">
-                <a:schemeClr val="tx1"/>
-              </a:fontRef>
-            </p:style>
-          </p:cxnSp>
-          <p:cxnSp>
-            <p:nvCxnSpPr>
-              <p:cNvPr id="27" name="Connettore diritto 26">
-                <a:extLst>
-                  <a:ext uri="{FF2B5EF4-FFF2-40B4-BE49-F238E27FC236}">
-                    <a16:creationId xmlns:a16="http://schemas.microsoft.com/office/drawing/2014/main" id="{45D0D576-919E-B1DC-EBA9-E4A437E65040}"/>
-                  </a:ext>
-                </a:extLst>
-              </p:cNvPr>
-              <p:cNvCxnSpPr>
-                <a:cxnSpLocks/>
-              </p:cNvCxnSpPr>
-              <p:nvPr/>
-            </p:nvCxnSpPr>
-            <p:spPr>
-              <a:xfrm flipH="1">
-                <a:off x="7399403" y="3614829"/>
-                <a:ext cx="206976" cy="255227"/>
-              </a:xfrm>
-              <a:prstGeom prst="line">
-                <a:avLst/>
-              </a:prstGeom>
-              <a:ln>
-                <a:solidFill>
-                  <a:srgbClr val="F5F3F4"/>
-                </a:solidFill>
-              </a:ln>
-            </p:spPr>
-            <p:style>
-              <a:lnRef idx="2">
-                <a:schemeClr val="accent1"/>
-              </a:lnRef>
-              <a:fillRef idx="0">
-                <a:schemeClr val="accent1"/>
-              </a:fillRef>
-              <a:effectRef idx="1">
-                <a:schemeClr val="accent1"/>
-              </a:effectRef>
-              <a:fontRef idx="minor">
-                <a:schemeClr val="tx1"/>
-              </a:fontRef>
-            </p:style>
-          </p:cxnSp>
-          <p:sp>
-            <p:nvSpPr>
-              <p:cNvPr id="35" name="Ovale 34">
-                <a:extLst>
-                  <a:ext uri="{FF2B5EF4-FFF2-40B4-BE49-F238E27FC236}">
-                    <a16:creationId xmlns:a16="http://schemas.microsoft.com/office/drawing/2014/main" id="{6E75401C-4E3F-59BF-A627-2B1F28E78B71}"/>
-                  </a:ext>
-                </a:extLst>
-              </p:cNvPr>
-              <p:cNvSpPr/>
-              <p:nvPr/>
-            </p:nvSpPr>
-            <p:spPr>
-              <a:xfrm>
-                <a:off x="6836541" y="3945954"/>
-                <a:ext cx="68745" cy="68745"/>
-              </a:xfrm>
-              <a:prstGeom prst="ellipse">
-                <a:avLst/>
-              </a:prstGeom>
-              <a:solidFill>
-                <a:srgbClr val="F5F3F4"/>
-              </a:solidFill>
-              <a:ln>
-                <a:noFill/>
-              </a:ln>
-            </p:spPr>
-            <p:style>
-              <a:lnRef idx="2">
-                <a:schemeClr val="accent1">
-                  <a:shade val="15000"/>
-                </a:schemeClr>
-              </a:lnRef>
-              <a:fillRef idx="1">
-                <a:schemeClr val="accent1"/>
-              </a:fillRef>
-              <a:effectRef idx="0">
-                <a:schemeClr val="accent1"/>
-              </a:effectRef>
-              <a:fontRef idx="minor">
-                <a:schemeClr val="lt1"/>
-              </a:fontRef>
-            </p:style>
-            <p:txBody>
-              <a:bodyPr rtlCol="0" anchor="ctr"/>
-              <a:lstStyle/>
-              <a:p>
-                <a:pPr algn="ctr"/>
-                <a:endParaRPr lang="it-IT"/>
-              </a:p>
-            </p:txBody>
-          </p:sp>
-          <p:sp>
-            <p:nvSpPr>
-              <p:cNvPr id="36" name="Ovale 35">
-                <a:extLst>
-                  <a:ext uri="{FF2B5EF4-FFF2-40B4-BE49-F238E27FC236}">
-                    <a16:creationId xmlns:a16="http://schemas.microsoft.com/office/drawing/2014/main" id="{2BBC3E77-0F9C-A9C3-C16A-4D65D89EC246}"/>
-                  </a:ext>
-                </a:extLst>
-              </p:cNvPr>
-              <p:cNvSpPr/>
-              <p:nvPr/>
-            </p:nvSpPr>
-            <p:spPr>
-              <a:xfrm>
-                <a:off x="7565257" y="3577571"/>
-                <a:ext cx="68745" cy="68745"/>
-              </a:xfrm>
-              <a:prstGeom prst="ellipse">
-                <a:avLst/>
-              </a:prstGeom>
-              <a:solidFill>
-                <a:srgbClr val="F5F3F4"/>
-              </a:solidFill>
-              <a:ln>
-                <a:noFill/>
-              </a:ln>
-            </p:spPr>
-            <p:style>
-              <a:lnRef idx="2">
-                <a:schemeClr val="accent1">
-                  <a:shade val="15000"/>
-                </a:schemeClr>
-              </a:lnRef>
-              <a:fillRef idx="1">
-                <a:schemeClr val="accent1"/>
-              </a:fillRef>
-              <a:effectRef idx="0">
-                <a:schemeClr val="accent1"/>
-              </a:effectRef>
-              <a:fontRef idx="minor">
-                <a:schemeClr val="lt1"/>
-              </a:fontRef>
-            </p:style>
-            <p:txBody>
-              <a:bodyPr rtlCol="0" anchor="ctr"/>
-              <a:lstStyle/>
-              <a:p>
-                <a:pPr algn="ctr"/>
-                <a:endParaRPr lang="it-IT"/>
-              </a:p>
-            </p:txBody>
-          </p:sp>
-          <p:sp>
-            <p:nvSpPr>
-              <p:cNvPr id="39" name="Ovale 38">
-                <a:extLst>
-                  <a:ext uri="{FF2B5EF4-FFF2-40B4-BE49-F238E27FC236}">
-                    <a16:creationId xmlns:a16="http://schemas.microsoft.com/office/drawing/2014/main" id="{F2A21F4C-09DB-1B1E-F774-CCA2D5481CDB}"/>
-                  </a:ext>
-                </a:extLst>
-              </p:cNvPr>
-              <p:cNvSpPr/>
-              <p:nvPr/>
-            </p:nvSpPr>
-            <p:spPr>
-              <a:xfrm>
-                <a:off x="7890470" y="3708069"/>
-                <a:ext cx="68745" cy="68745"/>
-              </a:xfrm>
-              <a:prstGeom prst="ellipse">
-                <a:avLst/>
-              </a:prstGeom>
-              <a:solidFill>
-                <a:srgbClr val="F5F3F4"/>
-              </a:solidFill>
-              <a:ln>
-                <a:noFill/>
-              </a:ln>
-            </p:spPr>
-            <p:style>
-              <a:lnRef idx="2">
-                <a:schemeClr val="accent1">
-                  <a:shade val="15000"/>
-                </a:schemeClr>
-              </a:lnRef>
-              <a:fillRef idx="1">
-                <a:schemeClr val="accent1"/>
-              </a:fillRef>
-              <a:effectRef idx="0">
-                <a:schemeClr val="accent1"/>
-              </a:effectRef>
-              <a:fontRef idx="minor">
-                <a:schemeClr val="lt1"/>
-              </a:fontRef>
-            </p:style>
-            <p:txBody>
-              <a:bodyPr rtlCol="0" anchor="ctr"/>
-              <a:lstStyle/>
-              <a:p>
-                <a:pPr algn="ctr"/>
-                <a:endParaRPr lang="it-IT"/>
-              </a:p>
-            </p:txBody>
-          </p:sp>
-          <p:cxnSp>
-            <p:nvCxnSpPr>
-              <p:cNvPr id="40" name="Connettore diritto 39">
-                <a:extLst>
-                  <a:ext uri="{FF2B5EF4-FFF2-40B4-BE49-F238E27FC236}">
-                    <a16:creationId xmlns:a16="http://schemas.microsoft.com/office/drawing/2014/main" id="{F821D83A-890E-9B25-FF78-2F4246194B2A}"/>
-                  </a:ext>
-                </a:extLst>
-              </p:cNvPr>
-              <p:cNvCxnSpPr>
-                <a:cxnSpLocks/>
-              </p:cNvCxnSpPr>
-              <p:nvPr/>
-            </p:nvCxnSpPr>
-            <p:spPr>
-              <a:xfrm>
-                <a:off x="7598452" y="3605389"/>
-                <a:ext cx="338246" cy="137053"/>
-              </a:xfrm>
-              <a:prstGeom prst="line">
-                <a:avLst/>
-              </a:prstGeom>
-              <a:ln>
-                <a:solidFill>
-                  <a:srgbClr val="F5F3F4"/>
-                </a:solidFill>
-              </a:ln>
-            </p:spPr>
-            <p:style>
-              <a:lnRef idx="2">
-                <a:schemeClr val="accent1"/>
-              </a:lnRef>
-              <a:fillRef idx="0">
-                <a:schemeClr val="accent1"/>
-              </a:fillRef>
-              <a:effectRef idx="1">
-                <a:schemeClr val="accent1"/>
-              </a:effectRef>
-              <a:fontRef idx="minor">
-                <a:schemeClr val="tx1"/>
-              </a:fontRef>
-            </p:style>
-          </p:cxnSp>
-          <p:cxnSp>
-            <p:nvCxnSpPr>
-              <p:cNvPr id="44" name="Connettore diritto 43">
-                <a:extLst>
-                  <a:ext uri="{FF2B5EF4-FFF2-40B4-BE49-F238E27FC236}">
-                    <a16:creationId xmlns:a16="http://schemas.microsoft.com/office/drawing/2014/main" id="{3A22DAF4-20FA-6DC3-0396-150CA2648433}"/>
-                  </a:ext>
-                </a:extLst>
-              </p:cNvPr>
-              <p:cNvCxnSpPr>
-                <a:cxnSpLocks/>
-              </p:cNvCxnSpPr>
-              <p:nvPr/>
-            </p:nvCxnSpPr>
-            <p:spPr>
-              <a:xfrm>
-                <a:off x="7922904" y="3741722"/>
-                <a:ext cx="263681" cy="208346"/>
-              </a:xfrm>
-              <a:prstGeom prst="line">
-                <a:avLst/>
-              </a:prstGeom>
-              <a:ln>
-                <a:solidFill>
-                  <a:srgbClr val="F5F3F4"/>
-                </a:solidFill>
-              </a:ln>
-            </p:spPr>
-            <p:style>
-              <a:lnRef idx="2">
-                <a:schemeClr val="accent1"/>
-              </a:lnRef>
-              <a:fillRef idx="0">
-                <a:schemeClr val="accent1"/>
-              </a:fillRef>
-              <a:effectRef idx="1">
-                <a:schemeClr val="accent1"/>
-              </a:effectRef>
-              <a:fontRef idx="minor">
-                <a:schemeClr val="tx1"/>
-              </a:fontRef>
-            </p:style>
-          </p:cxnSp>
-          <p:sp>
-            <p:nvSpPr>
-              <p:cNvPr id="47" name="Ovale 46">
-                <a:extLst>
-                  <a:ext uri="{FF2B5EF4-FFF2-40B4-BE49-F238E27FC236}">
-                    <a16:creationId xmlns:a16="http://schemas.microsoft.com/office/drawing/2014/main" id="{D6074D9A-BB44-8873-02FE-5D237412C86F}"/>
-                  </a:ext>
-                </a:extLst>
-              </p:cNvPr>
-              <p:cNvSpPr/>
-              <p:nvPr/>
-            </p:nvSpPr>
-            <p:spPr>
-              <a:xfrm>
-                <a:off x="8150274" y="3921331"/>
-                <a:ext cx="68745" cy="68745"/>
-              </a:xfrm>
-              <a:prstGeom prst="ellipse">
-                <a:avLst/>
-              </a:prstGeom>
-              <a:solidFill>
-                <a:srgbClr val="F5F3F4"/>
-              </a:solidFill>
-              <a:ln>
-                <a:noFill/>
-              </a:ln>
-            </p:spPr>
-            <p:style>
-              <a:lnRef idx="2">
-                <a:schemeClr val="accent1">
-                  <a:shade val="15000"/>
-                </a:schemeClr>
-              </a:lnRef>
-              <a:fillRef idx="1">
-                <a:schemeClr val="accent1"/>
-              </a:fillRef>
-              <a:effectRef idx="0">
-                <a:schemeClr val="accent1"/>
-              </a:effectRef>
-              <a:fontRef idx="minor">
-                <a:schemeClr val="lt1"/>
-              </a:fontRef>
-            </p:style>
-            <p:txBody>
-              <a:bodyPr rtlCol="0" anchor="ctr"/>
-              <a:lstStyle/>
-              <a:p>
-                <a:pPr algn="ctr"/>
-                <a:endParaRPr lang="it-IT"/>
-              </a:p>
-            </p:txBody>
-          </p:sp>
-        </p:grpSp>
-        <p:sp>
-          <p:nvSpPr>
-            <p:cNvPr id="2" name="CasellaDiTesto 1">
-              <a:extLst>
-                <a:ext uri="{FF2B5EF4-FFF2-40B4-BE49-F238E27FC236}">
-                  <a16:creationId xmlns:a16="http://schemas.microsoft.com/office/drawing/2014/main" id="{21FC36D8-3077-84A8-23F5-51D0B070F3DB}"/>
-                </a:ext>
-              </a:extLst>
-            </p:cNvPr>
-            <p:cNvSpPr txBox="1"/>
-            <p:nvPr/>
-          </p:nvSpPr>
-          <p:spPr>
-            <a:xfrm>
-              <a:off x="6896533" y="4379813"/>
-              <a:ext cx="1225265" cy="215444"/>
-            </a:xfrm>
-            <a:prstGeom prst="rect">
-              <a:avLst/>
-            </a:prstGeom>
-            <a:noFill/>
-          </p:spPr>
-          <p:txBody>
-            <a:bodyPr wrap="square" rtlCol="0">
-              <a:spAutoFit/>
-            </a:bodyPr>
-            <a:lstStyle/>
-            <a:p>
-              <a:pPr algn="ctr"/>
-              <a:r>
-                <a:rPr lang="it-IT" sz="800" b="1" dirty="0">
-                  <a:solidFill>
-                    <a:schemeClr val="bg1"/>
-                  </a:solidFill>
-                  <a:latin typeface="Calibri" panose="020F0502020204030204" pitchFamily="34" charset="0"/>
-                  <a:ea typeface="Calibri" panose="020F0502020204030204" pitchFamily="34" charset="0"/>
-                  <a:cs typeface="Calibri" panose="020F0502020204030204" pitchFamily="34" charset="0"/>
-                </a:rPr>
-                <a:t>DASHBOARD</a:t>
-              </a:r>
-            </a:p>
-          </p:txBody>
-        </p:sp>
-      </p:grpSp>
-      <p:sp>
-        <p:nvSpPr>
-          <p:cNvPr id="76" name="Rettangolo con angoli arrotondati 75">
-            <a:extLst>
-              <a:ext uri="{FF2B5EF4-FFF2-40B4-BE49-F238E27FC236}">
-                <a16:creationId xmlns:a16="http://schemas.microsoft.com/office/drawing/2014/main" id="{96BC7815-417A-17D5-2897-A40D63F2FB52}"/>
-              </a:ext>
-            </a:extLst>
-          </p:cNvPr>
-          <p:cNvSpPr/>
-          <p:nvPr/>
-        </p:nvSpPr>
-        <p:spPr>
-          <a:xfrm>
-            <a:off x="4856702" y="4079238"/>
-            <a:ext cx="91794" cy="1115066"/>
-          </a:xfrm>
-          <a:prstGeom prst="roundRect">
-            <a:avLst>
-              <a:gd name="adj" fmla="val 8991"/>
-            </a:avLst>
-          </a:prstGeom>
-          <a:solidFill>
-            <a:srgbClr val="161A1D"/>
-          </a:solidFill>
-          <a:ln w="12700">
-            <a:solidFill>
-              <a:srgbClr val="FCA311"/>
-            </a:solidFill>
-          </a:ln>
-        </p:spPr>
-        <p:style>
-          <a:lnRef idx="2">
-            <a:schemeClr val="accent1">
-              <a:shade val="15000"/>
-            </a:schemeClr>
-          </a:lnRef>
-          <a:fillRef idx="1">
-            <a:schemeClr val="accent1"/>
-          </a:fillRef>
-          <a:effectRef idx="0">
-            <a:schemeClr val="accent1"/>
-          </a:effectRef>
-          <a:fontRef idx="minor">
-            <a:schemeClr val="lt1"/>
-          </a:fontRef>
-        </p:style>
-        <p:txBody>
-          <a:bodyPr rtlCol="0" anchor="ctr"/>
-          <a:lstStyle/>
-          <a:p>
-            <a:pPr algn="ctr"/>
-            <a:endParaRPr lang="it-IT"/>
-          </a:p>
-        </p:txBody>
-      </p:sp>
-      <p:cxnSp>
-        <p:nvCxnSpPr>
-          <p:cNvPr id="3" name="Connettore diritto 2">
-            <a:extLst>
-              <a:ext uri="{FF2B5EF4-FFF2-40B4-BE49-F238E27FC236}">
-                <a16:creationId xmlns:a16="http://schemas.microsoft.com/office/drawing/2014/main" id="{5E025A52-33A0-A970-E923-EAD88F137F19}"/>
-              </a:ext>
-            </a:extLst>
-          </p:cNvPr>
-          <p:cNvCxnSpPr>
-            <a:cxnSpLocks/>
-          </p:cNvCxnSpPr>
-          <p:nvPr/>
-        </p:nvCxnSpPr>
-        <p:spPr>
-          <a:xfrm>
-            <a:off x="1648420" y="5190175"/>
-            <a:ext cx="8895159" cy="0"/>
-          </a:xfrm>
-          <a:prstGeom prst="line">
-            <a:avLst/>
-          </a:prstGeom>
-          <a:ln w="38100">
-            <a:solidFill>
-              <a:srgbClr val="D3D3D3"/>
-            </a:solidFill>
-          </a:ln>
-        </p:spPr>
-        <p:style>
-          <a:lnRef idx="2">
-            <a:schemeClr val="accent1"/>
-          </a:lnRef>
-          <a:fillRef idx="0">
-            <a:schemeClr val="accent1"/>
-          </a:fillRef>
-          <a:effectRef idx="1">
-            <a:schemeClr val="accent1"/>
-          </a:effectRef>
-          <a:fontRef idx="minor">
-            <a:schemeClr val="tx1"/>
-          </a:fontRef>
-        </p:style>
-      </p:cxnSp>
-    </p:spTree>
-    <p:extLst>
-      <p:ext uri="{BB962C8B-B14F-4D97-AF65-F5344CB8AC3E}">
-        <p14:creationId xmlns:p14="http://schemas.microsoft.com/office/powerpoint/2010/main" val="1363808696"/>
-      </p:ext>
-    </p:extLst>
-  </p:cSld>
-  <p:clrMapOvr>
-    <a:masterClrMapping/>
-  </p:clrMapOvr>
-</p:sld>
-</file>
-
-<file path=ppt/slides/slide6.xml><?xml version="1.0" encoding="utf-8"?>
+<file path=ppt/slides/slide3.xml><?xml version="1.0" encoding="utf-8"?>
 <p:sld xmlns:a="http://schemas.openxmlformats.org/drawingml/2006/main" xmlns:r="http://schemas.openxmlformats.org/officeDocument/2006/relationships" xmlns:p="http://schemas.openxmlformats.org/presentationml/2006/main">
   <p:cSld>
     <p:bg>
@@ -12551,7 +7406,7 @@
         </p:blipFill>
         <p:spPr>
           <a:xfrm>
-            <a:off x="3609291" y="783727"/>
+            <a:off x="3609291" y="801657"/>
             <a:ext cx="505320" cy="1082829"/>
           </a:xfrm>
           <a:prstGeom prst="rect">
@@ -12573,7 +7428,7 @@
         </p:nvGrpSpPr>
         <p:grpSpPr>
           <a:xfrm>
-            <a:off x="2700155" y="1296463"/>
+            <a:off x="2700155" y="1314393"/>
             <a:ext cx="1225265" cy="628353"/>
             <a:chOff x="2700155" y="1296463"/>
             <a:chExt cx="1225265" cy="628353"/>
@@ -12673,7 +7528,7 @@
         </p:nvGrpSpPr>
         <p:grpSpPr>
           <a:xfrm>
-            <a:off x="4099825" y="756393"/>
+            <a:off x="4099825" y="774323"/>
             <a:ext cx="1298044" cy="408861"/>
             <a:chOff x="4099825" y="756393"/>
             <a:chExt cx="1298044" cy="408861"/>
@@ -12773,7 +7628,7 @@
         </p:nvGrpSpPr>
         <p:grpSpPr>
           <a:xfrm>
-            <a:off x="4215641" y="4612264"/>
+            <a:off x="4215641" y="4459859"/>
             <a:ext cx="1448774" cy="1589042"/>
             <a:chOff x="3919944" y="4602959"/>
             <a:chExt cx="1448774" cy="1589042"/>
@@ -12955,7 +7810,7 @@
         </p:nvGrpSpPr>
         <p:grpSpPr>
           <a:xfrm>
-            <a:off x="2181733" y="4612264"/>
+            <a:off x="2181733" y="4459859"/>
             <a:ext cx="1234807" cy="1527704"/>
             <a:chOff x="1966182" y="4602960"/>
             <a:chExt cx="1234807" cy="1527704"/>
@@ -13225,166 +8080,6 @@
       </p:grpSp>
       <p:grpSp>
         <p:nvGrpSpPr>
-          <p:cNvPr id="55" name="Gruppo 54">
-            <a:extLst>
-              <a:ext uri="{FF2B5EF4-FFF2-40B4-BE49-F238E27FC236}">
-                <a16:creationId xmlns:a16="http://schemas.microsoft.com/office/drawing/2014/main" id="{F03B61DE-5F9C-4596-0275-973381EFB161}"/>
-              </a:ext>
-            </a:extLst>
-          </p:cNvPr>
-          <p:cNvGrpSpPr/>
-          <p:nvPr/>
-        </p:nvGrpSpPr>
-        <p:grpSpPr>
-          <a:xfrm>
-            <a:off x="5298655" y="2596838"/>
-            <a:ext cx="2410056" cy="1311149"/>
-            <a:chOff x="5291035" y="2596838"/>
-            <a:chExt cx="2410056" cy="1311149"/>
-          </a:xfrm>
-        </p:grpSpPr>
-        <p:grpSp>
-          <p:nvGrpSpPr>
-            <p:cNvPr id="47" name="Gruppo 46">
-              <a:extLst>
-                <a:ext uri="{FF2B5EF4-FFF2-40B4-BE49-F238E27FC236}">
-                  <a16:creationId xmlns:a16="http://schemas.microsoft.com/office/drawing/2014/main" id="{8F46F7D6-4997-88BC-30CD-CB985A1A06AD}"/>
-                </a:ext>
-              </a:extLst>
-            </p:cNvPr>
-            <p:cNvGrpSpPr/>
-            <p:nvPr/>
-          </p:nvGrpSpPr>
-          <p:grpSpPr>
-            <a:xfrm>
-              <a:off x="5542903" y="2596838"/>
-              <a:ext cx="2158188" cy="1311149"/>
-              <a:chOff x="5716982" y="2569020"/>
-              <a:chExt cx="2158188" cy="1311149"/>
-            </a:xfrm>
-          </p:grpSpPr>
-          <p:pic>
-            <p:nvPicPr>
-              <p:cNvPr id="45" name="Immagine 44" descr="Immagine che contiene elettronica, Componente elettrico, Componente di circuito, circuito&#10;&#10;Descrizione generata automaticamente">
-                <a:extLst>
-                  <a:ext uri="{FF2B5EF4-FFF2-40B4-BE49-F238E27FC236}">
-                    <a16:creationId xmlns:a16="http://schemas.microsoft.com/office/drawing/2014/main" id="{430B0EFA-D8B8-5B72-3AD8-AC8E7005AE09}"/>
-                  </a:ext>
-                </a:extLst>
-              </p:cNvPr>
-              <p:cNvPicPr>
-                <a:picLocks noChangeAspect="1"/>
-              </p:cNvPicPr>
-              <p:nvPr/>
-            </p:nvPicPr>
-            <p:blipFill>
-              <a:blip r:embed="rId2">
-                <a:extLst>
-                  <a:ext uri="{28A0092B-C50C-407E-A947-70E740481C1C}">
-                    <a14:useLocalDpi xmlns:a14="http://schemas.microsoft.com/office/drawing/2010/main" val="0"/>
-                  </a:ext>
-                </a:extLst>
-              </a:blip>
-              <a:stretch>
-                <a:fillRect/>
-              </a:stretch>
-            </p:blipFill>
-            <p:spPr>
-              <a:xfrm rot="5400000">
-                <a:off x="6005737" y="2616580"/>
-                <a:ext cx="505320" cy="1082829"/>
-              </a:xfrm>
-              <a:prstGeom prst="rect">
-                <a:avLst/>
-              </a:prstGeom>
-            </p:spPr>
-          </p:pic>
-          <p:pic>
-            <p:nvPicPr>
-              <p:cNvPr id="46" name="Elemento grafico 45" descr="Portatile con riempimento a tinta unita">
-                <a:extLst>
-                  <a:ext uri="{FF2B5EF4-FFF2-40B4-BE49-F238E27FC236}">
-                    <a16:creationId xmlns:a16="http://schemas.microsoft.com/office/drawing/2014/main" id="{BE81BE2D-695F-3F27-2F19-9908C5277CBE}"/>
-                  </a:ext>
-                </a:extLst>
-              </p:cNvPr>
-              <p:cNvPicPr>
-                <a:picLocks noChangeAspect="1"/>
-              </p:cNvPicPr>
-              <p:nvPr/>
-            </p:nvPicPr>
-            <p:blipFill>
-              <a:blip r:embed="rId10">
-                <a:extLst>
-                  <a:ext uri="{28A0092B-C50C-407E-A947-70E740481C1C}">
-                    <a14:useLocalDpi xmlns:a14="http://schemas.microsoft.com/office/drawing/2010/main" val="0"/>
-                  </a:ext>
-                  <a:ext uri="{96DAC541-7B7A-43D3-8B79-37D633B846F1}">
-                    <asvg:svgBlip xmlns:asvg="http://schemas.microsoft.com/office/drawing/2016/SVG/main" r:embed="rId11"/>
-                  </a:ext>
-                </a:extLst>
-              </a:blip>
-              <a:stretch>
-                <a:fillRect/>
-              </a:stretch>
-            </p:blipFill>
-            <p:spPr>
-              <a:xfrm>
-                <a:off x="6564021" y="2569020"/>
-                <a:ext cx="1311149" cy="1311149"/>
-              </a:xfrm>
-              <a:prstGeom prst="rect">
-                <a:avLst/>
-              </a:prstGeom>
-            </p:spPr>
-          </p:pic>
-        </p:grpSp>
-        <p:sp>
-          <p:nvSpPr>
-            <p:cNvPr id="48" name="CasellaDiTesto 47">
-              <a:extLst>
-                <a:ext uri="{FF2B5EF4-FFF2-40B4-BE49-F238E27FC236}">
-                  <a16:creationId xmlns:a16="http://schemas.microsoft.com/office/drawing/2014/main" id="{29E79DE6-7019-2401-6D70-92FF0D7DCD1A}"/>
-                </a:ext>
-              </a:extLst>
-            </p:cNvPr>
-            <p:cNvSpPr txBox="1"/>
-            <p:nvPr/>
-          </p:nvSpPr>
-          <p:spPr>
-            <a:xfrm>
-              <a:off x="5291035" y="3370096"/>
-              <a:ext cx="1225265" cy="215444"/>
-            </a:xfrm>
-            <a:prstGeom prst="rect">
-              <a:avLst/>
-            </a:prstGeom>
-            <a:noFill/>
-          </p:spPr>
-          <p:txBody>
-            <a:bodyPr wrap="square" rtlCol="0">
-              <a:spAutoFit/>
-            </a:bodyPr>
-            <a:lstStyle/>
-            <a:p>
-              <a:pPr algn="ctr"/>
-              <a:r>
-                <a:rPr lang="it-IT" sz="800" b="1" dirty="0">
-                  <a:solidFill>
-                    <a:srgbClr val="F5F3F4"/>
-                  </a:solidFill>
-                  <a:latin typeface="Calibri" panose="020F0502020204030204" pitchFamily="34" charset="0"/>
-                  <a:ea typeface="Calibri" panose="020F0502020204030204" pitchFamily="34" charset="0"/>
-                  <a:cs typeface="Calibri" panose="020F0502020204030204" pitchFamily="34" charset="0"/>
-                </a:rPr>
-                <a:t>BORDER ROUTER</a:t>
-              </a:r>
-            </a:p>
-          </p:txBody>
-        </p:sp>
-      </p:grpSp>
-      <p:grpSp>
-        <p:nvGrpSpPr>
           <p:cNvPr id="58" name="Gruppo 57">
             <a:extLst>
               <a:ext uri="{FF2B5EF4-FFF2-40B4-BE49-F238E27FC236}">
@@ -13558,13 +8253,13 @@
             <p:nvPr/>
           </p:nvPicPr>
           <p:blipFill>
-            <a:blip r:embed="rId12">
+            <a:blip r:embed="rId10">
               <a:extLst>
                 <a:ext uri="{28A0092B-C50C-407E-A947-70E740481C1C}">
                   <a14:useLocalDpi xmlns:a14="http://schemas.microsoft.com/office/drawing/2010/main" val="0"/>
                 </a:ext>
                 <a:ext uri="{96DAC541-7B7A-43D3-8B79-37D633B846F1}">
-                  <asvg:svgBlip xmlns:asvg="http://schemas.microsoft.com/office/drawing/2016/SVG/main" r:embed="rId13"/>
+                  <asvg:svgBlip xmlns:asvg="http://schemas.microsoft.com/office/drawing/2016/SVG/main" r:embed="rId11"/>
                 </a:ext>
               </a:extLst>
             </a:blip>
@@ -13759,13 +8454,13 @@
             <p:nvPr/>
           </p:nvPicPr>
           <p:blipFill>
-            <a:blip r:embed="rId14">
+            <a:blip r:embed="rId12">
               <a:extLst>
                 <a:ext uri="{28A0092B-C50C-407E-A947-70E740481C1C}">
                   <a14:useLocalDpi xmlns:a14="http://schemas.microsoft.com/office/drawing/2010/main" val="0"/>
                 </a:ext>
                 <a:ext uri="{96DAC541-7B7A-43D3-8B79-37D633B846F1}">
-                  <asvg:svgBlip xmlns:asvg="http://schemas.microsoft.com/office/drawing/2016/SVG/main" r:embed="rId15"/>
+                  <asvg:svgBlip xmlns:asvg="http://schemas.microsoft.com/office/drawing/2016/SVG/main" r:embed="rId13"/>
                 </a:ext>
               </a:extLst>
             </a:blip>
@@ -13862,7 +8557,7 @@
             <p:nvPr/>
           </p:nvPicPr>
           <p:blipFill rotWithShape="1">
-            <a:blip r:embed="rId16">
+            <a:blip r:embed="rId14">
               <a:extLst>
                 <a:ext uri="{28A0092B-C50C-407E-A947-70E740481C1C}">
                   <a14:useLocalDpi xmlns:a14="http://schemas.microsoft.com/office/drawing/2010/main" val="0"/>
@@ -13971,13 +8666,13 @@
             <p:nvPr/>
           </p:nvPicPr>
           <p:blipFill>
-            <a:blip r:embed="rId17">
+            <a:blip r:embed="rId15">
               <a:extLst>
                 <a:ext uri="{28A0092B-C50C-407E-A947-70E740481C1C}">
                   <a14:useLocalDpi xmlns:a14="http://schemas.microsoft.com/office/drawing/2010/main" val="0"/>
                 </a:ext>
                 <a:ext uri="{96DAC541-7B7A-43D3-8B79-37D633B846F1}">
-                  <asvg:svgBlip xmlns:asvg="http://schemas.microsoft.com/office/drawing/2016/SVG/main" r:embed="rId18"/>
+                  <asvg:svgBlip xmlns:asvg="http://schemas.microsoft.com/office/drawing/2016/SVG/main" r:embed="rId16"/>
                 </a:ext>
               </a:extLst>
             </a:blip>
@@ -14171,65 +8866,34 @@
           </a:fontRef>
         </p:style>
       </p:cxnSp>
-    </p:spTree>
-    <p:extLst>
-      <p:ext uri="{BB962C8B-B14F-4D97-AF65-F5344CB8AC3E}">
-        <p14:creationId xmlns:p14="http://schemas.microsoft.com/office/powerpoint/2010/main" val="36422499"/>
-      </p:ext>
-    </p:extLst>
-  </p:cSld>
-  <p:clrMapOvr>
-    <a:masterClrMapping/>
-  </p:clrMapOvr>
-</p:sld>
-</file>
-
-<file path=ppt/slides/slide7.xml><?xml version="1.0" encoding="utf-8"?>
-<p:sld xmlns:a="http://schemas.openxmlformats.org/drawingml/2006/main" xmlns:r="http://schemas.openxmlformats.org/officeDocument/2006/relationships" xmlns:p="http://schemas.openxmlformats.org/presentationml/2006/main">
-  <p:cSld>
-    <p:spTree>
-      <p:nvGrpSpPr>
-        <p:cNvPr id="1" name=""/>
-        <p:cNvGrpSpPr/>
-        <p:nvPr/>
-      </p:nvGrpSpPr>
-      <p:grpSpPr>
-        <a:xfrm>
-          <a:off x="0" y="0"/>
-          <a:ext cx="0" cy="0"/>
-          <a:chOff x="0" y="0"/>
-          <a:chExt cx="0" cy="0"/>
-        </a:xfrm>
-      </p:grpSpPr>
       <p:sp>
         <p:nvSpPr>
-          <p:cNvPr id="5" name="Rettangolo con angoli arrotondati 4">
-            <a:extLst>
-              <a:ext uri="{FF2B5EF4-FFF2-40B4-BE49-F238E27FC236}">
-                <a16:creationId xmlns:a16="http://schemas.microsoft.com/office/drawing/2014/main" id="{BC199077-BB0A-CBA7-63B2-5EC3748E4558}"/>
-              </a:ext>
-            </a:extLst>
-          </p:cNvPr>
-          <p:cNvSpPr>
-            <a:spLocks noGrp="1" noRot="1" noMove="1" noResize="1" noEditPoints="1" noAdjustHandles="1" noChangeArrowheads="1" noChangeShapeType="1"/>
-          </p:cNvSpPr>
+          <p:cNvPr id="33" name="Rettangolo con angoli arrotondati 32">
+            <a:extLst>
+              <a:ext uri="{FF2B5EF4-FFF2-40B4-BE49-F238E27FC236}">
+                <a16:creationId xmlns:a16="http://schemas.microsoft.com/office/drawing/2014/main" id="{3FC5CE55-A72B-8856-5B5E-71D600001C1D}"/>
+              </a:ext>
+            </a:extLst>
+          </p:cNvPr>
+          <p:cNvSpPr/>
           <p:nvPr/>
         </p:nvSpPr>
         <p:spPr>
           <a:xfrm>
-            <a:off x="1648420" y="1335882"/>
-            <a:ext cx="8895159" cy="4186236"/>
+            <a:off x="1057834" y="656694"/>
+            <a:ext cx="5285525" cy="5544612"/>
           </a:xfrm>
           <a:prstGeom prst="roundRect">
             <a:avLst>
               <a:gd name="adj" fmla="val 8991"/>
             </a:avLst>
           </a:prstGeom>
-          <a:solidFill>
-            <a:srgbClr val="161A1D"/>
-          </a:solidFill>
-          <a:ln>
-            <a:noFill/>
+          <a:noFill/>
+          <a:ln w="28575">
+            <a:solidFill>
+              <a:srgbClr val="F5F3F4"/>
+            </a:solidFill>
+            <a:prstDash val="dash"/>
           </a:ln>
         </p:spPr>
         <p:style>
@@ -14253,137 +8917,176 @@
           <a:lstStyle/>
           <a:p>
             <a:pPr algn="ctr"/>
-            <a:endParaRPr lang="it-IT"/>
+            <a:endParaRPr lang="it-IT" dirty="0"/>
           </a:p>
         </p:txBody>
       </p:sp>
-      <p:pic>
-        <p:nvPicPr>
-          <p:cNvPr id="10" name="Elemento grafico 9" descr="Telecamera di sicurezza con riempimento a tinta unita">
-            <a:extLst>
-              <a:ext uri="{FF2B5EF4-FFF2-40B4-BE49-F238E27FC236}">
-                <a16:creationId xmlns:a16="http://schemas.microsoft.com/office/drawing/2014/main" id="{DF156682-6891-A57D-5B21-80A027E79CED}"/>
-              </a:ext>
-            </a:extLst>
-          </p:cNvPr>
-          <p:cNvPicPr>
-            <a:picLocks noChangeAspect="1"/>
-          </p:cNvPicPr>
+      <p:grpSp>
+        <p:nvGrpSpPr>
+          <p:cNvPr id="55" name="Gruppo 54">
+            <a:extLst>
+              <a:ext uri="{FF2B5EF4-FFF2-40B4-BE49-F238E27FC236}">
+                <a16:creationId xmlns:a16="http://schemas.microsoft.com/office/drawing/2014/main" id="{F03B61DE-5F9C-4596-0275-973381EFB161}"/>
+              </a:ext>
+            </a:extLst>
+          </p:cNvPr>
+          <p:cNvGrpSpPr/>
           <p:nvPr/>
-        </p:nvPicPr>
-        <p:blipFill rotWithShape="1">
-          <a:blip r:embed="rId2">
-            <a:extLst>
-              <a:ext uri="{28A0092B-C50C-407E-A947-70E740481C1C}">
-                <a14:useLocalDpi xmlns:a14="http://schemas.microsoft.com/office/drawing/2010/main" val="0"/>
-              </a:ext>
-              <a:ext uri="{96DAC541-7B7A-43D3-8B79-37D633B846F1}">
-                <asvg:svgBlip xmlns:asvg="http://schemas.microsoft.com/office/drawing/2016/SVG/main" r:embed="rId3"/>
-              </a:ext>
-            </a:extLst>
-          </a:blip>
-          <a:srcRect l="17451"/>
-          <a:stretch/>
-        </p:blipFill>
-        <p:spPr>
+        </p:nvGrpSpPr>
+        <p:grpSpPr>
           <a:xfrm>
-            <a:off x="1648420" y="3401058"/>
-            <a:ext cx="559830" cy="678180"/>
+            <a:off x="5298655" y="2596838"/>
+            <a:ext cx="2410056" cy="1311149"/>
+            <a:chOff x="5291035" y="2596838"/>
+            <a:chExt cx="2410056" cy="1311149"/>
           </a:xfrm>
-          <a:prstGeom prst="rect">
-            <a:avLst/>
-          </a:prstGeom>
-        </p:spPr>
-      </p:pic>
-      <p:pic>
-        <p:nvPicPr>
-          <p:cNvPr id="7" name="Elemento grafico 6" descr="Camminare con riempimento a tinta unita">
-            <a:extLst>
-              <a:ext uri="{FF2B5EF4-FFF2-40B4-BE49-F238E27FC236}">
-                <a16:creationId xmlns:a16="http://schemas.microsoft.com/office/drawing/2014/main" id="{61526699-E6E5-EE91-FEF7-CB2C8DA3ADEE}"/>
-              </a:ext>
-            </a:extLst>
-          </p:cNvPr>
-          <p:cNvPicPr>
-            <a:picLocks noChangeAspect="1"/>
-          </p:cNvPicPr>
-          <p:nvPr/>
-        </p:nvPicPr>
-        <p:blipFill>
-          <a:blip r:embed="rId4">
-            <a:extLst>
-              <a:ext uri="{28A0092B-C50C-407E-A947-70E740481C1C}">
-                <a14:useLocalDpi xmlns:a14="http://schemas.microsoft.com/office/drawing/2010/main" val="0"/>
-              </a:ext>
-              <a:ext uri="{96DAC541-7B7A-43D3-8B79-37D633B846F1}">
-                <asvg:svgBlip xmlns:asvg="http://schemas.microsoft.com/office/drawing/2016/SVG/main" r:embed="rId5"/>
-              </a:ext>
-            </a:extLst>
-          </a:blip>
-          <a:stretch>
-            <a:fillRect/>
-          </a:stretch>
-        </p:blipFill>
-        <p:spPr>
-          <a:xfrm>
-            <a:off x="1648420" y="4261968"/>
-            <a:ext cx="922971" cy="922971"/>
-          </a:xfrm>
-          <a:prstGeom prst="rect">
-            <a:avLst/>
-          </a:prstGeom>
-        </p:spPr>
-      </p:pic>
-      <p:cxnSp>
-        <p:nvCxnSpPr>
-          <p:cNvPr id="14" name="Connettore diritto 13">
-            <a:extLst>
-              <a:ext uri="{FF2B5EF4-FFF2-40B4-BE49-F238E27FC236}">
-                <a16:creationId xmlns:a16="http://schemas.microsoft.com/office/drawing/2014/main" id="{75BA2FA9-6C65-D20D-F931-0C94AD3FE3F3}"/>
-              </a:ext>
-            </a:extLst>
-          </p:cNvPr>
-          <p:cNvCxnSpPr>
-            <a:cxnSpLocks/>
-          </p:cNvCxnSpPr>
-          <p:nvPr/>
-        </p:nvCxnSpPr>
-        <p:spPr>
-          <a:xfrm>
-            <a:off x="2152650" y="3819525"/>
-            <a:ext cx="2414588" cy="1290638"/>
-          </a:xfrm>
-          <a:prstGeom prst="line">
-            <a:avLst/>
-          </a:prstGeom>
-          <a:ln w="9525">
-            <a:solidFill>
-              <a:srgbClr val="660708"/>
-            </a:solidFill>
-            <a:prstDash val="dashDot"/>
-          </a:ln>
-        </p:spPr>
-        <p:style>
-          <a:lnRef idx="2">
-            <a:schemeClr val="accent1"/>
-          </a:lnRef>
-          <a:fillRef idx="0">
-            <a:schemeClr val="accent1"/>
-          </a:fillRef>
-          <a:effectRef idx="1">
-            <a:schemeClr val="accent1"/>
-          </a:effectRef>
-          <a:fontRef idx="minor">
-            <a:schemeClr val="tx1"/>
-          </a:fontRef>
-        </p:style>
-      </p:cxnSp>
+        </p:grpSpPr>
+        <p:grpSp>
+          <p:nvGrpSpPr>
+            <p:cNvPr id="47" name="Gruppo 46">
+              <a:extLst>
+                <a:ext uri="{FF2B5EF4-FFF2-40B4-BE49-F238E27FC236}">
+                  <a16:creationId xmlns:a16="http://schemas.microsoft.com/office/drawing/2014/main" id="{8F46F7D6-4997-88BC-30CD-CB985A1A06AD}"/>
+                </a:ext>
+              </a:extLst>
+            </p:cNvPr>
+            <p:cNvGrpSpPr/>
+            <p:nvPr/>
+          </p:nvGrpSpPr>
+          <p:grpSpPr>
+            <a:xfrm>
+              <a:off x="5542903" y="2596838"/>
+              <a:ext cx="2158188" cy="1311149"/>
+              <a:chOff x="5716982" y="2569020"/>
+              <a:chExt cx="2158188" cy="1311149"/>
+            </a:xfrm>
+          </p:grpSpPr>
+          <p:pic>
+            <p:nvPicPr>
+              <p:cNvPr id="45" name="Immagine 44" descr="Immagine che contiene elettronica, Componente elettrico, Componente di circuito, circuito&#10;&#10;Descrizione generata automaticamente">
+                <a:extLst>
+                  <a:ext uri="{FF2B5EF4-FFF2-40B4-BE49-F238E27FC236}">
+                    <a16:creationId xmlns:a16="http://schemas.microsoft.com/office/drawing/2014/main" id="{430B0EFA-D8B8-5B72-3AD8-AC8E7005AE09}"/>
+                  </a:ext>
+                </a:extLst>
+              </p:cNvPr>
+              <p:cNvPicPr>
+                <a:picLocks noChangeAspect="1"/>
+              </p:cNvPicPr>
+              <p:nvPr/>
+            </p:nvPicPr>
+            <p:blipFill>
+              <a:blip r:embed="rId2">
+                <a:extLst>
+                  <a:ext uri="{28A0092B-C50C-407E-A947-70E740481C1C}">
+                    <a14:useLocalDpi xmlns:a14="http://schemas.microsoft.com/office/drawing/2010/main" val="0"/>
+                  </a:ext>
+                </a:extLst>
+              </a:blip>
+              <a:stretch>
+                <a:fillRect/>
+              </a:stretch>
+            </p:blipFill>
+            <p:spPr>
+              <a:xfrm rot="5400000">
+                <a:off x="6005737" y="2616580"/>
+                <a:ext cx="505320" cy="1082829"/>
+              </a:xfrm>
+              <a:prstGeom prst="rect">
+                <a:avLst/>
+              </a:prstGeom>
+            </p:spPr>
+          </p:pic>
+          <p:pic>
+            <p:nvPicPr>
+              <p:cNvPr id="46" name="Elemento grafico 45" descr="Portatile con riempimento a tinta unita">
+                <a:extLst>
+                  <a:ext uri="{FF2B5EF4-FFF2-40B4-BE49-F238E27FC236}">
+                    <a16:creationId xmlns:a16="http://schemas.microsoft.com/office/drawing/2014/main" id="{BE81BE2D-695F-3F27-2F19-9908C5277CBE}"/>
+                  </a:ext>
+                </a:extLst>
+              </p:cNvPr>
+              <p:cNvPicPr>
+                <a:picLocks noChangeAspect="1"/>
+              </p:cNvPicPr>
+              <p:nvPr/>
+            </p:nvPicPr>
+            <p:blipFill>
+              <a:blip r:embed="rId17">
+                <a:extLst>
+                  <a:ext uri="{28A0092B-C50C-407E-A947-70E740481C1C}">
+                    <a14:useLocalDpi xmlns:a14="http://schemas.microsoft.com/office/drawing/2010/main" val="0"/>
+                  </a:ext>
+                  <a:ext uri="{96DAC541-7B7A-43D3-8B79-37D633B846F1}">
+                    <asvg:svgBlip xmlns:asvg="http://schemas.microsoft.com/office/drawing/2016/SVG/main" r:embed="rId18"/>
+                  </a:ext>
+                </a:extLst>
+              </a:blip>
+              <a:stretch>
+                <a:fillRect/>
+              </a:stretch>
+            </p:blipFill>
+            <p:spPr>
+              <a:xfrm>
+                <a:off x="6564021" y="2569020"/>
+                <a:ext cx="1311149" cy="1311149"/>
+              </a:xfrm>
+              <a:prstGeom prst="rect">
+                <a:avLst/>
+              </a:prstGeom>
+            </p:spPr>
+          </p:pic>
+        </p:grpSp>
+        <p:sp>
+          <p:nvSpPr>
+            <p:cNvPr id="48" name="CasellaDiTesto 47">
+              <a:extLst>
+                <a:ext uri="{FF2B5EF4-FFF2-40B4-BE49-F238E27FC236}">
+                  <a16:creationId xmlns:a16="http://schemas.microsoft.com/office/drawing/2014/main" id="{29E79DE6-7019-2401-6D70-92FF0D7DCD1A}"/>
+                </a:ext>
+              </a:extLst>
+            </p:cNvPr>
+            <p:cNvSpPr txBox="1"/>
+            <p:nvPr/>
+          </p:nvSpPr>
+          <p:spPr>
+            <a:xfrm>
+              <a:off x="5291035" y="3370096"/>
+              <a:ext cx="1225265" cy="215444"/>
+            </a:xfrm>
+            <a:prstGeom prst="rect">
+              <a:avLst/>
+            </a:prstGeom>
+            <a:noFill/>
+          </p:spPr>
+          <p:txBody>
+            <a:bodyPr wrap="square" rtlCol="0">
+              <a:spAutoFit/>
+            </a:bodyPr>
+            <a:lstStyle/>
+            <a:p>
+              <a:pPr algn="ctr"/>
+              <a:r>
+                <a:rPr lang="it-IT" sz="800" b="1" dirty="0">
+                  <a:solidFill>
+                    <a:srgbClr val="F5F3F4"/>
+                  </a:solidFill>
+                  <a:latin typeface="Calibri" panose="020F0502020204030204" pitchFamily="34" charset="0"/>
+                  <a:ea typeface="Calibri" panose="020F0502020204030204" pitchFamily="34" charset="0"/>
+                  <a:cs typeface="Calibri" panose="020F0502020204030204" pitchFamily="34" charset="0"/>
+                </a:rPr>
+                <a:t>BORDER ROUTER</a:t>
+              </a:r>
+            </a:p>
+          </p:txBody>
+        </p:sp>
+      </p:grpSp>
       <p:sp>
         <p:nvSpPr>
-          <p:cNvPr id="31" name="CasellaDiTesto 30">
-            <a:extLst>
-              <a:ext uri="{FF2B5EF4-FFF2-40B4-BE49-F238E27FC236}">
-                <a16:creationId xmlns:a16="http://schemas.microsoft.com/office/drawing/2014/main" id="{07994B65-FE5B-6D95-19C7-C4694421AF68}"/>
+          <p:cNvPr id="61" name="CasellaDiTesto 60">
+            <a:extLst>
+              <a:ext uri="{FF2B5EF4-FFF2-40B4-BE49-F238E27FC236}">
+                <a16:creationId xmlns:a16="http://schemas.microsoft.com/office/drawing/2014/main" id="{FE71F07D-4794-C590-B00E-028EADFEFB66}"/>
               </a:ext>
             </a:extLst>
           </p:cNvPr>
@@ -14392,8 +9095,8 @@
         </p:nvSpPr>
         <p:spPr>
           <a:xfrm>
-            <a:off x="6177678" y="2440497"/>
-            <a:ext cx="2575560" cy="261610"/>
+            <a:off x="987061" y="833658"/>
+            <a:ext cx="991214" cy="276999"/>
           </a:xfrm>
           <a:prstGeom prst="rect">
             <a:avLst/>
@@ -14408,50 +9111,7 @@
           <a:p>
             <a:pPr algn="ctr"/>
             <a:r>
-              <a:rPr lang="it-IT" sz="1050" b="1" dirty="0">
-                <a:solidFill>
-                  <a:srgbClr val="FCA311"/>
-                </a:solidFill>
-                <a:latin typeface="Calibri" panose="020F0502020204030204" pitchFamily="34" charset="0"/>
-                <a:ea typeface="Calibri" panose="020F0502020204030204" pitchFamily="34" charset="0"/>
-                <a:cs typeface="Calibri" panose="020F0502020204030204" pitchFamily="34" charset="0"/>
-              </a:rPr>
-              <a:t>CRITICAL ROOM</a:t>
-            </a:r>
-          </a:p>
-        </p:txBody>
-      </p:sp>
-      <p:sp>
-        <p:nvSpPr>
-          <p:cNvPr id="33" name="CasellaDiTesto 32">
-            <a:extLst>
-              <a:ext uri="{FF2B5EF4-FFF2-40B4-BE49-F238E27FC236}">
-                <a16:creationId xmlns:a16="http://schemas.microsoft.com/office/drawing/2014/main" id="{EAE226A5-22A3-8D12-7024-656B23C1B5AA}"/>
-              </a:ext>
-            </a:extLst>
-          </p:cNvPr>
-          <p:cNvSpPr txBox="1"/>
-          <p:nvPr/>
-        </p:nvSpPr>
-        <p:spPr>
-          <a:xfrm>
-            <a:off x="1648420" y="3273390"/>
-            <a:ext cx="991214" cy="338554"/>
-          </a:xfrm>
-          <a:prstGeom prst="rect">
-            <a:avLst/>
-          </a:prstGeom>
-          <a:noFill/>
-        </p:spPr>
-        <p:txBody>
-          <a:bodyPr wrap="square" rtlCol="0">
-            <a:spAutoFit/>
-          </a:bodyPr>
-          <a:lstStyle/>
-          <a:p>
-            <a:pPr algn="ctr"/>
-            <a:r>
-              <a:rPr lang="it-IT" sz="800" b="1" dirty="0">
+              <a:rPr lang="it-IT" sz="1200" b="1" dirty="0">
                 <a:solidFill>
                   <a:schemeClr val="bg1"/>
                 </a:solidFill>
@@ -14459,515 +9119,23 @@
                 <a:ea typeface="Calibri" panose="020F0502020204030204" pitchFamily="34" charset="0"/>
                 <a:cs typeface="Calibri" panose="020F0502020204030204" pitchFamily="34" charset="0"/>
               </a:rPr>
-              <a:t>MOVEMENT SENSOR</a:t>
+              <a:t>WSN</a:t>
             </a:r>
+            <a:endParaRPr lang="it-IT" sz="1100" b="1" dirty="0">
+              <a:solidFill>
+                <a:schemeClr val="bg1"/>
+              </a:solidFill>
+              <a:latin typeface="Calibri" panose="020F0502020204030204" pitchFamily="34" charset="0"/>
+              <a:ea typeface="Calibri" panose="020F0502020204030204" pitchFamily="34" charset="0"/>
+              <a:cs typeface="Calibri" panose="020F0502020204030204" pitchFamily="34" charset="0"/>
+            </a:endParaRPr>
           </a:p>
         </p:txBody>
       </p:sp>
-      <p:sp>
-        <p:nvSpPr>
-          <p:cNvPr id="37" name="Rettangolo con angoli arrotondati 36">
-            <a:extLst>
-              <a:ext uri="{FF2B5EF4-FFF2-40B4-BE49-F238E27FC236}">
-                <a16:creationId xmlns:a16="http://schemas.microsoft.com/office/drawing/2014/main" id="{651B3E8C-4D80-B140-B4D0-3925E001B393}"/>
-              </a:ext>
-            </a:extLst>
-          </p:cNvPr>
-          <p:cNvSpPr/>
-          <p:nvPr/>
-        </p:nvSpPr>
-        <p:spPr>
-          <a:xfrm>
-            <a:off x="3226827" y="1804558"/>
-            <a:ext cx="544289" cy="1112427"/>
-          </a:xfrm>
-          <a:prstGeom prst="roundRect">
-            <a:avLst>
-              <a:gd name="adj" fmla="val 8991"/>
-            </a:avLst>
-          </a:prstGeom>
-          <a:noFill/>
-          <a:ln w="28575">
-            <a:solidFill>
-              <a:srgbClr val="F5F3F4"/>
-            </a:solidFill>
-          </a:ln>
-        </p:spPr>
-        <p:style>
-          <a:lnRef idx="2">
-            <a:schemeClr val="accent1">
-              <a:shade val="15000"/>
-            </a:schemeClr>
-          </a:lnRef>
-          <a:fillRef idx="1">
-            <a:schemeClr val="accent1"/>
-          </a:fillRef>
-          <a:effectRef idx="0">
-            <a:schemeClr val="accent1"/>
-          </a:effectRef>
-          <a:fontRef idx="minor">
-            <a:schemeClr val="lt1"/>
-          </a:fontRef>
-        </p:style>
-        <p:txBody>
-          <a:bodyPr rtlCol="0" anchor="ctr"/>
-          <a:lstStyle/>
-          <a:p>
-            <a:pPr algn="ctr"/>
-            <a:endParaRPr lang="it-IT"/>
-          </a:p>
-        </p:txBody>
-      </p:sp>
-      <p:sp>
-        <p:nvSpPr>
-          <p:cNvPr id="67" name="Ovale 66">
-            <a:extLst>
-              <a:ext uri="{FF2B5EF4-FFF2-40B4-BE49-F238E27FC236}">
-                <a16:creationId xmlns:a16="http://schemas.microsoft.com/office/drawing/2014/main" id="{FC21D54E-DC18-ADDE-67BC-F851FAD55164}"/>
-              </a:ext>
-            </a:extLst>
-          </p:cNvPr>
-          <p:cNvSpPr/>
-          <p:nvPr/>
-        </p:nvSpPr>
-        <p:spPr>
-          <a:xfrm>
-            <a:off x="3421821" y="1963585"/>
-            <a:ext cx="154300" cy="154300"/>
-          </a:xfrm>
-          <a:prstGeom prst="ellipse">
-            <a:avLst/>
-          </a:prstGeom>
-          <a:solidFill>
-            <a:srgbClr val="BA181B"/>
-          </a:solidFill>
-          <a:ln>
-            <a:noFill/>
-          </a:ln>
-        </p:spPr>
-        <p:style>
-          <a:lnRef idx="2">
-            <a:schemeClr val="accent1">
-              <a:shade val="15000"/>
-            </a:schemeClr>
-          </a:lnRef>
-          <a:fillRef idx="1">
-            <a:schemeClr val="accent1"/>
-          </a:fillRef>
-          <a:effectRef idx="0">
-            <a:schemeClr val="accent1"/>
-          </a:effectRef>
-          <a:fontRef idx="minor">
-            <a:schemeClr val="lt1"/>
-          </a:fontRef>
-        </p:style>
-        <p:txBody>
-          <a:bodyPr rtlCol="0" anchor="ctr"/>
-          <a:lstStyle/>
-          <a:p>
-            <a:pPr algn="ctr"/>
-            <a:endParaRPr lang="it-IT"/>
-          </a:p>
-        </p:txBody>
-      </p:sp>
-      <p:sp>
-        <p:nvSpPr>
-          <p:cNvPr id="68" name="Ovale 67">
-            <a:extLst>
-              <a:ext uri="{FF2B5EF4-FFF2-40B4-BE49-F238E27FC236}">
-                <a16:creationId xmlns:a16="http://schemas.microsoft.com/office/drawing/2014/main" id="{C138992D-F9D8-AFF8-B7C6-092917F6A15C}"/>
-              </a:ext>
-            </a:extLst>
-          </p:cNvPr>
-          <p:cNvSpPr/>
-          <p:nvPr/>
-        </p:nvSpPr>
-        <p:spPr>
-          <a:xfrm>
-            <a:off x="3421821" y="2286197"/>
-            <a:ext cx="154300" cy="154300"/>
-          </a:xfrm>
-          <a:prstGeom prst="ellipse">
-            <a:avLst/>
-          </a:prstGeom>
-          <a:solidFill>
-            <a:srgbClr val="FCA311"/>
-          </a:solidFill>
-          <a:ln>
-            <a:noFill/>
-          </a:ln>
-        </p:spPr>
-        <p:style>
-          <a:lnRef idx="2">
-            <a:schemeClr val="accent1">
-              <a:shade val="15000"/>
-            </a:schemeClr>
-          </a:lnRef>
-          <a:fillRef idx="1">
-            <a:schemeClr val="accent1"/>
-          </a:fillRef>
-          <a:effectRef idx="0">
-            <a:schemeClr val="accent1"/>
-          </a:effectRef>
-          <a:fontRef idx="minor">
-            <a:schemeClr val="lt1"/>
-          </a:fontRef>
-        </p:style>
-        <p:txBody>
-          <a:bodyPr rtlCol="0" anchor="ctr"/>
-          <a:lstStyle/>
-          <a:p>
-            <a:pPr algn="ctr"/>
-            <a:endParaRPr lang="it-IT"/>
-          </a:p>
-        </p:txBody>
-      </p:sp>
-      <p:sp>
-        <p:nvSpPr>
-          <p:cNvPr id="69" name="Ovale 68">
-            <a:extLst>
-              <a:ext uri="{FF2B5EF4-FFF2-40B4-BE49-F238E27FC236}">
-                <a16:creationId xmlns:a16="http://schemas.microsoft.com/office/drawing/2014/main" id="{EC727F5B-9E15-D79E-99FC-340E0B75AC55}"/>
-              </a:ext>
-            </a:extLst>
-          </p:cNvPr>
-          <p:cNvSpPr/>
-          <p:nvPr/>
-        </p:nvSpPr>
-        <p:spPr>
-          <a:xfrm>
-            <a:off x="3425238" y="2601591"/>
-            <a:ext cx="154300" cy="154300"/>
-          </a:xfrm>
-          <a:prstGeom prst="ellipse">
-            <a:avLst/>
-          </a:prstGeom>
-          <a:solidFill>
-            <a:srgbClr val="00B050"/>
-          </a:solidFill>
-          <a:ln>
-            <a:noFill/>
-          </a:ln>
-        </p:spPr>
-        <p:style>
-          <a:lnRef idx="2">
-            <a:schemeClr val="accent1">
-              <a:shade val="15000"/>
-            </a:schemeClr>
-          </a:lnRef>
-          <a:fillRef idx="1">
-            <a:schemeClr val="accent1"/>
-          </a:fillRef>
-          <a:effectRef idx="0">
-            <a:schemeClr val="accent1"/>
-          </a:effectRef>
-          <a:fontRef idx="minor">
-            <a:schemeClr val="lt1"/>
-          </a:fontRef>
-        </p:style>
-        <p:txBody>
-          <a:bodyPr rtlCol="0" anchor="ctr"/>
-          <a:lstStyle/>
-          <a:p>
-            <a:pPr algn="ctr"/>
-            <a:endParaRPr lang="it-IT"/>
-          </a:p>
-        </p:txBody>
-      </p:sp>
-      <p:cxnSp>
-        <p:nvCxnSpPr>
-          <p:cNvPr id="72" name="Connettore diritto 71">
-            <a:extLst>
-              <a:ext uri="{FF2B5EF4-FFF2-40B4-BE49-F238E27FC236}">
-                <a16:creationId xmlns:a16="http://schemas.microsoft.com/office/drawing/2014/main" id="{77FA27DB-E8EC-5860-2DED-A20EDE640830}"/>
-              </a:ext>
-            </a:extLst>
-          </p:cNvPr>
-          <p:cNvCxnSpPr>
-            <a:cxnSpLocks/>
-            <a:stCxn id="37" idx="3"/>
-          </p:cNvCxnSpPr>
-          <p:nvPr/>
-        </p:nvCxnSpPr>
-        <p:spPr>
-          <a:xfrm>
-            <a:off x="3771116" y="2360772"/>
-            <a:ext cx="1131483" cy="1068228"/>
-          </a:xfrm>
-          <a:prstGeom prst="line">
-            <a:avLst/>
-          </a:prstGeom>
-          <a:ln>
-            <a:solidFill>
-              <a:srgbClr val="F5F3F4"/>
-            </a:solidFill>
-          </a:ln>
-        </p:spPr>
-        <p:style>
-          <a:lnRef idx="2">
-            <a:schemeClr val="accent1"/>
-          </a:lnRef>
-          <a:fillRef idx="0">
-            <a:schemeClr val="accent1"/>
-          </a:fillRef>
-          <a:effectRef idx="1">
-            <a:schemeClr val="accent1"/>
-          </a:effectRef>
-          <a:fontRef idx="minor">
-            <a:schemeClr val="tx1"/>
-          </a:fontRef>
-        </p:style>
-      </p:cxnSp>
-      <p:sp>
-        <p:nvSpPr>
-          <p:cNvPr id="29" name="Rettangolo con angoli arrotondati 28">
-            <a:extLst>
-              <a:ext uri="{FF2B5EF4-FFF2-40B4-BE49-F238E27FC236}">
-                <a16:creationId xmlns:a16="http://schemas.microsoft.com/office/drawing/2014/main" id="{7FFD7DA7-F969-4874-8194-115BC289D30F}"/>
-              </a:ext>
-            </a:extLst>
-          </p:cNvPr>
-          <p:cNvSpPr/>
-          <p:nvPr/>
-        </p:nvSpPr>
-        <p:spPr>
-          <a:xfrm>
-            <a:off x="4902600" y="2360772"/>
-            <a:ext cx="5136750" cy="3069906"/>
-          </a:xfrm>
-          <a:prstGeom prst="roundRect">
-            <a:avLst>
-              <a:gd name="adj" fmla="val 8991"/>
-            </a:avLst>
-          </a:prstGeom>
-          <a:noFill/>
-          <a:ln w="12700">
-            <a:solidFill>
-              <a:srgbClr val="FCA311"/>
-            </a:solidFill>
-          </a:ln>
-        </p:spPr>
-        <p:style>
-          <a:lnRef idx="2">
-            <a:schemeClr val="accent1">
-              <a:shade val="15000"/>
-            </a:schemeClr>
-          </a:lnRef>
-          <a:fillRef idx="1">
-            <a:schemeClr val="accent1"/>
-          </a:fillRef>
-          <a:effectRef idx="0">
-            <a:schemeClr val="accent1"/>
-          </a:effectRef>
-          <a:fontRef idx="minor">
-            <a:schemeClr val="lt1"/>
-          </a:fontRef>
-        </p:style>
-        <p:txBody>
-          <a:bodyPr rtlCol="0" anchor="ctr"/>
-          <a:lstStyle/>
-          <a:p>
-            <a:pPr algn="ctr"/>
-            <a:endParaRPr lang="it-IT"/>
-          </a:p>
-        </p:txBody>
-      </p:sp>
-      <p:sp>
-        <p:nvSpPr>
-          <p:cNvPr id="30" name="Rettangolo 29">
-            <a:extLst>
-              <a:ext uri="{FF2B5EF4-FFF2-40B4-BE49-F238E27FC236}">
-                <a16:creationId xmlns:a16="http://schemas.microsoft.com/office/drawing/2014/main" id="{7885BC51-F122-DA60-7A69-083A5F242E70}"/>
-              </a:ext>
-            </a:extLst>
-          </p:cNvPr>
-          <p:cNvSpPr/>
-          <p:nvPr/>
-        </p:nvSpPr>
-        <p:spPr>
-          <a:xfrm>
-            <a:off x="4707416" y="5194304"/>
-            <a:ext cx="5516084" cy="257171"/>
-          </a:xfrm>
-          <a:prstGeom prst="rect">
-            <a:avLst/>
-          </a:prstGeom>
-          <a:solidFill>
-            <a:srgbClr val="161A1D"/>
-          </a:solidFill>
-          <a:ln>
-            <a:noFill/>
-          </a:ln>
-        </p:spPr>
-        <p:style>
-          <a:lnRef idx="2">
-            <a:schemeClr val="accent1">
-              <a:shade val="15000"/>
-            </a:schemeClr>
-          </a:lnRef>
-          <a:fillRef idx="1">
-            <a:schemeClr val="accent1"/>
-          </a:fillRef>
-          <a:effectRef idx="0">
-            <a:schemeClr val="accent1"/>
-          </a:effectRef>
-          <a:fontRef idx="minor">
-            <a:schemeClr val="lt1"/>
-          </a:fontRef>
-        </p:style>
-        <p:txBody>
-          <a:bodyPr rtlCol="0" anchor="ctr"/>
-          <a:lstStyle/>
-          <a:p>
-            <a:pPr algn="ctr"/>
-            <a:endParaRPr lang="it-IT"/>
-          </a:p>
-        </p:txBody>
-      </p:sp>
-      <p:sp>
-        <p:nvSpPr>
-          <p:cNvPr id="76" name="Rettangolo con angoli arrotondati 75">
-            <a:extLst>
-              <a:ext uri="{FF2B5EF4-FFF2-40B4-BE49-F238E27FC236}">
-                <a16:creationId xmlns:a16="http://schemas.microsoft.com/office/drawing/2014/main" id="{96BC7815-417A-17D5-2897-A40D63F2FB52}"/>
-              </a:ext>
-            </a:extLst>
-          </p:cNvPr>
-          <p:cNvSpPr/>
-          <p:nvPr/>
-        </p:nvSpPr>
-        <p:spPr>
-          <a:xfrm>
-            <a:off x="4856702" y="4079238"/>
-            <a:ext cx="91794" cy="1115066"/>
-          </a:xfrm>
-          <a:prstGeom prst="roundRect">
-            <a:avLst>
-              <a:gd name="adj" fmla="val 8991"/>
-            </a:avLst>
-          </a:prstGeom>
-          <a:solidFill>
-            <a:srgbClr val="161A1D"/>
-          </a:solidFill>
-          <a:ln w="12700">
-            <a:noFill/>
-          </a:ln>
-        </p:spPr>
-        <p:style>
-          <a:lnRef idx="2">
-            <a:schemeClr val="accent1">
-              <a:shade val="15000"/>
-            </a:schemeClr>
-          </a:lnRef>
-          <a:fillRef idx="1">
-            <a:schemeClr val="accent1"/>
-          </a:fillRef>
-          <a:effectRef idx="0">
-            <a:schemeClr val="accent1"/>
-          </a:effectRef>
-          <a:fontRef idx="minor">
-            <a:schemeClr val="lt1"/>
-          </a:fontRef>
-        </p:style>
-        <p:txBody>
-          <a:bodyPr rtlCol="0" anchor="ctr"/>
-          <a:lstStyle/>
-          <a:p>
-            <a:pPr algn="ctr"/>
-            <a:endParaRPr lang="it-IT"/>
-          </a:p>
-        </p:txBody>
-      </p:sp>
-      <p:sp>
-        <p:nvSpPr>
-          <p:cNvPr id="78" name="CasellaDiTesto 77">
-            <a:extLst>
-              <a:ext uri="{FF2B5EF4-FFF2-40B4-BE49-F238E27FC236}">
-                <a16:creationId xmlns:a16="http://schemas.microsoft.com/office/drawing/2014/main" id="{4C2A5C0D-9FBC-AF8D-18CE-E85D311FA681}"/>
-              </a:ext>
-            </a:extLst>
-          </p:cNvPr>
-          <p:cNvSpPr txBox="1"/>
-          <p:nvPr/>
-        </p:nvSpPr>
-        <p:spPr>
-          <a:xfrm>
-            <a:off x="3003364" y="1556263"/>
-            <a:ext cx="991214" cy="215444"/>
-          </a:xfrm>
-          <a:prstGeom prst="rect">
-            <a:avLst/>
-          </a:prstGeom>
-          <a:noFill/>
-        </p:spPr>
-        <p:txBody>
-          <a:bodyPr wrap="square" rtlCol="0">
-            <a:spAutoFit/>
-          </a:bodyPr>
-          <a:lstStyle/>
-          <a:p>
-            <a:pPr algn="ctr"/>
-            <a:r>
-              <a:rPr lang="it-IT" sz="800" b="1" dirty="0">
-                <a:solidFill>
-                  <a:schemeClr val="bg1"/>
-                </a:solidFill>
-                <a:latin typeface="Calibri" panose="020F0502020204030204" pitchFamily="34" charset="0"/>
-                <a:ea typeface="Calibri" panose="020F0502020204030204" pitchFamily="34" charset="0"/>
-                <a:cs typeface="Calibri" panose="020F0502020204030204" pitchFamily="34" charset="0"/>
-              </a:rPr>
-              <a:t>ROOM STATUS</a:t>
-            </a:r>
-          </a:p>
-        </p:txBody>
-      </p:sp>
-      <p:cxnSp>
-        <p:nvCxnSpPr>
-          <p:cNvPr id="3" name="Connettore diritto 2">
-            <a:extLst>
-              <a:ext uri="{FF2B5EF4-FFF2-40B4-BE49-F238E27FC236}">
-                <a16:creationId xmlns:a16="http://schemas.microsoft.com/office/drawing/2014/main" id="{5E025A52-33A0-A970-E923-EAD88F137F19}"/>
-              </a:ext>
-            </a:extLst>
-          </p:cNvPr>
-          <p:cNvCxnSpPr>
-            <a:cxnSpLocks/>
-          </p:cNvCxnSpPr>
-          <p:nvPr/>
-        </p:nvCxnSpPr>
-        <p:spPr>
-          <a:xfrm>
-            <a:off x="1648420" y="5190175"/>
-            <a:ext cx="8895159" cy="0"/>
-          </a:xfrm>
-          <a:prstGeom prst="line">
-            <a:avLst/>
-          </a:prstGeom>
-          <a:ln w="38100">
-            <a:solidFill>
-              <a:srgbClr val="D3D3D3"/>
-            </a:solidFill>
-          </a:ln>
-        </p:spPr>
-        <p:style>
-          <a:lnRef idx="2">
-            <a:schemeClr val="accent1"/>
-          </a:lnRef>
-          <a:fillRef idx="0">
-            <a:schemeClr val="accent1"/>
-          </a:fillRef>
-          <a:effectRef idx="1">
-            <a:schemeClr val="accent1"/>
-          </a:effectRef>
-          <a:fontRef idx="minor">
-            <a:schemeClr val="tx1"/>
-          </a:fontRef>
-        </p:style>
-      </p:cxnSp>
     </p:spTree>
     <p:extLst>
       <p:ext uri="{BB962C8B-B14F-4D97-AF65-F5344CB8AC3E}">
-        <p14:creationId xmlns:p14="http://schemas.microsoft.com/office/powerpoint/2010/main" val="1149572287"/>
+        <p14:creationId xmlns:p14="http://schemas.microsoft.com/office/powerpoint/2010/main" val="36422499"/>
       </p:ext>
     </p:extLst>
   </p:cSld>
